--- a/doc/1. 화면정의서/STUMO_화면정의서.pptx
+++ b/doc/1. 화면정의서/STUMO_화면정의서.pptx
@@ -9,8 +9,10 @@
     <p:sldId id="261" r:id="rId3"/>
     <p:sldId id="258" r:id="rId4"/>
     <p:sldId id="277" r:id="rId5"/>
-    <p:sldId id="286" r:id="rId6"/>
-    <p:sldId id="285" r:id="rId7"/>
+    <p:sldId id="287" r:id="rId6"/>
+    <p:sldId id="286" r:id="rId7"/>
+    <p:sldId id="288" r:id="rId8"/>
+    <p:sldId id="285" r:id="rId9"/>
   </p:sldIdLst>
   <p:sldSz cx="12192000" cy="6858000"/>
   <p:notesSz cx="6858000" cy="9144000"/>
@@ -3720,18 +3722,6 @@
   <p:clrMapOvr>
     <a:masterClrMapping/>
   </p:clrMapOvr>
-  <mc:AlternateContent xmlns:mc="http://schemas.openxmlformats.org/markup-compatibility/2006" xmlns:p159="http://schemas.microsoft.com/office/powerpoint/2015/09/main">
-    <mc:Choice Requires="p159">
-      <p:transition xmlns:p14="http://schemas.microsoft.com/office/powerpoint/2010/main" spd="slow" p14:dur="2000">
-        <p159:morph option="byObject"/>
-      </p:transition>
-    </mc:Choice>
-    <mc:Fallback xmlns="">
-      <p:transition spd="slow">
-        <p:fade/>
-      </p:transition>
-    </mc:Fallback>
-  </mc:AlternateContent>
 </p:sld>
 </file>
 
@@ -3809,7 +3799,7 @@
         </p:nvCxnSpPr>
         <p:spPr>
           <a:xfrm>
-            <a:off x="802105" y="1540042"/>
+            <a:off x="802105" y="1175973"/>
             <a:ext cx="5293895" cy="0"/>
           </a:xfrm>
           <a:prstGeom prst="line">
@@ -3851,7 +3841,7 @@
         <p:spPr>
           <a:xfrm>
             <a:off x="802105" y="611196"/>
-            <a:ext cx="1466107" cy="707886"/>
+            <a:ext cx="912237" cy="477054"/>
           </a:xfrm>
           <a:prstGeom prst="rect">
             <a:avLst/>
@@ -3865,7 +3855,7 @@
           <a:lstStyle/>
           <a:p>
             <a:r>
-              <a:rPr lang="en-US" altLang="ko-KR" sz="4000" spc="-300" dirty="0">
+              <a:rPr lang="en-US" altLang="ko-KR" sz="2500" spc="-300" dirty="0">
                 <a:solidFill>
                   <a:schemeClr val="bg1"/>
                 </a:solidFill>
@@ -3873,7 +3863,7 @@
               </a:rPr>
               <a:t>INDEX</a:t>
             </a:r>
-            <a:endParaRPr lang="ko-KR" altLang="en-US" sz="4000" spc="-300" dirty="0">
+            <a:endParaRPr lang="ko-KR" altLang="en-US" sz="2500" spc="-300" dirty="0">
               <a:solidFill>
                 <a:schemeClr val="bg1"/>
               </a:solidFill>
@@ -3896,10 +3886,10 @@
         </p:nvGrpSpPr>
         <p:grpSpPr>
           <a:xfrm>
-            <a:off x="802105" y="2388685"/>
-            <a:ext cx="2683976" cy="523220"/>
+            <a:off x="802105" y="1443625"/>
+            <a:ext cx="1276539" cy="307777"/>
             <a:chOff x="802105" y="2134906"/>
-            <a:chExt cx="2683976" cy="523220"/>
+            <a:chExt cx="1276539" cy="307777"/>
           </a:xfrm>
         </p:grpSpPr>
         <p:sp>
@@ -3917,7 +3907,7 @@
           <p:spPr>
             <a:xfrm>
               <a:off x="802105" y="2134906"/>
-              <a:ext cx="684803" cy="523220"/>
+              <a:ext cx="444352" cy="307777"/>
             </a:xfrm>
             <a:prstGeom prst="rect">
               <a:avLst/>
@@ -3931,7 +3921,7 @@
             <a:lstStyle/>
             <a:p>
               <a:r>
-                <a:rPr lang="en-US" altLang="ko-KR" sz="2800" spc="300" dirty="0">
+                <a:rPr lang="en-US" altLang="ko-KR" sz="1400" spc="300" dirty="0">
                   <a:solidFill>
                     <a:schemeClr val="bg1"/>
                   </a:solidFill>
@@ -3939,7 +3929,7 @@
                 </a:rPr>
                 <a:t>01</a:t>
               </a:r>
-              <a:endParaRPr lang="ko-KR" altLang="en-US" sz="2800" spc="300" dirty="0">
+              <a:endParaRPr lang="ko-KR" altLang="en-US" sz="1400" spc="300" dirty="0">
                 <a:solidFill>
                   <a:schemeClr val="bg1"/>
                 </a:solidFill>
@@ -3963,7 +3953,7 @@
           <p:spPr>
             <a:xfrm>
               <a:off x="1611850" y="2134906"/>
-              <a:ext cx="1874231" cy="523220"/>
+              <a:ext cx="466794" cy="307777"/>
             </a:xfrm>
             <a:prstGeom prst="rect">
               <a:avLst/>
@@ -3977,12 +3967,12 @@
             <a:lstStyle/>
             <a:p>
               <a:r>
-                <a:rPr lang="ko-KR" altLang="en-US" sz="2800" spc="-300" dirty="0">
+                <a:rPr lang="ko-KR" altLang="en-US" sz="1400" spc="-300" dirty="0">
                   <a:solidFill>
                     <a:schemeClr val="bg1"/>
                   </a:solidFill>
                 </a:rPr>
-                <a:t>메인  페이지</a:t>
+                <a:t>메인</a:t>
               </a:r>
             </a:p>
           </p:txBody>
@@ -3990,10 +3980,10 @@
       </p:grpSp>
       <p:grpSp>
         <p:nvGrpSpPr>
-          <p:cNvPr id="11" name="그룹 10">
-            <a:extLst>
-              <a:ext uri="{FF2B5EF4-FFF2-40B4-BE49-F238E27FC236}">
-                <a16:creationId xmlns:a16="http://schemas.microsoft.com/office/drawing/2014/main" id="{7170C8F1-8653-4C7C-AC3A-E023FAFF0B0D}"/>
+          <p:cNvPr id="2" name="그룹 1">
+            <a:extLst>
+              <a:ext uri="{FF2B5EF4-FFF2-40B4-BE49-F238E27FC236}">
+                <a16:creationId xmlns:a16="http://schemas.microsoft.com/office/drawing/2014/main" id="{267E73A2-0C16-881F-B70B-0F130FBF127F}"/>
               </a:ext>
             </a:extLst>
           </p:cNvPr>
@@ -4002,18 +3992,18 @@
         </p:nvGrpSpPr>
         <p:grpSpPr>
           <a:xfrm>
-            <a:off x="802105" y="3421169"/>
-            <a:ext cx="2363375" cy="523220"/>
+            <a:off x="802105" y="1935033"/>
+            <a:ext cx="1417604" cy="307777"/>
             <a:chOff x="802105" y="2134906"/>
-            <a:chExt cx="2363375" cy="523220"/>
+            <a:chExt cx="1417604" cy="307777"/>
           </a:xfrm>
         </p:grpSpPr>
         <p:sp>
           <p:nvSpPr>
-            <p:cNvPr id="12" name="TextBox 11">
+            <p:cNvPr id="4" name="TextBox 3">
               <a:extLst>
                 <a:ext uri="{FF2B5EF4-FFF2-40B4-BE49-F238E27FC236}">
-                  <a16:creationId xmlns:a16="http://schemas.microsoft.com/office/drawing/2014/main" id="{B139A89C-BF50-42A9-930D-549ED66528F1}"/>
+                  <a16:creationId xmlns:a16="http://schemas.microsoft.com/office/drawing/2014/main" id="{7B3CDB5A-7EA2-8BAA-E427-F7E3F7BDEF63}"/>
                 </a:ext>
               </a:extLst>
             </p:cNvPr>
@@ -4023,7 +4013,7 @@
           <p:spPr>
             <a:xfrm>
               <a:off x="802105" y="2134906"/>
-              <a:ext cx="753732" cy="523220"/>
+              <a:ext cx="444352" cy="307777"/>
             </a:xfrm>
             <a:prstGeom prst="rect">
               <a:avLst/>
@@ -4037,7 +4027,7 @@
             <a:lstStyle/>
             <a:p>
               <a:r>
-                <a:rPr lang="en-US" altLang="ko-KR" sz="2800" spc="300" dirty="0">
+                <a:rPr lang="en-US" altLang="ko-KR" sz="1400" spc="300" dirty="0">
                   <a:solidFill>
                     <a:schemeClr val="bg1"/>
                   </a:solidFill>
@@ -4045,7 +4035,7 @@
                 </a:rPr>
                 <a:t>02</a:t>
               </a:r>
-              <a:endParaRPr lang="ko-KR" altLang="en-US" sz="2800" spc="300" dirty="0">
+              <a:endParaRPr lang="ko-KR" altLang="en-US" sz="1400" spc="300" dirty="0">
                 <a:solidFill>
                   <a:schemeClr val="bg1"/>
                 </a:solidFill>
@@ -4056,10 +4046,10 @@
         </p:sp>
         <p:sp>
           <p:nvSpPr>
-            <p:cNvPr id="13" name="TextBox 12">
+            <p:cNvPr id="7" name="TextBox 6">
               <a:extLst>
                 <a:ext uri="{FF2B5EF4-FFF2-40B4-BE49-F238E27FC236}">
-                  <a16:creationId xmlns:a16="http://schemas.microsoft.com/office/drawing/2014/main" id="{FDB1BBAB-1DD4-40C2-81B9-827FAE86FEC9}"/>
+                  <a16:creationId xmlns:a16="http://schemas.microsoft.com/office/drawing/2014/main" id="{1B9BBF4F-571C-C24D-C669-2BB12C4C165A}"/>
                 </a:ext>
               </a:extLst>
             </p:cNvPr>
@@ -4069,7 +4059,7 @@
           <p:spPr>
             <a:xfrm>
               <a:off x="1611850" y="2134906"/>
-              <a:ext cx="1553630" cy="523220"/>
+              <a:ext cx="607859" cy="307777"/>
             </a:xfrm>
             <a:prstGeom prst="rect">
               <a:avLst/>
@@ -4083,12 +4073,12 @@
             <a:lstStyle/>
             <a:p>
               <a:r>
-                <a:rPr lang="ko-KR" altLang="en-US" sz="2800" spc="-300" dirty="0">
+                <a:rPr lang="ko-KR" altLang="en-US" sz="1400" spc="-300" dirty="0">
                   <a:solidFill>
                     <a:schemeClr val="bg1"/>
                   </a:solidFill>
                 </a:rPr>
-                <a:t>모임 모집</a:t>
+                <a:t>로그인</a:t>
               </a:r>
             </a:p>
           </p:txBody>
@@ -4096,10 +4086,10 @@
       </p:grpSp>
       <p:grpSp>
         <p:nvGrpSpPr>
-          <p:cNvPr id="14" name="그룹 13">
-            <a:extLst>
-              <a:ext uri="{FF2B5EF4-FFF2-40B4-BE49-F238E27FC236}">
-                <a16:creationId xmlns:a16="http://schemas.microsoft.com/office/drawing/2014/main" id="{EB747CD3-6CC6-4BD3-B10B-63BDB10AE0F1}"/>
+          <p:cNvPr id="20" name="그룹 19">
+            <a:extLst>
+              <a:ext uri="{FF2B5EF4-FFF2-40B4-BE49-F238E27FC236}">
+                <a16:creationId xmlns:a16="http://schemas.microsoft.com/office/drawing/2014/main" id="{99207933-E421-0D22-AB2B-01B357925B3D}"/>
               </a:ext>
             </a:extLst>
           </p:cNvPr>
@@ -4108,18 +4098,18 @@
         </p:nvGrpSpPr>
         <p:grpSpPr>
           <a:xfrm>
-            <a:off x="802105" y="4453653"/>
-            <a:ext cx="3365253" cy="523220"/>
+            <a:off x="802105" y="2422302"/>
+            <a:ext cx="1608362" cy="307777"/>
             <a:chOff x="802105" y="2134906"/>
-            <a:chExt cx="3365253" cy="523220"/>
+            <a:chExt cx="1608362" cy="307777"/>
           </a:xfrm>
         </p:grpSpPr>
         <p:sp>
           <p:nvSpPr>
-            <p:cNvPr id="15" name="TextBox 14">
+            <p:cNvPr id="21" name="TextBox 20">
               <a:extLst>
                 <a:ext uri="{FF2B5EF4-FFF2-40B4-BE49-F238E27FC236}">
-                  <a16:creationId xmlns:a16="http://schemas.microsoft.com/office/drawing/2014/main" id="{C1A0ADE3-27EA-4373-9F0D-CAAE18A5A8A1}"/>
+                  <a16:creationId xmlns:a16="http://schemas.microsoft.com/office/drawing/2014/main" id="{6A650754-61CF-DCEF-6C87-53855774A46A}"/>
                 </a:ext>
               </a:extLst>
             </p:cNvPr>
@@ -4129,7 +4119,7 @@
           <p:spPr>
             <a:xfrm>
               <a:off x="802105" y="2134906"/>
-              <a:ext cx="756938" cy="523220"/>
+              <a:ext cx="444352" cy="307777"/>
             </a:xfrm>
             <a:prstGeom prst="rect">
               <a:avLst/>
@@ -4143,7 +4133,7 @@
             <a:lstStyle/>
             <a:p>
               <a:r>
-                <a:rPr lang="en-US" altLang="ko-KR" sz="2800" spc="300" dirty="0">
+                <a:rPr lang="en-US" altLang="ko-KR" sz="1400" spc="300" dirty="0">
                   <a:solidFill>
                     <a:schemeClr val="bg1"/>
                   </a:solidFill>
@@ -4151,7 +4141,7 @@
                 </a:rPr>
                 <a:t>03</a:t>
               </a:r>
-              <a:endParaRPr lang="ko-KR" altLang="en-US" sz="2800" spc="300" dirty="0">
+              <a:endParaRPr lang="ko-KR" altLang="en-US" sz="1400" spc="300" dirty="0">
                 <a:solidFill>
                   <a:schemeClr val="bg1"/>
                 </a:solidFill>
@@ -4162,10 +4152,10 @@
         </p:sp>
         <p:sp>
           <p:nvSpPr>
-            <p:cNvPr id="16" name="TextBox 15">
+            <p:cNvPr id="22" name="TextBox 21">
               <a:extLst>
                 <a:ext uri="{FF2B5EF4-FFF2-40B4-BE49-F238E27FC236}">
-                  <a16:creationId xmlns:a16="http://schemas.microsoft.com/office/drawing/2014/main" id="{DD49F61C-6094-4167-9B37-F9572D4C0726}"/>
+                  <a16:creationId xmlns:a16="http://schemas.microsoft.com/office/drawing/2014/main" id="{F8A22E77-5BB5-33B1-3C64-F1C91AC716E8}"/>
                 </a:ext>
               </a:extLst>
             </p:cNvPr>
@@ -4175,7 +4165,7 @@
           <p:spPr>
             <a:xfrm>
               <a:off x="1611850" y="2134906"/>
-              <a:ext cx="2555508" cy="523220"/>
+              <a:ext cx="798617" cy="307777"/>
             </a:xfrm>
             <a:prstGeom prst="rect">
               <a:avLst/>
@@ -4189,118 +4179,12 @@
             <a:lstStyle/>
             <a:p>
               <a:r>
-                <a:rPr lang="ko-KR" altLang="en-US" sz="2800" spc="-300" dirty="0">
+                <a:rPr lang="ko-KR" altLang="en-US" sz="1400" spc="-300" dirty="0">
                   <a:solidFill>
                     <a:schemeClr val="bg1"/>
                   </a:solidFill>
                 </a:rPr>
-                <a:t>제목을 입력하세요</a:t>
-              </a:r>
-            </a:p>
-          </p:txBody>
-        </p:sp>
-      </p:grpSp>
-      <p:grpSp>
-        <p:nvGrpSpPr>
-          <p:cNvPr id="17" name="그룹 16">
-            <a:extLst>
-              <a:ext uri="{FF2B5EF4-FFF2-40B4-BE49-F238E27FC236}">
-                <a16:creationId xmlns:a16="http://schemas.microsoft.com/office/drawing/2014/main" id="{EF02CC46-B1FB-4C55-966C-AE30B967D48B}"/>
-              </a:ext>
-            </a:extLst>
-          </p:cNvPr>
-          <p:cNvGrpSpPr/>
-          <p:nvPr/>
-        </p:nvGrpSpPr>
-        <p:grpSpPr>
-          <a:xfrm>
-            <a:off x="802105" y="5486137"/>
-            <a:ext cx="3365253" cy="523220"/>
-            <a:chOff x="802105" y="2134906"/>
-            <a:chExt cx="3365253" cy="523220"/>
-          </a:xfrm>
-        </p:grpSpPr>
-        <p:sp>
-          <p:nvSpPr>
-            <p:cNvPr id="18" name="TextBox 17">
-              <a:extLst>
-                <a:ext uri="{FF2B5EF4-FFF2-40B4-BE49-F238E27FC236}">
-                  <a16:creationId xmlns:a16="http://schemas.microsoft.com/office/drawing/2014/main" id="{0BFD09C5-E6CF-49A7-93CF-0771D827C9F8}"/>
-                </a:ext>
-              </a:extLst>
-            </p:cNvPr>
-            <p:cNvSpPr txBox="1"/>
-            <p:nvPr/>
-          </p:nvSpPr>
-          <p:spPr>
-            <a:xfrm>
-              <a:off x="802105" y="2134906"/>
-              <a:ext cx="761747" cy="523220"/>
-            </a:xfrm>
-            <a:prstGeom prst="rect">
-              <a:avLst/>
-            </a:prstGeom>
-            <a:noFill/>
-          </p:spPr>
-          <p:txBody>
-            <a:bodyPr wrap="none" rtlCol="0">
-              <a:spAutoFit/>
-            </a:bodyPr>
-            <a:lstStyle/>
-            <a:p>
-              <a:r>
-                <a:rPr lang="en-US" altLang="ko-KR" sz="2800" spc="300" dirty="0">
-                  <a:solidFill>
-                    <a:schemeClr val="bg1"/>
-                  </a:solidFill>
-                  <a:latin typeface="+mj-lt"/>
-                </a:rPr>
-                <a:t>04</a:t>
-              </a:r>
-              <a:endParaRPr lang="ko-KR" altLang="en-US" sz="2800" spc="300" dirty="0">
-                <a:solidFill>
-                  <a:schemeClr val="bg1"/>
-                </a:solidFill>
-                <a:latin typeface="+mj-lt"/>
-              </a:endParaRPr>
-            </a:p>
-          </p:txBody>
-        </p:sp>
-        <p:sp>
-          <p:nvSpPr>
-            <p:cNvPr id="19" name="TextBox 18">
-              <a:extLst>
-                <a:ext uri="{FF2B5EF4-FFF2-40B4-BE49-F238E27FC236}">
-                  <a16:creationId xmlns:a16="http://schemas.microsoft.com/office/drawing/2014/main" id="{03E5C2C0-DA70-4CF3-B97A-7D44B2B0A087}"/>
-                </a:ext>
-              </a:extLst>
-            </p:cNvPr>
-            <p:cNvSpPr txBox="1"/>
-            <p:nvPr/>
-          </p:nvSpPr>
-          <p:spPr>
-            <a:xfrm>
-              <a:off x="1611850" y="2134906"/>
-              <a:ext cx="2555508" cy="523220"/>
-            </a:xfrm>
-            <a:prstGeom prst="rect">
-              <a:avLst/>
-            </a:prstGeom>
-            <a:noFill/>
-          </p:spPr>
-          <p:txBody>
-            <a:bodyPr wrap="none" rtlCol="0">
-              <a:spAutoFit/>
-            </a:bodyPr>
-            <a:lstStyle/>
-            <a:p>
-              <a:r>
-                <a:rPr lang="ko-KR" altLang="en-US" sz="2800" spc="-300" dirty="0">
-                  <a:solidFill>
-                    <a:schemeClr val="bg1"/>
-                  </a:solidFill>
-                </a:rPr>
-                <a:t>제목을 입력하세요</a:t>
+                <a:t>모임                                  모집</a:t>
               </a:r>
             </a:p>
           </p:txBody>
@@ -4316,18 +4200,6 @@
   <p:clrMapOvr>
     <a:masterClrMapping/>
   </p:clrMapOvr>
-  <mc:AlternateContent xmlns:mc="http://schemas.openxmlformats.org/markup-compatibility/2006" xmlns:p159="http://schemas.microsoft.com/office/powerpoint/2015/09/main">
-    <mc:Choice Requires="p159">
-      <p:transition xmlns:p14="http://schemas.microsoft.com/office/powerpoint/2010/main" spd="slow" p14:dur="2000">
-        <p159:morph option="byObject"/>
-      </p:transition>
-    </mc:Choice>
-    <mc:Fallback xmlns="">
-      <p:transition spd="slow">
-        <p:fade/>
-      </p:transition>
-    </mc:Fallback>
-  </mc:AlternateContent>
 </p:sld>
 </file>
 
@@ -4552,18 +4424,6 @@
   <p:clrMapOvr>
     <a:masterClrMapping/>
   </p:clrMapOvr>
-  <mc:AlternateContent xmlns:mc="http://schemas.openxmlformats.org/markup-compatibility/2006" xmlns:p159="http://schemas.microsoft.com/office/powerpoint/2015/09/main">
-    <mc:Choice Requires="p159">
-      <p:transition xmlns:p14="http://schemas.microsoft.com/office/powerpoint/2010/main" spd="slow" p14:dur="2000">
-        <p159:morph option="byObject"/>
-      </p:transition>
-    </mc:Choice>
-    <mc:Fallback xmlns="">
-      <p:transition spd="slow">
-        <p:fade/>
-      </p:transition>
-    </mc:Fallback>
-  </mc:AlternateContent>
 </p:sld>
 </file>
 
@@ -6230,7 +6090,7 @@
         <p:spPr>
           <a:xfrm>
             <a:off x="1219200" y="308215"/>
-            <a:ext cx="1257075" cy="338554"/>
+            <a:ext cx="595035" cy="338554"/>
           </a:xfrm>
           <a:prstGeom prst="rect">
             <a:avLst/>
@@ -6249,7 +6109,7 @@
                   <a:schemeClr val="accent2"/>
                 </a:solidFill>
               </a:rPr>
-              <a:t>메인 페이지</a:t>
+              <a:t>메인</a:t>
             </a:r>
           </a:p>
         </p:txBody>
@@ -6264,18 +6124,6 @@
   <p:clrMapOvr>
     <a:masterClrMapping/>
   </p:clrMapOvr>
-  <mc:AlternateContent xmlns:mc="http://schemas.openxmlformats.org/markup-compatibility/2006" xmlns:p159="http://schemas.microsoft.com/office/powerpoint/2015/09/main">
-    <mc:Choice Requires="p159">
-      <p:transition xmlns:p14="http://schemas.microsoft.com/office/powerpoint/2010/main" spd="slow" p14:dur="2000">
-        <p159:morph option="byObject"/>
-      </p:transition>
-    </mc:Choice>
-    <mc:Fallback xmlns="">
-      <p:transition spd="slow">
-        <p:fade/>
-      </p:transition>
-    </mc:Fallback>
-  </mc:AlternateContent>
 </p:sld>
 </file>
 
@@ -6614,7 +6462,7 @@
         <p:spPr>
           <a:xfrm>
             <a:off x="1219200" y="308215"/>
-            <a:ext cx="1051891" cy="338554"/>
+            <a:ext cx="800219" cy="338554"/>
           </a:xfrm>
           <a:prstGeom prst="rect">
             <a:avLst/>
@@ -6633,7 +6481,7 @@
                   <a:schemeClr val="accent2"/>
                 </a:solidFill>
               </a:rPr>
-              <a:t>모임 모집</a:t>
+              <a:t>로그인</a:t>
             </a:r>
           </a:p>
         </p:txBody>
@@ -6690,8 +6538,8 @@
         </p:nvSpPr>
         <p:spPr>
           <a:xfrm>
-            <a:off x="4981829" y="794761"/>
-            <a:ext cx="7210171" cy="6063229"/>
+            <a:off x="6272028" y="794761"/>
+            <a:ext cx="5919972" cy="6063229"/>
           </a:xfrm>
           <a:prstGeom prst="rect">
             <a:avLst/>
@@ -6740,13 +6588,64 @@
                   <a:schemeClr val="tx1"/>
                 </a:solidFill>
               </a:rPr>
-              <a:t>회원</a:t>
-            </a:r>
-            <a:endParaRPr lang="en-US" altLang="ko-KR" sz="1000" dirty="0">
-              <a:solidFill>
-                <a:schemeClr val="tx1"/>
-              </a:solidFill>
-            </a:endParaRPr>
+              <a:t>사용자 </a:t>
+            </a:r>
+            <a:r>
+              <a:rPr lang="en-US" altLang="ko-KR" sz="1000" dirty="0">
+                <a:solidFill>
+                  <a:schemeClr val="tx1"/>
+                </a:solidFill>
+              </a:rPr>
+              <a:t>(</a:t>
+            </a:r>
+            <a:r>
+              <a:rPr lang="ko-KR" altLang="en-US" sz="1000" dirty="0">
+                <a:solidFill>
+                  <a:schemeClr val="tx1"/>
+                </a:solidFill>
+              </a:rPr>
+              <a:t>사용자는 회원</a:t>
+            </a:r>
+            <a:r>
+              <a:rPr lang="en-US" altLang="ko-KR" sz="1000" dirty="0">
+                <a:solidFill>
+                  <a:schemeClr val="tx1"/>
+                </a:solidFill>
+              </a:rPr>
+              <a:t>,</a:t>
+            </a:r>
+            <a:r>
+              <a:rPr lang="ko-KR" altLang="en-US" sz="1000" dirty="0">
+                <a:solidFill>
+                  <a:schemeClr val="tx1"/>
+                </a:solidFill>
+              </a:rPr>
+              <a:t> 비회원을 총칭한다</a:t>
+            </a:r>
+            <a:r>
+              <a:rPr lang="en-US" altLang="ko-KR" sz="1000" dirty="0">
+                <a:solidFill>
+                  <a:schemeClr val="tx1"/>
+                </a:solidFill>
+              </a:rPr>
+              <a:t>.</a:t>
+            </a:r>
+            <a:r>
+              <a:rPr lang="ko-KR" altLang="en-US" sz="1000" dirty="0">
+                <a:solidFill>
+                  <a:schemeClr val="tx1"/>
+                </a:solidFill>
+              </a:rPr>
+              <a:t> 이하 설명 생략</a:t>
+            </a:r>
+            <a:r>
+              <a:rPr lang="en-US" altLang="ko-KR" sz="1000" dirty="0">
+                <a:solidFill>
+                  <a:schemeClr val="tx1"/>
+                </a:solidFill>
+              </a:rPr>
+              <a:t>)</a:t>
+            </a:r>
           </a:p>
           <a:p>
             <a:pPr marL="171450" indent="-171450">
@@ -6766,7 +6665,7 @@
                   <a:schemeClr val="tx1"/>
                 </a:solidFill>
               </a:rPr>
-              <a:t>① 제목을 입력 할 수 있다</a:t>
+              <a:t>① </a:t>
             </a:r>
             <a:r>
               <a:rPr lang="en-US" altLang="ko-KR" sz="1000" dirty="0">
@@ -6774,8 +6673,74 @@
                   <a:schemeClr val="tx1"/>
                 </a:solidFill>
               </a:rPr>
+              <a:t>’</a:t>
+            </a:r>
+            <a:r>
+              <a:rPr lang="ko-KR" altLang="en-US" sz="1000" dirty="0">
+                <a:solidFill>
+                  <a:schemeClr val="tx1"/>
+                </a:solidFill>
+              </a:rPr>
+              <a:t>카카오로 시작하기</a:t>
+            </a:r>
+            <a:r>
+              <a:rPr lang="en-US" altLang="ko-KR" sz="1000" dirty="0">
+                <a:solidFill>
+                  <a:schemeClr val="tx1"/>
+                </a:solidFill>
+              </a:rPr>
+              <a:t>’</a:t>
+            </a:r>
+            <a:r>
+              <a:rPr lang="ko-KR" altLang="en-US" sz="1000" dirty="0">
+                <a:solidFill>
+                  <a:schemeClr val="tx1"/>
+                </a:solidFill>
+              </a:rPr>
+              <a:t> 버튼을 클릭하여 로그인 및 회원가입을 할 수 있다</a:t>
+            </a:r>
+            <a:r>
+              <a:rPr lang="en-US" altLang="ko-KR" sz="1000" dirty="0">
+                <a:solidFill>
+                  <a:schemeClr val="tx1"/>
+                </a:solidFill>
+              </a:rPr>
               <a:t>.</a:t>
             </a:r>
+          </a:p>
+          <a:p>
+            <a:r>
+              <a:rPr lang="ko-KR" altLang="en-US" sz="1000" dirty="0">
+                <a:solidFill>
+                  <a:schemeClr val="tx1"/>
+                </a:solidFill>
+              </a:rPr>
+              <a:t>①</a:t>
+            </a:r>
+            <a:r>
+              <a:rPr lang="en-US" altLang="ko-KR" sz="1000" dirty="0">
+                <a:solidFill>
+                  <a:schemeClr val="tx1"/>
+                </a:solidFill>
+              </a:rPr>
+              <a:t>-1</a:t>
+            </a:r>
+            <a:r>
+              <a:rPr lang="ko-KR" altLang="en-US" sz="1000" dirty="0">
+                <a:solidFill>
+                  <a:schemeClr val="tx1"/>
+                </a:solidFill>
+              </a:rPr>
+              <a:t> 카카오 이외의 구글로그인</a:t>
+            </a:r>
+            <a:r>
+              <a:rPr lang="en-US" altLang="ko-KR" sz="1000" dirty="0">
+                <a:solidFill>
+                  <a:schemeClr val="tx1"/>
+                </a:solidFill>
+              </a:rPr>
+              <a:t>,</a:t>
+            </a:r>
             <a:r>
               <a:rPr lang="ko-KR" altLang="en-US" sz="1000" dirty="0">
                 <a:solidFill>
@@ -6785,11 +6750,35 @@
               <a:t> </a:t>
             </a:r>
             <a:r>
+              <a:rPr lang="ko-KR" altLang="en-US" sz="1000" dirty="0" err="1">
+                <a:solidFill>
+                  <a:schemeClr val="tx1"/>
+                </a:solidFill>
+              </a:rPr>
+              <a:t>깃허브</a:t>
+            </a:r>
+            <a:r>
               <a:rPr lang="en-US" altLang="ko-KR" sz="1000" dirty="0">
                 <a:solidFill>
                   <a:schemeClr val="tx1"/>
                 </a:solidFill>
               </a:rPr>
+              <a:t>,</a:t>
+            </a:r>
+            <a:r>
+              <a:rPr lang="ko-KR" altLang="en-US" sz="1000" dirty="0">
+                <a:solidFill>
+                  <a:schemeClr val="tx1"/>
+                </a:solidFill>
+              </a:rPr>
+              <a:t> 네이버 등 소셜 로그인이 추가될 수 있다</a:t>
+            </a:r>
+            <a:r>
+              <a:rPr lang="en-US" altLang="ko-KR" sz="1000" dirty="0">
+                <a:solidFill>
+                  <a:schemeClr val="tx1"/>
+                </a:solidFill>
+              </a:rPr>
               <a:t>(</a:t>
             </a:r>
             <a:r>
@@ -6798,7 +6787,7 @@
                   <a:schemeClr val="tx1"/>
                 </a:solidFill>
               </a:rPr>
-              <a:t>글자 수 제한 </a:t>
+              <a:t>미정</a:t>
             </a:r>
             <a:r>
               <a:rPr lang="en-US" altLang="ko-KR" sz="1000" dirty="0">
@@ -6806,618 +6795,8 @@
                   <a:schemeClr val="tx1"/>
                 </a:solidFill>
               </a:rPr>
-              <a:t>(</a:t>
-            </a:r>
-            <a:r>
-              <a:rPr lang="ko-KR" altLang="en-US" sz="1000" dirty="0">
-                <a:solidFill>
-                  <a:schemeClr val="tx1"/>
-                </a:solidFill>
-              </a:rPr>
-              <a:t>한글 </a:t>
-            </a:r>
-            <a:r>
-              <a:rPr lang="en-US" altLang="ko-KR" sz="1000" dirty="0">
-                <a:solidFill>
-                  <a:schemeClr val="tx1"/>
-                </a:solidFill>
-              </a:rPr>
-              <a:t>300</a:t>
-            </a:r>
-            <a:r>
-              <a:rPr lang="ko-KR" altLang="en-US" sz="1000" dirty="0">
-                <a:solidFill>
-                  <a:schemeClr val="tx1"/>
-                </a:solidFill>
-              </a:rPr>
-              <a:t>자</a:t>
-            </a:r>
-            <a:r>
-              <a:rPr lang="en-US" altLang="ko-KR" sz="1000" dirty="0">
-                <a:solidFill>
-                  <a:schemeClr val="tx1"/>
-                </a:solidFill>
-              </a:rPr>
-              <a:t>,</a:t>
-            </a:r>
-            <a:r>
-              <a:rPr lang="ko-KR" altLang="en-US" sz="1000" dirty="0">
-                <a:solidFill>
-                  <a:schemeClr val="tx1"/>
-                </a:solidFill>
-              </a:rPr>
-              <a:t> 영어 </a:t>
-            </a:r>
-            <a:r>
-              <a:rPr lang="en-US" altLang="ko-KR" sz="1000" dirty="0">
-                <a:solidFill>
-                  <a:schemeClr val="tx1"/>
-                </a:solidFill>
-              </a:rPr>
-              <a:t>900</a:t>
-            </a:r>
-            <a:r>
-              <a:rPr lang="ko-KR" altLang="en-US" sz="1000" dirty="0">
-                <a:solidFill>
-                  <a:schemeClr val="tx1"/>
-                </a:solidFill>
-              </a:rPr>
-              <a:t>자</a:t>
-            </a:r>
-            <a:r>
-              <a:rPr lang="en-US" altLang="ko-KR" sz="1000" dirty="0">
-                <a:solidFill>
-                  <a:schemeClr val="tx1"/>
-                </a:solidFill>
-              </a:rPr>
               <a:t>)</a:t>
             </a:r>
-          </a:p>
-          <a:p>
-            <a:endParaRPr lang="en-US" altLang="ko-KR" sz="1000" dirty="0">
-              <a:solidFill>
-                <a:schemeClr val="tx1"/>
-              </a:solidFill>
-            </a:endParaRPr>
-          </a:p>
-          <a:p>
-            <a:r>
-              <a:rPr lang="ko-KR" altLang="en-US" sz="1000" dirty="0">
-                <a:solidFill>
-                  <a:schemeClr val="tx1"/>
-                </a:solidFill>
-              </a:rPr>
-              <a:t>② 시작일을 선택할 수 있다</a:t>
-            </a:r>
-            <a:r>
-              <a:rPr lang="en-US" altLang="ko-KR" sz="1000" dirty="0">
-                <a:solidFill>
-                  <a:schemeClr val="tx1"/>
-                </a:solidFill>
-              </a:rPr>
-              <a:t>.</a:t>
-            </a:r>
-          </a:p>
-          <a:p>
-            <a:endParaRPr lang="en-US" altLang="ko-KR" sz="1000" dirty="0">
-              <a:solidFill>
-                <a:schemeClr val="tx1"/>
-              </a:solidFill>
-            </a:endParaRPr>
-          </a:p>
-          <a:p>
-            <a:r>
-              <a:rPr lang="ko-KR" altLang="en-US" sz="1000" dirty="0">
-                <a:solidFill>
-                  <a:schemeClr val="tx1"/>
-                </a:solidFill>
-              </a:rPr>
-              <a:t>③ 종료일을 선택할 수 있다</a:t>
-            </a:r>
-            <a:r>
-              <a:rPr lang="en-US" altLang="ko-KR" sz="1000" dirty="0">
-                <a:solidFill>
-                  <a:schemeClr val="tx1"/>
-                </a:solidFill>
-              </a:rPr>
-              <a:t>.</a:t>
-            </a:r>
-          </a:p>
-          <a:p>
-            <a:endParaRPr lang="en-US" altLang="ko-KR" sz="1000" dirty="0">
-              <a:solidFill>
-                <a:schemeClr val="tx1"/>
-              </a:solidFill>
-            </a:endParaRPr>
-          </a:p>
-          <a:p>
-            <a:r>
-              <a:rPr lang="ko-KR" altLang="en-US" sz="1000" dirty="0">
-                <a:solidFill>
-                  <a:schemeClr val="tx1"/>
-                </a:solidFill>
-              </a:rPr>
-              <a:t>④ 모집인원을 입력할 수 있다</a:t>
-            </a:r>
-            <a:r>
-              <a:rPr lang="en-US" altLang="ko-KR" sz="1000" dirty="0">
-                <a:solidFill>
-                  <a:schemeClr val="tx1"/>
-                </a:solidFill>
-              </a:rPr>
-              <a:t>.</a:t>
-            </a:r>
-            <a:r>
-              <a:rPr lang="ko-KR" altLang="en-US" sz="1000" dirty="0">
-                <a:solidFill>
-                  <a:schemeClr val="tx1"/>
-                </a:solidFill>
-              </a:rPr>
-              <a:t> </a:t>
-            </a:r>
-            <a:r>
-              <a:rPr lang="en-US" altLang="ko-KR" sz="1000" dirty="0">
-                <a:solidFill>
-                  <a:schemeClr val="tx1"/>
-                </a:solidFill>
-              </a:rPr>
-              <a:t>(</a:t>
-            </a:r>
-            <a:r>
-              <a:rPr lang="ko-KR" altLang="en-US" sz="1000" dirty="0">
-                <a:solidFill>
-                  <a:schemeClr val="tx1"/>
-                </a:solidFill>
-              </a:rPr>
-              <a:t>숫자만 입력 가능</a:t>
-            </a:r>
-            <a:r>
-              <a:rPr lang="en-US" altLang="ko-KR" sz="1000" dirty="0">
-                <a:solidFill>
-                  <a:schemeClr val="tx1"/>
-                </a:solidFill>
-              </a:rPr>
-              <a:t>,</a:t>
-            </a:r>
-            <a:r>
-              <a:rPr lang="ko-KR" altLang="en-US" sz="1000" dirty="0">
-                <a:solidFill>
-                  <a:schemeClr val="tx1"/>
-                </a:solidFill>
-              </a:rPr>
-              <a:t> 최대 </a:t>
-            </a:r>
-            <a:r>
-              <a:rPr lang="en-US" altLang="ko-KR" sz="1000" dirty="0">
-                <a:solidFill>
-                  <a:schemeClr val="tx1"/>
-                </a:solidFill>
-              </a:rPr>
-              <a:t>100</a:t>
-            </a:r>
-            <a:r>
-              <a:rPr lang="ko-KR" altLang="en-US" sz="1000" dirty="0">
-                <a:solidFill>
-                  <a:schemeClr val="tx1"/>
-                </a:solidFill>
-              </a:rPr>
-              <a:t> 까지 지원</a:t>
-            </a:r>
-            <a:r>
-              <a:rPr lang="en-US" altLang="ko-KR" sz="1000" dirty="0">
-                <a:solidFill>
-                  <a:schemeClr val="tx1"/>
-                </a:solidFill>
-              </a:rPr>
-              <a:t>)</a:t>
-            </a:r>
-            <a:endParaRPr lang="ko-KR" altLang="en-US" sz="1000" dirty="0">
-              <a:solidFill>
-                <a:schemeClr val="tx1"/>
-              </a:solidFill>
-            </a:endParaRPr>
-          </a:p>
-          <a:p>
-            <a:endParaRPr lang="en-US" altLang="ko-KR" sz="1000" dirty="0">
-              <a:solidFill>
-                <a:schemeClr val="tx1"/>
-              </a:solidFill>
-            </a:endParaRPr>
-          </a:p>
-          <a:p>
-            <a:r>
-              <a:rPr lang="ko-KR" altLang="en-US" sz="1000" dirty="0">
-                <a:solidFill>
-                  <a:schemeClr val="tx1"/>
-                </a:solidFill>
-              </a:rPr>
-              <a:t>⑤ 지원제한을 입력할 수 있다</a:t>
-            </a:r>
-            <a:r>
-              <a:rPr lang="en-US" altLang="ko-KR" sz="1000" dirty="0">
-                <a:solidFill>
-                  <a:schemeClr val="tx1"/>
-                </a:solidFill>
-              </a:rPr>
-              <a:t>.</a:t>
-            </a:r>
-            <a:r>
-              <a:rPr lang="ko-KR" altLang="en-US" sz="1000" dirty="0">
-                <a:solidFill>
-                  <a:schemeClr val="tx1"/>
-                </a:solidFill>
-              </a:rPr>
-              <a:t> </a:t>
-            </a:r>
-            <a:r>
-              <a:rPr lang="en-US" altLang="ko-KR" sz="1000" dirty="0">
-                <a:solidFill>
-                  <a:schemeClr val="tx1"/>
-                </a:solidFill>
-              </a:rPr>
-              <a:t>(</a:t>
-            </a:r>
-            <a:r>
-              <a:rPr lang="ko-KR" altLang="en-US" sz="1000" dirty="0">
-                <a:solidFill>
-                  <a:schemeClr val="tx1"/>
-                </a:solidFill>
-              </a:rPr>
-              <a:t>숫자만 입력 가능</a:t>
-            </a:r>
-            <a:r>
-              <a:rPr lang="en-US" altLang="ko-KR" sz="1000" dirty="0">
-                <a:solidFill>
-                  <a:schemeClr val="tx1"/>
-                </a:solidFill>
-              </a:rPr>
-              <a:t>,</a:t>
-            </a:r>
-            <a:r>
-              <a:rPr lang="ko-KR" altLang="en-US" sz="1000" dirty="0">
-                <a:solidFill>
-                  <a:schemeClr val="tx1"/>
-                </a:solidFill>
-              </a:rPr>
-              <a:t> 모집인원보다 큰 수를 입력할 수 없다</a:t>
-            </a:r>
-            <a:r>
-              <a:rPr lang="en-US" altLang="ko-KR" sz="1000" dirty="0">
-                <a:solidFill>
-                  <a:schemeClr val="tx1"/>
-                </a:solidFill>
-              </a:rPr>
-              <a:t>)</a:t>
-            </a:r>
-          </a:p>
-          <a:p>
-            <a:endParaRPr lang="en-US" altLang="ko-KR" sz="1000" dirty="0">
-              <a:solidFill>
-                <a:schemeClr val="tx1"/>
-              </a:solidFill>
-            </a:endParaRPr>
-          </a:p>
-          <a:p>
-            <a:r>
-              <a:rPr lang="ko-KR" altLang="en-US" sz="1000" dirty="0">
-                <a:solidFill>
-                  <a:schemeClr val="tx1"/>
-                </a:solidFill>
-              </a:rPr>
-              <a:t>⑥ 모집 게시일을 선택할 수 있다</a:t>
-            </a:r>
-            <a:r>
-              <a:rPr lang="en-US" altLang="ko-KR" sz="1000" dirty="0">
-                <a:solidFill>
-                  <a:schemeClr val="tx1"/>
-                </a:solidFill>
-              </a:rPr>
-              <a:t>.</a:t>
-            </a:r>
-          </a:p>
-          <a:p>
-            <a:endParaRPr lang="ko-KR" altLang="en-US" sz="1000" dirty="0">
-              <a:solidFill>
-                <a:schemeClr val="tx1"/>
-              </a:solidFill>
-            </a:endParaRPr>
-          </a:p>
-          <a:p>
-            <a:r>
-              <a:rPr lang="ko-KR" altLang="en-US" sz="1000" dirty="0">
-                <a:solidFill>
-                  <a:schemeClr val="tx1"/>
-                </a:solidFill>
-              </a:rPr>
-              <a:t>⑦ 모집 종료일을 선택할 수 있다</a:t>
-            </a:r>
-            <a:r>
-              <a:rPr lang="en-US" altLang="ko-KR" sz="1000" dirty="0">
-                <a:solidFill>
-                  <a:schemeClr val="tx1"/>
-                </a:solidFill>
-              </a:rPr>
-              <a:t>.</a:t>
-            </a:r>
-          </a:p>
-          <a:p>
-            <a:endParaRPr lang="en-US" altLang="ko-KR" sz="1000" dirty="0">
-              <a:solidFill>
-                <a:schemeClr val="tx1"/>
-              </a:solidFill>
-            </a:endParaRPr>
-          </a:p>
-          <a:p>
-            <a:r>
-              <a:rPr lang="ko-KR" altLang="en-US" sz="1000" dirty="0">
-                <a:solidFill>
-                  <a:schemeClr val="tx1"/>
-                </a:solidFill>
-              </a:rPr>
-              <a:t>⑧ 해시태그를 입력할 수 있다</a:t>
-            </a:r>
-            <a:r>
-              <a:rPr lang="en-US" altLang="ko-KR" sz="1000" dirty="0">
-                <a:solidFill>
-                  <a:schemeClr val="tx1"/>
-                </a:solidFill>
-              </a:rPr>
-              <a:t>.</a:t>
-            </a:r>
-            <a:r>
-              <a:rPr lang="ko-KR" altLang="en-US" sz="1000" dirty="0">
-                <a:solidFill>
-                  <a:schemeClr val="tx1"/>
-                </a:solidFill>
-              </a:rPr>
-              <a:t> </a:t>
-            </a:r>
-            <a:r>
-              <a:rPr lang="en-US" altLang="ko-KR" sz="1000" dirty="0">
-                <a:solidFill>
-                  <a:schemeClr val="tx1"/>
-                </a:solidFill>
-              </a:rPr>
-              <a:t>(</a:t>
-            </a:r>
-            <a:r>
-              <a:rPr lang="ko-KR" altLang="en-US" sz="1000" dirty="0">
-                <a:solidFill>
-                  <a:schemeClr val="tx1"/>
-                </a:solidFill>
-              </a:rPr>
-              <a:t>글자 수 제한 </a:t>
-            </a:r>
-            <a:r>
-              <a:rPr lang="en-US" altLang="ko-KR" sz="1000" dirty="0">
-                <a:solidFill>
-                  <a:schemeClr val="tx1"/>
-                </a:solidFill>
-              </a:rPr>
-              <a:t>(</a:t>
-            </a:r>
-            <a:r>
-              <a:rPr lang="ko-KR" altLang="en-US" sz="1000" dirty="0">
-                <a:solidFill>
-                  <a:schemeClr val="tx1"/>
-                </a:solidFill>
-              </a:rPr>
-              <a:t>한글 </a:t>
-            </a:r>
-            <a:r>
-              <a:rPr lang="en-US" altLang="ko-KR" sz="1000" dirty="0">
-                <a:solidFill>
-                  <a:schemeClr val="tx1"/>
-                </a:solidFill>
-              </a:rPr>
-              <a:t>10</a:t>
-            </a:r>
-            <a:r>
-              <a:rPr lang="ko-KR" altLang="en-US" sz="1000" dirty="0">
-                <a:solidFill>
-                  <a:schemeClr val="tx1"/>
-                </a:solidFill>
-              </a:rPr>
-              <a:t>자</a:t>
-            </a:r>
-            <a:r>
-              <a:rPr lang="en-US" altLang="ko-KR" sz="1000" dirty="0">
-                <a:solidFill>
-                  <a:schemeClr val="tx1"/>
-                </a:solidFill>
-              </a:rPr>
-              <a:t>,</a:t>
-            </a:r>
-            <a:r>
-              <a:rPr lang="ko-KR" altLang="en-US" sz="1000" dirty="0">
-                <a:solidFill>
-                  <a:schemeClr val="tx1"/>
-                </a:solidFill>
-              </a:rPr>
-              <a:t> 영어 </a:t>
-            </a:r>
-            <a:r>
-              <a:rPr lang="en-US" altLang="ko-KR" sz="1000" dirty="0">
-                <a:solidFill>
-                  <a:schemeClr val="tx1"/>
-                </a:solidFill>
-              </a:rPr>
-              <a:t>30</a:t>
-            </a:r>
-            <a:r>
-              <a:rPr lang="ko-KR" altLang="en-US" sz="1000" dirty="0">
-                <a:solidFill>
-                  <a:schemeClr val="tx1"/>
-                </a:solidFill>
-              </a:rPr>
-              <a:t>자</a:t>
-            </a:r>
-            <a:r>
-              <a:rPr lang="en-US" altLang="ko-KR" sz="1000" dirty="0">
-                <a:solidFill>
-                  <a:schemeClr val="tx1"/>
-                </a:solidFill>
-              </a:rPr>
-              <a:t>)</a:t>
-            </a:r>
-            <a:r>
-              <a:rPr lang="ko-KR" altLang="en-US" sz="1000" dirty="0">
-                <a:solidFill>
-                  <a:schemeClr val="tx1"/>
-                </a:solidFill>
-              </a:rPr>
-              <a:t> </a:t>
-            </a:r>
-            <a:endParaRPr lang="en-US" altLang="ko-KR" sz="1000" dirty="0">
-              <a:solidFill>
-                <a:schemeClr val="tx1"/>
-              </a:solidFill>
-            </a:endParaRPr>
-          </a:p>
-          <a:p>
-            <a:endParaRPr lang="en-US" altLang="ko-KR" sz="1000" dirty="0">
-              <a:solidFill>
-                <a:schemeClr val="tx1"/>
-              </a:solidFill>
-            </a:endParaRPr>
-          </a:p>
-          <a:p>
-            <a:r>
-              <a:rPr lang="ko-KR" altLang="en-US" sz="1000" dirty="0">
-                <a:solidFill>
-                  <a:schemeClr val="tx1"/>
-                </a:solidFill>
-              </a:rPr>
-              <a:t>⑨ 모집 내용을 작성할 수 있다</a:t>
-            </a:r>
-            <a:r>
-              <a:rPr lang="en-US" altLang="ko-KR" sz="1000" dirty="0">
-                <a:solidFill>
-                  <a:schemeClr val="tx1"/>
-                </a:solidFill>
-              </a:rPr>
-              <a:t>.</a:t>
-            </a:r>
-            <a:r>
-              <a:rPr lang="ko-KR" altLang="en-US" sz="1000" dirty="0">
-                <a:solidFill>
-                  <a:schemeClr val="tx1"/>
-                </a:solidFill>
-              </a:rPr>
-              <a:t> </a:t>
-            </a:r>
-            <a:endParaRPr lang="en-US" altLang="ko-KR" sz="1000" dirty="0">
-              <a:solidFill>
-                <a:schemeClr val="tx1"/>
-              </a:solidFill>
-            </a:endParaRPr>
-          </a:p>
-          <a:p>
-            <a:endParaRPr lang="en-US" altLang="ko-KR" sz="1000" dirty="0">
-              <a:solidFill>
-                <a:schemeClr val="tx1"/>
-              </a:solidFill>
-            </a:endParaRPr>
-          </a:p>
-          <a:p>
-            <a:r>
-              <a:rPr lang="ko-KR" altLang="en-US" sz="1000" dirty="0">
-                <a:solidFill>
-                  <a:schemeClr val="tx1"/>
-                </a:solidFill>
-              </a:rPr>
-              <a:t>⑩ 모집 시작 버튼을 클릭하여 </a:t>
-            </a:r>
-            <a:r>
-              <a:rPr lang="ko-KR" altLang="en-US" sz="1000" dirty="0" err="1">
-                <a:solidFill>
-                  <a:schemeClr val="tx1"/>
-                </a:solidFill>
-              </a:rPr>
-              <a:t>모집글을</a:t>
-            </a:r>
-            <a:r>
-              <a:rPr lang="ko-KR" altLang="en-US" sz="1000" dirty="0">
-                <a:solidFill>
-                  <a:schemeClr val="tx1"/>
-                </a:solidFill>
-              </a:rPr>
-              <a:t> 작성할 수 있다</a:t>
-            </a:r>
-            <a:r>
-              <a:rPr lang="en-US" altLang="ko-KR" sz="1000" dirty="0">
-                <a:solidFill>
-                  <a:schemeClr val="tx1"/>
-                </a:solidFill>
-              </a:rPr>
-              <a:t>.</a:t>
-            </a:r>
-            <a:endParaRPr lang="ko-KR" altLang="en-US" sz="1000" dirty="0">
-              <a:solidFill>
-                <a:schemeClr val="tx1"/>
-              </a:solidFill>
-            </a:endParaRPr>
-          </a:p>
-          <a:p>
-            <a:endParaRPr lang="en-US" altLang="ko-KR" sz="1000" dirty="0">
-              <a:solidFill>
-                <a:schemeClr val="tx1"/>
-              </a:solidFill>
-            </a:endParaRPr>
-          </a:p>
-          <a:p>
-            <a:endParaRPr lang="en-US" altLang="ko-KR" sz="1000" dirty="0">
-              <a:solidFill>
-                <a:schemeClr val="tx1"/>
-              </a:solidFill>
-            </a:endParaRPr>
-          </a:p>
-          <a:p>
-            <a:pPr marL="171450" indent="-171450">
-              <a:buFontTx/>
-              <a:buChar char="-"/>
-            </a:pPr>
-            <a:r>
-              <a:rPr lang="ko-KR" altLang="en-US" sz="1000" dirty="0">
-                <a:solidFill>
-                  <a:schemeClr val="tx1"/>
-                </a:solidFill>
-              </a:rPr>
-              <a:t>비회원</a:t>
-            </a:r>
-            <a:endParaRPr lang="en-US" altLang="ko-KR" sz="1000" dirty="0">
-              <a:solidFill>
-                <a:schemeClr val="tx1"/>
-              </a:solidFill>
-            </a:endParaRPr>
-          </a:p>
-          <a:p>
-            <a:pPr marL="171450" indent="-171450">
-              <a:buFontTx/>
-              <a:buChar char="-"/>
-            </a:pPr>
-            <a:endParaRPr lang="en-US" altLang="ko-KR" sz="1000" dirty="0">
-              <a:solidFill>
-                <a:schemeClr val="tx1"/>
-              </a:solidFill>
-            </a:endParaRPr>
-          </a:p>
-          <a:p>
-            <a:r>
-              <a:rPr lang="ko-KR" altLang="en-US" sz="1000" dirty="0">
-                <a:solidFill>
-                  <a:schemeClr val="tx1"/>
-                </a:solidFill>
-              </a:rPr>
-              <a:t>해당 화면 접근 불가</a:t>
-            </a:r>
-          </a:p>
-          <a:p>
-            <a:endParaRPr lang="en-US" altLang="ko-KR" sz="1000" dirty="0">
-              <a:solidFill>
-                <a:schemeClr val="tx1"/>
-              </a:solidFill>
-            </a:endParaRPr>
           </a:p>
         </p:txBody>
       </p:sp>
@@ -7701,12 +7080,117 @@
           </a:p>
         </p:txBody>
       </p:sp>
+      <p:sp>
+        <p:nvSpPr>
+          <p:cNvPr id="23" name="TextBox 22">
+            <a:extLst>
+              <a:ext uri="{FF2B5EF4-FFF2-40B4-BE49-F238E27FC236}">
+                <a16:creationId xmlns:a16="http://schemas.microsoft.com/office/drawing/2014/main" id="{99FEB268-B466-18E4-DAE6-298D3E8DE059}"/>
+              </a:ext>
+            </a:extLst>
+          </p:cNvPr>
+          <p:cNvSpPr txBox="1"/>
+          <p:nvPr/>
+        </p:nvSpPr>
+        <p:spPr>
+          <a:xfrm>
+            <a:off x="6153966" y="-1277589"/>
+            <a:ext cx="384560" cy="369332"/>
+          </a:xfrm>
+          <a:prstGeom prst="rect">
+            <a:avLst/>
+          </a:prstGeom>
+          <a:noFill/>
+        </p:spPr>
+        <p:txBody>
+          <a:bodyPr wrap="square">
+            <a:spAutoFit/>
+          </a:bodyPr>
+          <a:lstStyle/>
+          <a:p>
+            <a:r>
+              <a:rPr lang="ko-KR" altLang="en-US" dirty="0"/>
+              <a:t>⑧</a:t>
+            </a:r>
+          </a:p>
+        </p:txBody>
+      </p:sp>
+      <p:sp>
+        <p:nvSpPr>
+          <p:cNvPr id="27" name="TextBox 26">
+            <a:extLst>
+              <a:ext uri="{FF2B5EF4-FFF2-40B4-BE49-F238E27FC236}">
+                <a16:creationId xmlns:a16="http://schemas.microsoft.com/office/drawing/2014/main" id="{5020F944-D0C2-BC74-DB1A-1E835EDD169E}"/>
+              </a:ext>
+            </a:extLst>
+          </p:cNvPr>
+          <p:cNvSpPr txBox="1"/>
+          <p:nvPr/>
+        </p:nvSpPr>
+        <p:spPr>
+          <a:xfrm>
+            <a:off x="6451087" y="-1277589"/>
+            <a:ext cx="394102" cy="369332"/>
+          </a:xfrm>
+          <a:prstGeom prst="rect">
+            <a:avLst/>
+          </a:prstGeom>
+          <a:noFill/>
+        </p:spPr>
+        <p:txBody>
+          <a:bodyPr wrap="square">
+            <a:spAutoFit/>
+          </a:bodyPr>
+          <a:lstStyle/>
+          <a:p>
+            <a:r>
+              <a:rPr lang="ko-KR" altLang="en-US" dirty="0"/>
+              <a:t>⑨</a:t>
+            </a:r>
+          </a:p>
+        </p:txBody>
+      </p:sp>
+      <p:sp>
+        <p:nvSpPr>
+          <p:cNvPr id="10" name="TextBox 9">
+            <a:extLst>
+              <a:ext uri="{FF2B5EF4-FFF2-40B4-BE49-F238E27FC236}">
+                <a16:creationId xmlns:a16="http://schemas.microsoft.com/office/drawing/2014/main" id="{0EA2E39A-0DA8-AD12-FB69-4DAEA4CC5F93}"/>
+              </a:ext>
+            </a:extLst>
+          </p:cNvPr>
+          <p:cNvSpPr txBox="1"/>
+          <p:nvPr/>
+        </p:nvSpPr>
+        <p:spPr>
+          <a:xfrm>
+            <a:off x="6761290" y="-1273095"/>
+            <a:ext cx="394102" cy="369332"/>
+          </a:xfrm>
+          <a:prstGeom prst="rect">
+            <a:avLst/>
+          </a:prstGeom>
+          <a:noFill/>
+        </p:spPr>
+        <p:txBody>
+          <a:bodyPr wrap="square">
+            <a:spAutoFit/>
+          </a:bodyPr>
+          <a:lstStyle/>
+          <a:p>
+            <a:r>
+              <a:rPr lang="ko-KR" altLang="en-US" dirty="0"/>
+              <a:t>⑩</a:t>
+            </a:r>
+          </a:p>
+        </p:txBody>
+      </p:sp>
       <p:pic>
         <p:nvPicPr>
-          <p:cNvPr id="7" name="그림 6">
-            <a:extLst>
-              <a:ext uri="{FF2B5EF4-FFF2-40B4-BE49-F238E27FC236}">
-                <a16:creationId xmlns:a16="http://schemas.microsoft.com/office/drawing/2014/main" id="{118F9F64-BE57-2FE9-05BF-8623F1B364E6}"/>
+          <p:cNvPr id="17" name="그림 16">
+            <a:extLst>
+              <a:ext uri="{FF2B5EF4-FFF2-40B4-BE49-F238E27FC236}">
+                <a16:creationId xmlns:a16="http://schemas.microsoft.com/office/drawing/2014/main" id="{DEC65443-1578-CF23-8D6B-E5AC87C601D9}"/>
               </a:ext>
             </a:extLst>
           </p:cNvPr>
@@ -7723,6 +7207,1506 @@
         </p:blipFill>
         <p:spPr>
           <a:xfrm>
+            <a:off x="19312" y="787733"/>
+            <a:ext cx="6252716" cy="6063239"/>
+          </a:xfrm>
+          <a:prstGeom prst="rect">
+            <a:avLst/>
+          </a:prstGeom>
+        </p:spPr>
+      </p:pic>
+      <p:sp>
+        <p:nvSpPr>
+          <p:cNvPr id="21" name="TextBox 20">
+            <a:extLst>
+              <a:ext uri="{FF2B5EF4-FFF2-40B4-BE49-F238E27FC236}">
+                <a16:creationId xmlns:a16="http://schemas.microsoft.com/office/drawing/2014/main" id="{0997B896-62B4-4F65-F74A-D37F60801A2F}"/>
+              </a:ext>
+            </a:extLst>
+          </p:cNvPr>
+          <p:cNvSpPr txBox="1"/>
+          <p:nvPr/>
+        </p:nvSpPr>
+        <p:spPr>
+          <a:xfrm>
+            <a:off x="2241847" y="4278596"/>
+            <a:ext cx="393106" cy="369332"/>
+          </a:xfrm>
+          <a:prstGeom prst="rect">
+            <a:avLst/>
+          </a:prstGeom>
+          <a:noFill/>
+        </p:spPr>
+        <p:txBody>
+          <a:bodyPr wrap="square">
+            <a:spAutoFit/>
+          </a:bodyPr>
+          <a:lstStyle/>
+          <a:p>
+            <a:r>
+              <a:rPr lang="ko-KR" altLang="en-US" dirty="0"/>
+              <a:t>①</a:t>
+            </a:r>
+          </a:p>
+        </p:txBody>
+      </p:sp>
+    </p:spTree>
+    <p:extLst>
+      <p:ext uri="{BB962C8B-B14F-4D97-AF65-F5344CB8AC3E}">
+        <p14:creationId xmlns:p14="http://schemas.microsoft.com/office/powerpoint/2010/main" val="2680338579"/>
+      </p:ext>
+    </p:extLst>
+  </p:cSld>
+  <p:clrMapOvr>
+    <a:masterClrMapping/>
+  </p:clrMapOvr>
+</p:sld>
+</file>
+
+<file path=ppt/slides/slide6.xml><?xml version="1.0" encoding="utf-8"?>
+<p:sld xmlns:a="http://schemas.openxmlformats.org/drawingml/2006/main" xmlns:r="http://schemas.openxmlformats.org/officeDocument/2006/relationships" xmlns:p="http://schemas.openxmlformats.org/presentationml/2006/main">
+  <p:cSld>
+    <p:spTree>
+      <p:nvGrpSpPr>
+        <p:cNvPr id="1" name=""/>
+        <p:cNvGrpSpPr/>
+        <p:nvPr/>
+      </p:nvGrpSpPr>
+      <p:grpSpPr>
+        <a:xfrm>
+          <a:off x="0" y="0"/>
+          <a:ext cx="0" cy="0"/>
+          <a:chOff x="0" y="0"/>
+          <a:chExt cx="0" cy="0"/>
+        </a:xfrm>
+      </p:grpSpPr>
+      <p:sp>
+        <p:nvSpPr>
+          <p:cNvPr id="2" name="직사각형 1">
+            <a:extLst>
+              <a:ext uri="{FF2B5EF4-FFF2-40B4-BE49-F238E27FC236}">
+                <a16:creationId xmlns:a16="http://schemas.microsoft.com/office/drawing/2014/main" id="{35793BFC-7410-4CA5-9F33-BBE620E91B97}"/>
+              </a:ext>
+            </a:extLst>
+          </p:cNvPr>
+          <p:cNvSpPr/>
+          <p:nvPr/>
+        </p:nvSpPr>
+        <p:spPr>
+          <a:xfrm>
+            <a:off x="0" y="-2"/>
+            <a:ext cx="2438400" cy="160423"/>
+          </a:xfrm>
+          <a:prstGeom prst="rect">
+            <a:avLst/>
+          </a:prstGeom>
+          <a:ln>
+            <a:noFill/>
+          </a:ln>
+        </p:spPr>
+        <p:style>
+          <a:lnRef idx="2">
+            <a:schemeClr val="accent1">
+              <a:shade val="50000"/>
+            </a:schemeClr>
+          </a:lnRef>
+          <a:fillRef idx="1">
+            <a:schemeClr val="accent1"/>
+          </a:fillRef>
+          <a:effectRef idx="0">
+            <a:schemeClr val="accent1"/>
+          </a:effectRef>
+          <a:fontRef idx="minor">
+            <a:schemeClr val="lt1"/>
+          </a:fontRef>
+        </p:style>
+        <p:txBody>
+          <a:bodyPr rtlCol="0" anchor="ctr"/>
+          <a:lstStyle/>
+          <a:p>
+            <a:pPr algn="ctr"/>
+            <a:endParaRPr lang="ko-KR" altLang="en-US"/>
+          </a:p>
+        </p:txBody>
+      </p:sp>
+      <p:sp>
+        <p:nvSpPr>
+          <p:cNvPr id="3" name="직사각형 2">
+            <a:extLst>
+              <a:ext uri="{FF2B5EF4-FFF2-40B4-BE49-F238E27FC236}">
+                <a16:creationId xmlns:a16="http://schemas.microsoft.com/office/drawing/2014/main" id="{5911BEAA-E3C2-4AE3-963F-87E3CAF3FB81}"/>
+              </a:ext>
+            </a:extLst>
+          </p:cNvPr>
+          <p:cNvSpPr/>
+          <p:nvPr/>
+        </p:nvSpPr>
+        <p:spPr>
+          <a:xfrm>
+            <a:off x="2438400" y="-2"/>
+            <a:ext cx="2438400" cy="160423"/>
+          </a:xfrm>
+          <a:prstGeom prst="rect">
+            <a:avLst/>
+          </a:prstGeom>
+          <a:solidFill>
+            <a:schemeClr val="accent1"/>
+          </a:solidFill>
+          <a:ln>
+            <a:noFill/>
+          </a:ln>
+        </p:spPr>
+        <p:style>
+          <a:lnRef idx="2">
+            <a:schemeClr val="accent1">
+              <a:shade val="50000"/>
+            </a:schemeClr>
+          </a:lnRef>
+          <a:fillRef idx="1">
+            <a:schemeClr val="accent1"/>
+          </a:fillRef>
+          <a:effectRef idx="0">
+            <a:schemeClr val="accent1"/>
+          </a:effectRef>
+          <a:fontRef idx="minor">
+            <a:schemeClr val="lt1"/>
+          </a:fontRef>
+        </p:style>
+        <p:txBody>
+          <a:bodyPr rtlCol="0" anchor="ctr"/>
+          <a:lstStyle/>
+          <a:p>
+            <a:pPr algn="ctr"/>
+            <a:endParaRPr lang="ko-KR" altLang="en-US"/>
+          </a:p>
+        </p:txBody>
+      </p:sp>
+      <p:sp>
+        <p:nvSpPr>
+          <p:cNvPr id="4" name="직사각형 3">
+            <a:extLst>
+              <a:ext uri="{FF2B5EF4-FFF2-40B4-BE49-F238E27FC236}">
+                <a16:creationId xmlns:a16="http://schemas.microsoft.com/office/drawing/2014/main" id="{E7D8FA21-061E-4374-84B8-289D75129065}"/>
+              </a:ext>
+            </a:extLst>
+          </p:cNvPr>
+          <p:cNvSpPr/>
+          <p:nvPr/>
+        </p:nvSpPr>
+        <p:spPr>
+          <a:xfrm>
+            <a:off x="4876800" y="-2"/>
+            <a:ext cx="2438400" cy="160423"/>
+          </a:xfrm>
+          <a:prstGeom prst="rect">
+            <a:avLst/>
+          </a:prstGeom>
+          <a:solidFill>
+            <a:schemeClr val="accent3"/>
+          </a:solidFill>
+          <a:ln>
+            <a:noFill/>
+          </a:ln>
+        </p:spPr>
+        <p:style>
+          <a:lnRef idx="2">
+            <a:schemeClr val="accent1">
+              <a:shade val="50000"/>
+            </a:schemeClr>
+          </a:lnRef>
+          <a:fillRef idx="1">
+            <a:schemeClr val="accent1"/>
+          </a:fillRef>
+          <a:effectRef idx="0">
+            <a:schemeClr val="accent1"/>
+          </a:effectRef>
+          <a:fontRef idx="minor">
+            <a:schemeClr val="lt1"/>
+          </a:fontRef>
+        </p:style>
+        <p:txBody>
+          <a:bodyPr rtlCol="0" anchor="ctr"/>
+          <a:lstStyle/>
+          <a:p>
+            <a:pPr algn="ctr"/>
+            <a:endParaRPr lang="ko-KR" altLang="en-US" dirty="0"/>
+          </a:p>
+        </p:txBody>
+      </p:sp>
+      <p:sp>
+        <p:nvSpPr>
+          <p:cNvPr id="5" name="직사각형 4">
+            <a:extLst>
+              <a:ext uri="{FF2B5EF4-FFF2-40B4-BE49-F238E27FC236}">
+                <a16:creationId xmlns:a16="http://schemas.microsoft.com/office/drawing/2014/main" id="{F13425E8-514E-4A6A-80B1-6C04D22E0E7B}"/>
+              </a:ext>
+            </a:extLst>
+          </p:cNvPr>
+          <p:cNvSpPr/>
+          <p:nvPr/>
+        </p:nvSpPr>
+        <p:spPr>
+          <a:xfrm>
+            <a:off x="7315200" y="-3"/>
+            <a:ext cx="2438400" cy="160423"/>
+          </a:xfrm>
+          <a:prstGeom prst="rect">
+            <a:avLst/>
+          </a:prstGeom>
+          <a:solidFill>
+            <a:schemeClr val="accent3"/>
+          </a:solidFill>
+          <a:ln>
+            <a:noFill/>
+          </a:ln>
+        </p:spPr>
+        <p:style>
+          <a:lnRef idx="2">
+            <a:schemeClr val="accent1">
+              <a:shade val="50000"/>
+            </a:schemeClr>
+          </a:lnRef>
+          <a:fillRef idx="1">
+            <a:schemeClr val="accent1"/>
+          </a:fillRef>
+          <a:effectRef idx="0">
+            <a:schemeClr val="accent1"/>
+          </a:effectRef>
+          <a:fontRef idx="minor">
+            <a:schemeClr val="lt1"/>
+          </a:fontRef>
+        </p:style>
+        <p:txBody>
+          <a:bodyPr rtlCol="0" anchor="ctr"/>
+          <a:lstStyle/>
+          <a:p>
+            <a:pPr algn="ctr"/>
+            <a:endParaRPr lang="ko-KR" altLang="en-US"/>
+          </a:p>
+        </p:txBody>
+      </p:sp>
+      <p:sp>
+        <p:nvSpPr>
+          <p:cNvPr id="6" name="직사각형 5">
+            <a:extLst>
+              <a:ext uri="{FF2B5EF4-FFF2-40B4-BE49-F238E27FC236}">
+                <a16:creationId xmlns:a16="http://schemas.microsoft.com/office/drawing/2014/main" id="{D73FA5A3-7443-4A4A-A0C2-99EF274D1D5C}"/>
+              </a:ext>
+            </a:extLst>
+          </p:cNvPr>
+          <p:cNvSpPr/>
+          <p:nvPr/>
+        </p:nvSpPr>
+        <p:spPr>
+          <a:xfrm>
+            <a:off x="9753600" y="-3"/>
+            <a:ext cx="2438400" cy="160423"/>
+          </a:xfrm>
+          <a:prstGeom prst="rect">
+            <a:avLst/>
+          </a:prstGeom>
+          <a:solidFill>
+            <a:schemeClr val="accent3"/>
+          </a:solidFill>
+          <a:ln>
+            <a:noFill/>
+          </a:ln>
+        </p:spPr>
+        <p:style>
+          <a:lnRef idx="2">
+            <a:schemeClr val="accent1">
+              <a:shade val="50000"/>
+            </a:schemeClr>
+          </a:lnRef>
+          <a:fillRef idx="1">
+            <a:schemeClr val="accent1"/>
+          </a:fillRef>
+          <a:effectRef idx="0">
+            <a:schemeClr val="accent1"/>
+          </a:effectRef>
+          <a:fontRef idx="minor">
+            <a:schemeClr val="lt1"/>
+          </a:fontRef>
+        </p:style>
+        <p:txBody>
+          <a:bodyPr rtlCol="0" anchor="ctr"/>
+          <a:lstStyle/>
+          <a:p>
+            <a:pPr algn="ctr"/>
+            <a:endParaRPr lang="ko-KR" altLang="en-US"/>
+          </a:p>
+        </p:txBody>
+      </p:sp>
+      <p:sp>
+        <p:nvSpPr>
+          <p:cNvPr id="8" name="TextBox 7">
+            <a:extLst>
+              <a:ext uri="{FF2B5EF4-FFF2-40B4-BE49-F238E27FC236}">
+                <a16:creationId xmlns:a16="http://schemas.microsoft.com/office/drawing/2014/main" id="{348BFED9-3247-4858-97FC-29981B727AB9}"/>
+              </a:ext>
+            </a:extLst>
+          </p:cNvPr>
+          <p:cNvSpPr txBox="1"/>
+          <p:nvPr/>
+        </p:nvSpPr>
+        <p:spPr>
+          <a:xfrm>
+            <a:off x="160421" y="304800"/>
+            <a:ext cx="1158202" cy="338554"/>
+          </a:xfrm>
+          <a:prstGeom prst="rect">
+            <a:avLst/>
+          </a:prstGeom>
+          <a:noFill/>
+        </p:spPr>
+        <p:txBody>
+          <a:bodyPr wrap="none" rtlCol="0">
+            <a:spAutoFit/>
+          </a:bodyPr>
+          <a:lstStyle/>
+          <a:p>
+            <a:r>
+              <a:rPr lang="en-US" altLang="ko-KR" sz="1600" dirty="0">
+                <a:solidFill>
+                  <a:schemeClr val="accent2"/>
+                </a:solidFill>
+                <a:latin typeface="+mj-lt"/>
+              </a:rPr>
+              <a:t>Screen 003,</a:t>
+            </a:r>
+            <a:endParaRPr lang="ko-KR" altLang="en-US" sz="1600" dirty="0">
+              <a:solidFill>
+                <a:schemeClr val="accent2"/>
+              </a:solidFill>
+              <a:latin typeface="+mj-lt"/>
+            </a:endParaRPr>
+          </a:p>
+        </p:txBody>
+      </p:sp>
+      <p:sp>
+        <p:nvSpPr>
+          <p:cNvPr id="9" name="TextBox 8">
+            <a:extLst>
+              <a:ext uri="{FF2B5EF4-FFF2-40B4-BE49-F238E27FC236}">
+                <a16:creationId xmlns:a16="http://schemas.microsoft.com/office/drawing/2014/main" id="{AE05A515-73BD-4F7C-A919-EAFE378DB41F}"/>
+              </a:ext>
+            </a:extLst>
+          </p:cNvPr>
+          <p:cNvSpPr txBox="1"/>
+          <p:nvPr/>
+        </p:nvSpPr>
+        <p:spPr>
+          <a:xfrm>
+            <a:off x="1219200" y="308215"/>
+            <a:ext cx="1051891" cy="338554"/>
+          </a:xfrm>
+          <a:prstGeom prst="rect">
+            <a:avLst/>
+          </a:prstGeom>
+          <a:noFill/>
+        </p:spPr>
+        <p:txBody>
+          <a:bodyPr wrap="none" rtlCol="0">
+            <a:spAutoFit/>
+          </a:bodyPr>
+          <a:lstStyle/>
+          <a:p>
+            <a:r>
+              <a:rPr lang="ko-KR" altLang="en-US" sz="1600" dirty="0">
+                <a:solidFill>
+                  <a:schemeClr val="accent2"/>
+                </a:solidFill>
+              </a:rPr>
+              <a:t>모임 모집</a:t>
+            </a:r>
+          </a:p>
+        </p:txBody>
+      </p:sp>
+      <p:cxnSp>
+        <p:nvCxnSpPr>
+          <p:cNvPr id="11" name="직선 연결선 10">
+            <a:extLst>
+              <a:ext uri="{FF2B5EF4-FFF2-40B4-BE49-F238E27FC236}">
+                <a16:creationId xmlns:a16="http://schemas.microsoft.com/office/drawing/2014/main" id="{D594AD39-1264-44FB-9659-7901314242FB}"/>
+              </a:ext>
+            </a:extLst>
+          </p:cNvPr>
+          <p:cNvCxnSpPr>
+            <a:cxnSpLocks/>
+          </p:cNvCxnSpPr>
+          <p:nvPr/>
+        </p:nvCxnSpPr>
+        <p:spPr>
+          <a:xfrm>
+            <a:off x="1061630" y="644350"/>
+            <a:ext cx="11130370" cy="0"/>
+          </a:xfrm>
+          <a:prstGeom prst="line">
+            <a:avLst/>
+          </a:prstGeom>
+        </p:spPr>
+        <p:style>
+          <a:lnRef idx="1">
+            <a:schemeClr val="accent1"/>
+          </a:lnRef>
+          <a:fillRef idx="0">
+            <a:schemeClr val="accent1"/>
+          </a:fillRef>
+          <a:effectRef idx="0">
+            <a:schemeClr val="accent1"/>
+          </a:effectRef>
+          <a:fontRef idx="minor">
+            <a:schemeClr val="tx1"/>
+          </a:fontRef>
+        </p:style>
+      </p:cxnSp>
+      <p:sp>
+        <p:nvSpPr>
+          <p:cNvPr id="35" name="직사각형 34">
+            <a:extLst>
+              <a:ext uri="{FF2B5EF4-FFF2-40B4-BE49-F238E27FC236}">
+                <a16:creationId xmlns:a16="http://schemas.microsoft.com/office/drawing/2014/main" id="{EC1328AE-81E8-4031-8851-BDD649B1B309}"/>
+              </a:ext>
+            </a:extLst>
+          </p:cNvPr>
+          <p:cNvSpPr/>
+          <p:nvPr/>
+        </p:nvSpPr>
+        <p:spPr>
+          <a:xfrm>
+            <a:off x="4981829" y="794761"/>
+            <a:ext cx="7210171" cy="6063229"/>
+          </a:xfrm>
+          <a:prstGeom prst="rect">
+            <a:avLst/>
+          </a:prstGeom>
+          <a:solidFill>
+            <a:schemeClr val="bg1">
+              <a:lumMod val="85000"/>
+              <a:lumOff val="15000"/>
+            </a:schemeClr>
+          </a:solidFill>
+          <a:ln>
+            <a:solidFill>
+              <a:schemeClr val="bg1">
+                <a:lumMod val="75000"/>
+              </a:schemeClr>
+            </a:solidFill>
+          </a:ln>
+        </p:spPr>
+        <p:style>
+          <a:lnRef idx="2">
+            <a:schemeClr val="accent1">
+              <a:shade val="50000"/>
+            </a:schemeClr>
+          </a:lnRef>
+          <a:fillRef idx="1">
+            <a:schemeClr val="accent1"/>
+          </a:fillRef>
+          <a:effectRef idx="0">
+            <a:schemeClr val="accent1"/>
+          </a:effectRef>
+          <a:fontRef idx="minor">
+            <a:schemeClr val="lt1"/>
+          </a:fontRef>
+        </p:style>
+        <p:txBody>
+          <a:bodyPr rtlCol="0" anchor="ctr"/>
+          <a:lstStyle/>
+          <a:p>
+            <a:pPr marL="171450" indent="-171450">
+              <a:buFontTx/>
+              <a:buChar char="-"/>
+            </a:pPr>
+            <a:r>
+              <a:rPr lang="ko-KR" altLang="en-US" sz="1000" dirty="0">
+                <a:solidFill>
+                  <a:schemeClr val="tx1"/>
+                </a:solidFill>
+              </a:rPr>
+              <a:t>회원</a:t>
+            </a:r>
+            <a:endParaRPr lang="en-US" altLang="ko-KR" sz="1000" dirty="0">
+              <a:solidFill>
+                <a:schemeClr val="tx1"/>
+              </a:solidFill>
+            </a:endParaRPr>
+          </a:p>
+          <a:p>
+            <a:pPr marL="171450" indent="-171450">
+              <a:buFontTx/>
+              <a:buChar char="-"/>
+            </a:pPr>
+            <a:endParaRPr lang="en-US" altLang="ko-KR" sz="1000" dirty="0">
+              <a:solidFill>
+                <a:schemeClr val="tx1"/>
+              </a:solidFill>
+            </a:endParaRPr>
+          </a:p>
+          <a:p>
+            <a:r>
+              <a:rPr lang="ko-KR" altLang="en-US" sz="1000" dirty="0">
+                <a:solidFill>
+                  <a:schemeClr val="tx1"/>
+                </a:solidFill>
+              </a:rPr>
+              <a:t>① 제목을 입력 할 수 있다</a:t>
+            </a:r>
+            <a:r>
+              <a:rPr lang="en-US" altLang="ko-KR" sz="1000" dirty="0">
+                <a:solidFill>
+                  <a:schemeClr val="tx1"/>
+                </a:solidFill>
+              </a:rPr>
+              <a:t>.</a:t>
+            </a:r>
+            <a:r>
+              <a:rPr lang="ko-KR" altLang="en-US" sz="1000" dirty="0">
+                <a:solidFill>
+                  <a:schemeClr val="tx1"/>
+                </a:solidFill>
+              </a:rPr>
+              <a:t> </a:t>
+            </a:r>
+            <a:r>
+              <a:rPr lang="en-US" altLang="ko-KR" sz="1000" dirty="0">
+                <a:solidFill>
+                  <a:schemeClr val="tx1"/>
+                </a:solidFill>
+              </a:rPr>
+              <a:t>(</a:t>
+            </a:r>
+            <a:r>
+              <a:rPr lang="ko-KR" altLang="en-US" sz="1000" dirty="0">
+                <a:solidFill>
+                  <a:schemeClr val="tx1"/>
+                </a:solidFill>
+              </a:rPr>
+              <a:t>글자 수 제한 </a:t>
+            </a:r>
+            <a:r>
+              <a:rPr lang="en-US" altLang="ko-KR" sz="1000" dirty="0">
+                <a:solidFill>
+                  <a:schemeClr val="tx1"/>
+                </a:solidFill>
+              </a:rPr>
+              <a:t>(</a:t>
+            </a:r>
+            <a:r>
+              <a:rPr lang="ko-KR" altLang="en-US" sz="1000" dirty="0">
+                <a:solidFill>
+                  <a:schemeClr val="tx1"/>
+                </a:solidFill>
+              </a:rPr>
+              <a:t>한글 </a:t>
+            </a:r>
+            <a:r>
+              <a:rPr lang="en-US" altLang="ko-KR" sz="1000" dirty="0">
+                <a:solidFill>
+                  <a:schemeClr val="tx1"/>
+                </a:solidFill>
+              </a:rPr>
+              <a:t>300</a:t>
+            </a:r>
+            <a:r>
+              <a:rPr lang="ko-KR" altLang="en-US" sz="1000" dirty="0">
+                <a:solidFill>
+                  <a:schemeClr val="tx1"/>
+                </a:solidFill>
+              </a:rPr>
+              <a:t>자</a:t>
+            </a:r>
+            <a:r>
+              <a:rPr lang="en-US" altLang="ko-KR" sz="1000" dirty="0">
+                <a:solidFill>
+                  <a:schemeClr val="tx1"/>
+                </a:solidFill>
+              </a:rPr>
+              <a:t>,</a:t>
+            </a:r>
+            <a:r>
+              <a:rPr lang="ko-KR" altLang="en-US" sz="1000" dirty="0">
+                <a:solidFill>
+                  <a:schemeClr val="tx1"/>
+                </a:solidFill>
+              </a:rPr>
+              <a:t> 영어 </a:t>
+            </a:r>
+            <a:r>
+              <a:rPr lang="en-US" altLang="ko-KR" sz="1000" dirty="0">
+                <a:solidFill>
+                  <a:schemeClr val="tx1"/>
+                </a:solidFill>
+              </a:rPr>
+              <a:t>900</a:t>
+            </a:r>
+            <a:r>
+              <a:rPr lang="ko-KR" altLang="en-US" sz="1000" dirty="0">
+                <a:solidFill>
+                  <a:schemeClr val="tx1"/>
+                </a:solidFill>
+              </a:rPr>
+              <a:t>자</a:t>
+            </a:r>
+            <a:r>
+              <a:rPr lang="en-US" altLang="ko-KR" sz="1000" dirty="0">
+                <a:solidFill>
+                  <a:schemeClr val="tx1"/>
+                </a:solidFill>
+              </a:rPr>
+              <a:t>)</a:t>
+            </a:r>
+          </a:p>
+          <a:p>
+            <a:endParaRPr lang="en-US" altLang="ko-KR" sz="1000" dirty="0">
+              <a:solidFill>
+                <a:schemeClr val="tx1"/>
+              </a:solidFill>
+            </a:endParaRPr>
+          </a:p>
+          <a:p>
+            <a:r>
+              <a:rPr lang="ko-KR" altLang="en-US" sz="1000" dirty="0">
+                <a:solidFill>
+                  <a:schemeClr val="tx1"/>
+                </a:solidFill>
+              </a:rPr>
+              <a:t>② 시작일을 선택할 수 있다</a:t>
+            </a:r>
+            <a:r>
+              <a:rPr lang="en-US" altLang="ko-KR" sz="1000" dirty="0">
+                <a:solidFill>
+                  <a:schemeClr val="tx1"/>
+                </a:solidFill>
+              </a:rPr>
+              <a:t>.</a:t>
+            </a:r>
+          </a:p>
+          <a:p>
+            <a:endParaRPr lang="en-US" altLang="ko-KR" sz="1000" dirty="0">
+              <a:solidFill>
+                <a:schemeClr val="tx1"/>
+              </a:solidFill>
+            </a:endParaRPr>
+          </a:p>
+          <a:p>
+            <a:r>
+              <a:rPr lang="ko-KR" altLang="en-US" sz="1000" dirty="0">
+                <a:solidFill>
+                  <a:schemeClr val="tx1"/>
+                </a:solidFill>
+              </a:rPr>
+              <a:t>③ 종료일을 선택할 수 있다</a:t>
+            </a:r>
+            <a:r>
+              <a:rPr lang="en-US" altLang="ko-KR" sz="1000" dirty="0">
+                <a:solidFill>
+                  <a:schemeClr val="tx1"/>
+                </a:solidFill>
+              </a:rPr>
+              <a:t>.</a:t>
+            </a:r>
+          </a:p>
+          <a:p>
+            <a:endParaRPr lang="en-US" altLang="ko-KR" sz="1000" dirty="0">
+              <a:solidFill>
+                <a:schemeClr val="tx1"/>
+              </a:solidFill>
+            </a:endParaRPr>
+          </a:p>
+          <a:p>
+            <a:r>
+              <a:rPr lang="ko-KR" altLang="en-US" sz="1000" dirty="0">
+                <a:solidFill>
+                  <a:schemeClr val="tx1"/>
+                </a:solidFill>
+              </a:rPr>
+              <a:t>④ 모집인원을 입력할 수 있다</a:t>
+            </a:r>
+            <a:r>
+              <a:rPr lang="en-US" altLang="ko-KR" sz="1000" dirty="0">
+                <a:solidFill>
+                  <a:schemeClr val="tx1"/>
+                </a:solidFill>
+              </a:rPr>
+              <a:t>.</a:t>
+            </a:r>
+            <a:r>
+              <a:rPr lang="ko-KR" altLang="en-US" sz="1000" dirty="0">
+                <a:solidFill>
+                  <a:schemeClr val="tx1"/>
+                </a:solidFill>
+              </a:rPr>
+              <a:t> </a:t>
+            </a:r>
+            <a:r>
+              <a:rPr lang="en-US" altLang="ko-KR" sz="1000" dirty="0">
+                <a:solidFill>
+                  <a:schemeClr val="tx1"/>
+                </a:solidFill>
+              </a:rPr>
+              <a:t>(</a:t>
+            </a:r>
+            <a:r>
+              <a:rPr lang="ko-KR" altLang="en-US" sz="1000" dirty="0">
+                <a:solidFill>
+                  <a:schemeClr val="tx1"/>
+                </a:solidFill>
+              </a:rPr>
+              <a:t>숫자만 입력 가능</a:t>
+            </a:r>
+            <a:r>
+              <a:rPr lang="en-US" altLang="ko-KR" sz="1000" dirty="0">
+                <a:solidFill>
+                  <a:schemeClr val="tx1"/>
+                </a:solidFill>
+              </a:rPr>
+              <a:t>,</a:t>
+            </a:r>
+            <a:r>
+              <a:rPr lang="ko-KR" altLang="en-US" sz="1000" dirty="0">
+                <a:solidFill>
+                  <a:schemeClr val="tx1"/>
+                </a:solidFill>
+              </a:rPr>
+              <a:t> 최대 </a:t>
+            </a:r>
+            <a:r>
+              <a:rPr lang="en-US" altLang="ko-KR" sz="1000" dirty="0">
+                <a:solidFill>
+                  <a:schemeClr val="tx1"/>
+                </a:solidFill>
+              </a:rPr>
+              <a:t>100</a:t>
+            </a:r>
+            <a:r>
+              <a:rPr lang="ko-KR" altLang="en-US" sz="1000" dirty="0">
+                <a:solidFill>
+                  <a:schemeClr val="tx1"/>
+                </a:solidFill>
+              </a:rPr>
+              <a:t> 까지 지원</a:t>
+            </a:r>
+            <a:r>
+              <a:rPr lang="en-US" altLang="ko-KR" sz="1000" dirty="0">
+                <a:solidFill>
+                  <a:schemeClr val="tx1"/>
+                </a:solidFill>
+              </a:rPr>
+              <a:t>)</a:t>
+            </a:r>
+            <a:endParaRPr lang="ko-KR" altLang="en-US" sz="1000" dirty="0">
+              <a:solidFill>
+                <a:schemeClr val="tx1"/>
+              </a:solidFill>
+            </a:endParaRPr>
+          </a:p>
+          <a:p>
+            <a:endParaRPr lang="en-US" altLang="ko-KR" sz="1000" dirty="0">
+              <a:solidFill>
+                <a:schemeClr val="tx1"/>
+              </a:solidFill>
+            </a:endParaRPr>
+          </a:p>
+          <a:p>
+            <a:r>
+              <a:rPr lang="ko-KR" altLang="en-US" sz="1000" dirty="0">
+                <a:solidFill>
+                  <a:schemeClr val="tx1"/>
+                </a:solidFill>
+              </a:rPr>
+              <a:t>⑤ 지원제한을 입력할 수 있다</a:t>
+            </a:r>
+            <a:r>
+              <a:rPr lang="en-US" altLang="ko-KR" sz="1000" dirty="0">
+                <a:solidFill>
+                  <a:schemeClr val="tx1"/>
+                </a:solidFill>
+              </a:rPr>
+              <a:t>.</a:t>
+            </a:r>
+            <a:r>
+              <a:rPr lang="ko-KR" altLang="en-US" sz="1000" dirty="0">
+                <a:solidFill>
+                  <a:schemeClr val="tx1"/>
+                </a:solidFill>
+              </a:rPr>
+              <a:t> </a:t>
+            </a:r>
+            <a:r>
+              <a:rPr lang="en-US" altLang="ko-KR" sz="1000" dirty="0">
+                <a:solidFill>
+                  <a:schemeClr val="tx1"/>
+                </a:solidFill>
+              </a:rPr>
+              <a:t>(</a:t>
+            </a:r>
+            <a:r>
+              <a:rPr lang="ko-KR" altLang="en-US" sz="1000" dirty="0">
+                <a:solidFill>
+                  <a:schemeClr val="tx1"/>
+                </a:solidFill>
+              </a:rPr>
+              <a:t>숫자만 입력 가능</a:t>
+            </a:r>
+            <a:r>
+              <a:rPr lang="en-US" altLang="ko-KR" sz="1000" dirty="0">
+                <a:solidFill>
+                  <a:schemeClr val="tx1"/>
+                </a:solidFill>
+              </a:rPr>
+              <a:t>,</a:t>
+            </a:r>
+            <a:r>
+              <a:rPr lang="ko-KR" altLang="en-US" sz="1000" dirty="0">
+                <a:solidFill>
+                  <a:schemeClr val="tx1"/>
+                </a:solidFill>
+              </a:rPr>
+              <a:t> 모집인원보다 큰 수를 입력할 수 없다</a:t>
+            </a:r>
+            <a:r>
+              <a:rPr lang="en-US" altLang="ko-KR" sz="1000" dirty="0">
+                <a:solidFill>
+                  <a:schemeClr val="tx1"/>
+                </a:solidFill>
+              </a:rPr>
+              <a:t>)</a:t>
+            </a:r>
+          </a:p>
+          <a:p>
+            <a:endParaRPr lang="en-US" altLang="ko-KR" sz="1000" dirty="0">
+              <a:solidFill>
+                <a:schemeClr val="tx1"/>
+              </a:solidFill>
+            </a:endParaRPr>
+          </a:p>
+          <a:p>
+            <a:r>
+              <a:rPr lang="ko-KR" altLang="en-US" sz="1000" dirty="0">
+                <a:solidFill>
+                  <a:schemeClr val="tx1"/>
+                </a:solidFill>
+              </a:rPr>
+              <a:t>⑥ 모집 게시일을 선택할 수 있다</a:t>
+            </a:r>
+            <a:r>
+              <a:rPr lang="en-US" altLang="ko-KR" sz="1000" dirty="0">
+                <a:solidFill>
+                  <a:schemeClr val="tx1"/>
+                </a:solidFill>
+              </a:rPr>
+              <a:t>.</a:t>
+            </a:r>
+          </a:p>
+          <a:p>
+            <a:endParaRPr lang="ko-KR" altLang="en-US" sz="1000" dirty="0">
+              <a:solidFill>
+                <a:schemeClr val="tx1"/>
+              </a:solidFill>
+            </a:endParaRPr>
+          </a:p>
+          <a:p>
+            <a:r>
+              <a:rPr lang="ko-KR" altLang="en-US" sz="1000" dirty="0">
+                <a:solidFill>
+                  <a:schemeClr val="tx1"/>
+                </a:solidFill>
+              </a:rPr>
+              <a:t>⑦ 모집 종료일을 선택할 수 있다</a:t>
+            </a:r>
+            <a:r>
+              <a:rPr lang="en-US" altLang="ko-KR" sz="1000" dirty="0">
+                <a:solidFill>
+                  <a:schemeClr val="tx1"/>
+                </a:solidFill>
+              </a:rPr>
+              <a:t>.</a:t>
+            </a:r>
+          </a:p>
+          <a:p>
+            <a:endParaRPr lang="en-US" altLang="ko-KR" sz="1000" dirty="0">
+              <a:solidFill>
+                <a:schemeClr val="tx1"/>
+              </a:solidFill>
+            </a:endParaRPr>
+          </a:p>
+          <a:p>
+            <a:r>
+              <a:rPr lang="ko-KR" altLang="en-US" sz="1000" dirty="0">
+                <a:solidFill>
+                  <a:schemeClr val="tx1"/>
+                </a:solidFill>
+              </a:rPr>
+              <a:t>⑧ 해시태그를 입력할 수 있다</a:t>
+            </a:r>
+            <a:r>
+              <a:rPr lang="en-US" altLang="ko-KR" sz="1000" dirty="0">
+                <a:solidFill>
+                  <a:schemeClr val="tx1"/>
+                </a:solidFill>
+              </a:rPr>
+              <a:t>.</a:t>
+            </a:r>
+            <a:r>
+              <a:rPr lang="ko-KR" altLang="en-US" sz="1000" dirty="0">
+                <a:solidFill>
+                  <a:schemeClr val="tx1"/>
+                </a:solidFill>
+              </a:rPr>
+              <a:t> </a:t>
+            </a:r>
+            <a:r>
+              <a:rPr lang="en-US" altLang="ko-KR" sz="1000" dirty="0">
+                <a:solidFill>
+                  <a:schemeClr val="tx1"/>
+                </a:solidFill>
+              </a:rPr>
+              <a:t>(</a:t>
+            </a:r>
+            <a:r>
+              <a:rPr lang="ko-KR" altLang="en-US" sz="1000" dirty="0">
+                <a:solidFill>
+                  <a:schemeClr val="tx1"/>
+                </a:solidFill>
+              </a:rPr>
+              <a:t>글자 수 제한 </a:t>
+            </a:r>
+            <a:r>
+              <a:rPr lang="en-US" altLang="ko-KR" sz="1000" dirty="0">
+                <a:solidFill>
+                  <a:schemeClr val="tx1"/>
+                </a:solidFill>
+              </a:rPr>
+              <a:t>(</a:t>
+            </a:r>
+            <a:r>
+              <a:rPr lang="ko-KR" altLang="en-US" sz="1000" dirty="0">
+                <a:solidFill>
+                  <a:schemeClr val="tx1"/>
+                </a:solidFill>
+              </a:rPr>
+              <a:t>한글 </a:t>
+            </a:r>
+            <a:r>
+              <a:rPr lang="en-US" altLang="ko-KR" sz="1000" dirty="0">
+                <a:solidFill>
+                  <a:schemeClr val="tx1"/>
+                </a:solidFill>
+              </a:rPr>
+              <a:t>10</a:t>
+            </a:r>
+            <a:r>
+              <a:rPr lang="ko-KR" altLang="en-US" sz="1000" dirty="0">
+                <a:solidFill>
+                  <a:schemeClr val="tx1"/>
+                </a:solidFill>
+              </a:rPr>
+              <a:t>자</a:t>
+            </a:r>
+            <a:r>
+              <a:rPr lang="en-US" altLang="ko-KR" sz="1000" dirty="0">
+                <a:solidFill>
+                  <a:schemeClr val="tx1"/>
+                </a:solidFill>
+              </a:rPr>
+              <a:t>,</a:t>
+            </a:r>
+            <a:r>
+              <a:rPr lang="ko-KR" altLang="en-US" sz="1000" dirty="0">
+                <a:solidFill>
+                  <a:schemeClr val="tx1"/>
+                </a:solidFill>
+              </a:rPr>
+              <a:t> 영어 </a:t>
+            </a:r>
+            <a:r>
+              <a:rPr lang="en-US" altLang="ko-KR" sz="1000" dirty="0">
+                <a:solidFill>
+                  <a:schemeClr val="tx1"/>
+                </a:solidFill>
+              </a:rPr>
+              <a:t>30</a:t>
+            </a:r>
+            <a:r>
+              <a:rPr lang="ko-KR" altLang="en-US" sz="1000" dirty="0">
+                <a:solidFill>
+                  <a:schemeClr val="tx1"/>
+                </a:solidFill>
+              </a:rPr>
+              <a:t>자</a:t>
+            </a:r>
+            <a:r>
+              <a:rPr lang="en-US" altLang="ko-KR" sz="1000" dirty="0">
+                <a:solidFill>
+                  <a:schemeClr val="tx1"/>
+                </a:solidFill>
+              </a:rPr>
+              <a:t>)</a:t>
+            </a:r>
+            <a:r>
+              <a:rPr lang="ko-KR" altLang="en-US" sz="1000" dirty="0">
+                <a:solidFill>
+                  <a:schemeClr val="tx1"/>
+                </a:solidFill>
+              </a:rPr>
+              <a:t> </a:t>
+            </a:r>
+            <a:endParaRPr lang="en-US" altLang="ko-KR" sz="1000" dirty="0">
+              <a:solidFill>
+                <a:schemeClr val="tx1"/>
+              </a:solidFill>
+            </a:endParaRPr>
+          </a:p>
+          <a:p>
+            <a:endParaRPr lang="en-US" altLang="ko-KR" sz="1000" dirty="0">
+              <a:solidFill>
+                <a:schemeClr val="tx1"/>
+              </a:solidFill>
+            </a:endParaRPr>
+          </a:p>
+          <a:p>
+            <a:r>
+              <a:rPr lang="ko-KR" altLang="en-US" sz="1000" dirty="0">
+                <a:solidFill>
+                  <a:schemeClr val="tx1"/>
+                </a:solidFill>
+              </a:rPr>
+              <a:t>⑨ 모집 내용을 작성할 수 있다</a:t>
+            </a:r>
+            <a:r>
+              <a:rPr lang="en-US" altLang="ko-KR" sz="1000" dirty="0">
+                <a:solidFill>
+                  <a:schemeClr val="tx1"/>
+                </a:solidFill>
+              </a:rPr>
+              <a:t>.</a:t>
+            </a:r>
+            <a:r>
+              <a:rPr lang="ko-KR" altLang="en-US" sz="1000" dirty="0">
+                <a:solidFill>
+                  <a:schemeClr val="tx1"/>
+                </a:solidFill>
+              </a:rPr>
+              <a:t> </a:t>
+            </a:r>
+            <a:endParaRPr lang="en-US" altLang="ko-KR" sz="1000" dirty="0">
+              <a:solidFill>
+                <a:schemeClr val="tx1"/>
+              </a:solidFill>
+            </a:endParaRPr>
+          </a:p>
+          <a:p>
+            <a:endParaRPr lang="en-US" altLang="ko-KR" sz="1000" dirty="0">
+              <a:solidFill>
+                <a:schemeClr val="tx1"/>
+              </a:solidFill>
+            </a:endParaRPr>
+          </a:p>
+          <a:p>
+            <a:r>
+              <a:rPr lang="ko-KR" altLang="en-US" sz="1000" dirty="0">
+                <a:solidFill>
+                  <a:schemeClr val="tx1"/>
+                </a:solidFill>
+              </a:rPr>
+              <a:t>⑩ 모집 시작 버튼을 클릭하여 </a:t>
+            </a:r>
+            <a:r>
+              <a:rPr lang="ko-KR" altLang="en-US" sz="1000" dirty="0" err="1">
+                <a:solidFill>
+                  <a:schemeClr val="tx1"/>
+                </a:solidFill>
+              </a:rPr>
+              <a:t>모집글을</a:t>
+            </a:r>
+            <a:r>
+              <a:rPr lang="ko-KR" altLang="en-US" sz="1000" dirty="0">
+                <a:solidFill>
+                  <a:schemeClr val="tx1"/>
+                </a:solidFill>
+              </a:rPr>
+              <a:t> 작성할 수 있다</a:t>
+            </a:r>
+            <a:r>
+              <a:rPr lang="en-US" altLang="ko-KR" sz="1000" dirty="0">
+                <a:solidFill>
+                  <a:schemeClr val="tx1"/>
+                </a:solidFill>
+              </a:rPr>
+              <a:t>.</a:t>
+            </a:r>
+            <a:endParaRPr lang="ko-KR" altLang="en-US" sz="1000" dirty="0">
+              <a:solidFill>
+                <a:schemeClr val="tx1"/>
+              </a:solidFill>
+            </a:endParaRPr>
+          </a:p>
+          <a:p>
+            <a:endParaRPr lang="en-US" altLang="ko-KR" sz="1000" dirty="0">
+              <a:solidFill>
+                <a:schemeClr val="tx1"/>
+              </a:solidFill>
+            </a:endParaRPr>
+          </a:p>
+          <a:p>
+            <a:endParaRPr lang="en-US" altLang="ko-KR" sz="1000" dirty="0">
+              <a:solidFill>
+                <a:schemeClr val="tx1"/>
+              </a:solidFill>
+            </a:endParaRPr>
+          </a:p>
+          <a:p>
+            <a:pPr marL="171450" indent="-171450">
+              <a:buFontTx/>
+              <a:buChar char="-"/>
+            </a:pPr>
+            <a:r>
+              <a:rPr lang="ko-KR" altLang="en-US" sz="1000" dirty="0">
+                <a:solidFill>
+                  <a:schemeClr val="tx1"/>
+                </a:solidFill>
+              </a:rPr>
+              <a:t>비회원</a:t>
+            </a:r>
+            <a:endParaRPr lang="en-US" altLang="ko-KR" sz="1000" dirty="0">
+              <a:solidFill>
+                <a:schemeClr val="tx1"/>
+              </a:solidFill>
+            </a:endParaRPr>
+          </a:p>
+          <a:p>
+            <a:pPr marL="171450" indent="-171450">
+              <a:buFontTx/>
+              <a:buChar char="-"/>
+            </a:pPr>
+            <a:endParaRPr lang="en-US" altLang="ko-KR" sz="1000" dirty="0">
+              <a:solidFill>
+                <a:schemeClr val="tx1"/>
+              </a:solidFill>
+            </a:endParaRPr>
+          </a:p>
+          <a:p>
+            <a:r>
+              <a:rPr lang="ko-KR" altLang="en-US" sz="1000" dirty="0">
+                <a:solidFill>
+                  <a:schemeClr val="tx1"/>
+                </a:solidFill>
+              </a:rPr>
+              <a:t>해당 화면 접근 불가</a:t>
+            </a:r>
+          </a:p>
+          <a:p>
+            <a:endParaRPr lang="en-US" altLang="ko-KR" sz="1000" dirty="0">
+              <a:solidFill>
+                <a:schemeClr val="tx1"/>
+              </a:solidFill>
+            </a:endParaRPr>
+          </a:p>
+        </p:txBody>
+      </p:sp>
+      <p:sp>
+        <p:nvSpPr>
+          <p:cNvPr id="16" name="TextBox 15">
+            <a:extLst>
+              <a:ext uri="{FF2B5EF4-FFF2-40B4-BE49-F238E27FC236}">
+                <a16:creationId xmlns:a16="http://schemas.microsoft.com/office/drawing/2014/main" id="{13D87638-8EAB-0F14-8291-398986B41429}"/>
+              </a:ext>
+            </a:extLst>
+          </p:cNvPr>
+          <p:cNvSpPr txBox="1"/>
+          <p:nvPr/>
+        </p:nvSpPr>
+        <p:spPr>
+          <a:xfrm>
+            <a:off x="3951296" y="-820949"/>
+            <a:ext cx="6101696" cy="646331"/>
+          </a:xfrm>
+          <a:prstGeom prst="rect">
+            <a:avLst/>
+          </a:prstGeom>
+          <a:noFill/>
+        </p:spPr>
+        <p:txBody>
+          <a:bodyPr wrap="square">
+            <a:spAutoFit/>
+          </a:bodyPr>
+          <a:lstStyle/>
+          <a:p>
+            <a:r>
+              <a:rPr lang="ko-KR" altLang="en-US" dirty="0"/>
+              <a:t>①②③④⑤⑥⑦⑧⑨⑩⑪⑫⑬⑭⑮⑯⑰⑱⑲⑳㉑㉒㉓㉔㉕㉖㉗㉘㉙㉚㉛㉜㉝㉞㉟㊱㊲㊳㊴㊵㊶㊷㊸㊹㊺㊻㊼㊽㊾㊿</a:t>
+            </a:r>
+          </a:p>
+        </p:txBody>
+      </p:sp>
+      <p:sp>
+        <p:nvSpPr>
+          <p:cNvPr id="22" name="TextBox 21">
+            <a:extLst>
+              <a:ext uri="{FF2B5EF4-FFF2-40B4-BE49-F238E27FC236}">
+                <a16:creationId xmlns:a16="http://schemas.microsoft.com/office/drawing/2014/main" id="{888DE458-DD8B-B28D-7AC7-36D915E62FDC}"/>
+              </a:ext>
+            </a:extLst>
+          </p:cNvPr>
+          <p:cNvSpPr txBox="1"/>
+          <p:nvPr/>
+        </p:nvSpPr>
+        <p:spPr>
+          <a:xfrm>
+            <a:off x="4043730" y="-1275537"/>
+            <a:ext cx="393106" cy="369332"/>
+          </a:xfrm>
+          <a:prstGeom prst="rect">
+            <a:avLst/>
+          </a:prstGeom>
+          <a:noFill/>
+        </p:spPr>
+        <p:txBody>
+          <a:bodyPr wrap="square">
+            <a:spAutoFit/>
+          </a:bodyPr>
+          <a:lstStyle/>
+          <a:p>
+            <a:r>
+              <a:rPr lang="ko-KR" altLang="en-US" dirty="0"/>
+              <a:t>①</a:t>
+            </a:r>
+          </a:p>
+        </p:txBody>
+      </p:sp>
+      <p:sp>
+        <p:nvSpPr>
+          <p:cNvPr id="26" name="TextBox 25">
+            <a:extLst>
+              <a:ext uri="{FF2B5EF4-FFF2-40B4-BE49-F238E27FC236}">
+                <a16:creationId xmlns:a16="http://schemas.microsoft.com/office/drawing/2014/main" id="{36D70421-5605-F238-E603-E27B5D4C07D9}"/>
+              </a:ext>
+            </a:extLst>
+          </p:cNvPr>
+          <p:cNvSpPr txBox="1"/>
+          <p:nvPr/>
+        </p:nvSpPr>
+        <p:spPr>
+          <a:xfrm>
+            <a:off x="4343617" y="-1275537"/>
+            <a:ext cx="393106" cy="369332"/>
+          </a:xfrm>
+          <a:prstGeom prst="rect">
+            <a:avLst/>
+          </a:prstGeom>
+          <a:noFill/>
+        </p:spPr>
+        <p:txBody>
+          <a:bodyPr wrap="square">
+            <a:spAutoFit/>
+          </a:bodyPr>
+          <a:lstStyle/>
+          <a:p>
+            <a:r>
+              <a:rPr lang="ko-KR" altLang="en-US" dirty="0"/>
+              <a:t>②</a:t>
+            </a:r>
+          </a:p>
+        </p:txBody>
+      </p:sp>
+      <p:sp>
+        <p:nvSpPr>
+          <p:cNvPr id="30" name="TextBox 29">
+            <a:extLst>
+              <a:ext uri="{FF2B5EF4-FFF2-40B4-BE49-F238E27FC236}">
+                <a16:creationId xmlns:a16="http://schemas.microsoft.com/office/drawing/2014/main" id="{C936C9A3-98DC-EBCE-BADE-3D37AAB3A94E}"/>
+              </a:ext>
+            </a:extLst>
+          </p:cNvPr>
+          <p:cNvSpPr txBox="1"/>
+          <p:nvPr/>
+        </p:nvSpPr>
+        <p:spPr>
+          <a:xfrm>
+            <a:off x="4652050" y="-1275537"/>
+            <a:ext cx="384560" cy="369332"/>
+          </a:xfrm>
+          <a:prstGeom prst="rect">
+            <a:avLst/>
+          </a:prstGeom>
+          <a:noFill/>
+        </p:spPr>
+        <p:txBody>
+          <a:bodyPr wrap="square">
+            <a:spAutoFit/>
+          </a:bodyPr>
+          <a:lstStyle/>
+          <a:p>
+            <a:r>
+              <a:rPr lang="ko-KR" altLang="en-US" dirty="0"/>
+              <a:t>③</a:t>
+            </a:r>
+          </a:p>
+        </p:txBody>
+      </p:sp>
+      <p:sp>
+        <p:nvSpPr>
+          <p:cNvPr id="34" name="TextBox 33">
+            <a:extLst>
+              <a:ext uri="{FF2B5EF4-FFF2-40B4-BE49-F238E27FC236}">
+                <a16:creationId xmlns:a16="http://schemas.microsoft.com/office/drawing/2014/main" id="{004C2F69-F97F-D424-760D-D5036941594E}"/>
+              </a:ext>
+            </a:extLst>
+          </p:cNvPr>
+          <p:cNvSpPr txBox="1"/>
+          <p:nvPr/>
+        </p:nvSpPr>
+        <p:spPr>
+          <a:xfrm>
+            <a:off x="4951937" y="-1275537"/>
+            <a:ext cx="410198" cy="369332"/>
+          </a:xfrm>
+          <a:prstGeom prst="rect">
+            <a:avLst/>
+          </a:prstGeom>
+          <a:noFill/>
+        </p:spPr>
+        <p:txBody>
+          <a:bodyPr wrap="square">
+            <a:spAutoFit/>
+          </a:bodyPr>
+          <a:lstStyle/>
+          <a:p>
+            <a:r>
+              <a:rPr lang="ko-KR" altLang="en-US" dirty="0"/>
+              <a:t>④</a:t>
+            </a:r>
+          </a:p>
+        </p:txBody>
+      </p:sp>
+      <p:sp>
+        <p:nvSpPr>
+          <p:cNvPr id="37" name="TextBox 36">
+            <a:extLst>
+              <a:ext uri="{FF2B5EF4-FFF2-40B4-BE49-F238E27FC236}">
+                <a16:creationId xmlns:a16="http://schemas.microsoft.com/office/drawing/2014/main" id="{1C0F21B8-7C9E-6315-6ABC-3CAA5081F769}"/>
+              </a:ext>
+            </a:extLst>
+          </p:cNvPr>
+          <p:cNvSpPr txBox="1"/>
+          <p:nvPr/>
+        </p:nvSpPr>
+        <p:spPr>
+          <a:xfrm>
+            <a:off x="5251824" y="-1275537"/>
+            <a:ext cx="401652" cy="369332"/>
+          </a:xfrm>
+          <a:prstGeom prst="rect">
+            <a:avLst/>
+          </a:prstGeom>
+          <a:noFill/>
+        </p:spPr>
+        <p:txBody>
+          <a:bodyPr wrap="square">
+            <a:spAutoFit/>
+          </a:bodyPr>
+          <a:lstStyle/>
+          <a:p>
+            <a:r>
+              <a:rPr lang="ko-KR" altLang="en-US" dirty="0"/>
+              <a:t>⑤</a:t>
+            </a:r>
+          </a:p>
+        </p:txBody>
+      </p:sp>
+      <p:sp>
+        <p:nvSpPr>
+          <p:cNvPr id="39" name="TextBox 38">
+            <a:extLst>
+              <a:ext uri="{FF2B5EF4-FFF2-40B4-BE49-F238E27FC236}">
+                <a16:creationId xmlns:a16="http://schemas.microsoft.com/office/drawing/2014/main" id="{9BF37754-86BB-CD1A-FA62-0E1399428813}"/>
+              </a:ext>
+            </a:extLst>
+          </p:cNvPr>
+          <p:cNvSpPr txBox="1"/>
+          <p:nvPr/>
+        </p:nvSpPr>
+        <p:spPr>
+          <a:xfrm>
+            <a:off x="5577349" y="-1275537"/>
+            <a:ext cx="358923" cy="369332"/>
+          </a:xfrm>
+          <a:prstGeom prst="rect">
+            <a:avLst/>
+          </a:prstGeom>
+          <a:noFill/>
+        </p:spPr>
+        <p:txBody>
+          <a:bodyPr wrap="square">
+            <a:spAutoFit/>
+          </a:bodyPr>
+          <a:lstStyle/>
+          <a:p>
+            <a:r>
+              <a:rPr lang="ko-KR" altLang="en-US" dirty="0"/>
+              <a:t>⑥</a:t>
+            </a:r>
+          </a:p>
+        </p:txBody>
+      </p:sp>
+      <p:sp>
+        <p:nvSpPr>
+          <p:cNvPr id="51" name="TextBox 50">
+            <a:extLst>
+              <a:ext uri="{FF2B5EF4-FFF2-40B4-BE49-F238E27FC236}">
+                <a16:creationId xmlns:a16="http://schemas.microsoft.com/office/drawing/2014/main" id="{EE8FCF0A-3D8A-2530-E4C3-FE78D1865EA6}"/>
+              </a:ext>
+            </a:extLst>
+          </p:cNvPr>
+          <p:cNvSpPr txBox="1"/>
+          <p:nvPr/>
+        </p:nvSpPr>
+        <p:spPr>
+          <a:xfrm>
+            <a:off x="5870376" y="-1273095"/>
+            <a:ext cx="401652" cy="369332"/>
+          </a:xfrm>
+          <a:prstGeom prst="rect">
+            <a:avLst/>
+          </a:prstGeom>
+          <a:noFill/>
+        </p:spPr>
+        <p:txBody>
+          <a:bodyPr wrap="square">
+            <a:spAutoFit/>
+          </a:bodyPr>
+          <a:lstStyle/>
+          <a:p>
+            <a:r>
+              <a:rPr lang="ko-KR" altLang="en-US" dirty="0"/>
+              <a:t>⑦</a:t>
+            </a:r>
+          </a:p>
+        </p:txBody>
+      </p:sp>
+      <p:pic>
+        <p:nvPicPr>
+          <p:cNvPr id="7" name="그림 6">
+            <a:extLst>
+              <a:ext uri="{FF2B5EF4-FFF2-40B4-BE49-F238E27FC236}">
+                <a16:creationId xmlns:a16="http://schemas.microsoft.com/office/drawing/2014/main" id="{118F9F64-BE57-2FE9-05BF-8623F1B364E6}"/>
+              </a:ext>
+            </a:extLst>
+          </p:cNvPr>
+          <p:cNvPicPr>
+            <a:picLocks noChangeAspect="1"/>
+          </p:cNvPicPr>
+          <p:nvPr/>
+        </p:nvPicPr>
+        <p:blipFill>
+          <a:blip r:embed="rId2"/>
+          <a:stretch>
+            <a:fillRect/>
+          </a:stretch>
+        </p:blipFill>
+        <p:spPr>
+          <a:xfrm>
             <a:off x="0" y="818509"/>
             <a:ext cx="4981829" cy="6039479"/>
           </a:xfrm>
@@ -8161,22 +9145,1580 @@
   <p:clrMapOvr>
     <a:masterClrMapping/>
   </p:clrMapOvr>
-  <mc:AlternateContent xmlns:mc="http://schemas.openxmlformats.org/markup-compatibility/2006" xmlns:p159="http://schemas.microsoft.com/office/powerpoint/2015/09/main">
-    <mc:Choice Requires="p159">
-      <p:transition xmlns:p14="http://schemas.microsoft.com/office/powerpoint/2010/main" spd="slow" p14:dur="2000">
-        <p159:morph option="byObject"/>
-      </p:transition>
-    </mc:Choice>
-    <mc:Fallback xmlns="">
-      <p:transition spd="slow">
-        <p:fade/>
-      </p:transition>
-    </mc:Fallback>
-  </mc:AlternateContent>
 </p:sld>
 </file>
 
-<file path=ppt/slides/slide6.xml><?xml version="1.0" encoding="utf-8"?>
+<file path=ppt/slides/slide7.xml><?xml version="1.0" encoding="utf-8"?>
+<p:sld xmlns:a="http://schemas.openxmlformats.org/drawingml/2006/main" xmlns:r="http://schemas.openxmlformats.org/officeDocument/2006/relationships" xmlns:p="http://schemas.openxmlformats.org/presentationml/2006/main">
+  <p:cSld>
+    <p:spTree>
+      <p:nvGrpSpPr>
+        <p:cNvPr id="1" name=""/>
+        <p:cNvGrpSpPr/>
+        <p:nvPr/>
+      </p:nvGrpSpPr>
+      <p:grpSpPr>
+        <a:xfrm>
+          <a:off x="0" y="0"/>
+          <a:ext cx="0" cy="0"/>
+          <a:chOff x="0" y="0"/>
+          <a:chExt cx="0" cy="0"/>
+        </a:xfrm>
+      </p:grpSpPr>
+      <p:sp>
+        <p:nvSpPr>
+          <p:cNvPr id="2" name="직사각형 1">
+            <a:extLst>
+              <a:ext uri="{FF2B5EF4-FFF2-40B4-BE49-F238E27FC236}">
+                <a16:creationId xmlns:a16="http://schemas.microsoft.com/office/drawing/2014/main" id="{35793BFC-7410-4CA5-9F33-BBE620E91B97}"/>
+              </a:ext>
+            </a:extLst>
+          </p:cNvPr>
+          <p:cNvSpPr/>
+          <p:nvPr/>
+        </p:nvSpPr>
+        <p:spPr>
+          <a:xfrm>
+            <a:off x="0" y="-2"/>
+            <a:ext cx="2438400" cy="160423"/>
+          </a:xfrm>
+          <a:prstGeom prst="rect">
+            <a:avLst/>
+          </a:prstGeom>
+          <a:ln>
+            <a:noFill/>
+          </a:ln>
+        </p:spPr>
+        <p:style>
+          <a:lnRef idx="2">
+            <a:schemeClr val="accent1">
+              <a:shade val="50000"/>
+            </a:schemeClr>
+          </a:lnRef>
+          <a:fillRef idx="1">
+            <a:schemeClr val="accent1"/>
+          </a:fillRef>
+          <a:effectRef idx="0">
+            <a:schemeClr val="accent1"/>
+          </a:effectRef>
+          <a:fontRef idx="minor">
+            <a:schemeClr val="lt1"/>
+          </a:fontRef>
+        </p:style>
+        <p:txBody>
+          <a:bodyPr rtlCol="0" anchor="ctr"/>
+          <a:lstStyle/>
+          <a:p>
+            <a:pPr algn="ctr"/>
+            <a:endParaRPr lang="ko-KR" altLang="en-US"/>
+          </a:p>
+        </p:txBody>
+      </p:sp>
+      <p:sp>
+        <p:nvSpPr>
+          <p:cNvPr id="3" name="직사각형 2">
+            <a:extLst>
+              <a:ext uri="{FF2B5EF4-FFF2-40B4-BE49-F238E27FC236}">
+                <a16:creationId xmlns:a16="http://schemas.microsoft.com/office/drawing/2014/main" id="{5911BEAA-E3C2-4AE3-963F-87E3CAF3FB81}"/>
+              </a:ext>
+            </a:extLst>
+          </p:cNvPr>
+          <p:cNvSpPr/>
+          <p:nvPr/>
+        </p:nvSpPr>
+        <p:spPr>
+          <a:xfrm>
+            <a:off x="2438400" y="-2"/>
+            <a:ext cx="2438400" cy="160423"/>
+          </a:xfrm>
+          <a:prstGeom prst="rect">
+            <a:avLst/>
+          </a:prstGeom>
+          <a:solidFill>
+            <a:schemeClr val="accent1"/>
+          </a:solidFill>
+          <a:ln>
+            <a:noFill/>
+          </a:ln>
+        </p:spPr>
+        <p:style>
+          <a:lnRef idx="2">
+            <a:schemeClr val="accent1">
+              <a:shade val="50000"/>
+            </a:schemeClr>
+          </a:lnRef>
+          <a:fillRef idx="1">
+            <a:schemeClr val="accent1"/>
+          </a:fillRef>
+          <a:effectRef idx="0">
+            <a:schemeClr val="accent1"/>
+          </a:effectRef>
+          <a:fontRef idx="minor">
+            <a:schemeClr val="lt1"/>
+          </a:fontRef>
+        </p:style>
+        <p:txBody>
+          <a:bodyPr rtlCol="0" anchor="ctr"/>
+          <a:lstStyle/>
+          <a:p>
+            <a:pPr algn="ctr"/>
+            <a:endParaRPr lang="ko-KR" altLang="en-US"/>
+          </a:p>
+        </p:txBody>
+      </p:sp>
+      <p:sp>
+        <p:nvSpPr>
+          <p:cNvPr id="4" name="직사각형 3">
+            <a:extLst>
+              <a:ext uri="{FF2B5EF4-FFF2-40B4-BE49-F238E27FC236}">
+                <a16:creationId xmlns:a16="http://schemas.microsoft.com/office/drawing/2014/main" id="{E7D8FA21-061E-4374-84B8-289D75129065}"/>
+              </a:ext>
+            </a:extLst>
+          </p:cNvPr>
+          <p:cNvSpPr/>
+          <p:nvPr/>
+        </p:nvSpPr>
+        <p:spPr>
+          <a:xfrm>
+            <a:off x="4876800" y="-2"/>
+            <a:ext cx="2438400" cy="160423"/>
+          </a:xfrm>
+          <a:prstGeom prst="rect">
+            <a:avLst/>
+          </a:prstGeom>
+          <a:solidFill>
+            <a:schemeClr val="accent3"/>
+          </a:solidFill>
+          <a:ln>
+            <a:noFill/>
+          </a:ln>
+        </p:spPr>
+        <p:style>
+          <a:lnRef idx="2">
+            <a:schemeClr val="accent1">
+              <a:shade val="50000"/>
+            </a:schemeClr>
+          </a:lnRef>
+          <a:fillRef idx="1">
+            <a:schemeClr val="accent1"/>
+          </a:fillRef>
+          <a:effectRef idx="0">
+            <a:schemeClr val="accent1"/>
+          </a:effectRef>
+          <a:fontRef idx="minor">
+            <a:schemeClr val="lt1"/>
+          </a:fontRef>
+        </p:style>
+        <p:txBody>
+          <a:bodyPr rtlCol="0" anchor="ctr"/>
+          <a:lstStyle/>
+          <a:p>
+            <a:pPr algn="ctr"/>
+            <a:endParaRPr lang="ko-KR" altLang="en-US" dirty="0"/>
+          </a:p>
+        </p:txBody>
+      </p:sp>
+      <p:sp>
+        <p:nvSpPr>
+          <p:cNvPr id="5" name="직사각형 4">
+            <a:extLst>
+              <a:ext uri="{FF2B5EF4-FFF2-40B4-BE49-F238E27FC236}">
+                <a16:creationId xmlns:a16="http://schemas.microsoft.com/office/drawing/2014/main" id="{F13425E8-514E-4A6A-80B1-6C04D22E0E7B}"/>
+              </a:ext>
+            </a:extLst>
+          </p:cNvPr>
+          <p:cNvSpPr/>
+          <p:nvPr/>
+        </p:nvSpPr>
+        <p:spPr>
+          <a:xfrm>
+            <a:off x="7315200" y="-3"/>
+            <a:ext cx="2438400" cy="160423"/>
+          </a:xfrm>
+          <a:prstGeom prst="rect">
+            <a:avLst/>
+          </a:prstGeom>
+          <a:solidFill>
+            <a:schemeClr val="accent3"/>
+          </a:solidFill>
+          <a:ln>
+            <a:noFill/>
+          </a:ln>
+        </p:spPr>
+        <p:style>
+          <a:lnRef idx="2">
+            <a:schemeClr val="accent1">
+              <a:shade val="50000"/>
+            </a:schemeClr>
+          </a:lnRef>
+          <a:fillRef idx="1">
+            <a:schemeClr val="accent1"/>
+          </a:fillRef>
+          <a:effectRef idx="0">
+            <a:schemeClr val="accent1"/>
+          </a:effectRef>
+          <a:fontRef idx="minor">
+            <a:schemeClr val="lt1"/>
+          </a:fontRef>
+        </p:style>
+        <p:txBody>
+          <a:bodyPr rtlCol="0" anchor="ctr"/>
+          <a:lstStyle/>
+          <a:p>
+            <a:pPr algn="ctr"/>
+            <a:endParaRPr lang="ko-KR" altLang="en-US"/>
+          </a:p>
+        </p:txBody>
+      </p:sp>
+      <p:sp>
+        <p:nvSpPr>
+          <p:cNvPr id="6" name="직사각형 5">
+            <a:extLst>
+              <a:ext uri="{FF2B5EF4-FFF2-40B4-BE49-F238E27FC236}">
+                <a16:creationId xmlns:a16="http://schemas.microsoft.com/office/drawing/2014/main" id="{D73FA5A3-7443-4A4A-A0C2-99EF274D1D5C}"/>
+              </a:ext>
+            </a:extLst>
+          </p:cNvPr>
+          <p:cNvSpPr/>
+          <p:nvPr/>
+        </p:nvSpPr>
+        <p:spPr>
+          <a:xfrm>
+            <a:off x="9753600" y="-3"/>
+            <a:ext cx="2438400" cy="160423"/>
+          </a:xfrm>
+          <a:prstGeom prst="rect">
+            <a:avLst/>
+          </a:prstGeom>
+          <a:solidFill>
+            <a:schemeClr val="accent3"/>
+          </a:solidFill>
+          <a:ln>
+            <a:noFill/>
+          </a:ln>
+        </p:spPr>
+        <p:style>
+          <a:lnRef idx="2">
+            <a:schemeClr val="accent1">
+              <a:shade val="50000"/>
+            </a:schemeClr>
+          </a:lnRef>
+          <a:fillRef idx="1">
+            <a:schemeClr val="accent1"/>
+          </a:fillRef>
+          <a:effectRef idx="0">
+            <a:schemeClr val="accent1"/>
+          </a:effectRef>
+          <a:fontRef idx="minor">
+            <a:schemeClr val="lt1"/>
+          </a:fontRef>
+        </p:style>
+        <p:txBody>
+          <a:bodyPr rtlCol="0" anchor="ctr"/>
+          <a:lstStyle/>
+          <a:p>
+            <a:pPr algn="ctr"/>
+            <a:endParaRPr lang="ko-KR" altLang="en-US"/>
+          </a:p>
+        </p:txBody>
+      </p:sp>
+      <p:sp>
+        <p:nvSpPr>
+          <p:cNvPr id="8" name="TextBox 7">
+            <a:extLst>
+              <a:ext uri="{FF2B5EF4-FFF2-40B4-BE49-F238E27FC236}">
+                <a16:creationId xmlns:a16="http://schemas.microsoft.com/office/drawing/2014/main" id="{348BFED9-3247-4858-97FC-29981B727AB9}"/>
+              </a:ext>
+            </a:extLst>
+          </p:cNvPr>
+          <p:cNvSpPr txBox="1"/>
+          <p:nvPr/>
+        </p:nvSpPr>
+        <p:spPr>
+          <a:xfrm>
+            <a:off x="160421" y="304800"/>
+            <a:ext cx="1158202" cy="338554"/>
+          </a:xfrm>
+          <a:prstGeom prst="rect">
+            <a:avLst/>
+          </a:prstGeom>
+          <a:noFill/>
+        </p:spPr>
+        <p:txBody>
+          <a:bodyPr wrap="none" rtlCol="0">
+            <a:spAutoFit/>
+          </a:bodyPr>
+          <a:lstStyle/>
+          <a:p>
+            <a:r>
+              <a:rPr lang="en-US" altLang="ko-KR" sz="1600" dirty="0">
+                <a:solidFill>
+                  <a:schemeClr val="accent2"/>
+                </a:solidFill>
+                <a:latin typeface="+mj-lt"/>
+              </a:rPr>
+              <a:t>Screen 003,</a:t>
+            </a:r>
+            <a:endParaRPr lang="ko-KR" altLang="en-US" sz="1600" dirty="0">
+              <a:solidFill>
+                <a:schemeClr val="accent2"/>
+              </a:solidFill>
+              <a:latin typeface="+mj-lt"/>
+            </a:endParaRPr>
+          </a:p>
+        </p:txBody>
+      </p:sp>
+      <p:sp>
+        <p:nvSpPr>
+          <p:cNvPr id="9" name="TextBox 8">
+            <a:extLst>
+              <a:ext uri="{FF2B5EF4-FFF2-40B4-BE49-F238E27FC236}">
+                <a16:creationId xmlns:a16="http://schemas.microsoft.com/office/drawing/2014/main" id="{AE05A515-73BD-4F7C-A919-EAFE378DB41F}"/>
+              </a:ext>
+            </a:extLst>
+          </p:cNvPr>
+          <p:cNvSpPr txBox="1"/>
+          <p:nvPr/>
+        </p:nvSpPr>
+        <p:spPr>
+          <a:xfrm>
+            <a:off x="1219200" y="308215"/>
+            <a:ext cx="1051891" cy="338554"/>
+          </a:xfrm>
+          <a:prstGeom prst="rect">
+            <a:avLst/>
+          </a:prstGeom>
+          <a:noFill/>
+        </p:spPr>
+        <p:txBody>
+          <a:bodyPr wrap="none" rtlCol="0">
+            <a:spAutoFit/>
+          </a:bodyPr>
+          <a:lstStyle/>
+          <a:p>
+            <a:r>
+              <a:rPr lang="ko-KR" altLang="en-US" sz="1600" dirty="0">
+                <a:solidFill>
+                  <a:schemeClr val="accent2"/>
+                </a:solidFill>
+              </a:rPr>
+              <a:t>모임 조회</a:t>
+            </a:r>
+          </a:p>
+        </p:txBody>
+      </p:sp>
+      <p:cxnSp>
+        <p:nvCxnSpPr>
+          <p:cNvPr id="11" name="직선 연결선 10">
+            <a:extLst>
+              <a:ext uri="{FF2B5EF4-FFF2-40B4-BE49-F238E27FC236}">
+                <a16:creationId xmlns:a16="http://schemas.microsoft.com/office/drawing/2014/main" id="{D594AD39-1264-44FB-9659-7901314242FB}"/>
+              </a:ext>
+            </a:extLst>
+          </p:cNvPr>
+          <p:cNvCxnSpPr>
+            <a:cxnSpLocks/>
+          </p:cNvCxnSpPr>
+          <p:nvPr/>
+        </p:nvCxnSpPr>
+        <p:spPr>
+          <a:xfrm>
+            <a:off x="1061630" y="644350"/>
+            <a:ext cx="11130370" cy="0"/>
+          </a:xfrm>
+          <a:prstGeom prst="line">
+            <a:avLst/>
+          </a:prstGeom>
+        </p:spPr>
+        <p:style>
+          <a:lnRef idx="1">
+            <a:schemeClr val="accent1"/>
+          </a:lnRef>
+          <a:fillRef idx="0">
+            <a:schemeClr val="accent1"/>
+          </a:fillRef>
+          <a:effectRef idx="0">
+            <a:schemeClr val="accent1"/>
+          </a:effectRef>
+          <a:fontRef idx="minor">
+            <a:schemeClr val="tx1"/>
+          </a:fontRef>
+        </p:style>
+      </p:cxnSp>
+      <p:sp>
+        <p:nvSpPr>
+          <p:cNvPr id="35" name="직사각형 34">
+            <a:extLst>
+              <a:ext uri="{FF2B5EF4-FFF2-40B4-BE49-F238E27FC236}">
+                <a16:creationId xmlns:a16="http://schemas.microsoft.com/office/drawing/2014/main" id="{EC1328AE-81E8-4031-8851-BDD649B1B309}"/>
+              </a:ext>
+            </a:extLst>
+          </p:cNvPr>
+          <p:cNvSpPr/>
+          <p:nvPr/>
+        </p:nvSpPr>
+        <p:spPr>
+          <a:xfrm>
+            <a:off x="7832061" y="794761"/>
+            <a:ext cx="4359939" cy="6063229"/>
+          </a:xfrm>
+          <a:prstGeom prst="rect">
+            <a:avLst/>
+          </a:prstGeom>
+          <a:solidFill>
+            <a:schemeClr val="bg1">
+              <a:lumMod val="85000"/>
+              <a:lumOff val="15000"/>
+            </a:schemeClr>
+          </a:solidFill>
+          <a:ln>
+            <a:solidFill>
+              <a:schemeClr val="bg1">
+                <a:lumMod val="75000"/>
+              </a:schemeClr>
+            </a:solidFill>
+          </a:ln>
+        </p:spPr>
+        <p:style>
+          <a:lnRef idx="2">
+            <a:schemeClr val="accent1">
+              <a:shade val="50000"/>
+            </a:schemeClr>
+          </a:lnRef>
+          <a:fillRef idx="1">
+            <a:schemeClr val="accent1"/>
+          </a:fillRef>
+          <a:effectRef idx="0">
+            <a:schemeClr val="accent1"/>
+          </a:effectRef>
+          <a:fontRef idx="minor">
+            <a:schemeClr val="lt1"/>
+          </a:fontRef>
+        </p:style>
+        <p:txBody>
+          <a:bodyPr rtlCol="0" anchor="ctr"/>
+          <a:lstStyle/>
+          <a:p>
+            <a:pPr marL="171450" indent="-171450">
+              <a:buFontTx/>
+              <a:buChar char="-"/>
+            </a:pPr>
+            <a:r>
+              <a:rPr lang="ko-KR" altLang="en-US" sz="1000" dirty="0">
+                <a:solidFill>
+                  <a:schemeClr val="tx1"/>
+                </a:solidFill>
+              </a:rPr>
+              <a:t>회원</a:t>
+            </a:r>
+            <a:endParaRPr lang="en-US" altLang="ko-KR" sz="1000" dirty="0">
+              <a:solidFill>
+                <a:schemeClr val="tx1"/>
+              </a:solidFill>
+            </a:endParaRPr>
+          </a:p>
+          <a:p>
+            <a:pPr marL="171450" indent="-171450">
+              <a:buFontTx/>
+              <a:buChar char="-"/>
+            </a:pPr>
+            <a:endParaRPr lang="en-US" altLang="ko-KR" sz="1000" dirty="0">
+              <a:solidFill>
+                <a:schemeClr val="tx1"/>
+              </a:solidFill>
+            </a:endParaRPr>
+          </a:p>
+          <a:p>
+            <a:r>
+              <a:rPr lang="ko-KR" altLang="en-US" sz="1000" dirty="0">
+                <a:solidFill>
+                  <a:schemeClr val="tx1"/>
+                </a:solidFill>
+              </a:rPr>
+              <a:t>① 제목을 입력 할 수 있다</a:t>
+            </a:r>
+            <a:r>
+              <a:rPr lang="en-US" altLang="ko-KR" sz="1000" dirty="0">
+                <a:solidFill>
+                  <a:schemeClr val="tx1"/>
+                </a:solidFill>
+              </a:rPr>
+              <a:t>.</a:t>
+            </a:r>
+            <a:r>
+              <a:rPr lang="ko-KR" altLang="en-US" sz="1000" dirty="0">
+                <a:solidFill>
+                  <a:schemeClr val="tx1"/>
+                </a:solidFill>
+              </a:rPr>
+              <a:t> </a:t>
+            </a:r>
+            <a:r>
+              <a:rPr lang="en-US" altLang="ko-KR" sz="1000" dirty="0">
+                <a:solidFill>
+                  <a:schemeClr val="tx1"/>
+                </a:solidFill>
+              </a:rPr>
+              <a:t>(</a:t>
+            </a:r>
+            <a:r>
+              <a:rPr lang="ko-KR" altLang="en-US" sz="1000" dirty="0">
+                <a:solidFill>
+                  <a:schemeClr val="tx1"/>
+                </a:solidFill>
+              </a:rPr>
+              <a:t>글자 수 제한 </a:t>
+            </a:r>
+            <a:r>
+              <a:rPr lang="en-US" altLang="ko-KR" sz="1000" dirty="0">
+                <a:solidFill>
+                  <a:schemeClr val="tx1"/>
+                </a:solidFill>
+              </a:rPr>
+              <a:t>(</a:t>
+            </a:r>
+            <a:r>
+              <a:rPr lang="ko-KR" altLang="en-US" sz="1000" dirty="0">
+                <a:solidFill>
+                  <a:schemeClr val="tx1"/>
+                </a:solidFill>
+              </a:rPr>
+              <a:t>한글 </a:t>
+            </a:r>
+            <a:r>
+              <a:rPr lang="en-US" altLang="ko-KR" sz="1000" dirty="0">
+                <a:solidFill>
+                  <a:schemeClr val="tx1"/>
+                </a:solidFill>
+              </a:rPr>
+              <a:t>300</a:t>
+            </a:r>
+            <a:r>
+              <a:rPr lang="ko-KR" altLang="en-US" sz="1000" dirty="0">
+                <a:solidFill>
+                  <a:schemeClr val="tx1"/>
+                </a:solidFill>
+              </a:rPr>
+              <a:t>자</a:t>
+            </a:r>
+            <a:r>
+              <a:rPr lang="en-US" altLang="ko-KR" sz="1000" dirty="0">
+                <a:solidFill>
+                  <a:schemeClr val="tx1"/>
+                </a:solidFill>
+              </a:rPr>
+              <a:t>,</a:t>
+            </a:r>
+            <a:r>
+              <a:rPr lang="ko-KR" altLang="en-US" sz="1000" dirty="0">
+                <a:solidFill>
+                  <a:schemeClr val="tx1"/>
+                </a:solidFill>
+              </a:rPr>
+              <a:t> 영어 </a:t>
+            </a:r>
+            <a:r>
+              <a:rPr lang="en-US" altLang="ko-KR" sz="1000" dirty="0">
+                <a:solidFill>
+                  <a:schemeClr val="tx1"/>
+                </a:solidFill>
+              </a:rPr>
+              <a:t>900</a:t>
+            </a:r>
+            <a:r>
+              <a:rPr lang="ko-KR" altLang="en-US" sz="1000" dirty="0">
+                <a:solidFill>
+                  <a:schemeClr val="tx1"/>
+                </a:solidFill>
+              </a:rPr>
+              <a:t>자</a:t>
+            </a:r>
+            <a:r>
+              <a:rPr lang="en-US" altLang="ko-KR" sz="1000" dirty="0">
+                <a:solidFill>
+                  <a:schemeClr val="tx1"/>
+                </a:solidFill>
+              </a:rPr>
+              <a:t>)</a:t>
+            </a:r>
+          </a:p>
+          <a:p>
+            <a:endParaRPr lang="en-US" altLang="ko-KR" sz="1000" dirty="0">
+              <a:solidFill>
+                <a:schemeClr val="tx1"/>
+              </a:solidFill>
+            </a:endParaRPr>
+          </a:p>
+          <a:p>
+            <a:r>
+              <a:rPr lang="ko-KR" altLang="en-US" sz="1000" dirty="0">
+                <a:solidFill>
+                  <a:schemeClr val="tx1"/>
+                </a:solidFill>
+              </a:rPr>
+              <a:t>② 시작일을 선택할 수 있다</a:t>
+            </a:r>
+            <a:r>
+              <a:rPr lang="en-US" altLang="ko-KR" sz="1000" dirty="0">
+                <a:solidFill>
+                  <a:schemeClr val="tx1"/>
+                </a:solidFill>
+              </a:rPr>
+              <a:t>.</a:t>
+            </a:r>
+          </a:p>
+          <a:p>
+            <a:endParaRPr lang="en-US" altLang="ko-KR" sz="1000" dirty="0">
+              <a:solidFill>
+                <a:schemeClr val="tx1"/>
+              </a:solidFill>
+            </a:endParaRPr>
+          </a:p>
+          <a:p>
+            <a:r>
+              <a:rPr lang="ko-KR" altLang="en-US" sz="1000" dirty="0">
+                <a:solidFill>
+                  <a:schemeClr val="tx1"/>
+                </a:solidFill>
+              </a:rPr>
+              <a:t>③ 종료일을 선택할 수 있다</a:t>
+            </a:r>
+            <a:r>
+              <a:rPr lang="en-US" altLang="ko-KR" sz="1000" dirty="0">
+                <a:solidFill>
+                  <a:schemeClr val="tx1"/>
+                </a:solidFill>
+              </a:rPr>
+              <a:t>.</a:t>
+            </a:r>
+          </a:p>
+          <a:p>
+            <a:endParaRPr lang="en-US" altLang="ko-KR" sz="1000" dirty="0">
+              <a:solidFill>
+                <a:schemeClr val="tx1"/>
+              </a:solidFill>
+            </a:endParaRPr>
+          </a:p>
+          <a:p>
+            <a:r>
+              <a:rPr lang="ko-KR" altLang="en-US" sz="1000" dirty="0">
+                <a:solidFill>
+                  <a:schemeClr val="tx1"/>
+                </a:solidFill>
+              </a:rPr>
+              <a:t>④ 모집인원을 입력할 수 있다</a:t>
+            </a:r>
+            <a:r>
+              <a:rPr lang="en-US" altLang="ko-KR" sz="1000" dirty="0">
+                <a:solidFill>
+                  <a:schemeClr val="tx1"/>
+                </a:solidFill>
+              </a:rPr>
+              <a:t>.</a:t>
+            </a:r>
+            <a:r>
+              <a:rPr lang="ko-KR" altLang="en-US" sz="1000" dirty="0">
+                <a:solidFill>
+                  <a:schemeClr val="tx1"/>
+                </a:solidFill>
+              </a:rPr>
+              <a:t> </a:t>
+            </a:r>
+            <a:r>
+              <a:rPr lang="en-US" altLang="ko-KR" sz="1000" dirty="0">
+                <a:solidFill>
+                  <a:schemeClr val="tx1"/>
+                </a:solidFill>
+              </a:rPr>
+              <a:t>(</a:t>
+            </a:r>
+            <a:r>
+              <a:rPr lang="ko-KR" altLang="en-US" sz="1000" dirty="0">
+                <a:solidFill>
+                  <a:schemeClr val="tx1"/>
+                </a:solidFill>
+              </a:rPr>
+              <a:t>숫자만 입력 가능</a:t>
+            </a:r>
+            <a:r>
+              <a:rPr lang="en-US" altLang="ko-KR" sz="1000" dirty="0">
+                <a:solidFill>
+                  <a:schemeClr val="tx1"/>
+                </a:solidFill>
+              </a:rPr>
+              <a:t>,</a:t>
+            </a:r>
+            <a:r>
+              <a:rPr lang="ko-KR" altLang="en-US" sz="1000" dirty="0">
+                <a:solidFill>
+                  <a:schemeClr val="tx1"/>
+                </a:solidFill>
+              </a:rPr>
+              <a:t> 최대 </a:t>
+            </a:r>
+            <a:r>
+              <a:rPr lang="en-US" altLang="ko-KR" sz="1000" dirty="0">
+                <a:solidFill>
+                  <a:schemeClr val="tx1"/>
+                </a:solidFill>
+              </a:rPr>
+              <a:t>100</a:t>
+            </a:r>
+            <a:r>
+              <a:rPr lang="ko-KR" altLang="en-US" sz="1000" dirty="0">
+                <a:solidFill>
+                  <a:schemeClr val="tx1"/>
+                </a:solidFill>
+              </a:rPr>
+              <a:t> 까지 지원</a:t>
+            </a:r>
+            <a:r>
+              <a:rPr lang="en-US" altLang="ko-KR" sz="1000" dirty="0">
+                <a:solidFill>
+                  <a:schemeClr val="tx1"/>
+                </a:solidFill>
+              </a:rPr>
+              <a:t>)</a:t>
+            </a:r>
+            <a:endParaRPr lang="ko-KR" altLang="en-US" sz="1000" dirty="0">
+              <a:solidFill>
+                <a:schemeClr val="tx1"/>
+              </a:solidFill>
+            </a:endParaRPr>
+          </a:p>
+          <a:p>
+            <a:endParaRPr lang="en-US" altLang="ko-KR" sz="1000" dirty="0">
+              <a:solidFill>
+                <a:schemeClr val="tx1"/>
+              </a:solidFill>
+            </a:endParaRPr>
+          </a:p>
+          <a:p>
+            <a:r>
+              <a:rPr lang="ko-KR" altLang="en-US" sz="1000" dirty="0">
+                <a:solidFill>
+                  <a:schemeClr val="tx1"/>
+                </a:solidFill>
+              </a:rPr>
+              <a:t>⑤ 지원제한을 입력할 수 있다</a:t>
+            </a:r>
+            <a:r>
+              <a:rPr lang="en-US" altLang="ko-KR" sz="1000" dirty="0">
+                <a:solidFill>
+                  <a:schemeClr val="tx1"/>
+                </a:solidFill>
+              </a:rPr>
+              <a:t>.</a:t>
+            </a:r>
+            <a:r>
+              <a:rPr lang="ko-KR" altLang="en-US" sz="1000" dirty="0">
+                <a:solidFill>
+                  <a:schemeClr val="tx1"/>
+                </a:solidFill>
+              </a:rPr>
+              <a:t> </a:t>
+            </a:r>
+            <a:r>
+              <a:rPr lang="en-US" altLang="ko-KR" sz="1000" dirty="0">
+                <a:solidFill>
+                  <a:schemeClr val="tx1"/>
+                </a:solidFill>
+              </a:rPr>
+              <a:t>(</a:t>
+            </a:r>
+            <a:r>
+              <a:rPr lang="ko-KR" altLang="en-US" sz="1000" dirty="0">
+                <a:solidFill>
+                  <a:schemeClr val="tx1"/>
+                </a:solidFill>
+              </a:rPr>
+              <a:t>숫자만 입력 가능</a:t>
+            </a:r>
+            <a:r>
+              <a:rPr lang="en-US" altLang="ko-KR" sz="1000" dirty="0">
+                <a:solidFill>
+                  <a:schemeClr val="tx1"/>
+                </a:solidFill>
+              </a:rPr>
+              <a:t>,</a:t>
+            </a:r>
+            <a:r>
+              <a:rPr lang="ko-KR" altLang="en-US" sz="1000" dirty="0">
+                <a:solidFill>
+                  <a:schemeClr val="tx1"/>
+                </a:solidFill>
+              </a:rPr>
+              <a:t> 모집인원보다 큰 수를 입력할 수 없다</a:t>
+            </a:r>
+            <a:r>
+              <a:rPr lang="en-US" altLang="ko-KR" sz="1000" dirty="0">
+                <a:solidFill>
+                  <a:schemeClr val="tx1"/>
+                </a:solidFill>
+              </a:rPr>
+              <a:t>)</a:t>
+            </a:r>
+          </a:p>
+          <a:p>
+            <a:endParaRPr lang="en-US" altLang="ko-KR" sz="1000" dirty="0">
+              <a:solidFill>
+                <a:schemeClr val="tx1"/>
+              </a:solidFill>
+            </a:endParaRPr>
+          </a:p>
+          <a:p>
+            <a:r>
+              <a:rPr lang="ko-KR" altLang="en-US" sz="1000" dirty="0">
+                <a:solidFill>
+                  <a:schemeClr val="tx1"/>
+                </a:solidFill>
+              </a:rPr>
+              <a:t>⑥ 모집 게시일을 선택할 수 있다</a:t>
+            </a:r>
+            <a:r>
+              <a:rPr lang="en-US" altLang="ko-KR" sz="1000" dirty="0">
+                <a:solidFill>
+                  <a:schemeClr val="tx1"/>
+                </a:solidFill>
+              </a:rPr>
+              <a:t>.</a:t>
+            </a:r>
+          </a:p>
+          <a:p>
+            <a:endParaRPr lang="ko-KR" altLang="en-US" sz="1000" dirty="0">
+              <a:solidFill>
+                <a:schemeClr val="tx1"/>
+              </a:solidFill>
+            </a:endParaRPr>
+          </a:p>
+          <a:p>
+            <a:r>
+              <a:rPr lang="ko-KR" altLang="en-US" sz="1000" dirty="0">
+                <a:solidFill>
+                  <a:schemeClr val="tx1"/>
+                </a:solidFill>
+              </a:rPr>
+              <a:t>⑦ 모집 종료일을 선택할 수 있다</a:t>
+            </a:r>
+            <a:r>
+              <a:rPr lang="en-US" altLang="ko-KR" sz="1000" dirty="0">
+                <a:solidFill>
+                  <a:schemeClr val="tx1"/>
+                </a:solidFill>
+              </a:rPr>
+              <a:t>.</a:t>
+            </a:r>
+          </a:p>
+          <a:p>
+            <a:endParaRPr lang="en-US" altLang="ko-KR" sz="1000" dirty="0">
+              <a:solidFill>
+                <a:schemeClr val="tx1"/>
+              </a:solidFill>
+            </a:endParaRPr>
+          </a:p>
+          <a:p>
+            <a:r>
+              <a:rPr lang="ko-KR" altLang="en-US" sz="1000" dirty="0">
+                <a:solidFill>
+                  <a:schemeClr val="tx1"/>
+                </a:solidFill>
+              </a:rPr>
+              <a:t>⑧ 해시태그를 입력할 수 있다</a:t>
+            </a:r>
+            <a:r>
+              <a:rPr lang="en-US" altLang="ko-KR" sz="1000" dirty="0">
+                <a:solidFill>
+                  <a:schemeClr val="tx1"/>
+                </a:solidFill>
+              </a:rPr>
+              <a:t>.</a:t>
+            </a:r>
+            <a:r>
+              <a:rPr lang="ko-KR" altLang="en-US" sz="1000" dirty="0">
+                <a:solidFill>
+                  <a:schemeClr val="tx1"/>
+                </a:solidFill>
+              </a:rPr>
+              <a:t> </a:t>
+            </a:r>
+            <a:r>
+              <a:rPr lang="en-US" altLang="ko-KR" sz="1000" dirty="0">
+                <a:solidFill>
+                  <a:schemeClr val="tx1"/>
+                </a:solidFill>
+              </a:rPr>
+              <a:t>(</a:t>
+            </a:r>
+            <a:r>
+              <a:rPr lang="ko-KR" altLang="en-US" sz="1000" dirty="0">
+                <a:solidFill>
+                  <a:schemeClr val="tx1"/>
+                </a:solidFill>
+              </a:rPr>
+              <a:t>글자 수 제한 </a:t>
+            </a:r>
+            <a:r>
+              <a:rPr lang="en-US" altLang="ko-KR" sz="1000" dirty="0">
+                <a:solidFill>
+                  <a:schemeClr val="tx1"/>
+                </a:solidFill>
+              </a:rPr>
+              <a:t>(</a:t>
+            </a:r>
+            <a:r>
+              <a:rPr lang="ko-KR" altLang="en-US" sz="1000" dirty="0">
+                <a:solidFill>
+                  <a:schemeClr val="tx1"/>
+                </a:solidFill>
+              </a:rPr>
+              <a:t>한글 </a:t>
+            </a:r>
+            <a:r>
+              <a:rPr lang="en-US" altLang="ko-KR" sz="1000" dirty="0">
+                <a:solidFill>
+                  <a:schemeClr val="tx1"/>
+                </a:solidFill>
+              </a:rPr>
+              <a:t>10</a:t>
+            </a:r>
+            <a:r>
+              <a:rPr lang="ko-KR" altLang="en-US" sz="1000" dirty="0">
+                <a:solidFill>
+                  <a:schemeClr val="tx1"/>
+                </a:solidFill>
+              </a:rPr>
+              <a:t>자</a:t>
+            </a:r>
+            <a:r>
+              <a:rPr lang="en-US" altLang="ko-KR" sz="1000" dirty="0">
+                <a:solidFill>
+                  <a:schemeClr val="tx1"/>
+                </a:solidFill>
+              </a:rPr>
+              <a:t>,</a:t>
+            </a:r>
+            <a:r>
+              <a:rPr lang="ko-KR" altLang="en-US" sz="1000" dirty="0">
+                <a:solidFill>
+                  <a:schemeClr val="tx1"/>
+                </a:solidFill>
+              </a:rPr>
+              <a:t> 영어 </a:t>
+            </a:r>
+            <a:r>
+              <a:rPr lang="en-US" altLang="ko-KR" sz="1000" dirty="0">
+                <a:solidFill>
+                  <a:schemeClr val="tx1"/>
+                </a:solidFill>
+              </a:rPr>
+              <a:t>30</a:t>
+            </a:r>
+            <a:r>
+              <a:rPr lang="ko-KR" altLang="en-US" sz="1000" dirty="0">
+                <a:solidFill>
+                  <a:schemeClr val="tx1"/>
+                </a:solidFill>
+              </a:rPr>
+              <a:t>자</a:t>
+            </a:r>
+            <a:r>
+              <a:rPr lang="en-US" altLang="ko-KR" sz="1000" dirty="0">
+                <a:solidFill>
+                  <a:schemeClr val="tx1"/>
+                </a:solidFill>
+              </a:rPr>
+              <a:t>)</a:t>
+            </a:r>
+            <a:r>
+              <a:rPr lang="ko-KR" altLang="en-US" sz="1000" dirty="0">
+                <a:solidFill>
+                  <a:schemeClr val="tx1"/>
+                </a:solidFill>
+              </a:rPr>
+              <a:t> </a:t>
+            </a:r>
+            <a:endParaRPr lang="en-US" altLang="ko-KR" sz="1000" dirty="0">
+              <a:solidFill>
+                <a:schemeClr val="tx1"/>
+              </a:solidFill>
+            </a:endParaRPr>
+          </a:p>
+          <a:p>
+            <a:endParaRPr lang="en-US" altLang="ko-KR" sz="1000" dirty="0">
+              <a:solidFill>
+                <a:schemeClr val="tx1"/>
+              </a:solidFill>
+            </a:endParaRPr>
+          </a:p>
+          <a:p>
+            <a:r>
+              <a:rPr lang="ko-KR" altLang="en-US" sz="1000" dirty="0">
+                <a:solidFill>
+                  <a:schemeClr val="tx1"/>
+                </a:solidFill>
+              </a:rPr>
+              <a:t>⑨ 모집 내용을 작성할 수 있다</a:t>
+            </a:r>
+            <a:r>
+              <a:rPr lang="en-US" altLang="ko-KR" sz="1000" dirty="0">
+                <a:solidFill>
+                  <a:schemeClr val="tx1"/>
+                </a:solidFill>
+              </a:rPr>
+              <a:t>.</a:t>
+            </a:r>
+            <a:r>
+              <a:rPr lang="ko-KR" altLang="en-US" sz="1000" dirty="0">
+                <a:solidFill>
+                  <a:schemeClr val="tx1"/>
+                </a:solidFill>
+              </a:rPr>
+              <a:t> </a:t>
+            </a:r>
+            <a:endParaRPr lang="en-US" altLang="ko-KR" sz="1000" dirty="0">
+              <a:solidFill>
+                <a:schemeClr val="tx1"/>
+              </a:solidFill>
+            </a:endParaRPr>
+          </a:p>
+          <a:p>
+            <a:endParaRPr lang="en-US" altLang="ko-KR" sz="1000" dirty="0">
+              <a:solidFill>
+                <a:schemeClr val="tx1"/>
+              </a:solidFill>
+            </a:endParaRPr>
+          </a:p>
+          <a:p>
+            <a:r>
+              <a:rPr lang="ko-KR" altLang="en-US" sz="1000" dirty="0">
+                <a:solidFill>
+                  <a:schemeClr val="tx1"/>
+                </a:solidFill>
+              </a:rPr>
+              <a:t>⑩ 모집 시작 버튼을 클릭하여 </a:t>
+            </a:r>
+            <a:r>
+              <a:rPr lang="ko-KR" altLang="en-US" sz="1000" dirty="0" err="1">
+                <a:solidFill>
+                  <a:schemeClr val="tx1"/>
+                </a:solidFill>
+              </a:rPr>
+              <a:t>모집글을</a:t>
+            </a:r>
+            <a:r>
+              <a:rPr lang="ko-KR" altLang="en-US" sz="1000" dirty="0">
+                <a:solidFill>
+                  <a:schemeClr val="tx1"/>
+                </a:solidFill>
+              </a:rPr>
+              <a:t> 작성할 수 있다</a:t>
+            </a:r>
+            <a:r>
+              <a:rPr lang="en-US" altLang="ko-KR" sz="1000" dirty="0">
+                <a:solidFill>
+                  <a:schemeClr val="tx1"/>
+                </a:solidFill>
+              </a:rPr>
+              <a:t>.</a:t>
+            </a:r>
+            <a:endParaRPr lang="ko-KR" altLang="en-US" sz="1000" dirty="0">
+              <a:solidFill>
+                <a:schemeClr val="tx1"/>
+              </a:solidFill>
+            </a:endParaRPr>
+          </a:p>
+          <a:p>
+            <a:endParaRPr lang="en-US" altLang="ko-KR" sz="1000" dirty="0">
+              <a:solidFill>
+                <a:schemeClr val="tx1"/>
+              </a:solidFill>
+            </a:endParaRPr>
+          </a:p>
+          <a:p>
+            <a:endParaRPr lang="en-US" altLang="ko-KR" sz="1000" dirty="0">
+              <a:solidFill>
+                <a:schemeClr val="tx1"/>
+              </a:solidFill>
+            </a:endParaRPr>
+          </a:p>
+          <a:p>
+            <a:pPr marL="171450" indent="-171450">
+              <a:buFontTx/>
+              <a:buChar char="-"/>
+            </a:pPr>
+            <a:r>
+              <a:rPr lang="ko-KR" altLang="en-US" sz="1000" dirty="0">
+                <a:solidFill>
+                  <a:schemeClr val="tx1"/>
+                </a:solidFill>
+              </a:rPr>
+              <a:t>비회원</a:t>
+            </a:r>
+            <a:endParaRPr lang="en-US" altLang="ko-KR" sz="1000" dirty="0">
+              <a:solidFill>
+                <a:schemeClr val="tx1"/>
+              </a:solidFill>
+            </a:endParaRPr>
+          </a:p>
+          <a:p>
+            <a:pPr marL="171450" indent="-171450">
+              <a:buFontTx/>
+              <a:buChar char="-"/>
+            </a:pPr>
+            <a:endParaRPr lang="en-US" altLang="ko-KR" sz="1000" dirty="0">
+              <a:solidFill>
+                <a:schemeClr val="tx1"/>
+              </a:solidFill>
+            </a:endParaRPr>
+          </a:p>
+          <a:p>
+            <a:r>
+              <a:rPr lang="ko-KR" altLang="en-US" sz="1000" dirty="0">
+                <a:solidFill>
+                  <a:schemeClr val="tx1"/>
+                </a:solidFill>
+              </a:rPr>
+              <a:t>해당 화면 접근 불가</a:t>
+            </a:r>
+          </a:p>
+          <a:p>
+            <a:endParaRPr lang="en-US" altLang="ko-KR" sz="1000" dirty="0">
+              <a:solidFill>
+                <a:schemeClr val="tx1"/>
+              </a:solidFill>
+            </a:endParaRPr>
+          </a:p>
+        </p:txBody>
+      </p:sp>
+      <p:sp>
+        <p:nvSpPr>
+          <p:cNvPr id="10" name="TextBox 9">
+            <a:extLst>
+              <a:ext uri="{FF2B5EF4-FFF2-40B4-BE49-F238E27FC236}">
+                <a16:creationId xmlns:a16="http://schemas.microsoft.com/office/drawing/2014/main" id="{CC46E904-FEC5-24E9-DD40-BF4E18103A96}"/>
+              </a:ext>
+            </a:extLst>
+          </p:cNvPr>
+          <p:cNvSpPr txBox="1"/>
+          <p:nvPr/>
+        </p:nvSpPr>
+        <p:spPr>
+          <a:xfrm>
+            <a:off x="3951296" y="-820949"/>
+            <a:ext cx="6101696" cy="646331"/>
+          </a:xfrm>
+          <a:prstGeom prst="rect">
+            <a:avLst/>
+          </a:prstGeom>
+          <a:noFill/>
+        </p:spPr>
+        <p:txBody>
+          <a:bodyPr wrap="square">
+            <a:spAutoFit/>
+          </a:bodyPr>
+          <a:lstStyle/>
+          <a:p>
+            <a:r>
+              <a:rPr lang="ko-KR" altLang="en-US" dirty="0"/>
+              <a:t>①②③④⑤⑥⑦⑧⑨⑩⑪⑫⑬⑭⑮⑯⑰⑱⑲⑳㉑㉒㉓㉔㉕㉖㉗㉘㉙㉚㉛㉜㉝㉞㉟㊱㊲㊳㊴㊵㊶㊷㊸㊹㊺㊻㊼㊽㊾㊿</a:t>
+            </a:r>
+          </a:p>
+        </p:txBody>
+      </p:sp>
+      <p:sp>
+        <p:nvSpPr>
+          <p:cNvPr id="17" name="TextBox 16">
+            <a:extLst>
+              <a:ext uri="{FF2B5EF4-FFF2-40B4-BE49-F238E27FC236}">
+                <a16:creationId xmlns:a16="http://schemas.microsoft.com/office/drawing/2014/main" id="{AB8045D0-9C7B-5533-C095-87FC1ACABFF9}"/>
+              </a:ext>
+            </a:extLst>
+          </p:cNvPr>
+          <p:cNvSpPr txBox="1"/>
+          <p:nvPr/>
+        </p:nvSpPr>
+        <p:spPr>
+          <a:xfrm>
+            <a:off x="4043730" y="-1275537"/>
+            <a:ext cx="393106" cy="369332"/>
+          </a:xfrm>
+          <a:prstGeom prst="rect">
+            <a:avLst/>
+          </a:prstGeom>
+          <a:noFill/>
+        </p:spPr>
+        <p:txBody>
+          <a:bodyPr wrap="square">
+            <a:spAutoFit/>
+          </a:bodyPr>
+          <a:lstStyle/>
+          <a:p>
+            <a:r>
+              <a:rPr lang="ko-KR" altLang="en-US" dirty="0"/>
+              <a:t>①</a:t>
+            </a:r>
+          </a:p>
+        </p:txBody>
+      </p:sp>
+      <p:sp>
+        <p:nvSpPr>
+          <p:cNvPr id="21" name="TextBox 20">
+            <a:extLst>
+              <a:ext uri="{FF2B5EF4-FFF2-40B4-BE49-F238E27FC236}">
+                <a16:creationId xmlns:a16="http://schemas.microsoft.com/office/drawing/2014/main" id="{AD315757-3B5F-27A4-DF89-A1333E7AEE22}"/>
+              </a:ext>
+            </a:extLst>
+          </p:cNvPr>
+          <p:cNvSpPr txBox="1"/>
+          <p:nvPr/>
+        </p:nvSpPr>
+        <p:spPr>
+          <a:xfrm>
+            <a:off x="4343617" y="-1275537"/>
+            <a:ext cx="393106" cy="369332"/>
+          </a:xfrm>
+          <a:prstGeom prst="rect">
+            <a:avLst/>
+          </a:prstGeom>
+          <a:noFill/>
+        </p:spPr>
+        <p:txBody>
+          <a:bodyPr wrap="square">
+            <a:spAutoFit/>
+          </a:bodyPr>
+          <a:lstStyle/>
+          <a:p>
+            <a:r>
+              <a:rPr lang="ko-KR" altLang="en-US" dirty="0"/>
+              <a:t>②</a:t>
+            </a:r>
+          </a:p>
+        </p:txBody>
+      </p:sp>
+      <p:sp>
+        <p:nvSpPr>
+          <p:cNvPr id="25" name="TextBox 24">
+            <a:extLst>
+              <a:ext uri="{FF2B5EF4-FFF2-40B4-BE49-F238E27FC236}">
+                <a16:creationId xmlns:a16="http://schemas.microsoft.com/office/drawing/2014/main" id="{BCC6CEED-CD27-F9A1-8550-EDEC09B1AF05}"/>
+              </a:ext>
+            </a:extLst>
+          </p:cNvPr>
+          <p:cNvSpPr txBox="1"/>
+          <p:nvPr/>
+        </p:nvSpPr>
+        <p:spPr>
+          <a:xfrm>
+            <a:off x="4652050" y="-1275537"/>
+            <a:ext cx="384560" cy="369332"/>
+          </a:xfrm>
+          <a:prstGeom prst="rect">
+            <a:avLst/>
+          </a:prstGeom>
+          <a:noFill/>
+        </p:spPr>
+        <p:txBody>
+          <a:bodyPr wrap="square">
+            <a:spAutoFit/>
+          </a:bodyPr>
+          <a:lstStyle/>
+          <a:p>
+            <a:r>
+              <a:rPr lang="ko-KR" altLang="en-US" dirty="0"/>
+              <a:t>③</a:t>
+            </a:r>
+          </a:p>
+        </p:txBody>
+      </p:sp>
+      <p:sp>
+        <p:nvSpPr>
+          <p:cNvPr id="29" name="TextBox 28">
+            <a:extLst>
+              <a:ext uri="{FF2B5EF4-FFF2-40B4-BE49-F238E27FC236}">
+                <a16:creationId xmlns:a16="http://schemas.microsoft.com/office/drawing/2014/main" id="{B72B8957-1473-EA8F-8A7D-EDF85E079A47}"/>
+              </a:ext>
+            </a:extLst>
+          </p:cNvPr>
+          <p:cNvSpPr txBox="1"/>
+          <p:nvPr/>
+        </p:nvSpPr>
+        <p:spPr>
+          <a:xfrm>
+            <a:off x="4951937" y="-1275537"/>
+            <a:ext cx="410198" cy="369332"/>
+          </a:xfrm>
+          <a:prstGeom prst="rect">
+            <a:avLst/>
+          </a:prstGeom>
+          <a:noFill/>
+        </p:spPr>
+        <p:txBody>
+          <a:bodyPr wrap="square">
+            <a:spAutoFit/>
+          </a:bodyPr>
+          <a:lstStyle/>
+          <a:p>
+            <a:r>
+              <a:rPr lang="ko-KR" altLang="en-US" dirty="0"/>
+              <a:t>④</a:t>
+            </a:r>
+          </a:p>
+        </p:txBody>
+      </p:sp>
+      <p:sp>
+        <p:nvSpPr>
+          <p:cNvPr id="32" name="TextBox 31">
+            <a:extLst>
+              <a:ext uri="{FF2B5EF4-FFF2-40B4-BE49-F238E27FC236}">
+                <a16:creationId xmlns:a16="http://schemas.microsoft.com/office/drawing/2014/main" id="{32AF7C44-9F23-BFF3-2BA1-5DE677419248}"/>
+              </a:ext>
+            </a:extLst>
+          </p:cNvPr>
+          <p:cNvSpPr txBox="1"/>
+          <p:nvPr/>
+        </p:nvSpPr>
+        <p:spPr>
+          <a:xfrm>
+            <a:off x="5251824" y="-1275537"/>
+            <a:ext cx="401652" cy="369332"/>
+          </a:xfrm>
+          <a:prstGeom prst="rect">
+            <a:avLst/>
+          </a:prstGeom>
+          <a:noFill/>
+        </p:spPr>
+        <p:txBody>
+          <a:bodyPr wrap="square">
+            <a:spAutoFit/>
+          </a:bodyPr>
+          <a:lstStyle/>
+          <a:p>
+            <a:r>
+              <a:rPr lang="ko-KR" altLang="en-US" dirty="0"/>
+              <a:t>⑤</a:t>
+            </a:r>
+          </a:p>
+        </p:txBody>
+      </p:sp>
+      <p:sp>
+        <p:nvSpPr>
+          <p:cNvPr id="33" name="TextBox 32">
+            <a:extLst>
+              <a:ext uri="{FF2B5EF4-FFF2-40B4-BE49-F238E27FC236}">
+                <a16:creationId xmlns:a16="http://schemas.microsoft.com/office/drawing/2014/main" id="{3FFEA941-19F0-B6D8-4C85-F6354C7AE468}"/>
+              </a:ext>
+            </a:extLst>
+          </p:cNvPr>
+          <p:cNvSpPr txBox="1"/>
+          <p:nvPr/>
+        </p:nvSpPr>
+        <p:spPr>
+          <a:xfrm>
+            <a:off x="5577349" y="-1275537"/>
+            <a:ext cx="358923" cy="369332"/>
+          </a:xfrm>
+          <a:prstGeom prst="rect">
+            <a:avLst/>
+          </a:prstGeom>
+          <a:noFill/>
+        </p:spPr>
+        <p:txBody>
+          <a:bodyPr wrap="square">
+            <a:spAutoFit/>
+          </a:bodyPr>
+          <a:lstStyle/>
+          <a:p>
+            <a:r>
+              <a:rPr lang="ko-KR" altLang="en-US" dirty="0"/>
+              <a:t>⑥</a:t>
+            </a:r>
+          </a:p>
+        </p:txBody>
+      </p:sp>
+      <p:sp>
+        <p:nvSpPr>
+          <p:cNvPr id="36" name="TextBox 35">
+            <a:extLst>
+              <a:ext uri="{FF2B5EF4-FFF2-40B4-BE49-F238E27FC236}">
+                <a16:creationId xmlns:a16="http://schemas.microsoft.com/office/drawing/2014/main" id="{85E68B16-408D-2032-09A5-002F7EB20EA0}"/>
+              </a:ext>
+            </a:extLst>
+          </p:cNvPr>
+          <p:cNvSpPr txBox="1"/>
+          <p:nvPr/>
+        </p:nvSpPr>
+        <p:spPr>
+          <a:xfrm>
+            <a:off x="5870376" y="-1273095"/>
+            <a:ext cx="401652" cy="369332"/>
+          </a:xfrm>
+          <a:prstGeom prst="rect">
+            <a:avLst/>
+          </a:prstGeom>
+          <a:noFill/>
+        </p:spPr>
+        <p:txBody>
+          <a:bodyPr wrap="square">
+            <a:spAutoFit/>
+          </a:bodyPr>
+          <a:lstStyle/>
+          <a:p>
+            <a:r>
+              <a:rPr lang="ko-KR" altLang="en-US" dirty="0"/>
+              <a:t>⑦</a:t>
+            </a:r>
+          </a:p>
+        </p:txBody>
+      </p:sp>
+      <p:sp>
+        <p:nvSpPr>
+          <p:cNvPr id="38" name="TextBox 37">
+            <a:extLst>
+              <a:ext uri="{FF2B5EF4-FFF2-40B4-BE49-F238E27FC236}">
+                <a16:creationId xmlns:a16="http://schemas.microsoft.com/office/drawing/2014/main" id="{78C6CE09-F1C5-CB8C-D049-C63B40458521}"/>
+              </a:ext>
+            </a:extLst>
+          </p:cNvPr>
+          <p:cNvSpPr txBox="1"/>
+          <p:nvPr/>
+        </p:nvSpPr>
+        <p:spPr>
+          <a:xfrm>
+            <a:off x="6153966" y="-1277589"/>
+            <a:ext cx="384560" cy="369332"/>
+          </a:xfrm>
+          <a:prstGeom prst="rect">
+            <a:avLst/>
+          </a:prstGeom>
+          <a:noFill/>
+        </p:spPr>
+        <p:txBody>
+          <a:bodyPr wrap="square">
+            <a:spAutoFit/>
+          </a:bodyPr>
+          <a:lstStyle/>
+          <a:p>
+            <a:r>
+              <a:rPr lang="ko-KR" altLang="en-US" dirty="0"/>
+              <a:t>⑧</a:t>
+            </a:r>
+          </a:p>
+        </p:txBody>
+      </p:sp>
+      <p:sp>
+        <p:nvSpPr>
+          <p:cNvPr id="40" name="TextBox 39">
+            <a:extLst>
+              <a:ext uri="{FF2B5EF4-FFF2-40B4-BE49-F238E27FC236}">
+                <a16:creationId xmlns:a16="http://schemas.microsoft.com/office/drawing/2014/main" id="{ED673F85-B0B8-5206-F0B2-EF309C6A35DB}"/>
+              </a:ext>
+            </a:extLst>
+          </p:cNvPr>
+          <p:cNvSpPr txBox="1"/>
+          <p:nvPr/>
+        </p:nvSpPr>
+        <p:spPr>
+          <a:xfrm>
+            <a:off x="6451087" y="-1277589"/>
+            <a:ext cx="394102" cy="369332"/>
+          </a:xfrm>
+          <a:prstGeom prst="rect">
+            <a:avLst/>
+          </a:prstGeom>
+          <a:noFill/>
+        </p:spPr>
+        <p:txBody>
+          <a:bodyPr wrap="square">
+            <a:spAutoFit/>
+          </a:bodyPr>
+          <a:lstStyle/>
+          <a:p>
+            <a:r>
+              <a:rPr lang="ko-KR" altLang="en-US" dirty="0"/>
+              <a:t>⑨</a:t>
+            </a:r>
+          </a:p>
+        </p:txBody>
+      </p:sp>
+      <p:sp>
+        <p:nvSpPr>
+          <p:cNvPr id="41" name="TextBox 40">
+            <a:extLst>
+              <a:ext uri="{FF2B5EF4-FFF2-40B4-BE49-F238E27FC236}">
+                <a16:creationId xmlns:a16="http://schemas.microsoft.com/office/drawing/2014/main" id="{3F4A48FF-111B-693A-A2E1-72FBDC0403DF}"/>
+              </a:ext>
+            </a:extLst>
+          </p:cNvPr>
+          <p:cNvSpPr txBox="1"/>
+          <p:nvPr/>
+        </p:nvSpPr>
+        <p:spPr>
+          <a:xfrm>
+            <a:off x="6761290" y="-1273095"/>
+            <a:ext cx="394102" cy="369332"/>
+          </a:xfrm>
+          <a:prstGeom prst="rect">
+            <a:avLst/>
+          </a:prstGeom>
+          <a:noFill/>
+        </p:spPr>
+        <p:txBody>
+          <a:bodyPr wrap="square">
+            <a:spAutoFit/>
+          </a:bodyPr>
+          <a:lstStyle/>
+          <a:p>
+            <a:r>
+              <a:rPr lang="ko-KR" altLang="en-US" dirty="0"/>
+              <a:t>⑩</a:t>
+            </a:r>
+          </a:p>
+        </p:txBody>
+      </p:sp>
+      <p:pic>
+        <p:nvPicPr>
+          <p:cNvPr id="42" name="그림 41">
+            <a:extLst>
+              <a:ext uri="{FF2B5EF4-FFF2-40B4-BE49-F238E27FC236}">
+                <a16:creationId xmlns:a16="http://schemas.microsoft.com/office/drawing/2014/main" id="{CEF4A05A-6250-8CA9-6D36-AAEF9E0F6872}"/>
+              </a:ext>
+            </a:extLst>
+          </p:cNvPr>
+          <p:cNvPicPr>
+            <a:picLocks noChangeAspect="1"/>
+          </p:cNvPicPr>
+          <p:nvPr/>
+        </p:nvPicPr>
+        <p:blipFill>
+          <a:blip r:embed="rId2"/>
+          <a:stretch>
+            <a:fillRect/>
+          </a:stretch>
+        </p:blipFill>
+        <p:spPr>
+          <a:xfrm>
+            <a:off x="17236" y="794563"/>
+            <a:ext cx="7814825" cy="6063226"/>
+          </a:xfrm>
+          <a:prstGeom prst="rect">
+            <a:avLst/>
+          </a:prstGeom>
+        </p:spPr>
+      </p:pic>
+    </p:spTree>
+    <p:extLst>
+      <p:ext uri="{BB962C8B-B14F-4D97-AF65-F5344CB8AC3E}">
+        <p14:creationId xmlns:p14="http://schemas.microsoft.com/office/powerpoint/2010/main" val="1888635837"/>
+      </p:ext>
+    </p:extLst>
+  </p:cSld>
+  <p:clrMapOvr>
+    <a:masterClrMapping/>
+  </p:clrMapOvr>
+</p:sld>
+</file>
+
+<file path=ppt/slides/slide8.xml><?xml version="1.0" encoding="utf-8"?>
 <p:sld xmlns:a="http://schemas.openxmlformats.org/drawingml/2006/main" xmlns:r="http://schemas.openxmlformats.org/officeDocument/2006/relationships" xmlns:p="http://schemas.openxmlformats.org/presentationml/2006/main">
   <p:cSld>
     <p:bg>
@@ -8251,18 +10793,6 @@
   <p:clrMapOvr>
     <a:masterClrMapping/>
   </p:clrMapOvr>
-  <mc:AlternateContent xmlns:mc="http://schemas.openxmlformats.org/markup-compatibility/2006" xmlns:p159="http://schemas.microsoft.com/office/powerpoint/2015/09/main">
-    <mc:Choice Requires="p159">
-      <p:transition xmlns:p14="http://schemas.microsoft.com/office/powerpoint/2010/main" spd="slow" p14:dur="2000">
-        <p159:morph option="byObject"/>
-      </p:transition>
-    </mc:Choice>
-    <mc:Fallback xmlns="">
-      <p:transition spd="slow">
-        <p:fade/>
-      </p:transition>
-    </mc:Fallback>
-  </mc:AlternateContent>
 </p:sld>
 </file>
 

--- a/doc/1. 화면정의서/STUMO_화면정의서.pptx
+++ b/doc/1. 화면정의서/STUMO_화면정의서.pptx
@@ -12,7 +12,8 @@
     <p:sldId id="287" r:id="rId6"/>
     <p:sldId id="286" r:id="rId7"/>
     <p:sldId id="288" r:id="rId8"/>
-    <p:sldId id="285" r:id="rId9"/>
+    <p:sldId id="289" r:id="rId9"/>
+    <p:sldId id="285" r:id="rId10"/>
   </p:sldIdLst>
   <p:sldSz cx="12192000" cy="6858000"/>
   <p:notesSz cx="6858000" cy="9144000"/>
@@ -277,7 +278,7 @@
           <a:p>
             <a:fld id="{F3B34B3F-010A-43D0-B99E-3343AD573276}" type="datetimeFigureOut">
               <a:rPr lang="ko-KR" altLang="en-US" smtClean="0"/>
-              <a:t>2022. 8. 9.</a:t>
+              <a:t>2022. 8. 10.</a:t>
             </a:fld>
             <a:endParaRPr lang="ko-KR" altLang="en-US"/>
           </a:p>
@@ -475,7 +476,7 @@
           <a:p>
             <a:fld id="{F3B34B3F-010A-43D0-B99E-3343AD573276}" type="datetimeFigureOut">
               <a:rPr lang="ko-KR" altLang="en-US" smtClean="0"/>
-              <a:t>2022. 8. 9.</a:t>
+              <a:t>2022. 8. 10.</a:t>
             </a:fld>
             <a:endParaRPr lang="ko-KR" altLang="en-US"/>
           </a:p>
@@ -683,7 +684,7 @@
           <a:p>
             <a:fld id="{F3B34B3F-010A-43D0-B99E-3343AD573276}" type="datetimeFigureOut">
               <a:rPr lang="ko-KR" altLang="en-US" smtClean="0"/>
-              <a:t>2022. 8. 9.</a:t>
+              <a:t>2022. 8. 10.</a:t>
             </a:fld>
             <a:endParaRPr lang="ko-KR" altLang="en-US"/>
           </a:p>
@@ -881,7 +882,7 @@
           <a:p>
             <a:fld id="{F3B34B3F-010A-43D0-B99E-3343AD573276}" type="datetimeFigureOut">
               <a:rPr lang="ko-KR" altLang="en-US" smtClean="0"/>
-              <a:t>2022. 8. 9.</a:t>
+              <a:t>2022. 8. 10.</a:t>
             </a:fld>
             <a:endParaRPr lang="ko-KR" altLang="en-US"/>
           </a:p>
@@ -1156,7 +1157,7 @@
           <a:p>
             <a:fld id="{F3B34B3F-010A-43D0-B99E-3343AD573276}" type="datetimeFigureOut">
               <a:rPr lang="ko-KR" altLang="en-US" smtClean="0"/>
-              <a:t>2022. 8. 9.</a:t>
+              <a:t>2022. 8. 10.</a:t>
             </a:fld>
             <a:endParaRPr lang="ko-KR" altLang="en-US"/>
           </a:p>
@@ -1421,7 +1422,7 @@
           <a:p>
             <a:fld id="{F3B34B3F-010A-43D0-B99E-3343AD573276}" type="datetimeFigureOut">
               <a:rPr lang="ko-KR" altLang="en-US" smtClean="0"/>
-              <a:t>2022. 8. 9.</a:t>
+              <a:t>2022. 8. 10.</a:t>
             </a:fld>
             <a:endParaRPr lang="ko-KR" altLang="en-US"/>
           </a:p>
@@ -1833,7 +1834,7 @@
           <a:p>
             <a:fld id="{F3B34B3F-010A-43D0-B99E-3343AD573276}" type="datetimeFigureOut">
               <a:rPr lang="ko-KR" altLang="en-US" smtClean="0"/>
-              <a:t>2022. 8. 9.</a:t>
+              <a:t>2022. 8. 10.</a:t>
             </a:fld>
             <a:endParaRPr lang="ko-KR" altLang="en-US"/>
           </a:p>
@@ -1974,7 +1975,7 @@
           <a:p>
             <a:fld id="{F3B34B3F-010A-43D0-B99E-3343AD573276}" type="datetimeFigureOut">
               <a:rPr lang="ko-KR" altLang="en-US" smtClean="0"/>
-              <a:t>2022. 8. 9.</a:t>
+              <a:t>2022. 8. 10.</a:t>
             </a:fld>
             <a:endParaRPr lang="ko-KR" altLang="en-US"/>
           </a:p>
@@ -2087,7 +2088,7 @@
           <a:p>
             <a:fld id="{F3B34B3F-010A-43D0-B99E-3343AD573276}" type="datetimeFigureOut">
               <a:rPr lang="ko-KR" altLang="en-US" smtClean="0"/>
-              <a:t>2022. 8. 9.</a:t>
+              <a:t>2022. 8. 10.</a:t>
             </a:fld>
             <a:endParaRPr lang="ko-KR" altLang="en-US"/>
           </a:p>
@@ -2505,7 +2506,7 @@
           <a:p>
             <a:fld id="{F3B34B3F-010A-43D0-B99E-3343AD573276}" type="datetimeFigureOut">
               <a:rPr lang="ko-KR" altLang="en-US" smtClean="0"/>
-              <a:t>2022. 8. 9.</a:t>
+              <a:t>2022. 8. 10.</a:t>
             </a:fld>
             <a:endParaRPr lang="ko-KR" altLang="en-US"/>
           </a:p>
@@ -2793,7 +2794,7 @@
           <a:p>
             <a:fld id="{F3B34B3F-010A-43D0-B99E-3343AD573276}" type="datetimeFigureOut">
               <a:rPr lang="ko-KR" altLang="en-US" smtClean="0"/>
-              <a:t>2022. 8. 9.</a:t>
+              <a:t>2022. 8. 10.</a:t>
             </a:fld>
             <a:endParaRPr lang="ko-KR" altLang="en-US"/>
           </a:p>
@@ -3034,7 +3035,7 @@
           <a:p>
             <a:fld id="{F3B34B3F-010A-43D0-B99E-3343AD573276}" type="datetimeFigureOut">
               <a:rPr lang="ko-KR" altLang="en-US" smtClean="0"/>
-              <a:t>2022. 8. 9.</a:t>
+              <a:t>2022. 8. 10.</a:t>
             </a:fld>
             <a:endParaRPr lang="ko-KR" altLang="en-US"/>
           </a:p>
@@ -4941,7 +4942,23 @@
                   <a:schemeClr val="tx1"/>
                 </a:solidFill>
               </a:rPr>
-              <a:t> 버튼을 클릭하여 로그인 페이지로 이동한다</a:t>
+              <a:t> 버튼을 클릭하여 로그인</a:t>
+            </a:r>
+            <a:r>
+              <a:rPr lang="en-US" altLang="ko-KR" sz="1000" dirty="0">
+                <a:solidFill>
+                  <a:schemeClr val="tx1"/>
+                </a:solidFill>
+              </a:rPr>
+              <a:t>([Screen 002])</a:t>
+            </a:r>
+            <a:r>
+              <a:rPr lang="ko-KR" altLang="en-US" sz="1000" dirty="0">
+                <a:solidFill>
+                  <a:schemeClr val="tx1"/>
+                </a:solidFill>
+              </a:rPr>
+              <a:t> 페이지로 이동한다</a:t>
             </a:r>
             <a:r>
               <a:rPr lang="en-US" altLang="ko-KR" sz="1000" dirty="0">
@@ -4998,7 +5015,23 @@
                   <a:schemeClr val="tx1"/>
                 </a:solidFill>
               </a:rPr>
-              <a:t> 버튼을 클릭하여 모임 모집 작성 화면으로 이동한다</a:t>
+              <a:t> 버튼을 클릭하여 모임 모집</a:t>
+            </a:r>
+            <a:r>
+              <a:rPr lang="en-US" altLang="ko-KR" sz="1000" dirty="0">
+                <a:solidFill>
+                  <a:schemeClr val="tx1"/>
+                </a:solidFill>
+              </a:rPr>
+              <a:t>([Screen 003])</a:t>
+            </a:r>
+            <a:r>
+              <a:rPr lang="ko-KR" altLang="en-US" sz="1000" dirty="0">
+                <a:solidFill>
+                  <a:schemeClr val="tx1"/>
+                </a:solidFill>
+              </a:rPr>
+              <a:t> 작성 화면으로 이동한다</a:t>
             </a:r>
             <a:r>
               <a:rPr lang="en-US" altLang="ko-KR" sz="1000" dirty="0">
@@ -5173,7 +5206,7 @@
                   <a:schemeClr val="tx1"/>
                 </a:solidFill>
               </a:rPr>
-              <a:t>)</a:t>
+              <a:t>[Screen 004])</a:t>
             </a:r>
             <a:r>
               <a:rPr lang="ko-KR" altLang="en-US" sz="1000" dirty="0">
@@ -9457,7 +9490,7 @@
                 </a:solidFill>
                 <a:latin typeface="+mj-lt"/>
               </a:rPr>
-              <a:t>Screen 003,</a:t>
+              <a:t>Screen 004,</a:t>
             </a:r>
             <a:endParaRPr lang="ko-KR" altLang="en-US" sz="1600" dirty="0">
               <a:solidFill>
@@ -9502,7 +9535,7 @@
                   <a:schemeClr val="accent2"/>
                 </a:solidFill>
               </a:rPr>
-              <a:t>모임 조회</a:t>
+              <a:t>모임 상세</a:t>
             </a:r>
           </a:p>
         </p:txBody>
@@ -9635,7 +9668,7 @@
                   <a:schemeClr val="tx1"/>
                 </a:solidFill>
               </a:rPr>
-              <a:t>① 제목을 입력 할 수 있다</a:t>
+              <a:t>① </a:t>
             </a:r>
             <a:r>
               <a:rPr lang="en-US" altLang="ko-KR" sz="1000" dirty="0">
@@ -9643,103 +9676,55 @@
                   <a:schemeClr val="tx1"/>
                 </a:solidFill>
               </a:rPr>
+              <a:t>’</a:t>
+            </a:r>
+            <a:r>
+              <a:rPr lang="ko-KR" altLang="en-US" sz="1000" dirty="0">
+                <a:solidFill>
+                  <a:schemeClr val="tx1"/>
+                </a:solidFill>
+              </a:rPr>
+              <a:t>지원하기</a:t>
+            </a:r>
+            <a:r>
+              <a:rPr lang="en-US" altLang="ko-KR" sz="1000" dirty="0">
+                <a:solidFill>
+                  <a:schemeClr val="tx1"/>
+                </a:solidFill>
+              </a:rPr>
+              <a:t>’</a:t>
+            </a:r>
+            <a:r>
+              <a:rPr lang="ko-KR" altLang="en-US" sz="1000" dirty="0">
+                <a:solidFill>
+                  <a:schemeClr val="tx1"/>
+                </a:solidFill>
+              </a:rPr>
+              <a:t> 버튼을 클릭하여 모임 지원</a:t>
+            </a:r>
+            <a:r>
+              <a:rPr lang="en-US" altLang="ko-KR" sz="1000" dirty="0">
+                <a:solidFill>
+                  <a:schemeClr val="tx1"/>
+                </a:solidFill>
+              </a:rPr>
+              <a:t>[Screen 005]</a:t>
+            </a:r>
+            <a:r>
+              <a:rPr lang="ko-KR" altLang="en-US" sz="1000" dirty="0">
+                <a:solidFill>
+                  <a:schemeClr val="tx1"/>
+                </a:solidFill>
+              </a:rPr>
+              <a:t> 화면으로 이동할 수 있다</a:t>
+            </a:r>
+            <a:r>
+              <a:rPr lang="en-US" altLang="ko-KR" sz="1000" dirty="0">
+                <a:solidFill>
+                  <a:schemeClr val="tx1"/>
+                </a:solidFill>
+              </a:rPr>
               <a:t>.</a:t>
-            </a:r>
-            <a:r>
-              <a:rPr lang="ko-KR" altLang="en-US" sz="1000" dirty="0">
-                <a:solidFill>
-                  <a:schemeClr val="tx1"/>
-                </a:solidFill>
-              </a:rPr>
-              <a:t> </a:t>
-            </a:r>
-            <a:r>
-              <a:rPr lang="en-US" altLang="ko-KR" sz="1000" dirty="0">
-                <a:solidFill>
-                  <a:schemeClr val="tx1"/>
-                </a:solidFill>
-              </a:rPr>
-              <a:t>(</a:t>
-            </a:r>
-            <a:r>
-              <a:rPr lang="ko-KR" altLang="en-US" sz="1000" dirty="0">
-                <a:solidFill>
-                  <a:schemeClr val="tx1"/>
-                </a:solidFill>
-              </a:rPr>
-              <a:t>글자 수 제한 </a:t>
-            </a:r>
-            <a:r>
-              <a:rPr lang="en-US" altLang="ko-KR" sz="1000" dirty="0">
-                <a:solidFill>
-                  <a:schemeClr val="tx1"/>
-                </a:solidFill>
-              </a:rPr>
-              <a:t>(</a:t>
-            </a:r>
-            <a:r>
-              <a:rPr lang="ko-KR" altLang="en-US" sz="1000" dirty="0">
-                <a:solidFill>
-                  <a:schemeClr val="tx1"/>
-                </a:solidFill>
-              </a:rPr>
-              <a:t>한글 </a:t>
-            </a:r>
-            <a:r>
-              <a:rPr lang="en-US" altLang="ko-KR" sz="1000" dirty="0">
-                <a:solidFill>
-                  <a:schemeClr val="tx1"/>
-                </a:solidFill>
-              </a:rPr>
-              <a:t>300</a:t>
-            </a:r>
-            <a:r>
-              <a:rPr lang="ko-KR" altLang="en-US" sz="1000" dirty="0">
-                <a:solidFill>
-                  <a:schemeClr val="tx1"/>
-                </a:solidFill>
-              </a:rPr>
-              <a:t>자</a:t>
-            </a:r>
-            <a:r>
-              <a:rPr lang="en-US" altLang="ko-KR" sz="1000" dirty="0">
-                <a:solidFill>
-                  <a:schemeClr val="tx1"/>
-                </a:solidFill>
-              </a:rPr>
-              <a:t>,</a:t>
-            </a:r>
-            <a:r>
-              <a:rPr lang="ko-KR" altLang="en-US" sz="1000" dirty="0">
-                <a:solidFill>
-                  <a:schemeClr val="tx1"/>
-                </a:solidFill>
-              </a:rPr>
-              <a:t> 영어 </a:t>
-            </a:r>
-            <a:r>
-              <a:rPr lang="en-US" altLang="ko-KR" sz="1000" dirty="0">
-                <a:solidFill>
-                  <a:schemeClr val="tx1"/>
-                </a:solidFill>
-              </a:rPr>
-              <a:t>900</a:t>
-            </a:r>
-            <a:r>
-              <a:rPr lang="ko-KR" altLang="en-US" sz="1000" dirty="0">
-                <a:solidFill>
-                  <a:schemeClr val="tx1"/>
-                </a:solidFill>
-              </a:rPr>
-              <a:t>자</a:t>
-            </a:r>
-            <a:r>
-              <a:rPr lang="en-US" altLang="ko-KR" sz="1000" dirty="0">
-                <a:solidFill>
-                  <a:schemeClr val="tx1"/>
-                </a:solidFill>
-              </a:rPr>
-              <a:t>)</a:t>
             </a:r>
           </a:p>
           <a:p>
@@ -9756,7 +9741,153 @@
                   <a:schemeClr val="tx1"/>
                 </a:solidFill>
               </a:rPr>
-              <a:t>② 시작일을 선택할 수 있다</a:t>
+              <a:t>② </a:t>
+            </a:r>
+            <a:r>
+              <a:rPr lang="en-US" altLang="ko-KR" sz="1000" dirty="0">
+                <a:solidFill>
+                  <a:schemeClr val="tx1"/>
+                </a:solidFill>
+              </a:rPr>
+              <a:t>‘</a:t>
+            </a:r>
+            <a:r>
+              <a:rPr lang="ko-KR" altLang="en-US" sz="1000" dirty="0">
+                <a:solidFill>
+                  <a:schemeClr val="tx1"/>
+                </a:solidFill>
+              </a:rPr>
+              <a:t>지원자 확인</a:t>
+            </a:r>
+            <a:r>
+              <a:rPr lang="en-US" altLang="ko-KR" sz="1000" dirty="0">
+                <a:solidFill>
+                  <a:schemeClr val="tx1"/>
+                </a:solidFill>
+              </a:rPr>
+              <a:t>’</a:t>
+            </a:r>
+            <a:r>
+              <a:rPr lang="ko-KR" altLang="en-US" sz="1000" dirty="0">
+                <a:solidFill>
+                  <a:schemeClr val="tx1"/>
+                </a:solidFill>
+              </a:rPr>
+              <a:t> 버튼을 클릭하여 지원자 확인</a:t>
+            </a:r>
+            <a:r>
+              <a:rPr lang="en-US" altLang="ko-KR" sz="1000" dirty="0">
+                <a:solidFill>
+                  <a:schemeClr val="tx1"/>
+                </a:solidFill>
+              </a:rPr>
+              <a:t>[Screen 006] </a:t>
+            </a:r>
+            <a:r>
+              <a:rPr lang="ko-KR" altLang="en-US" sz="1000" dirty="0">
+                <a:solidFill>
+                  <a:schemeClr val="tx1"/>
+                </a:solidFill>
+              </a:rPr>
+              <a:t>화면으로 이동할 수 있다</a:t>
+            </a:r>
+            <a:r>
+              <a:rPr lang="en-US" altLang="ko-KR" sz="1000" dirty="0">
+                <a:solidFill>
+                  <a:schemeClr val="tx1"/>
+                </a:solidFill>
+              </a:rPr>
+              <a:t>.</a:t>
+            </a:r>
+          </a:p>
+          <a:p>
+            <a:r>
+              <a:rPr lang="ko-KR" altLang="en-US" sz="1000" dirty="0">
+                <a:solidFill>
+                  <a:schemeClr val="tx1"/>
+                </a:solidFill>
+              </a:rPr>
+              <a:t>②</a:t>
+            </a:r>
+            <a:r>
+              <a:rPr lang="en-US" altLang="ko-KR" sz="1000" dirty="0">
+                <a:solidFill>
+                  <a:schemeClr val="tx1"/>
+                </a:solidFill>
+              </a:rPr>
+              <a:t>-1</a:t>
+            </a:r>
+            <a:r>
+              <a:rPr lang="ko-KR" altLang="en-US" sz="1000" dirty="0">
+                <a:solidFill>
+                  <a:schemeClr val="tx1"/>
+                </a:solidFill>
+              </a:rPr>
+              <a:t> </a:t>
+            </a:r>
+            <a:r>
+              <a:rPr lang="en-US" altLang="ko-KR" sz="1000" dirty="0">
+                <a:solidFill>
+                  <a:schemeClr val="tx1"/>
+                </a:solidFill>
+              </a:rPr>
+              <a:t>‘</a:t>
+            </a:r>
+            <a:r>
+              <a:rPr lang="ko-KR" altLang="en-US" sz="1000" dirty="0">
+                <a:solidFill>
+                  <a:schemeClr val="tx1"/>
+                </a:solidFill>
+              </a:rPr>
+              <a:t>지원자 확인</a:t>
+            </a:r>
+            <a:r>
+              <a:rPr lang="en-US" altLang="ko-KR" sz="1000" dirty="0">
+                <a:solidFill>
+                  <a:schemeClr val="tx1"/>
+                </a:solidFill>
+              </a:rPr>
+              <a:t>’</a:t>
+            </a:r>
+            <a:r>
+              <a:rPr lang="ko-KR" altLang="en-US" sz="1000" dirty="0">
+                <a:solidFill>
+                  <a:schemeClr val="tx1"/>
+                </a:solidFill>
+              </a:rPr>
+              <a:t> 버튼은 모임 글을 작성한 작성자</a:t>
+            </a:r>
+            <a:r>
+              <a:rPr lang="en-US" altLang="ko-KR" sz="1000" dirty="0">
+                <a:solidFill>
+                  <a:schemeClr val="tx1"/>
+                </a:solidFill>
+              </a:rPr>
+              <a:t>(</a:t>
+            </a:r>
+            <a:r>
+              <a:rPr lang="ko-KR" altLang="en-US" sz="1000" dirty="0">
+                <a:solidFill>
+                  <a:schemeClr val="tx1"/>
+                </a:solidFill>
+              </a:rPr>
+              <a:t>이하 모임리더</a:t>
+            </a:r>
+            <a:r>
+              <a:rPr lang="en-US" altLang="ko-KR" sz="1000" dirty="0">
+                <a:solidFill>
+                  <a:schemeClr val="tx1"/>
+                </a:solidFill>
+              </a:rPr>
+              <a:t>)</a:t>
+            </a:r>
+            <a:r>
+              <a:rPr lang="ko-KR" altLang="en-US" sz="1000" dirty="0">
+                <a:solidFill>
+                  <a:schemeClr val="tx1"/>
+                </a:solidFill>
+              </a:rPr>
+              <a:t> 에게만 보여진다</a:t>
             </a:r>
             <a:r>
               <a:rPr lang="en-US" altLang="ko-KR" sz="1000" dirty="0">
@@ -9781,7 +9912,7 @@
                   <a:schemeClr val="tx1"/>
                 </a:solidFill>
               </a:rPr>
-              <a:t>③ 종료일을 선택할 수 있다</a:t>
+              <a:t>③ 댓글 내용을 작성할 수 있다</a:t>
             </a:r>
             <a:r>
               <a:rPr lang="en-US" altLang="ko-KR" sz="1000" dirty="0">
@@ -9806,7 +9937,7 @@
                   <a:schemeClr val="tx1"/>
                 </a:solidFill>
               </a:rPr>
-              <a:t>④ 모집인원을 입력할 수 있다</a:t>
+              <a:t>④ </a:t>
             </a:r>
             <a:r>
               <a:rPr lang="en-US" altLang="ko-KR" sz="1000" dirty="0">
@@ -9814,418 +9945,40 @@
                   <a:schemeClr val="tx1"/>
                 </a:solidFill>
               </a:rPr>
+              <a:t>’</a:t>
+            </a:r>
+            <a:r>
+              <a:rPr lang="ko-KR" altLang="en-US" sz="1000" dirty="0">
+                <a:solidFill>
+                  <a:schemeClr val="tx1"/>
+                </a:solidFill>
+              </a:rPr>
+              <a:t>댓글 작성</a:t>
+            </a:r>
+            <a:r>
+              <a:rPr lang="en-US" altLang="ko-KR" sz="1000" dirty="0">
+                <a:solidFill>
+                  <a:schemeClr val="tx1"/>
+                </a:solidFill>
+              </a:rPr>
+              <a:t>!’</a:t>
+            </a:r>
+            <a:r>
+              <a:rPr lang="ko-KR" altLang="en-US" sz="1000" dirty="0">
+                <a:solidFill>
+                  <a:schemeClr val="tx1"/>
+                </a:solidFill>
+              </a:rPr>
+              <a:t> 버튼을 클릭하여 ③ 댓글의 내용을 토대로 댓글을 작성 할 수 있다</a:t>
+            </a:r>
+            <a:r>
+              <a:rPr lang="en-US" altLang="ko-KR" sz="1000" dirty="0">
+                <a:solidFill>
+                  <a:schemeClr val="tx1"/>
+                </a:solidFill>
+              </a:rPr>
               <a:t>.</a:t>
             </a:r>
-            <a:r>
-              <a:rPr lang="ko-KR" altLang="en-US" sz="1000" dirty="0">
-                <a:solidFill>
-                  <a:schemeClr val="tx1"/>
-                </a:solidFill>
-              </a:rPr>
-              <a:t> </a:t>
-            </a:r>
-            <a:r>
-              <a:rPr lang="en-US" altLang="ko-KR" sz="1000" dirty="0">
-                <a:solidFill>
-                  <a:schemeClr val="tx1"/>
-                </a:solidFill>
-              </a:rPr>
-              <a:t>(</a:t>
-            </a:r>
-            <a:r>
-              <a:rPr lang="ko-KR" altLang="en-US" sz="1000" dirty="0">
-                <a:solidFill>
-                  <a:schemeClr val="tx1"/>
-                </a:solidFill>
-              </a:rPr>
-              <a:t>숫자만 입력 가능</a:t>
-            </a:r>
-            <a:r>
-              <a:rPr lang="en-US" altLang="ko-KR" sz="1000" dirty="0">
-                <a:solidFill>
-                  <a:schemeClr val="tx1"/>
-                </a:solidFill>
-              </a:rPr>
-              <a:t>,</a:t>
-            </a:r>
-            <a:r>
-              <a:rPr lang="ko-KR" altLang="en-US" sz="1000" dirty="0">
-                <a:solidFill>
-                  <a:schemeClr val="tx1"/>
-                </a:solidFill>
-              </a:rPr>
-              <a:t> 최대 </a:t>
-            </a:r>
-            <a:r>
-              <a:rPr lang="en-US" altLang="ko-KR" sz="1000" dirty="0">
-                <a:solidFill>
-                  <a:schemeClr val="tx1"/>
-                </a:solidFill>
-              </a:rPr>
-              <a:t>100</a:t>
-            </a:r>
-            <a:r>
-              <a:rPr lang="ko-KR" altLang="en-US" sz="1000" dirty="0">
-                <a:solidFill>
-                  <a:schemeClr val="tx1"/>
-                </a:solidFill>
-              </a:rPr>
-              <a:t> 까지 지원</a:t>
-            </a:r>
-            <a:r>
-              <a:rPr lang="en-US" altLang="ko-KR" sz="1000" dirty="0">
-                <a:solidFill>
-                  <a:schemeClr val="tx1"/>
-                </a:solidFill>
-              </a:rPr>
-              <a:t>)</a:t>
-            </a:r>
-            <a:endParaRPr lang="ko-KR" altLang="en-US" sz="1000" dirty="0">
-              <a:solidFill>
-                <a:schemeClr val="tx1"/>
-              </a:solidFill>
-            </a:endParaRPr>
-          </a:p>
-          <a:p>
-            <a:endParaRPr lang="en-US" altLang="ko-KR" sz="1000" dirty="0">
-              <a:solidFill>
-                <a:schemeClr val="tx1"/>
-              </a:solidFill>
-            </a:endParaRPr>
-          </a:p>
-          <a:p>
-            <a:r>
-              <a:rPr lang="ko-KR" altLang="en-US" sz="1000" dirty="0">
-                <a:solidFill>
-                  <a:schemeClr val="tx1"/>
-                </a:solidFill>
-              </a:rPr>
-              <a:t>⑤ 지원제한을 입력할 수 있다</a:t>
-            </a:r>
-            <a:r>
-              <a:rPr lang="en-US" altLang="ko-KR" sz="1000" dirty="0">
-                <a:solidFill>
-                  <a:schemeClr val="tx1"/>
-                </a:solidFill>
-              </a:rPr>
-              <a:t>.</a:t>
-            </a:r>
-            <a:r>
-              <a:rPr lang="ko-KR" altLang="en-US" sz="1000" dirty="0">
-                <a:solidFill>
-                  <a:schemeClr val="tx1"/>
-                </a:solidFill>
-              </a:rPr>
-              <a:t> </a:t>
-            </a:r>
-            <a:r>
-              <a:rPr lang="en-US" altLang="ko-KR" sz="1000" dirty="0">
-                <a:solidFill>
-                  <a:schemeClr val="tx1"/>
-                </a:solidFill>
-              </a:rPr>
-              <a:t>(</a:t>
-            </a:r>
-            <a:r>
-              <a:rPr lang="ko-KR" altLang="en-US" sz="1000" dirty="0">
-                <a:solidFill>
-                  <a:schemeClr val="tx1"/>
-                </a:solidFill>
-              </a:rPr>
-              <a:t>숫자만 입력 가능</a:t>
-            </a:r>
-            <a:r>
-              <a:rPr lang="en-US" altLang="ko-KR" sz="1000" dirty="0">
-                <a:solidFill>
-                  <a:schemeClr val="tx1"/>
-                </a:solidFill>
-              </a:rPr>
-              <a:t>,</a:t>
-            </a:r>
-            <a:r>
-              <a:rPr lang="ko-KR" altLang="en-US" sz="1000" dirty="0">
-                <a:solidFill>
-                  <a:schemeClr val="tx1"/>
-                </a:solidFill>
-              </a:rPr>
-              <a:t> 모집인원보다 큰 수를 입력할 수 없다</a:t>
-            </a:r>
-            <a:r>
-              <a:rPr lang="en-US" altLang="ko-KR" sz="1000" dirty="0">
-                <a:solidFill>
-                  <a:schemeClr val="tx1"/>
-                </a:solidFill>
-              </a:rPr>
-              <a:t>)</a:t>
-            </a:r>
-          </a:p>
-          <a:p>
-            <a:endParaRPr lang="en-US" altLang="ko-KR" sz="1000" dirty="0">
-              <a:solidFill>
-                <a:schemeClr val="tx1"/>
-              </a:solidFill>
-            </a:endParaRPr>
-          </a:p>
-          <a:p>
-            <a:r>
-              <a:rPr lang="ko-KR" altLang="en-US" sz="1000" dirty="0">
-                <a:solidFill>
-                  <a:schemeClr val="tx1"/>
-                </a:solidFill>
-              </a:rPr>
-              <a:t>⑥ 모집 게시일을 선택할 수 있다</a:t>
-            </a:r>
-            <a:r>
-              <a:rPr lang="en-US" altLang="ko-KR" sz="1000" dirty="0">
-                <a:solidFill>
-                  <a:schemeClr val="tx1"/>
-                </a:solidFill>
-              </a:rPr>
-              <a:t>.</a:t>
-            </a:r>
-          </a:p>
-          <a:p>
-            <a:endParaRPr lang="ko-KR" altLang="en-US" sz="1000" dirty="0">
-              <a:solidFill>
-                <a:schemeClr val="tx1"/>
-              </a:solidFill>
-            </a:endParaRPr>
-          </a:p>
-          <a:p>
-            <a:r>
-              <a:rPr lang="ko-KR" altLang="en-US" sz="1000" dirty="0">
-                <a:solidFill>
-                  <a:schemeClr val="tx1"/>
-                </a:solidFill>
-              </a:rPr>
-              <a:t>⑦ 모집 종료일을 선택할 수 있다</a:t>
-            </a:r>
-            <a:r>
-              <a:rPr lang="en-US" altLang="ko-KR" sz="1000" dirty="0">
-                <a:solidFill>
-                  <a:schemeClr val="tx1"/>
-                </a:solidFill>
-              </a:rPr>
-              <a:t>.</a:t>
-            </a:r>
-          </a:p>
-          <a:p>
-            <a:endParaRPr lang="en-US" altLang="ko-KR" sz="1000" dirty="0">
-              <a:solidFill>
-                <a:schemeClr val="tx1"/>
-              </a:solidFill>
-            </a:endParaRPr>
-          </a:p>
-          <a:p>
-            <a:r>
-              <a:rPr lang="ko-KR" altLang="en-US" sz="1000" dirty="0">
-                <a:solidFill>
-                  <a:schemeClr val="tx1"/>
-                </a:solidFill>
-              </a:rPr>
-              <a:t>⑧ 해시태그를 입력할 수 있다</a:t>
-            </a:r>
-            <a:r>
-              <a:rPr lang="en-US" altLang="ko-KR" sz="1000" dirty="0">
-                <a:solidFill>
-                  <a:schemeClr val="tx1"/>
-                </a:solidFill>
-              </a:rPr>
-              <a:t>.</a:t>
-            </a:r>
-            <a:r>
-              <a:rPr lang="ko-KR" altLang="en-US" sz="1000" dirty="0">
-                <a:solidFill>
-                  <a:schemeClr val="tx1"/>
-                </a:solidFill>
-              </a:rPr>
-              <a:t> </a:t>
-            </a:r>
-            <a:r>
-              <a:rPr lang="en-US" altLang="ko-KR" sz="1000" dirty="0">
-                <a:solidFill>
-                  <a:schemeClr val="tx1"/>
-                </a:solidFill>
-              </a:rPr>
-              <a:t>(</a:t>
-            </a:r>
-            <a:r>
-              <a:rPr lang="ko-KR" altLang="en-US" sz="1000" dirty="0">
-                <a:solidFill>
-                  <a:schemeClr val="tx1"/>
-                </a:solidFill>
-              </a:rPr>
-              <a:t>글자 수 제한 </a:t>
-            </a:r>
-            <a:r>
-              <a:rPr lang="en-US" altLang="ko-KR" sz="1000" dirty="0">
-                <a:solidFill>
-                  <a:schemeClr val="tx1"/>
-                </a:solidFill>
-              </a:rPr>
-              <a:t>(</a:t>
-            </a:r>
-            <a:r>
-              <a:rPr lang="ko-KR" altLang="en-US" sz="1000" dirty="0">
-                <a:solidFill>
-                  <a:schemeClr val="tx1"/>
-                </a:solidFill>
-              </a:rPr>
-              <a:t>한글 </a:t>
-            </a:r>
-            <a:r>
-              <a:rPr lang="en-US" altLang="ko-KR" sz="1000" dirty="0">
-                <a:solidFill>
-                  <a:schemeClr val="tx1"/>
-                </a:solidFill>
-              </a:rPr>
-              <a:t>10</a:t>
-            </a:r>
-            <a:r>
-              <a:rPr lang="ko-KR" altLang="en-US" sz="1000" dirty="0">
-                <a:solidFill>
-                  <a:schemeClr val="tx1"/>
-                </a:solidFill>
-              </a:rPr>
-              <a:t>자</a:t>
-            </a:r>
-            <a:r>
-              <a:rPr lang="en-US" altLang="ko-KR" sz="1000" dirty="0">
-                <a:solidFill>
-                  <a:schemeClr val="tx1"/>
-                </a:solidFill>
-              </a:rPr>
-              <a:t>,</a:t>
-            </a:r>
-            <a:r>
-              <a:rPr lang="ko-KR" altLang="en-US" sz="1000" dirty="0">
-                <a:solidFill>
-                  <a:schemeClr val="tx1"/>
-                </a:solidFill>
-              </a:rPr>
-              <a:t> 영어 </a:t>
-            </a:r>
-            <a:r>
-              <a:rPr lang="en-US" altLang="ko-KR" sz="1000" dirty="0">
-                <a:solidFill>
-                  <a:schemeClr val="tx1"/>
-                </a:solidFill>
-              </a:rPr>
-              <a:t>30</a:t>
-            </a:r>
-            <a:r>
-              <a:rPr lang="ko-KR" altLang="en-US" sz="1000" dirty="0">
-                <a:solidFill>
-                  <a:schemeClr val="tx1"/>
-                </a:solidFill>
-              </a:rPr>
-              <a:t>자</a:t>
-            </a:r>
-            <a:r>
-              <a:rPr lang="en-US" altLang="ko-KR" sz="1000" dirty="0">
-                <a:solidFill>
-                  <a:schemeClr val="tx1"/>
-                </a:solidFill>
-              </a:rPr>
-              <a:t>)</a:t>
-            </a:r>
-            <a:r>
-              <a:rPr lang="ko-KR" altLang="en-US" sz="1000" dirty="0">
-                <a:solidFill>
-                  <a:schemeClr val="tx1"/>
-                </a:solidFill>
-              </a:rPr>
-              <a:t> </a:t>
-            </a:r>
-            <a:endParaRPr lang="en-US" altLang="ko-KR" sz="1000" dirty="0">
-              <a:solidFill>
-                <a:schemeClr val="tx1"/>
-              </a:solidFill>
-            </a:endParaRPr>
-          </a:p>
-          <a:p>
-            <a:endParaRPr lang="en-US" altLang="ko-KR" sz="1000" dirty="0">
-              <a:solidFill>
-                <a:schemeClr val="tx1"/>
-              </a:solidFill>
-            </a:endParaRPr>
-          </a:p>
-          <a:p>
-            <a:r>
-              <a:rPr lang="ko-KR" altLang="en-US" sz="1000" dirty="0">
-                <a:solidFill>
-                  <a:schemeClr val="tx1"/>
-                </a:solidFill>
-              </a:rPr>
-              <a:t>⑨ 모집 내용을 작성할 수 있다</a:t>
-            </a:r>
-            <a:r>
-              <a:rPr lang="en-US" altLang="ko-KR" sz="1000" dirty="0">
-                <a:solidFill>
-                  <a:schemeClr val="tx1"/>
-                </a:solidFill>
-              </a:rPr>
-              <a:t>.</a:t>
-            </a:r>
-            <a:r>
-              <a:rPr lang="ko-KR" altLang="en-US" sz="1000" dirty="0">
-                <a:solidFill>
-                  <a:schemeClr val="tx1"/>
-                </a:solidFill>
-              </a:rPr>
-              <a:t> </a:t>
-            </a:r>
-            <a:endParaRPr lang="en-US" altLang="ko-KR" sz="1000" dirty="0">
-              <a:solidFill>
-                <a:schemeClr val="tx1"/>
-              </a:solidFill>
-            </a:endParaRPr>
-          </a:p>
-          <a:p>
-            <a:endParaRPr lang="en-US" altLang="ko-KR" sz="1000" dirty="0">
-              <a:solidFill>
-                <a:schemeClr val="tx1"/>
-              </a:solidFill>
-            </a:endParaRPr>
-          </a:p>
-          <a:p>
-            <a:r>
-              <a:rPr lang="ko-KR" altLang="en-US" sz="1000" dirty="0">
-                <a:solidFill>
-                  <a:schemeClr val="tx1"/>
-                </a:solidFill>
-              </a:rPr>
-              <a:t>⑩ 모집 시작 버튼을 클릭하여 </a:t>
-            </a:r>
-            <a:r>
-              <a:rPr lang="ko-KR" altLang="en-US" sz="1000" dirty="0" err="1">
-                <a:solidFill>
-                  <a:schemeClr val="tx1"/>
-                </a:solidFill>
-              </a:rPr>
-              <a:t>모집글을</a:t>
-            </a:r>
-            <a:r>
-              <a:rPr lang="ko-KR" altLang="en-US" sz="1000" dirty="0">
-                <a:solidFill>
-                  <a:schemeClr val="tx1"/>
-                </a:solidFill>
-              </a:rPr>
-              <a:t> 작성할 수 있다</a:t>
-            </a:r>
-            <a:r>
-              <a:rPr lang="en-US" altLang="ko-KR" sz="1000" dirty="0">
-                <a:solidFill>
-                  <a:schemeClr val="tx1"/>
-                </a:solidFill>
-              </a:rPr>
-              <a:t>.</a:t>
-            </a:r>
-            <a:endParaRPr lang="ko-KR" altLang="en-US" sz="1000" dirty="0">
-              <a:solidFill>
-                <a:schemeClr val="tx1"/>
-              </a:solidFill>
-            </a:endParaRPr>
           </a:p>
           <a:p>
             <a:endParaRPr lang="en-US" altLang="ko-KR" sz="1000" dirty="0">
@@ -10278,15 +10031,173 @@
                   <a:schemeClr val="tx1"/>
                 </a:solidFill>
               </a:rPr>
-              <a:t>해당 화면 접근 불가</a:t>
-            </a:r>
-          </a:p>
-          <a:p>
+              <a:t>① </a:t>
+            </a:r>
+            <a:r>
+              <a:rPr lang="en-US" altLang="ko-KR" sz="1000" dirty="0">
+                <a:solidFill>
+                  <a:schemeClr val="tx1"/>
+                </a:solidFill>
+              </a:rPr>
+              <a:t>’</a:t>
+            </a:r>
+            <a:r>
+              <a:rPr lang="ko-KR" altLang="en-US" sz="1000" dirty="0">
+                <a:solidFill>
+                  <a:schemeClr val="tx1"/>
+                </a:solidFill>
+              </a:rPr>
+              <a:t>지원하기</a:t>
+            </a:r>
+            <a:r>
+              <a:rPr lang="en-US" altLang="ko-KR" sz="1000" dirty="0">
+                <a:solidFill>
+                  <a:schemeClr val="tx1"/>
+                </a:solidFill>
+              </a:rPr>
+              <a:t>!’</a:t>
+            </a:r>
+            <a:r>
+              <a:rPr lang="ko-KR" altLang="en-US" sz="1000" dirty="0">
+                <a:solidFill>
+                  <a:schemeClr val="tx1"/>
+                </a:solidFill>
+              </a:rPr>
+              <a:t> 버튼을 클릭하면 로그인 페이지로 이동한다</a:t>
+            </a:r>
+            <a:r>
+              <a:rPr lang="en-US" altLang="ko-KR" sz="1000" dirty="0">
+                <a:solidFill>
+                  <a:schemeClr val="tx1"/>
+                </a:solidFill>
+              </a:rPr>
+              <a:t>.</a:t>
+            </a:r>
+            <a:r>
+              <a:rPr lang="ko-KR" altLang="en-US" sz="1000" dirty="0">
+                <a:solidFill>
+                  <a:schemeClr val="tx1"/>
+                </a:solidFill>
+              </a:rPr>
+              <a:t> </a:t>
+            </a:r>
+            <a:r>
+              <a:rPr lang="en-US" altLang="ko-KR" sz="1000" dirty="0">
+                <a:solidFill>
+                  <a:schemeClr val="tx1"/>
+                </a:solidFill>
+              </a:rPr>
+              <a:t>(</a:t>
+            </a:r>
+            <a:r>
+              <a:rPr lang="ko-KR" altLang="en-US" sz="1000" dirty="0">
+                <a:solidFill>
+                  <a:schemeClr val="tx1"/>
+                </a:solidFill>
+              </a:rPr>
+              <a:t>보완 필요</a:t>
+            </a:r>
+            <a:r>
+              <a:rPr lang="en-US" altLang="ko-KR" sz="1000" dirty="0">
+                <a:solidFill>
+                  <a:schemeClr val="tx1"/>
+                </a:solidFill>
+              </a:rPr>
+              <a:t>)</a:t>
+            </a:r>
+          </a:p>
+          <a:p>
+            <a:pPr marL="171450" indent="-171450">
+              <a:buFontTx/>
+              <a:buChar char="-"/>
+            </a:pPr>
             <a:endParaRPr lang="en-US" altLang="ko-KR" sz="1000" dirty="0">
               <a:solidFill>
                 <a:schemeClr val="tx1"/>
               </a:solidFill>
             </a:endParaRPr>
+          </a:p>
+          <a:p>
+            <a:r>
+              <a:rPr lang="ko-KR" altLang="en-US" sz="1000" dirty="0">
+                <a:solidFill>
+                  <a:schemeClr val="tx1"/>
+                </a:solidFill>
+              </a:rPr>
+              <a:t>④ </a:t>
+            </a:r>
+            <a:r>
+              <a:rPr lang="en-US" altLang="ko-KR" sz="1000" dirty="0">
+                <a:solidFill>
+                  <a:schemeClr val="tx1"/>
+                </a:solidFill>
+              </a:rPr>
+              <a:t>‘</a:t>
+            </a:r>
+            <a:r>
+              <a:rPr lang="ko-KR" altLang="en-US" sz="1000" dirty="0">
+                <a:solidFill>
+                  <a:schemeClr val="tx1"/>
+                </a:solidFill>
+              </a:rPr>
+              <a:t>댓글 작성</a:t>
+            </a:r>
+            <a:r>
+              <a:rPr lang="en-US" altLang="ko-KR" sz="1000" dirty="0">
+                <a:solidFill>
+                  <a:schemeClr val="tx1"/>
+                </a:solidFill>
+              </a:rPr>
+              <a:t>!’</a:t>
+            </a:r>
+            <a:r>
+              <a:rPr lang="ko-KR" altLang="en-US" sz="1000" dirty="0">
+                <a:solidFill>
+                  <a:schemeClr val="tx1"/>
+                </a:solidFill>
+              </a:rPr>
+              <a:t> 버튼 클릭하면 로그인 페이지로 이동한다</a:t>
+            </a:r>
+            <a:r>
+              <a:rPr lang="en-US" altLang="ko-KR" sz="1000" dirty="0">
+                <a:solidFill>
+                  <a:schemeClr val="tx1"/>
+                </a:solidFill>
+              </a:rPr>
+              <a:t>.</a:t>
+            </a:r>
+            <a:r>
+              <a:rPr lang="ko-KR" altLang="en-US" sz="1000" dirty="0">
+                <a:solidFill>
+                  <a:schemeClr val="tx1"/>
+                </a:solidFill>
+              </a:rPr>
+              <a:t> </a:t>
+            </a:r>
+            <a:r>
+              <a:rPr lang="en-US" altLang="ko-KR" sz="1000" dirty="0">
+                <a:solidFill>
+                  <a:schemeClr val="tx1"/>
+                </a:solidFill>
+              </a:rPr>
+              <a:t>(</a:t>
+            </a:r>
+            <a:r>
+              <a:rPr lang="ko-KR" altLang="en-US" sz="1000" dirty="0">
+                <a:solidFill>
+                  <a:schemeClr val="tx1"/>
+                </a:solidFill>
+              </a:rPr>
+              <a:t>보완 필요</a:t>
+            </a:r>
+            <a:r>
+              <a:rPr lang="en-US" altLang="ko-KR" sz="1000" dirty="0">
+                <a:solidFill>
+                  <a:schemeClr val="tx1"/>
+                </a:solidFill>
+              </a:rPr>
+              <a:t>)</a:t>
+            </a:r>
           </a:p>
         </p:txBody>
       </p:sp>
@@ -10705,6 +10616,146 @@
           </a:prstGeom>
         </p:spPr>
       </p:pic>
+      <p:sp>
+        <p:nvSpPr>
+          <p:cNvPr id="7" name="TextBox 6">
+            <a:extLst>
+              <a:ext uri="{FF2B5EF4-FFF2-40B4-BE49-F238E27FC236}">
+                <a16:creationId xmlns:a16="http://schemas.microsoft.com/office/drawing/2014/main" id="{B0699AF9-04E3-0E1B-8445-4141A77B831C}"/>
+              </a:ext>
+            </a:extLst>
+          </p:cNvPr>
+          <p:cNvSpPr txBox="1"/>
+          <p:nvPr/>
+        </p:nvSpPr>
+        <p:spPr>
+          <a:xfrm>
+            <a:off x="5874649" y="1093827"/>
+            <a:ext cx="393106" cy="369332"/>
+          </a:xfrm>
+          <a:prstGeom prst="rect">
+            <a:avLst/>
+          </a:prstGeom>
+          <a:noFill/>
+        </p:spPr>
+        <p:txBody>
+          <a:bodyPr wrap="square">
+            <a:spAutoFit/>
+          </a:bodyPr>
+          <a:lstStyle/>
+          <a:p>
+            <a:r>
+              <a:rPr lang="ko-KR" altLang="en-US" dirty="0"/>
+              <a:t>①</a:t>
+            </a:r>
+          </a:p>
+        </p:txBody>
+      </p:sp>
+      <p:sp>
+        <p:nvSpPr>
+          <p:cNvPr id="12" name="TextBox 11">
+            <a:extLst>
+              <a:ext uri="{FF2B5EF4-FFF2-40B4-BE49-F238E27FC236}">
+                <a16:creationId xmlns:a16="http://schemas.microsoft.com/office/drawing/2014/main" id="{6D9D6521-E643-EAD2-F290-9513DFFB3926}"/>
+              </a:ext>
+            </a:extLst>
+          </p:cNvPr>
+          <p:cNvSpPr txBox="1"/>
+          <p:nvPr/>
+        </p:nvSpPr>
+        <p:spPr>
+          <a:xfrm>
+            <a:off x="6656802" y="1080415"/>
+            <a:ext cx="393106" cy="369332"/>
+          </a:xfrm>
+          <a:prstGeom prst="rect">
+            <a:avLst/>
+          </a:prstGeom>
+          <a:noFill/>
+        </p:spPr>
+        <p:txBody>
+          <a:bodyPr wrap="square">
+            <a:spAutoFit/>
+          </a:bodyPr>
+          <a:lstStyle/>
+          <a:p>
+            <a:r>
+              <a:rPr lang="ko-KR" altLang="en-US" dirty="0"/>
+              <a:t>②</a:t>
+            </a:r>
+          </a:p>
+        </p:txBody>
+      </p:sp>
+      <p:sp>
+        <p:nvSpPr>
+          <p:cNvPr id="13" name="TextBox 12">
+            <a:extLst>
+              <a:ext uri="{FF2B5EF4-FFF2-40B4-BE49-F238E27FC236}">
+                <a16:creationId xmlns:a16="http://schemas.microsoft.com/office/drawing/2014/main" id="{2020302D-2BAD-40C1-4B75-34B1B5E25C83}"/>
+              </a:ext>
+            </a:extLst>
+          </p:cNvPr>
+          <p:cNvSpPr txBox="1"/>
+          <p:nvPr/>
+        </p:nvSpPr>
+        <p:spPr>
+          <a:xfrm>
+            <a:off x="162422" y="3641510"/>
+            <a:ext cx="384560" cy="369332"/>
+          </a:xfrm>
+          <a:prstGeom prst="rect">
+            <a:avLst/>
+          </a:prstGeom>
+          <a:noFill/>
+        </p:spPr>
+        <p:txBody>
+          <a:bodyPr wrap="square">
+            <a:spAutoFit/>
+          </a:bodyPr>
+          <a:lstStyle/>
+          <a:p>
+            <a:r>
+              <a:rPr lang="ko-KR" altLang="en-US" dirty="0"/>
+              <a:t>③</a:t>
+            </a:r>
+          </a:p>
+        </p:txBody>
+      </p:sp>
+      <p:sp>
+        <p:nvSpPr>
+          <p:cNvPr id="14" name="TextBox 13">
+            <a:extLst>
+              <a:ext uri="{FF2B5EF4-FFF2-40B4-BE49-F238E27FC236}">
+                <a16:creationId xmlns:a16="http://schemas.microsoft.com/office/drawing/2014/main" id="{5502BCFB-2BFD-4675-E663-90840F765C35}"/>
+              </a:ext>
+            </a:extLst>
+          </p:cNvPr>
+          <p:cNvSpPr txBox="1"/>
+          <p:nvPr/>
+        </p:nvSpPr>
+        <p:spPr>
+          <a:xfrm>
+            <a:off x="3452501" y="4238572"/>
+            <a:ext cx="410198" cy="369332"/>
+          </a:xfrm>
+          <a:prstGeom prst="rect">
+            <a:avLst/>
+          </a:prstGeom>
+          <a:noFill/>
+        </p:spPr>
+        <p:txBody>
+          <a:bodyPr wrap="square">
+            <a:spAutoFit/>
+          </a:bodyPr>
+          <a:lstStyle/>
+          <a:p>
+            <a:r>
+              <a:rPr lang="ko-KR" altLang="en-US" dirty="0"/>
+              <a:t>④</a:t>
+            </a:r>
+          </a:p>
+        </p:txBody>
+      </p:sp>
     </p:spTree>
     <p:extLst>
       <p:ext uri="{BB962C8B-B14F-4D97-AF65-F5344CB8AC3E}">
@@ -10719,6 +10770,1339 @@
 </file>
 
 <file path=ppt/slides/slide8.xml><?xml version="1.0" encoding="utf-8"?>
+<p:sld xmlns:a="http://schemas.openxmlformats.org/drawingml/2006/main" xmlns:r="http://schemas.openxmlformats.org/officeDocument/2006/relationships" xmlns:p="http://schemas.openxmlformats.org/presentationml/2006/main">
+  <p:cSld>
+    <p:spTree>
+      <p:nvGrpSpPr>
+        <p:cNvPr id="1" name=""/>
+        <p:cNvGrpSpPr/>
+        <p:nvPr/>
+      </p:nvGrpSpPr>
+      <p:grpSpPr>
+        <a:xfrm>
+          <a:off x="0" y="0"/>
+          <a:ext cx="0" cy="0"/>
+          <a:chOff x="0" y="0"/>
+          <a:chExt cx="0" cy="0"/>
+        </a:xfrm>
+      </p:grpSpPr>
+      <p:sp>
+        <p:nvSpPr>
+          <p:cNvPr id="2" name="직사각형 1">
+            <a:extLst>
+              <a:ext uri="{FF2B5EF4-FFF2-40B4-BE49-F238E27FC236}">
+                <a16:creationId xmlns:a16="http://schemas.microsoft.com/office/drawing/2014/main" id="{35793BFC-7410-4CA5-9F33-BBE620E91B97}"/>
+              </a:ext>
+            </a:extLst>
+          </p:cNvPr>
+          <p:cNvSpPr/>
+          <p:nvPr/>
+        </p:nvSpPr>
+        <p:spPr>
+          <a:xfrm>
+            <a:off x="0" y="-2"/>
+            <a:ext cx="2438400" cy="160423"/>
+          </a:xfrm>
+          <a:prstGeom prst="rect">
+            <a:avLst/>
+          </a:prstGeom>
+          <a:ln>
+            <a:noFill/>
+          </a:ln>
+        </p:spPr>
+        <p:style>
+          <a:lnRef idx="2">
+            <a:schemeClr val="accent1">
+              <a:shade val="50000"/>
+            </a:schemeClr>
+          </a:lnRef>
+          <a:fillRef idx="1">
+            <a:schemeClr val="accent1"/>
+          </a:fillRef>
+          <a:effectRef idx="0">
+            <a:schemeClr val="accent1"/>
+          </a:effectRef>
+          <a:fontRef idx="minor">
+            <a:schemeClr val="lt1"/>
+          </a:fontRef>
+        </p:style>
+        <p:txBody>
+          <a:bodyPr rtlCol="0" anchor="ctr"/>
+          <a:lstStyle/>
+          <a:p>
+            <a:pPr algn="ctr"/>
+            <a:endParaRPr lang="ko-KR" altLang="en-US"/>
+          </a:p>
+        </p:txBody>
+      </p:sp>
+      <p:sp>
+        <p:nvSpPr>
+          <p:cNvPr id="3" name="직사각형 2">
+            <a:extLst>
+              <a:ext uri="{FF2B5EF4-FFF2-40B4-BE49-F238E27FC236}">
+                <a16:creationId xmlns:a16="http://schemas.microsoft.com/office/drawing/2014/main" id="{5911BEAA-E3C2-4AE3-963F-87E3CAF3FB81}"/>
+              </a:ext>
+            </a:extLst>
+          </p:cNvPr>
+          <p:cNvSpPr/>
+          <p:nvPr/>
+        </p:nvSpPr>
+        <p:spPr>
+          <a:xfrm>
+            <a:off x="2438400" y="-2"/>
+            <a:ext cx="2438400" cy="160423"/>
+          </a:xfrm>
+          <a:prstGeom prst="rect">
+            <a:avLst/>
+          </a:prstGeom>
+          <a:solidFill>
+            <a:schemeClr val="accent1"/>
+          </a:solidFill>
+          <a:ln>
+            <a:noFill/>
+          </a:ln>
+        </p:spPr>
+        <p:style>
+          <a:lnRef idx="2">
+            <a:schemeClr val="accent1">
+              <a:shade val="50000"/>
+            </a:schemeClr>
+          </a:lnRef>
+          <a:fillRef idx="1">
+            <a:schemeClr val="accent1"/>
+          </a:fillRef>
+          <a:effectRef idx="0">
+            <a:schemeClr val="accent1"/>
+          </a:effectRef>
+          <a:fontRef idx="minor">
+            <a:schemeClr val="lt1"/>
+          </a:fontRef>
+        </p:style>
+        <p:txBody>
+          <a:bodyPr rtlCol="0" anchor="ctr"/>
+          <a:lstStyle/>
+          <a:p>
+            <a:pPr algn="ctr"/>
+            <a:endParaRPr lang="ko-KR" altLang="en-US"/>
+          </a:p>
+        </p:txBody>
+      </p:sp>
+      <p:sp>
+        <p:nvSpPr>
+          <p:cNvPr id="4" name="직사각형 3">
+            <a:extLst>
+              <a:ext uri="{FF2B5EF4-FFF2-40B4-BE49-F238E27FC236}">
+                <a16:creationId xmlns:a16="http://schemas.microsoft.com/office/drawing/2014/main" id="{E7D8FA21-061E-4374-84B8-289D75129065}"/>
+              </a:ext>
+            </a:extLst>
+          </p:cNvPr>
+          <p:cNvSpPr/>
+          <p:nvPr/>
+        </p:nvSpPr>
+        <p:spPr>
+          <a:xfrm>
+            <a:off x="4876800" y="-2"/>
+            <a:ext cx="2438400" cy="160423"/>
+          </a:xfrm>
+          <a:prstGeom prst="rect">
+            <a:avLst/>
+          </a:prstGeom>
+          <a:solidFill>
+            <a:schemeClr val="accent3"/>
+          </a:solidFill>
+          <a:ln>
+            <a:noFill/>
+          </a:ln>
+        </p:spPr>
+        <p:style>
+          <a:lnRef idx="2">
+            <a:schemeClr val="accent1">
+              <a:shade val="50000"/>
+            </a:schemeClr>
+          </a:lnRef>
+          <a:fillRef idx="1">
+            <a:schemeClr val="accent1"/>
+          </a:fillRef>
+          <a:effectRef idx="0">
+            <a:schemeClr val="accent1"/>
+          </a:effectRef>
+          <a:fontRef idx="minor">
+            <a:schemeClr val="lt1"/>
+          </a:fontRef>
+        </p:style>
+        <p:txBody>
+          <a:bodyPr rtlCol="0" anchor="ctr"/>
+          <a:lstStyle/>
+          <a:p>
+            <a:pPr algn="ctr"/>
+            <a:endParaRPr lang="ko-KR" altLang="en-US" dirty="0"/>
+          </a:p>
+        </p:txBody>
+      </p:sp>
+      <p:sp>
+        <p:nvSpPr>
+          <p:cNvPr id="5" name="직사각형 4">
+            <a:extLst>
+              <a:ext uri="{FF2B5EF4-FFF2-40B4-BE49-F238E27FC236}">
+                <a16:creationId xmlns:a16="http://schemas.microsoft.com/office/drawing/2014/main" id="{F13425E8-514E-4A6A-80B1-6C04D22E0E7B}"/>
+              </a:ext>
+            </a:extLst>
+          </p:cNvPr>
+          <p:cNvSpPr/>
+          <p:nvPr/>
+        </p:nvSpPr>
+        <p:spPr>
+          <a:xfrm>
+            <a:off x="7315200" y="-3"/>
+            <a:ext cx="2438400" cy="160423"/>
+          </a:xfrm>
+          <a:prstGeom prst="rect">
+            <a:avLst/>
+          </a:prstGeom>
+          <a:solidFill>
+            <a:schemeClr val="accent3"/>
+          </a:solidFill>
+          <a:ln>
+            <a:noFill/>
+          </a:ln>
+        </p:spPr>
+        <p:style>
+          <a:lnRef idx="2">
+            <a:schemeClr val="accent1">
+              <a:shade val="50000"/>
+            </a:schemeClr>
+          </a:lnRef>
+          <a:fillRef idx="1">
+            <a:schemeClr val="accent1"/>
+          </a:fillRef>
+          <a:effectRef idx="0">
+            <a:schemeClr val="accent1"/>
+          </a:effectRef>
+          <a:fontRef idx="minor">
+            <a:schemeClr val="lt1"/>
+          </a:fontRef>
+        </p:style>
+        <p:txBody>
+          <a:bodyPr rtlCol="0" anchor="ctr"/>
+          <a:lstStyle/>
+          <a:p>
+            <a:pPr algn="ctr"/>
+            <a:endParaRPr lang="ko-KR" altLang="en-US"/>
+          </a:p>
+        </p:txBody>
+      </p:sp>
+      <p:sp>
+        <p:nvSpPr>
+          <p:cNvPr id="6" name="직사각형 5">
+            <a:extLst>
+              <a:ext uri="{FF2B5EF4-FFF2-40B4-BE49-F238E27FC236}">
+                <a16:creationId xmlns:a16="http://schemas.microsoft.com/office/drawing/2014/main" id="{D73FA5A3-7443-4A4A-A0C2-99EF274D1D5C}"/>
+              </a:ext>
+            </a:extLst>
+          </p:cNvPr>
+          <p:cNvSpPr/>
+          <p:nvPr/>
+        </p:nvSpPr>
+        <p:spPr>
+          <a:xfrm>
+            <a:off x="9753600" y="-3"/>
+            <a:ext cx="2438400" cy="160423"/>
+          </a:xfrm>
+          <a:prstGeom prst="rect">
+            <a:avLst/>
+          </a:prstGeom>
+          <a:solidFill>
+            <a:schemeClr val="accent3"/>
+          </a:solidFill>
+          <a:ln>
+            <a:noFill/>
+          </a:ln>
+        </p:spPr>
+        <p:style>
+          <a:lnRef idx="2">
+            <a:schemeClr val="accent1">
+              <a:shade val="50000"/>
+            </a:schemeClr>
+          </a:lnRef>
+          <a:fillRef idx="1">
+            <a:schemeClr val="accent1"/>
+          </a:fillRef>
+          <a:effectRef idx="0">
+            <a:schemeClr val="accent1"/>
+          </a:effectRef>
+          <a:fontRef idx="minor">
+            <a:schemeClr val="lt1"/>
+          </a:fontRef>
+        </p:style>
+        <p:txBody>
+          <a:bodyPr rtlCol="0" anchor="ctr"/>
+          <a:lstStyle/>
+          <a:p>
+            <a:pPr algn="ctr"/>
+            <a:endParaRPr lang="ko-KR" altLang="en-US"/>
+          </a:p>
+        </p:txBody>
+      </p:sp>
+      <p:sp>
+        <p:nvSpPr>
+          <p:cNvPr id="8" name="TextBox 7">
+            <a:extLst>
+              <a:ext uri="{FF2B5EF4-FFF2-40B4-BE49-F238E27FC236}">
+                <a16:creationId xmlns:a16="http://schemas.microsoft.com/office/drawing/2014/main" id="{348BFED9-3247-4858-97FC-29981B727AB9}"/>
+              </a:ext>
+            </a:extLst>
+          </p:cNvPr>
+          <p:cNvSpPr txBox="1"/>
+          <p:nvPr/>
+        </p:nvSpPr>
+        <p:spPr>
+          <a:xfrm>
+            <a:off x="160421" y="304800"/>
+            <a:ext cx="1158202" cy="338554"/>
+          </a:xfrm>
+          <a:prstGeom prst="rect">
+            <a:avLst/>
+          </a:prstGeom>
+          <a:noFill/>
+        </p:spPr>
+        <p:txBody>
+          <a:bodyPr wrap="none" rtlCol="0">
+            <a:spAutoFit/>
+          </a:bodyPr>
+          <a:lstStyle/>
+          <a:p>
+            <a:r>
+              <a:rPr lang="en-US" altLang="ko-KR" sz="1600" dirty="0">
+                <a:solidFill>
+                  <a:schemeClr val="accent2"/>
+                </a:solidFill>
+                <a:latin typeface="+mj-lt"/>
+              </a:rPr>
+              <a:t>Screen 005,</a:t>
+            </a:r>
+            <a:endParaRPr lang="ko-KR" altLang="en-US" sz="1600" dirty="0">
+              <a:solidFill>
+                <a:schemeClr val="accent2"/>
+              </a:solidFill>
+              <a:latin typeface="+mj-lt"/>
+            </a:endParaRPr>
+          </a:p>
+        </p:txBody>
+      </p:sp>
+      <p:sp>
+        <p:nvSpPr>
+          <p:cNvPr id="9" name="TextBox 8">
+            <a:extLst>
+              <a:ext uri="{FF2B5EF4-FFF2-40B4-BE49-F238E27FC236}">
+                <a16:creationId xmlns:a16="http://schemas.microsoft.com/office/drawing/2014/main" id="{AE05A515-73BD-4F7C-A919-EAFE378DB41F}"/>
+              </a:ext>
+            </a:extLst>
+          </p:cNvPr>
+          <p:cNvSpPr txBox="1"/>
+          <p:nvPr/>
+        </p:nvSpPr>
+        <p:spPr>
+          <a:xfrm>
+            <a:off x="1219200" y="308215"/>
+            <a:ext cx="1051891" cy="338554"/>
+          </a:xfrm>
+          <a:prstGeom prst="rect">
+            <a:avLst/>
+          </a:prstGeom>
+          <a:noFill/>
+        </p:spPr>
+        <p:txBody>
+          <a:bodyPr wrap="none" rtlCol="0">
+            <a:spAutoFit/>
+          </a:bodyPr>
+          <a:lstStyle/>
+          <a:p>
+            <a:r>
+              <a:rPr lang="ko-KR" altLang="en-US" sz="1600" dirty="0">
+                <a:solidFill>
+                  <a:schemeClr val="accent2"/>
+                </a:solidFill>
+              </a:rPr>
+              <a:t>모임 지원</a:t>
+            </a:r>
+          </a:p>
+        </p:txBody>
+      </p:sp>
+      <p:cxnSp>
+        <p:nvCxnSpPr>
+          <p:cNvPr id="11" name="직선 연결선 10">
+            <a:extLst>
+              <a:ext uri="{FF2B5EF4-FFF2-40B4-BE49-F238E27FC236}">
+                <a16:creationId xmlns:a16="http://schemas.microsoft.com/office/drawing/2014/main" id="{D594AD39-1264-44FB-9659-7901314242FB}"/>
+              </a:ext>
+            </a:extLst>
+          </p:cNvPr>
+          <p:cNvCxnSpPr>
+            <a:cxnSpLocks/>
+          </p:cNvCxnSpPr>
+          <p:nvPr/>
+        </p:nvCxnSpPr>
+        <p:spPr>
+          <a:xfrm>
+            <a:off x="1061630" y="644350"/>
+            <a:ext cx="11130370" cy="0"/>
+          </a:xfrm>
+          <a:prstGeom prst="line">
+            <a:avLst/>
+          </a:prstGeom>
+        </p:spPr>
+        <p:style>
+          <a:lnRef idx="1">
+            <a:schemeClr val="accent1"/>
+          </a:lnRef>
+          <a:fillRef idx="0">
+            <a:schemeClr val="accent1"/>
+          </a:fillRef>
+          <a:effectRef idx="0">
+            <a:schemeClr val="accent1"/>
+          </a:effectRef>
+          <a:fontRef idx="minor">
+            <a:schemeClr val="tx1"/>
+          </a:fontRef>
+        </p:style>
+      </p:cxnSp>
+      <p:sp>
+        <p:nvSpPr>
+          <p:cNvPr id="35" name="직사각형 34">
+            <a:extLst>
+              <a:ext uri="{FF2B5EF4-FFF2-40B4-BE49-F238E27FC236}">
+                <a16:creationId xmlns:a16="http://schemas.microsoft.com/office/drawing/2014/main" id="{EC1328AE-81E8-4031-8851-BDD649B1B309}"/>
+              </a:ext>
+            </a:extLst>
+          </p:cNvPr>
+          <p:cNvSpPr/>
+          <p:nvPr/>
+        </p:nvSpPr>
+        <p:spPr>
+          <a:xfrm>
+            <a:off x="4960055" y="794761"/>
+            <a:ext cx="7231945" cy="6063229"/>
+          </a:xfrm>
+          <a:prstGeom prst="rect">
+            <a:avLst/>
+          </a:prstGeom>
+          <a:solidFill>
+            <a:schemeClr val="bg1">
+              <a:lumMod val="85000"/>
+              <a:lumOff val="15000"/>
+            </a:schemeClr>
+          </a:solidFill>
+          <a:ln>
+            <a:solidFill>
+              <a:schemeClr val="bg1">
+                <a:lumMod val="75000"/>
+              </a:schemeClr>
+            </a:solidFill>
+          </a:ln>
+        </p:spPr>
+        <p:style>
+          <a:lnRef idx="2">
+            <a:schemeClr val="accent1">
+              <a:shade val="50000"/>
+            </a:schemeClr>
+          </a:lnRef>
+          <a:fillRef idx="1">
+            <a:schemeClr val="accent1"/>
+          </a:fillRef>
+          <a:effectRef idx="0">
+            <a:schemeClr val="accent1"/>
+          </a:effectRef>
+          <a:fontRef idx="minor">
+            <a:schemeClr val="lt1"/>
+          </a:fontRef>
+        </p:style>
+        <p:txBody>
+          <a:bodyPr rtlCol="0" anchor="ctr"/>
+          <a:lstStyle/>
+          <a:p>
+            <a:pPr marL="171450" indent="-171450">
+              <a:buFontTx/>
+              <a:buChar char="-"/>
+            </a:pPr>
+            <a:r>
+              <a:rPr lang="ko-KR" altLang="en-US" sz="1000" dirty="0">
+                <a:solidFill>
+                  <a:schemeClr val="tx1"/>
+                </a:solidFill>
+              </a:rPr>
+              <a:t>회원</a:t>
+            </a:r>
+            <a:endParaRPr lang="en-US" altLang="ko-KR" sz="1000" dirty="0">
+              <a:solidFill>
+                <a:schemeClr val="tx1"/>
+              </a:solidFill>
+            </a:endParaRPr>
+          </a:p>
+          <a:p>
+            <a:pPr marL="171450" indent="-171450">
+              <a:buFontTx/>
+              <a:buChar char="-"/>
+            </a:pPr>
+            <a:endParaRPr lang="en-US" altLang="ko-KR" sz="1000" dirty="0">
+              <a:solidFill>
+                <a:schemeClr val="tx1"/>
+              </a:solidFill>
+            </a:endParaRPr>
+          </a:p>
+          <a:p>
+            <a:r>
+              <a:rPr lang="ko-KR" altLang="en-US" sz="1000" dirty="0">
+                <a:solidFill>
+                  <a:schemeClr val="tx1"/>
+                </a:solidFill>
+              </a:rPr>
+              <a:t>① 지원하고자 하는 </a:t>
+            </a:r>
+            <a:r>
+              <a:rPr lang="ko-KR" altLang="en-US" sz="1000" dirty="0" err="1">
+                <a:solidFill>
+                  <a:schemeClr val="tx1"/>
+                </a:solidFill>
+              </a:rPr>
+              <a:t>모임글의</a:t>
+            </a:r>
+            <a:r>
+              <a:rPr lang="ko-KR" altLang="en-US" sz="1000" dirty="0">
+                <a:solidFill>
+                  <a:schemeClr val="tx1"/>
+                </a:solidFill>
+              </a:rPr>
+              <a:t> 제목이 표시된다</a:t>
+            </a:r>
+            <a:r>
+              <a:rPr lang="en-US" altLang="ko-KR" sz="1000" dirty="0">
+                <a:solidFill>
+                  <a:schemeClr val="tx1"/>
+                </a:solidFill>
+              </a:rPr>
+              <a:t>.</a:t>
+            </a:r>
+          </a:p>
+          <a:p>
+            <a:endParaRPr lang="en-US" altLang="ko-KR" sz="1000" dirty="0">
+              <a:solidFill>
+                <a:schemeClr val="tx1"/>
+              </a:solidFill>
+            </a:endParaRPr>
+          </a:p>
+          <a:p>
+            <a:r>
+              <a:rPr lang="ko-KR" altLang="en-US" sz="1000" dirty="0">
+                <a:solidFill>
+                  <a:schemeClr val="tx1"/>
+                </a:solidFill>
+              </a:rPr>
+              <a:t>② 지원 제목을 작성할 수 있다</a:t>
+            </a:r>
+            <a:r>
+              <a:rPr lang="en-US" altLang="ko-KR" sz="1000" dirty="0">
+                <a:solidFill>
+                  <a:schemeClr val="tx1"/>
+                </a:solidFill>
+              </a:rPr>
+              <a:t>.</a:t>
+            </a:r>
+          </a:p>
+          <a:p>
+            <a:endParaRPr lang="en-US" altLang="ko-KR" sz="1000" dirty="0">
+              <a:solidFill>
+                <a:schemeClr val="tx1"/>
+              </a:solidFill>
+            </a:endParaRPr>
+          </a:p>
+          <a:p>
+            <a:r>
+              <a:rPr lang="ko-KR" altLang="en-US" sz="1000" dirty="0">
+                <a:solidFill>
+                  <a:schemeClr val="tx1"/>
+                </a:solidFill>
+              </a:rPr>
+              <a:t>③ 연락수단의 경우 개인정보 이슈가 있어 정의 보류</a:t>
+            </a:r>
+            <a:r>
+              <a:rPr lang="en-US" altLang="ko-KR" sz="1000" dirty="0">
+                <a:solidFill>
+                  <a:schemeClr val="tx1"/>
+                </a:solidFill>
+              </a:rPr>
+              <a:t>.</a:t>
+            </a:r>
+          </a:p>
+          <a:p>
+            <a:endParaRPr lang="en-US" altLang="ko-KR" sz="1000" dirty="0">
+              <a:solidFill>
+                <a:schemeClr val="tx1"/>
+              </a:solidFill>
+            </a:endParaRPr>
+          </a:p>
+          <a:p>
+            <a:r>
+              <a:rPr lang="ko-KR" altLang="en-US" sz="1000" dirty="0">
+                <a:solidFill>
+                  <a:schemeClr val="tx1"/>
+                </a:solidFill>
+              </a:rPr>
+              <a:t>④ 지원 글 내용을 작성할 수 있다</a:t>
+            </a:r>
+            <a:r>
+              <a:rPr lang="en-US" altLang="ko-KR" sz="1000" dirty="0">
+                <a:solidFill>
+                  <a:schemeClr val="tx1"/>
+                </a:solidFill>
+              </a:rPr>
+              <a:t>.</a:t>
+            </a:r>
+            <a:endParaRPr lang="ko-KR" altLang="en-US" sz="1000" dirty="0">
+              <a:solidFill>
+                <a:schemeClr val="tx1"/>
+              </a:solidFill>
+            </a:endParaRPr>
+          </a:p>
+          <a:p>
+            <a:endParaRPr lang="en-US" altLang="ko-KR" sz="1000" dirty="0">
+              <a:solidFill>
+                <a:schemeClr val="tx1"/>
+              </a:solidFill>
+            </a:endParaRPr>
+          </a:p>
+          <a:p>
+            <a:r>
+              <a:rPr lang="ko-KR" altLang="en-US" sz="1000" dirty="0">
+                <a:solidFill>
+                  <a:schemeClr val="tx1"/>
+                </a:solidFill>
+              </a:rPr>
+              <a:t>⑤ </a:t>
+            </a:r>
+            <a:r>
+              <a:rPr lang="en-US" altLang="ko-KR" sz="1000" dirty="0">
+                <a:solidFill>
+                  <a:schemeClr val="tx1"/>
+                </a:solidFill>
+              </a:rPr>
+              <a:t>’</a:t>
+            </a:r>
+            <a:r>
+              <a:rPr lang="ko-KR" altLang="en-US" sz="1000" dirty="0">
+                <a:solidFill>
+                  <a:schemeClr val="tx1"/>
+                </a:solidFill>
+              </a:rPr>
+              <a:t>지원하기</a:t>
+            </a:r>
+            <a:r>
+              <a:rPr lang="en-US" altLang="ko-KR" sz="1000" dirty="0">
+                <a:solidFill>
+                  <a:schemeClr val="tx1"/>
+                </a:solidFill>
+              </a:rPr>
+              <a:t>!’</a:t>
+            </a:r>
+            <a:r>
+              <a:rPr lang="ko-KR" altLang="en-US" sz="1000" dirty="0">
+                <a:solidFill>
+                  <a:schemeClr val="tx1"/>
+                </a:solidFill>
+              </a:rPr>
+              <a:t> 버튼을 클릭하여 </a:t>
+            </a:r>
+            <a:r>
+              <a:rPr lang="ko-KR" altLang="en-US" sz="1000" dirty="0" err="1">
+                <a:solidFill>
+                  <a:schemeClr val="tx1"/>
+                </a:solidFill>
+              </a:rPr>
+              <a:t>지원글을</a:t>
+            </a:r>
+            <a:r>
+              <a:rPr lang="ko-KR" altLang="en-US" sz="1000" dirty="0">
+                <a:solidFill>
+                  <a:schemeClr val="tx1"/>
+                </a:solidFill>
+              </a:rPr>
+              <a:t> 작성할 수 있다</a:t>
+            </a:r>
+            <a:r>
+              <a:rPr lang="en-US" altLang="ko-KR" sz="1000" dirty="0">
+                <a:solidFill>
+                  <a:schemeClr val="tx1"/>
+                </a:solidFill>
+              </a:rPr>
+              <a:t>.</a:t>
+            </a:r>
+          </a:p>
+          <a:p>
+            <a:endParaRPr lang="en-US" altLang="ko-KR" sz="1000" dirty="0">
+              <a:solidFill>
+                <a:schemeClr val="tx1"/>
+              </a:solidFill>
+            </a:endParaRPr>
+          </a:p>
+          <a:p>
+            <a:endParaRPr lang="en-US" altLang="ko-KR" sz="1000" dirty="0">
+              <a:solidFill>
+                <a:schemeClr val="tx1"/>
+              </a:solidFill>
+            </a:endParaRPr>
+          </a:p>
+          <a:p>
+            <a:pPr marL="171450" indent="-171450">
+              <a:buFontTx/>
+              <a:buChar char="-"/>
+            </a:pPr>
+            <a:r>
+              <a:rPr lang="ko-KR" altLang="en-US" sz="1000" dirty="0">
+                <a:solidFill>
+                  <a:schemeClr val="tx1"/>
+                </a:solidFill>
+              </a:rPr>
+              <a:t>비회원</a:t>
+            </a:r>
+            <a:endParaRPr lang="en-US" altLang="ko-KR" sz="1000" dirty="0">
+              <a:solidFill>
+                <a:schemeClr val="tx1"/>
+              </a:solidFill>
+            </a:endParaRPr>
+          </a:p>
+          <a:p>
+            <a:pPr marL="171450" indent="-171450">
+              <a:buFontTx/>
+              <a:buChar char="-"/>
+            </a:pPr>
+            <a:endParaRPr lang="en-US" altLang="ko-KR" sz="1000" dirty="0">
+              <a:solidFill>
+                <a:schemeClr val="tx1"/>
+              </a:solidFill>
+            </a:endParaRPr>
+          </a:p>
+          <a:p>
+            <a:r>
+              <a:rPr lang="ko-KR" altLang="en-US" sz="1000" dirty="0">
+                <a:solidFill>
+                  <a:schemeClr val="tx1"/>
+                </a:solidFill>
+              </a:rPr>
+              <a:t>해당 화면 접근 불가</a:t>
+            </a:r>
+          </a:p>
+          <a:p>
+            <a:endParaRPr lang="en-US" altLang="ko-KR" sz="1000" dirty="0">
+              <a:solidFill>
+                <a:schemeClr val="tx1"/>
+              </a:solidFill>
+            </a:endParaRPr>
+          </a:p>
+        </p:txBody>
+      </p:sp>
+      <p:sp>
+        <p:nvSpPr>
+          <p:cNvPr id="10" name="TextBox 9">
+            <a:extLst>
+              <a:ext uri="{FF2B5EF4-FFF2-40B4-BE49-F238E27FC236}">
+                <a16:creationId xmlns:a16="http://schemas.microsoft.com/office/drawing/2014/main" id="{CC46E904-FEC5-24E9-DD40-BF4E18103A96}"/>
+              </a:ext>
+            </a:extLst>
+          </p:cNvPr>
+          <p:cNvSpPr txBox="1"/>
+          <p:nvPr/>
+        </p:nvSpPr>
+        <p:spPr>
+          <a:xfrm>
+            <a:off x="3951296" y="-820949"/>
+            <a:ext cx="6101696" cy="646331"/>
+          </a:xfrm>
+          <a:prstGeom prst="rect">
+            <a:avLst/>
+          </a:prstGeom>
+          <a:noFill/>
+        </p:spPr>
+        <p:txBody>
+          <a:bodyPr wrap="square">
+            <a:spAutoFit/>
+          </a:bodyPr>
+          <a:lstStyle/>
+          <a:p>
+            <a:r>
+              <a:rPr lang="ko-KR" altLang="en-US" dirty="0"/>
+              <a:t>①②③④⑤⑥⑦⑧⑨⑩⑪⑫⑬⑭⑮⑯⑰⑱⑲⑳㉑㉒㉓㉔㉕㉖㉗㉘㉙㉚㉛㉜㉝㉞㉟㊱㊲㊳㊴㊵㊶㊷㊸㊹㊺㊻㊼㊽㊾㊿</a:t>
+            </a:r>
+          </a:p>
+        </p:txBody>
+      </p:sp>
+      <p:sp>
+        <p:nvSpPr>
+          <p:cNvPr id="17" name="TextBox 16">
+            <a:extLst>
+              <a:ext uri="{FF2B5EF4-FFF2-40B4-BE49-F238E27FC236}">
+                <a16:creationId xmlns:a16="http://schemas.microsoft.com/office/drawing/2014/main" id="{AB8045D0-9C7B-5533-C095-87FC1ACABFF9}"/>
+              </a:ext>
+            </a:extLst>
+          </p:cNvPr>
+          <p:cNvSpPr txBox="1"/>
+          <p:nvPr/>
+        </p:nvSpPr>
+        <p:spPr>
+          <a:xfrm>
+            <a:off x="4043730" y="-1275537"/>
+            <a:ext cx="393106" cy="369332"/>
+          </a:xfrm>
+          <a:prstGeom prst="rect">
+            <a:avLst/>
+          </a:prstGeom>
+          <a:noFill/>
+        </p:spPr>
+        <p:txBody>
+          <a:bodyPr wrap="square">
+            <a:spAutoFit/>
+          </a:bodyPr>
+          <a:lstStyle/>
+          <a:p>
+            <a:r>
+              <a:rPr lang="ko-KR" altLang="en-US" dirty="0"/>
+              <a:t>①</a:t>
+            </a:r>
+          </a:p>
+        </p:txBody>
+      </p:sp>
+      <p:sp>
+        <p:nvSpPr>
+          <p:cNvPr id="21" name="TextBox 20">
+            <a:extLst>
+              <a:ext uri="{FF2B5EF4-FFF2-40B4-BE49-F238E27FC236}">
+                <a16:creationId xmlns:a16="http://schemas.microsoft.com/office/drawing/2014/main" id="{AD315757-3B5F-27A4-DF89-A1333E7AEE22}"/>
+              </a:ext>
+            </a:extLst>
+          </p:cNvPr>
+          <p:cNvSpPr txBox="1"/>
+          <p:nvPr/>
+        </p:nvSpPr>
+        <p:spPr>
+          <a:xfrm>
+            <a:off x="4343617" y="-1275537"/>
+            <a:ext cx="393106" cy="369332"/>
+          </a:xfrm>
+          <a:prstGeom prst="rect">
+            <a:avLst/>
+          </a:prstGeom>
+          <a:noFill/>
+        </p:spPr>
+        <p:txBody>
+          <a:bodyPr wrap="square">
+            <a:spAutoFit/>
+          </a:bodyPr>
+          <a:lstStyle/>
+          <a:p>
+            <a:r>
+              <a:rPr lang="ko-KR" altLang="en-US" dirty="0"/>
+              <a:t>②</a:t>
+            </a:r>
+          </a:p>
+        </p:txBody>
+      </p:sp>
+      <p:sp>
+        <p:nvSpPr>
+          <p:cNvPr id="25" name="TextBox 24">
+            <a:extLst>
+              <a:ext uri="{FF2B5EF4-FFF2-40B4-BE49-F238E27FC236}">
+                <a16:creationId xmlns:a16="http://schemas.microsoft.com/office/drawing/2014/main" id="{BCC6CEED-CD27-F9A1-8550-EDEC09B1AF05}"/>
+              </a:ext>
+            </a:extLst>
+          </p:cNvPr>
+          <p:cNvSpPr txBox="1"/>
+          <p:nvPr/>
+        </p:nvSpPr>
+        <p:spPr>
+          <a:xfrm>
+            <a:off x="4652050" y="-1275537"/>
+            <a:ext cx="384560" cy="369332"/>
+          </a:xfrm>
+          <a:prstGeom prst="rect">
+            <a:avLst/>
+          </a:prstGeom>
+          <a:noFill/>
+        </p:spPr>
+        <p:txBody>
+          <a:bodyPr wrap="square">
+            <a:spAutoFit/>
+          </a:bodyPr>
+          <a:lstStyle/>
+          <a:p>
+            <a:r>
+              <a:rPr lang="ko-KR" altLang="en-US" dirty="0"/>
+              <a:t>③</a:t>
+            </a:r>
+          </a:p>
+        </p:txBody>
+      </p:sp>
+      <p:sp>
+        <p:nvSpPr>
+          <p:cNvPr id="29" name="TextBox 28">
+            <a:extLst>
+              <a:ext uri="{FF2B5EF4-FFF2-40B4-BE49-F238E27FC236}">
+                <a16:creationId xmlns:a16="http://schemas.microsoft.com/office/drawing/2014/main" id="{B72B8957-1473-EA8F-8A7D-EDF85E079A47}"/>
+              </a:ext>
+            </a:extLst>
+          </p:cNvPr>
+          <p:cNvSpPr txBox="1"/>
+          <p:nvPr/>
+        </p:nvSpPr>
+        <p:spPr>
+          <a:xfrm>
+            <a:off x="4951937" y="-1275537"/>
+            <a:ext cx="410198" cy="369332"/>
+          </a:xfrm>
+          <a:prstGeom prst="rect">
+            <a:avLst/>
+          </a:prstGeom>
+          <a:noFill/>
+        </p:spPr>
+        <p:txBody>
+          <a:bodyPr wrap="square">
+            <a:spAutoFit/>
+          </a:bodyPr>
+          <a:lstStyle/>
+          <a:p>
+            <a:r>
+              <a:rPr lang="ko-KR" altLang="en-US" dirty="0"/>
+              <a:t>④</a:t>
+            </a:r>
+          </a:p>
+        </p:txBody>
+      </p:sp>
+      <p:sp>
+        <p:nvSpPr>
+          <p:cNvPr id="32" name="TextBox 31">
+            <a:extLst>
+              <a:ext uri="{FF2B5EF4-FFF2-40B4-BE49-F238E27FC236}">
+                <a16:creationId xmlns:a16="http://schemas.microsoft.com/office/drawing/2014/main" id="{32AF7C44-9F23-BFF3-2BA1-5DE677419248}"/>
+              </a:ext>
+            </a:extLst>
+          </p:cNvPr>
+          <p:cNvSpPr txBox="1"/>
+          <p:nvPr/>
+        </p:nvSpPr>
+        <p:spPr>
+          <a:xfrm>
+            <a:off x="5251824" y="-1275537"/>
+            <a:ext cx="401652" cy="369332"/>
+          </a:xfrm>
+          <a:prstGeom prst="rect">
+            <a:avLst/>
+          </a:prstGeom>
+          <a:noFill/>
+        </p:spPr>
+        <p:txBody>
+          <a:bodyPr wrap="square">
+            <a:spAutoFit/>
+          </a:bodyPr>
+          <a:lstStyle/>
+          <a:p>
+            <a:r>
+              <a:rPr lang="ko-KR" altLang="en-US" dirty="0"/>
+              <a:t>⑤</a:t>
+            </a:r>
+          </a:p>
+        </p:txBody>
+      </p:sp>
+      <p:sp>
+        <p:nvSpPr>
+          <p:cNvPr id="33" name="TextBox 32">
+            <a:extLst>
+              <a:ext uri="{FF2B5EF4-FFF2-40B4-BE49-F238E27FC236}">
+                <a16:creationId xmlns:a16="http://schemas.microsoft.com/office/drawing/2014/main" id="{3FFEA941-19F0-B6D8-4C85-F6354C7AE468}"/>
+              </a:ext>
+            </a:extLst>
+          </p:cNvPr>
+          <p:cNvSpPr txBox="1"/>
+          <p:nvPr/>
+        </p:nvSpPr>
+        <p:spPr>
+          <a:xfrm>
+            <a:off x="5577349" y="-1275537"/>
+            <a:ext cx="358923" cy="369332"/>
+          </a:xfrm>
+          <a:prstGeom prst="rect">
+            <a:avLst/>
+          </a:prstGeom>
+          <a:noFill/>
+        </p:spPr>
+        <p:txBody>
+          <a:bodyPr wrap="square">
+            <a:spAutoFit/>
+          </a:bodyPr>
+          <a:lstStyle/>
+          <a:p>
+            <a:r>
+              <a:rPr lang="ko-KR" altLang="en-US" dirty="0"/>
+              <a:t>⑥</a:t>
+            </a:r>
+          </a:p>
+        </p:txBody>
+      </p:sp>
+      <p:sp>
+        <p:nvSpPr>
+          <p:cNvPr id="36" name="TextBox 35">
+            <a:extLst>
+              <a:ext uri="{FF2B5EF4-FFF2-40B4-BE49-F238E27FC236}">
+                <a16:creationId xmlns:a16="http://schemas.microsoft.com/office/drawing/2014/main" id="{85E68B16-408D-2032-09A5-002F7EB20EA0}"/>
+              </a:ext>
+            </a:extLst>
+          </p:cNvPr>
+          <p:cNvSpPr txBox="1"/>
+          <p:nvPr/>
+        </p:nvSpPr>
+        <p:spPr>
+          <a:xfrm>
+            <a:off x="5870376" y="-1273095"/>
+            <a:ext cx="401652" cy="369332"/>
+          </a:xfrm>
+          <a:prstGeom prst="rect">
+            <a:avLst/>
+          </a:prstGeom>
+          <a:noFill/>
+        </p:spPr>
+        <p:txBody>
+          <a:bodyPr wrap="square">
+            <a:spAutoFit/>
+          </a:bodyPr>
+          <a:lstStyle/>
+          <a:p>
+            <a:r>
+              <a:rPr lang="ko-KR" altLang="en-US" dirty="0"/>
+              <a:t>⑦</a:t>
+            </a:r>
+          </a:p>
+        </p:txBody>
+      </p:sp>
+      <p:sp>
+        <p:nvSpPr>
+          <p:cNvPr id="38" name="TextBox 37">
+            <a:extLst>
+              <a:ext uri="{FF2B5EF4-FFF2-40B4-BE49-F238E27FC236}">
+                <a16:creationId xmlns:a16="http://schemas.microsoft.com/office/drawing/2014/main" id="{78C6CE09-F1C5-CB8C-D049-C63B40458521}"/>
+              </a:ext>
+            </a:extLst>
+          </p:cNvPr>
+          <p:cNvSpPr txBox="1"/>
+          <p:nvPr/>
+        </p:nvSpPr>
+        <p:spPr>
+          <a:xfrm>
+            <a:off x="6153966" y="-1277589"/>
+            <a:ext cx="384560" cy="369332"/>
+          </a:xfrm>
+          <a:prstGeom prst="rect">
+            <a:avLst/>
+          </a:prstGeom>
+          <a:noFill/>
+        </p:spPr>
+        <p:txBody>
+          <a:bodyPr wrap="square">
+            <a:spAutoFit/>
+          </a:bodyPr>
+          <a:lstStyle/>
+          <a:p>
+            <a:r>
+              <a:rPr lang="ko-KR" altLang="en-US" dirty="0"/>
+              <a:t>⑧</a:t>
+            </a:r>
+          </a:p>
+        </p:txBody>
+      </p:sp>
+      <p:sp>
+        <p:nvSpPr>
+          <p:cNvPr id="40" name="TextBox 39">
+            <a:extLst>
+              <a:ext uri="{FF2B5EF4-FFF2-40B4-BE49-F238E27FC236}">
+                <a16:creationId xmlns:a16="http://schemas.microsoft.com/office/drawing/2014/main" id="{ED673F85-B0B8-5206-F0B2-EF309C6A35DB}"/>
+              </a:ext>
+            </a:extLst>
+          </p:cNvPr>
+          <p:cNvSpPr txBox="1"/>
+          <p:nvPr/>
+        </p:nvSpPr>
+        <p:spPr>
+          <a:xfrm>
+            <a:off x="6451087" y="-1277589"/>
+            <a:ext cx="394102" cy="369332"/>
+          </a:xfrm>
+          <a:prstGeom prst="rect">
+            <a:avLst/>
+          </a:prstGeom>
+          <a:noFill/>
+        </p:spPr>
+        <p:txBody>
+          <a:bodyPr wrap="square">
+            <a:spAutoFit/>
+          </a:bodyPr>
+          <a:lstStyle/>
+          <a:p>
+            <a:r>
+              <a:rPr lang="ko-KR" altLang="en-US" dirty="0"/>
+              <a:t>⑨</a:t>
+            </a:r>
+          </a:p>
+        </p:txBody>
+      </p:sp>
+      <p:sp>
+        <p:nvSpPr>
+          <p:cNvPr id="41" name="TextBox 40">
+            <a:extLst>
+              <a:ext uri="{FF2B5EF4-FFF2-40B4-BE49-F238E27FC236}">
+                <a16:creationId xmlns:a16="http://schemas.microsoft.com/office/drawing/2014/main" id="{3F4A48FF-111B-693A-A2E1-72FBDC0403DF}"/>
+              </a:ext>
+            </a:extLst>
+          </p:cNvPr>
+          <p:cNvSpPr txBox="1"/>
+          <p:nvPr/>
+        </p:nvSpPr>
+        <p:spPr>
+          <a:xfrm>
+            <a:off x="6761290" y="-1273095"/>
+            <a:ext cx="394102" cy="369332"/>
+          </a:xfrm>
+          <a:prstGeom prst="rect">
+            <a:avLst/>
+          </a:prstGeom>
+          <a:noFill/>
+        </p:spPr>
+        <p:txBody>
+          <a:bodyPr wrap="square">
+            <a:spAutoFit/>
+          </a:bodyPr>
+          <a:lstStyle/>
+          <a:p>
+            <a:r>
+              <a:rPr lang="ko-KR" altLang="en-US" dirty="0"/>
+              <a:t>⑩</a:t>
+            </a:r>
+          </a:p>
+        </p:txBody>
+      </p:sp>
+      <p:pic>
+        <p:nvPicPr>
+          <p:cNvPr id="7" name="그림 6">
+            <a:extLst>
+              <a:ext uri="{FF2B5EF4-FFF2-40B4-BE49-F238E27FC236}">
+                <a16:creationId xmlns:a16="http://schemas.microsoft.com/office/drawing/2014/main" id="{47F6E322-280B-4549-9181-00CF464D3DF9}"/>
+              </a:ext>
+            </a:extLst>
+          </p:cNvPr>
+          <p:cNvPicPr>
+            <a:picLocks noChangeAspect="1"/>
+          </p:cNvPicPr>
+          <p:nvPr/>
+        </p:nvPicPr>
+        <p:blipFill>
+          <a:blip r:embed="rId2"/>
+          <a:stretch>
+            <a:fillRect/>
+          </a:stretch>
+        </p:blipFill>
+        <p:spPr>
+          <a:xfrm>
+            <a:off x="0" y="650184"/>
+            <a:ext cx="4960055" cy="6207802"/>
+          </a:xfrm>
+          <a:prstGeom prst="rect">
+            <a:avLst/>
+          </a:prstGeom>
+        </p:spPr>
+      </p:pic>
+      <p:sp>
+        <p:nvSpPr>
+          <p:cNvPr id="12" name="TextBox 11">
+            <a:extLst>
+              <a:ext uri="{FF2B5EF4-FFF2-40B4-BE49-F238E27FC236}">
+                <a16:creationId xmlns:a16="http://schemas.microsoft.com/office/drawing/2014/main" id="{14B661EC-D668-AAC6-8260-D644A3607BE8}"/>
+              </a:ext>
+            </a:extLst>
+          </p:cNvPr>
+          <p:cNvSpPr txBox="1"/>
+          <p:nvPr/>
+        </p:nvSpPr>
+        <p:spPr>
+          <a:xfrm>
+            <a:off x="-87391" y="610095"/>
+            <a:ext cx="393106" cy="369332"/>
+          </a:xfrm>
+          <a:prstGeom prst="rect">
+            <a:avLst/>
+          </a:prstGeom>
+          <a:noFill/>
+        </p:spPr>
+        <p:txBody>
+          <a:bodyPr wrap="square">
+            <a:spAutoFit/>
+          </a:bodyPr>
+          <a:lstStyle/>
+          <a:p>
+            <a:r>
+              <a:rPr lang="ko-KR" altLang="en-US" dirty="0"/>
+              <a:t>①</a:t>
+            </a:r>
+          </a:p>
+        </p:txBody>
+      </p:sp>
+      <p:sp>
+        <p:nvSpPr>
+          <p:cNvPr id="13" name="TextBox 12">
+            <a:extLst>
+              <a:ext uri="{FF2B5EF4-FFF2-40B4-BE49-F238E27FC236}">
+                <a16:creationId xmlns:a16="http://schemas.microsoft.com/office/drawing/2014/main" id="{A4151FDE-9408-5294-219D-EF3E46500DD1}"/>
+              </a:ext>
+            </a:extLst>
+          </p:cNvPr>
+          <p:cNvSpPr txBox="1"/>
+          <p:nvPr/>
+        </p:nvSpPr>
+        <p:spPr>
+          <a:xfrm>
+            <a:off x="472657" y="1096361"/>
+            <a:ext cx="393106" cy="369332"/>
+          </a:xfrm>
+          <a:prstGeom prst="rect">
+            <a:avLst/>
+          </a:prstGeom>
+          <a:noFill/>
+        </p:spPr>
+        <p:txBody>
+          <a:bodyPr wrap="square">
+            <a:spAutoFit/>
+          </a:bodyPr>
+          <a:lstStyle/>
+          <a:p>
+            <a:r>
+              <a:rPr lang="ko-KR" altLang="en-US" dirty="0"/>
+              <a:t>②</a:t>
+            </a:r>
+          </a:p>
+        </p:txBody>
+      </p:sp>
+      <p:sp>
+        <p:nvSpPr>
+          <p:cNvPr id="14" name="TextBox 13">
+            <a:extLst>
+              <a:ext uri="{FF2B5EF4-FFF2-40B4-BE49-F238E27FC236}">
+                <a16:creationId xmlns:a16="http://schemas.microsoft.com/office/drawing/2014/main" id="{2C61E480-F584-22E7-6A6D-9D24B79A4F93}"/>
+              </a:ext>
+            </a:extLst>
+          </p:cNvPr>
+          <p:cNvSpPr txBox="1"/>
+          <p:nvPr/>
+        </p:nvSpPr>
+        <p:spPr>
+          <a:xfrm>
+            <a:off x="471600" y="1827881"/>
+            <a:ext cx="384560" cy="369332"/>
+          </a:xfrm>
+          <a:prstGeom prst="rect">
+            <a:avLst/>
+          </a:prstGeom>
+          <a:noFill/>
+        </p:spPr>
+        <p:txBody>
+          <a:bodyPr wrap="square">
+            <a:spAutoFit/>
+          </a:bodyPr>
+          <a:lstStyle/>
+          <a:p>
+            <a:r>
+              <a:rPr lang="ko-KR" altLang="en-US" dirty="0"/>
+              <a:t>③</a:t>
+            </a:r>
+          </a:p>
+        </p:txBody>
+      </p:sp>
+      <p:sp>
+        <p:nvSpPr>
+          <p:cNvPr id="15" name="TextBox 14">
+            <a:extLst>
+              <a:ext uri="{FF2B5EF4-FFF2-40B4-BE49-F238E27FC236}">
+                <a16:creationId xmlns:a16="http://schemas.microsoft.com/office/drawing/2014/main" id="{33A49B43-7FC3-E8F0-D238-BABD6F9B5644}"/>
+              </a:ext>
+            </a:extLst>
+          </p:cNvPr>
+          <p:cNvSpPr txBox="1"/>
+          <p:nvPr/>
+        </p:nvSpPr>
+        <p:spPr>
+          <a:xfrm>
+            <a:off x="282209" y="4291456"/>
+            <a:ext cx="410198" cy="369332"/>
+          </a:xfrm>
+          <a:prstGeom prst="rect">
+            <a:avLst/>
+          </a:prstGeom>
+          <a:noFill/>
+        </p:spPr>
+        <p:txBody>
+          <a:bodyPr wrap="square">
+            <a:spAutoFit/>
+          </a:bodyPr>
+          <a:lstStyle/>
+          <a:p>
+            <a:r>
+              <a:rPr lang="ko-KR" altLang="en-US" dirty="0"/>
+              <a:t>④</a:t>
+            </a:r>
+          </a:p>
+        </p:txBody>
+      </p:sp>
+      <p:sp>
+        <p:nvSpPr>
+          <p:cNvPr id="16" name="TextBox 15">
+            <a:extLst>
+              <a:ext uri="{FF2B5EF4-FFF2-40B4-BE49-F238E27FC236}">
+                <a16:creationId xmlns:a16="http://schemas.microsoft.com/office/drawing/2014/main" id="{CCE7ABC8-7405-CA3B-4C65-F546FD26E5CD}"/>
+              </a:ext>
+            </a:extLst>
+          </p:cNvPr>
+          <p:cNvSpPr txBox="1"/>
+          <p:nvPr/>
+        </p:nvSpPr>
+        <p:spPr>
+          <a:xfrm>
+            <a:off x="1946129" y="6365119"/>
+            <a:ext cx="401652" cy="369332"/>
+          </a:xfrm>
+          <a:prstGeom prst="rect">
+            <a:avLst/>
+          </a:prstGeom>
+          <a:noFill/>
+        </p:spPr>
+        <p:txBody>
+          <a:bodyPr wrap="square">
+            <a:spAutoFit/>
+          </a:bodyPr>
+          <a:lstStyle/>
+          <a:p>
+            <a:r>
+              <a:rPr lang="ko-KR" altLang="en-US" dirty="0"/>
+              <a:t>⑤</a:t>
+            </a:r>
+          </a:p>
+        </p:txBody>
+      </p:sp>
+    </p:spTree>
+    <p:extLst>
+      <p:ext uri="{BB962C8B-B14F-4D97-AF65-F5344CB8AC3E}">
+        <p14:creationId xmlns:p14="http://schemas.microsoft.com/office/powerpoint/2010/main" val="4108143648"/>
+      </p:ext>
+    </p:extLst>
+  </p:cSld>
+  <p:clrMapOvr>
+    <a:masterClrMapping/>
+  </p:clrMapOvr>
+</p:sld>
+</file>
+
+<file path=ppt/slides/slide9.xml><?xml version="1.0" encoding="utf-8"?>
 <p:sld xmlns:a="http://schemas.openxmlformats.org/drawingml/2006/main" xmlns:r="http://schemas.openxmlformats.org/officeDocument/2006/relationships" xmlns:p="http://schemas.openxmlformats.org/presentationml/2006/main">
   <p:cSld>
     <p:bg>

--- a/doc/1. 화면정의서/STUMO_화면정의서.pptx
+++ b/doc/1. 화면정의서/STUMO_화면정의서.pptx
@@ -14,7 +14,8 @@
     <p:sldId id="289" r:id="rId8"/>
     <p:sldId id="290" r:id="rId9"/>
     <p:sldId id="291" r:id="rId10"/>
-    <p:sldId id="285" r:id="rId11"/>
+    <p:sldId id="292" r:id="rId11"/>
+    <p:sldId id="285" r:id="rId12"/>
   </p:sldIdLst>
   <p:sldSz cx="12192000" cy="6858000"/>
   <p:notesSz cx="6858000" cy="9144000"/>
@@ -279,7 +280,7 @@
           <a:p>
             <a:fld id="{F3B34B3F-010A-43D0-B99E-3343AD573276}" type="datetimeFigureOut">
               <a:rPr lang="ko-KR" altLang="en-US" smtClean="0"/>
-              <a:t>2022. 8. 11.</a:t>
+              <a:t>2022. 8. 15.</a:t>
             </a:fld>
             <a:endParaRPr lang="ko-KR" altLang="en-US"/>
           </a:p>
@@ -477,7 +478,7 @@
           <a:p>
             <a:fld id="{F3B34B3F-010A-43D0-B99E-3343AD573276}" type="datetimeFigureOut">
               <a:rPr lang="ko-KR" altLang="en-US" smtClean="0"/>
-              <a:t>2022. 8. 11.</a:t>
+              <a:t>2022. 8. 15.</a:t>
             </a:fld>
             <a:endParaRPr lang="ko-KR" altLang="en-US"/>
           </a:p>
@@ -685,7 +686,7 @@
           <a:p>
             <a:fld id="{F3B34B3F-010A-43D0-B99E-3343AD573276}" type="datetimeFigureOut">
               <a:rPr lang="ko-KR" altLang="en-US" smtClean="0"/>
-              <a:t>2022. 8. 11.</a:t>
+              <a:t>2022. 8. 15.</a:t>
             </a:fld>
             <a:endParaRPr lang="ko-KR" altLang="en-US"/>
           </a:p>
@@ -883,7 +884,7 @@
           <a:p>
             <a:fld id="{F3B34B3F-010A-43D0-B99E-3343AD573276}" type="datetimeFigureOut">
               <a:rPr lang="ko-KR" altLang="en-US" smtClean="0"/>
-              <a:t>2022. 8. 11.</a:t>
+              <a:t>2022. 8. 15.</a:t>
             </a:fld>
             <a:endParaRPr lang="ko-KR" altLang="en-US"/>
           </a:p>
@@ -1158,7 +1159,7 @@
           <a:p>
             <a:fld id="{F3B34B3F-010A-43D0-B99E-3343AD573276}" type="datetimeFigureOut">
               <a:rPr lang="ko-KR" altLang="en-US" smtClean="0"/>
-              <a:t>2022. 8. 11.</a:t>
+              <a:t>2022. 8. 15.</a:t>
             </a:fld>
             <a:endParaRPr lang="ko-KR" altLang="en-US"/>
           </a:p>
@@ -1423,7 +1424,7 @@
           <a:p>
             <a:fld id="{F3B34B3F-010A-43D0-B99E-3343AD573276}" type="datetimeFigureOut">
               <a:rPr lang="ko-KR" altLang="en-US" smtClean="0"/>
-              <a:t>2022. 8. 11.</a:t>
+              <a:t>2022. 8. 15.</a:t>
             </a:fld>
             <a:endParaRPr lang="ko-KR" altLang="en-US"/>
           </a:p>
@@ -1835,7 +1836,7 @@
           <a:p>
             <a:fld id="{F3B34B3F-010A-43D0-B99E-3343AD573276}" type="datetimeFigureOut">
               <a:rPr lang="ko-KR" altLang="en-US" smtClean="0"/>
-              <a:t>2022. 8. 11.</a:t>
+              <a:t>2022. 8. 15.</a:t>
             </a:fld>
             <a:endParaRPr lang="ko-KR" altLang="en-US"/>
           </a:p>
@@ -1976,7 +1977,7 @@
           <a:p>
             <a:fld id="{F3B34B3F-010A-43D0-B99E-3343AD573276}" type="datetimeFigureOut">
               <a:rPr lang="ko-KR" altLang="en-US" smtClean="0"/>
-              <a:t>2022. 8. 11.</a:t>
+              <a:t>2022. 8. 15.</a:t>
             </a:fld>
             <a:endParaRPr lang="ko-KR" altLang="en-US"/>
           </a:p>
@@ -2089,7 +2090,7 @@
           <a:p>
             <a:fld id="{F3B34B3F-010A-43D0-B99E-3343AD573276}" type="datetimeFigureOut">
               <a:rPr lang="ko-KR" altLang="en-US" smtClean="0"/>
-              <a:t>2022. 8. 11.</a:t>
+              <a:t>2022. 8. 15.</a:t>
             </a:fld>
             <a:endParaRPr lang="ko-KR" altLang="en-US"/>
           </a:p>
@@ -2507,7 +2508,7 @@
           <a:p>
             <a:fld id="{F3B34B3F-010A-43D0-B99E-3343AD573276}" type="datetimeFigureOut">
               <a:rPr lang="ko-KR" altLang="en-US" smtClean="0"/>
-              <a:t>2022. 8. 11.</a:t>
+              <a:t>2022. 8. 15.</a:t>
             </a:fld>
             <a:endParaRPr lang="ko-KR" altLang="en-US"/>
           </a:p>
@@ -2795,7 +2796,7 @@
           <a:p>
             <a:fld id="{F3B34B3F-010A-43D0-B99E-3343AD573276}" type="datetimeFigureOut">
               <a:rPr lang="ko-KR" altLang="en-US" smtClean="0"/>
-              <a:t>2022. 8. 11.</a:t>
+              <a:t>2022. 8. 15.</a:t>
             </a:fld>
             <a:endParaRPr lang="ko-KR" altLang="en-US"/>
           </a:p>
@@ -3036,7 +3037,7 @@
           <a:p>
             <a:fld id="{F3B34B3F-010A-43D0-B99E-3343AD573276}" type="datetimeFigureOut">
               <a:rPr lang="ko-KR" altLang="en-US" smtClean="0"/>
-              <a:t>2022. 8. 11.</a:t>
+              <a:t>2022. 8. 15.</a:t>
             </a:fld>
             <a:endParaRPr lang="ko-KR" altLang="en-US"/>
           </a:p>
@@ -3730,6 +3731,1181 @@
 <file path=ppt/slides/slide10.xml><?xml version="1.0" encoding="utf-8"?>
 <p:sld xmlns:a="http://schemas.openxmlformats.org/drawingml/2006/main" xmlns:r="http://schemas.openxmlformats.org/officeDocument/2006/relationships" xmlns:p="http://schemas.openxmlformats.org/presentationml/2006/main">
   <p:cSld>
+    <p:spTree>
+      <p:nvGrpSpPr>
+        <p:cNvPr id="1" name=""/>
+        <p:cNvGrpSpPr/>
+        <p:nvPr/>
+      </p:nvGrpSpPr>
+      <p:grpSpPr>
+        <a:xfrm>
+          <a:off x="0" y="0"/>
+          <a:ext cx="0" cy="0"/>
+          <a:chOff x="0" y="0"/>
+          <a:chExt cx="0" cy="0"/>
+        </a:xfrm>
+      </p:grpSpPr>
+      <p:sp>
+        <p:nvSpPr>
+          <p:cNvPr id="2" name="직사각형 1">
+            <a:extLst>
+              <a:ext uri="{FF2B5EF4-FFF2-40B4-BE49-F238E27FC236}">
+                <a16:creationId xmlns:a16="http://schemas.microsoft.com/office/drawing/2014/main" id="{35793BFC-7410-4CA5-9F33-BBE620E91B97}"/>
+              </a:ext>
+            </a:extLst>
+          </p:cNvPr>
+          <p:cNvSpPr/>
+          <p:nvPr/>
+        </p:nvSpPr>
+        <p:spPr>
+          <a:xfrm>
+            <a:off x="0" y="-2"/>
+            <a:ext cx="2438400" cy="160423"/>
+          </a:xfrm>
+          <a:prstGeom prst="rect">
+            <a:avLst/>
+          </a:prstGeom>
+          <a:ln>
+            <a:noFill/>
+          </a:ln>
+        </p:spPr>
+        <p:style>
+          <a:lnRef idx="2">
+            <a:schemeClr val="accent1">
+              <a:shade val="50000"/>
+            </a:schemeClr>
+          </a:lnRef>
+          <a:fillRef idx="1">
+            <a:schemeClr val="accent1"/>
+          </a:fillRef>
+          <a:effectRef idx="0">
+            <a:schemeClr val="accent1"/>
+          </a:effectRef>
+          <a:fontRef idx="minor">
+            <a:schemeClr val="lt1"/>
+          </a:fontRef>
+        </p:style>
+        <p:txBody>
+          <a:bodyPr rtlCol="0" anchor="ctr"/>
+          <a:lstStyle/>
+          <a:p>
+            <a:pPr algn="ctr"/>
+            <a:endParaRPr lang="ko-KR" altLang="en-US"/>
+          </a:p>
+        </p:txBody>
+      </p:sp>
+      <p:sp>
+        <p:nvSpPr>
+          <p:cNvPr id="3" name="직사각형 2">
+            <a:extLst>
+              <a:ext uri="{FF2B5EF4-FFF2-40B4-BE49-F238E27FC236}">
+                <a16:creationId xmlns:a16="http://schemas.microsoft.com/office/drawing/2014/main" id="{5911BEAA-E3C2-4AE3-963F-87E3CAF3FB81}"/>
+              </a:ext>
+            </a:extLst>
+          </p:cNvPr>
+          <p:cNvSpPr/>
+          <p:nvPr/>
+        </p:nvSpPr>
+        <p:spPr>
+          <a:xfrm>
+            <a:off x="2438400" y="-2"/>
+            <a:ext cx="2438400" cy="160423"/>
+          </a:xfrm>
+          <a:prstGeom prst="rect">
+            <a:avLst/>
+          </a:prstGeom>
+          <a:solidFill>
+            <a:schemeClr val="accent1"/>
+          </a:solidFill>
+          <a:ln>
+            <a:noFill/>
+          </a:ln>
+        </p:spPr>
+        <p:style>
+          <a:lnRef idx="2">
+            <a:schemeClr val="accent1">
+              <a:shade val="50000"/>
+            </a:schemeClr>
+          </a:lnRef>
+          <a:fillRef idx="1">
+            <a:schemeClr val="accent1"/>
+          </a:fillRef>
+          <a:effectRef idx="0">
+            <a:schemeClr val="accent1"/>
+          </a:effectRef>
+          <a:fontRef idx="minor">
+            <a:schemeClr val="lt1"/>
+          </a:fontRef>
+        </p:style>
+        <p:txBody>
+          <a:bodyPr rtlCol="0" anchor="ctr"/>
+          <a:lstStyle/>
+          <a:p>
+            <a:pPr algn="ctr"/>
+            <a:endParaRPr lang="ko-KR" altLang="en-US"/>
+          </a:p>
+        </p:txBody>
+      </p:sp>
+      <p:sp>
+        <p:nvSpPr>
+          <p:cNvPr id="4" name="직사각형 3">
+            <a:extLst>
+              <a:ext uri="{FF2B5EF4-FFF2-40B4-BE49-F238E27FC236}">
+                <a16:creationId xmlns:a16="http://schemas.microsoft.com/office/drawing/2014/main" id="{E7D8FA21-061E-4374-84B8-289D75129065}"/>
+              </a:ext>
+            </a:extLst>
+          </p:cNvPr>
+          <p:cNvSpPr/>
+          <p:nvPr/>
+        </p:nvSpPr>
+        <p:spPr>
+          <a:xfrm>
+            <a:off x="4876800" y="-2"/>
+            <a:ext cx="2438400" cy="160423"/>
+          </a:xfrm>
+          <a:prstGeom prst="rect">
+            <a:avLst/>
+          </a:prstGeom>
+          <a:solidFill>
+            <a:schemeClr val="accent3"/>
+          </a:solidFill>
+          <a:ln>
+            <a:noFill/>
+          </a:ln>
+        </p:spPr>
+        <p:style>
+          <a:lnRef idx="2">
+            <a:schemeClr val="accent1">
+              <a:shade val="50000"/>
+            </a:schemeClr>
+          </a:lnRef>
+          <a:fillRef idx="1">
+            <a:schemeClr val="accent1"/>
+          </a:fillRef>
+          <a:effectRef idx="0">
+            <a:schemeClr val="accent1"/>
+          </a:effectRef>
+          <a:fontRef idx="minor">
+            <a:schemeClr val="lt1"/>
+          </a:fontRef>
+        </p:style>
+        <p:txBody>
+          <a:bodyPr rtlCol="0" anchor="ctr"/>
+          <a:lstStyle/>
+          <a:p>
+            <a:pPr algn="ctr"/>
+            <a:endParaRPr lang="ko-KR" altLang="en-US" dirty="0"/>
+          </a:p>
+        </p:txBody>
+      </p:sp>
+      <p:sp>
+        <p:nvSpPr>
+          <p:cNvPr id="5" name="직사각형 4">
+            <a:extLst>
+              <a:ext uri="{FF2B5EF4-FFF2-40B4-BE49-F238E27FC236}">
+                <a16:creationId xmlns:a16="http://schemas.microsoft.com/office/drawing/2014/main" id="{F13425E8-514E-4A6A-80B1-6C04D22E0E7B}"/>
+              </a:ext>
+            </a:extLst>
+          </p:cNvPr>
+          <p:cNvSpPr/>
+          <p:nvPr/>
+        </p:nvSpPr>
+        <p:spPr>
+          <a:xfrm>
+            <a:off x="7315200" y="-3"/>
+            <a:ext cx="2438400" cy="160423"/>
+          </a:xfrm>
+          <a:prstGeom prst="rect">
+            <a:avLst/>
+          </a:prstGeom>
+          <a:solidFill>
+            <a:schemeClr val="accent3"/>
+          </a:solidFill>
+          <a:ln>
+            <a:noFill/>
+          </a:ln>
+        </p:spPr>
+        <p:style>
+          <a:lnRef idx="2">
+            <a:schemeClr val="accent1">
+              <a:shade val="50000"/>
+            </a:schemeClr>
+          </a:lnRef>
+          <a:fillRef idx="1">
+            <a:schemeClr val="accent1"/>
+          </a:fillRef>
+          <a:effectRef idx="0">
+            <a:schemeClr val="accent1"/>
+          </a:effectRef>
+          <a:fontRef idx="minor">
+            <a:schemeClr val="lt1"/>
+          </a:fontRef>
+        </p:style>
+        <p:txBody>
+          <a:bodyPr rtlCol="0" anchor="ctr"/>
+          <a:lstStyle/>
+          <a:p>
+            <a:pPr algn="ctr"/>
+            <a:endParaRPr lang="ko-KR" altLang="en-US"/>
+          </a:p>
+        </p:txBody>
+      </p:sp>
+      <p:sp>
+        <p:nvSpPr>
+          <p:cNvPr id="6" name="직사각형 5">
+            <a:extLst>
+              <a:ext uri="{FF2B5EF4-FFF2-40B4-BE49-F238E27FC236}">
+                <a16:creationId xmlns:a16="http://schemas.microsoft.com/office/drawing/2014/main" id="{D73FA5A3-7443-4A4A-A0C2-99EF274D1D5C}"/>
+              </a:ext>
+            </a:extLst>
+          </p:cNvPr>
+          <p:cNvSpPr/>
+          <p:nvPr/>
+        </p:nvSpPr>
+        <p:spPr>
+          <a:xfrm>
+            <a:off x="9753600" y="-3"/>
+            <a:ext cx="2438400" cy="160423"/>
+          </a:xfrm>
+          <a:prstGeom prst="rect">
+            <a:avLst/>
+          </a:prstGeom>
+          <a:solidFill>
+            <a:schemeClr val="accent3"/>
+          </a:solidFill>
+          <a:ln>
+            <a:noFill/>
+          </a:ln>
+        </p:spPr>
+        <p:style>
+          <a:lnRef idx="2">
+            <a:schemeClr val="accent1">
+              <a:shade val="50000"/>
+            </a:schemeClr>
+          </a:lnRef>
+          <a:fillRef idx="1">
+            <a:schemeClr val="accent1"/>
+          </a:fillRef>
+          <a:effectRef idx="0">
+            <a:schemeClr val="accent1"/>
+          </a:effectRef>
+          <a:fontRef idx="minor">
+            <a:schemeClr val="lt1"/>
+          </a:fontRef>
+        </p:style>
+        <p:txBody>
+          <a:bodyPr rtlCol="0" anchor="ctr"/>
+          <a:lstStyle/>
+          <a:p>
+            <a:pPr algn="ctr"/>
+            <a:endParaRPr lang="ko-KR" altLang="en-US"/>
+          </a:p>
+        </p:txBody>
+      </p:sp>
+      <p:sp>
+        <p:nvSpPr>
+          <p:cNvPr id="8" name="TextBox 7">
+            <a:extLst>
+              <a:ext uri="{FF2B5EF4-FFF2-40B4-BE49-F238E27FC236}">
+                <a16:creationId xmlns:a16="http://schemas.microsoft.com/office/drawing/2014/main" id="{348BFED9-3247-4858-97FC-29981B727AB9}"/>
+              </a:ext>
+            </a:extLst>
+          </p:cNvPr>
+          <p:cNvSpPr txBox="1"/>
+          <p:nvPr/>
+        </p:nvSpPr>
+        <p:spPr>
+          <a:xfrm>
+            <a:off x="160421" y="304800"/>
+            <a:ext cx="1158202" cy="338554"/>
+          </a:xfrm>
+          <a:prstGeom prst="rect">
+            <a:avLst/>
+          </a:prstGeom>
+          <a:noFill/>
+        </p:spPr>
+        <p:txBody>
+          <a:bodyPr wrap="none" rtlCol="0">
+            <a:spAutoFit/>
+          </a:bodyPr>
+          <a:lstStyle/>
+          <a:p>
+            <a:r>
+              <a:rPr lang="en-US" altLang="ko-KR" sz="1600" dirty="0">
+                <a:solidFill>
+                  <a:schemeClr val="accent2"/>
+                </a:solidFill>
+                <a:latin typeface="+mj-lt"/>
+              </a:rPr>
+              <a:t>Screen 008,</a:t>
+            </a:r>
+            <a:endParaRPr lang="ko-KR" altLang="en-US" sz="1600" dirty="0">
+              <a:solidFill>
+                <a:schemeClr val="accent2"/>
+              </a:solidFill>
+              <a:latin typeface="+mj-lt"/>
+            </a:endParaRPr>
+          </a:p>
+        </p:txBody>
+      </p:sp>
+      <p:sp>
+        <p:nvSpPr>
+          <p:cNvPr id="9" name="TextBox 8">
+            <a:extLst>
+              <a:ext uri="{FF2B5EF4-FFF2-40B4-BE49-F238E27FC236}">
+                <a16:creationId xmlns:a16="http://schemas.microsoft.com/office/drawing/2014/main" id="{AE05A515-73BD-4F7C-A919-EAFE378DB41F}"/>
+              </a:ext>
+            </a:extLst>
+          </p:cNvPr>
+          <p:cNvSpPr txBox="1"/>
+          <p:nvPr/>
+        </p:nvSpPr>
+        <p:spPr>
+          <a:xfrm>
+            <a:off x="1219200" y="308215"/>
+            <a:ext cx="1210588" cy="338554"/>
+          </a:xfrm>
+          <a:prstGeom prst="rect">
+            <a:avLst/>
+          </a:prstGeom>
+          <a:noFill/>
+        </p:spPr>
+        <p:txBody>
+          <a:bodyPr wrap="none" rtlCol="0">
+            <a:spAutoFit/>
+          </a:bodyPr>
+          <a:lstStyle/>
+          <a:p>
+            <a:r>
+              <a:rPr lang="ko-KR" altLang="en-US" sz="1600" dirty="0">
+                <a:solidFill>
+                  <a:schemeClr val="accent2"/>
+                </a:solidFill>
+              </a:rPr>
+              <a:t>마이페이지</a:t>
+            </a:r>
+          </a:p>
+        </p:txBody>
+      </p:sp>
+      <p:cxnSp>
+        <p:nvCxnSpPr>
+          <p:cNvPr id="11" name="직선 연결선 10">
+            <a:extLst>
+              <a:ext uri="{FF2B5EF4-FFF2-40B4-BE49-F238E27FC236}">
+                <a16:creationId xmlns:a16="http://schemas.microsoft.com/office/drawing/2014/main" id="{D594AD39-1264-44FB-9659-7901314242FB}"/>
+              </a:ext>
+            </a:extLst>
+          </p:cNvPr>
+          <p:cNvCxnSpPr>
+            <a:cxnSpLocks/>
+          </p:cNvCxnSpPr>
+          <p:nvPr/>
+        </p:nvCxnSpPr>
+        <p:spPr>
+          <a:xfrm>
+            <a:off x="1061630" y="644350"/>
+            <a:ext cx="11130370" cy="0"/>
+          </a:xfrm>
+          <a:prstGeom prst="line">
+            <a:avLst/>
+          </a:prstGeom>
+        </p:spPr>
+        <p:style>
+          <a:lnRef idx="1">
+            <a:schemeClr val="accent1"/>
+          </a:lnRef>
+          <a:fillRef idx="0">
+            <a:schemeClr val="accent1"/>
+          </a:fillRef>
+          <a:effectRef idx="0">
+            <a:schemeClr val="accent1"/>
+          </a:effectRef>
+          <a:fontRef idx="minor">
+            <a:schemeClr val="tx1"/>
+          </a:fontRef>
+        </p:style>
+      </p:cxnSp>
+      <p:sp>
+        <p:nvSpPr>
+          <p:cNvPr id="35" name="직사각형 34">
+            <a:extLst>
+              <a:ext uri="{FF2B5EF4-FFF2-40B4-BE49-F238E27FC236}">
+                <a16:creationId xmlns:a16="http://schemas.microsoft.com/office/drawing/2014/main" id="{EC1328AE-81E8-4031-8851-BDD649B1B309}"/>
+              </a:ext>
+            </a:extLst>
+          </p:cNvPr>
+          <p:cNvSpPr/>
+          <p:nvPr/>
+        </p:nvSpPr>
+        <p:spPr>
+          <a:xfrm>
+            <a:off x="4951937" y="794761"/>
+            <a:ext cx="7240063" cy="6063229"/>
+          </a:xfrm>
+          <a:prstGeom prst="rect">
+            <a:avLst/>
+          </a:prstGeom>
+          <a:solidFill>
+            <a:schemeClr val="bg1">
+              <a:lumMod val="85000"/>
+              <a:lumOff val="15000"/>
+            </a:schemeClr>
+          </a:solidFill>
+          <a:ln>
+            <a:solidFill>
+              <a:schemeClr val="bg1">
+                <a:lumMod val="75000"/>
+              </a:schemeClr>
+            </a:solidFill>
+          </a:ln>
+        </p:spPr>
+        <p:style>
+          <a:lnRef idx="2">
+            <a:schemeClr val="accent1">
+              <a:shade val="50000"/>
+            </a:schemeClr>
+          </a:lnRef>
+          <a:fillRef idx="1">
+            <a:schemeClr val="accent1"/>
+          </a:fillRef>
+          <a:effectRef idx="0">
+            <a:schemeClr val="accent1"/>
+          </a:effectRef>
+          <a:fontRef idx="minor">
+            <a:schemeClr val="lt1"/>
+          </a:fontRef>
+        </p:style>
+        <p:txBody>
+          <a:bodyPr rtlCol="0" anchor="ctr"/>
+          <a:lstStyle/>
+          <a:p>
+            <a:pPr marL="171450" indent="-171450">
+              <a:buFontTx/>
+              <a:buChar char="-"/>
+            </a:pPr>
+            <a:r>
+              <a:rPr lang="ko-KR" altLang="en-US" sz="1000" dirty="0">
+                <a:solidFill>
+                  <a:schemeClr val="tx1"/>
+                </a:solidFill>
+              </a:rPr>
+              <a:t>회원</a:t>
+            </a:r>
+            <a:endParaRPr lang="en-US" altLang="ko-KR" sz="1000" dirty="0">
+              <a:solidFill>
+                <a:schemeClr val="tx1"/>
+              </a:solidFill>
+            </a:endParaRPr>
+          </a:p>
+          <a:p>
+            <a:pPr marL="171450" indent="-171450">
+              <a:buFontTx/>
+              <a:buChar char="-"/>
+            </a:pPr>
+            <a:endParaRPr lang="en-US" altLang="ko-KR" sz="1000" dirty="0">
+              <a:solidFill>
+                <a:schemeClr val="tx1"/>
+              </a:solidFill>
+            </a:endParaRPr>
+          </a:p>
+          <a:p>
+            <a:r>
+              <a:rPr lang="ko-KR" altLang="en-US" sz="1000" dirty="0">
+                <a:solidFill>
+                  <a:schemeClr val="tx1"/>
+                </a:solidFill>
+              </a:rPr>
+              <a:t>① 자신이 작성한 </a:t>
+            </a:r>
+            <a:r>
+              <a:rPr lang="ko-KR" altLang="en-US" sz="1000" dirty="0" err="1">
+                <a:solidFill>
+                  <a:schemeClr val="tx1"/>
+                </a:solidFill>
+              </a:rPr>
+              <a:t>모임글의</a:t>
+            </a:r>
+            <a:r>
+              <a:rPr lang="ko-KR" altLang="en-US" sz="1000" dirty="0">
+                <a:solidFill>
+                  <a:schemeClr val="tx1"/>
+                </a:solidFill>
+              </a:rPr>
+              <a:t> 목록을 표시한다</a:t>
+            </a:r>
+            <a:r>
+              <a:rPr lang="en-US" altLang="ko-KR" sz="1000" dirty="0">
+                <a:solidFill>
+                  <a:schemeClr val="tx1"/>
+                </a:solidFill>
+              </a:rPr>
+              <a:t>.</a:t>
+            </a:r>
+          </a:p>
+          <a:p>
+            <a:r>
+              <a:rPr lang="ko-KR" altLang="en-US" sz="1000" dirty="0">
+                <a:solidFill>
+                  <a:schemeClr val="tx1"/>
+                </a:solidFill>
+              </a:rPr>
+              <a:t>①</a:t>
+            </a:r>
+            <a:r>
+              <a:rPr lang="en-US" altLang="ko-KR" sz="1000" dirty="0">
+                <a:solidFill>
+                  <a:schemeClr val="tx1"/>
+                </a:solidFill>
+              </a:rPr>
+              <a:t>-1</a:t>
+            </a:r>
+            <a:r>
+              <a:rPr lang="ko-KR" altLang="en-US" sz="1000" dirty="0">
+                <a:solidFill>
+                  <a:schemeClr val="tx1"/>
+                </a:solidFill>
+              </a:rPr>
+              <a:t> 클릭하면 </a:t>
+            </a:r>
+            <a:r>
+              <a:rPr lang="ko-KR" altLang="en-US" sz="1000" dirty="0" err="1">
+                <a:solidFill>
+                  <a:schemeClr val="tx1"/>
+                </a:solidFill>
+              </a:rPr>
+              <a:t>모임상세</a:t>
+            </a:r>
+            <a:r>
+              <a:rPr lang="en-US" altLang="ko-KR" sz="1000" dirty="0">
+                <a:solidFill>
+                  <a:schemeClr val="tx1"/>
+                </a:solidFill>
+              </a:rPr>
+              <a:t>[Screen 004] </a:t>
+            </a:r>
+            <a:r>
+              <a:rPr lang="ko-KR" altLang="en-US" sz="1000" dirty="0">
+                <a:solidFill>
+                  <a:schemeClr val="tx1"/>
+                </a:solidFill>
+              </a:rPr>
+              <a:t>로 이동한다</a:t>
+            </a:r>
+            <a:r>
+              <a:rPr lang="en-US" altLang="ko-KR" sz="1000" dirty="0">
+                <a:solidFill>
+                  <a:schemeClr val="tx1"/>
+                </a:solidFill>
+              </a:rPr>
+              <a:t>.</a:t>
+            </a:r>
+          </a:p>
+          <a:p>
+            <a:endParaRPr lang="en-US" altLang="ko-KR" sz="1000" dirty="0">
+              <a:solidFill>
+                <a:schemeClr val="tx1"/>
+              </a:solidFill>
+            </a:endParaRPr>
+          </a:p>
+          <a:p>
+            <a:r>
+              <a:rPr lang="ko-KR" altLang="en-US" sz="1000" dirty="0">
+                <a:solidFill>
+                  <a:schemeClr val="tx1"/>
+                </a:solidFill>
+              </a:rPr>
+              <a:t>② </a:t>
+            </a:r>
+            <a:r>
+              <a:rPr lang="ko-KR" altLang="en-US" sz="1000" dirty="0" err="1">
+                <a:solidFill>
+                  <a:schemeClr val="tx1"/>
+                </a:solidFill>
+              </a:rPr>
+              <a:t>모임글의</a:t>
+            </a:r>
+            <a:r>
+              <a:rPr lang="ko-KR" altLang="en-US" sz="1000" dirty="0">
+                <a:solidFill>
+                  <a:schemeClr val="tx1"/>
+                </a:solidFill>
+              </a:rPr>
+              <a:t> 상태를 표시한다</a:t>
+            </a:r>
+            <a:r>
+              <a:rPr lang="en-US" altLang="ko-KR" sz="1000" dirty="0">
+                <a:solidFill>
+                  <a:schemeClr val="tx1"/>
+                </a:solidFill>
+              </a:rPr>
+              <a:t>.</a:t>
+            </a:r>
+            <a:r>
+              <a:rPr lang="ko-KR" altLang="en-US" sz="1000" dirty="0">
+                <a:solidFill>
+                  <a:schemeClr val="tx1"/>
+                </a:solidFill>
+              </a:rPr>
+              <a:t> </a:t>
+            </a:r>
+            <a:r>
+              <a:rPr lang="en-US" altLang="ko-KR" sz="1000" dirty="0">
+                <a:solidFill>
+                  <a:schemeClr val="tx1"/>
+                </a:solidFill>
+              </a:rPr>
+              <a:t>(</a:t>
+            </a:r>
+            <a:r>
+              <a:rPr lang="ko-KR" altLang="en-US" sz="1000" dirty="0" err="1">
+                <a:solidFill>
+                  <a:schemeClr val="tx1"/>
+                </a:solidFill>
+              </a:rPr>
+              <a:t>작성중</a:t>
+            </a:r>
+            <a:r>
+              <a:rPr lang="en-US" altLang="ko-KR" sz="1000" dirty="0">
+                <a:solidFill>
+                  <a:schemeClr val="tx1"/>
+                </a:solidFill>
+              </a:rPr>
+              <a:t>,</a:t>
+            </a:r>
+            <a:r>
+              <a:rPr lang="ko-KR" altLang="en-US" sz="1000" dirty="0">
+                <a:solidFill>
+                  <a:schemeClr val="tx1"/>
+                </a:solidFill>
+              </a:rPr>
+              <a:t> </a:t>
+            </a:r>
+            <a:r>
+              <a:rPr lang="ko-KR" altLang="en-US" sz="1000" dirty="0" err="1">
+                <a:solidFill>
+                  <a:schemeClr val="tx1"/>
+                </a:solidFill>
+              </a:rPr>
+              <a:t>모집중</a:t>
+            </a:r>
+            <a:r>
+              <a:rPr lang="en-US" altLang="ko-KR" sz="1000" dirty="0">
+                <a:solidFill>
+                  <a:schemeClr val="tx1"/>
+                </a:solidFill>
+              </a:rPr>
+              <a:t>,</a:t>
+            </a:r>
+            <a:r>
+              <a:rPr lang="ko-KR" altLang="en-US" sz="1000" dirty="0">
+                <a:solidFill>
+                  <a:schemeClr val="tx1"/>
+                </a:solidFill>
+              </a:rPr>
+              <a:t> 모집종료 </a:t>
+            </a:r>
+            <a:r>
+              <a:rPr lang="en-US" altLang="ko-KR" sz="1000" dirty="0">
+                <a:solidFill>
+                  <a:schemeClr val="tx1"/>
+                </a:solidFill>
+              </a:rPr>
+              <a:t>--</a:t>
+            </a:r>
+            <a:r>
+              <a:rPr lang="ko-KR" altLang="en-US" sz="1000" dirty="0">
+                <a:solidFill>
+                  <a:schemeClr val="tx1"/>
+                </a:solidFill>
+              </a:rPr>
+              <a:t> 미정</a:t>
+            </a:r>
+            <a:r>
+              <a:rPr lang="en-US" altLang="ko-KR" sz="1000" dirty="0">
+                <a:solidFill>
+                  <a:schemeClr val="tx1"/>
+                </a:solidFill>
+              </a:rPr>
+              <a:t>)</a:t>
+            </a:r>
+            <a:endParaRPr lang="ko-KR" altLang="en-US" sz="1000" dirty="0">
+              <a:solidFill>
+                <a:schemeClr val="tx1"/>
+              </a:solidFill>
+            </a:endParaRPr>
+          </a:p>
+          <a:p>
+            <a:endParaRPr lang="en-US" altLang="ko-KR" sz="1000" dirty="0">
+              <a:solidFill>
+                <a:schemeClr val="tx1"/>
+              </a:solidFill>
+            </a:endParaRPr>
+          </a:p>
+          <a:p>
+            <a:r>
+              <a:rPr lang="ko-KR" altLang="en-US" sz="1000" dirty="0">
+                <a:solidFill>
+                  <a:schemeClr val="tx1"/>
+                </a:solidFill>
+              </a:rPr>
+              <a:t>③ </a:t>
+            </a:r>
+            <a:r>
+              <a:rPr lang="ko-KR" altLang="en-US" sz="1000" dirty="0" err="1">
+                <a:solidFill>
+                  <a:schemeClr val="tx1"/>
+                </a:solidFill>
+              </a:rPr>
+              <a:t>모임글</a:t>
+            </a:r>
+            <a:r>
+              <a:rPr lang="ko-KR" altLang="en-US" sz="1000" dirty="0">
+                <a:solidFill>
+                  <a:schemeClr val="tx1"/>
+                </a:solidFill>
+              </a:rPr>
+              <a:t> </a:t>
+            </a:r>
+            <a:r>
+              <a:rPr lang="ko-KR" altLang="en-US" sz="1000" dirty="0" err="1">
+                <a:solidFill>
+                  <a:schemeClr val="tx1"/>
+                </a:solidFill>
+              </a:rPr>
+              <a:t>페이징</a:t>
+            </a:r>
+            <a:r>
+              <a:rPr lang="ko-KR" altLang="en-US" sz="1000" dirty="0">
+                <a:solidFill>
+                  <a:schemeClr val="tx1"/>
+                </a:solidFill>
+              </a:rPr>
+              <a:t> </a:t>
+            </a:r>
+            <a:r>
+              <a:rPr lang="en-US" altLang="ko-KR" sz="1000" dirty="0">
+                <a:solidFill>
+                  <a:schemeClr val="tx1"/>
+                </a:solidFill>
+              </a:rPr>
+              <a:t>(3</a:t>
+            </a:r>
+            <a:r>
+              <a:rPr lang="ko-KR" altLang="en-US" sz="1000" dirty="0">
+                <a:solidFill>
+                  <a:schemeClr val="tx1"/>
+                </a:solidFill>
+              </a:rPr>
+              <a:t>개 목록 씩 </a:t>
+            </a:r>
+            <a:r>
+              <a:rPr lang="ko-KR" altLang="en-US" sz="1000" dirty="0" err="1">
+                <a:solidFill>
+                  <a:schemeClr val="tx1"/>
+                </a:solidFill>
+              </a:rPr>
+              <a:t>페이징한다</a:t>
+            </a:r>
+            <a:r>
+              <a:rPr lang="en-US" altLang="ko-KR" sz="1000" dirty="0">
+                <a:solidFill>
+                  <a:schemeClr val="tx1"/>
+                </a:solidFill>
+              </a:rPr>
+              <a:t>.)</a:t>
+            </a:r>
+          </a:p>
+          <a:p>
+            <a:endParaRPr lang="en-US" altLang="ko-KR" sz="1000" dirty="0">
+              <a:solidFill>
+                <a:schemeClr val="tx1"/>
+              </a:solidFill>
+            </a:endParaRPr>
+          </a:p>
+          <a:p>
+            <a:r>
+              <a:rPr lang="ko-KR" altLang="en-US" sz="1000" dirty="0">
+                <a:solidFill>
+                  <a:schemeClr val="tx1"/>
+                </a:solidFill>
+              </a:rPr>
+              <a:t>④ 자신이 지원한 </a:t>
+            </a:r>
+            <a:r>
+              <a:rPr lang="ko-KR" altLang="en-US" sz="1000" dirty="0" err="1">
+                <a:solidFill>
+                  <a:schemeClr val="tx1"/>
+                </a:solidFill>
+              </a:rPr>
+              <a:t>모임글의</a:t>
+            </a:r>
+            <a:r>
+              <a:rPr lang="ko-KR" altLang="en-US" sz="1000" dirty="0">
+                <a:solidFill>
+                  <a:schemeClr val="tx1"/>
+                </a:solidFill>
+              </a:rPr>
+              <a:t> 목록을 표시한다</a:t>
+            </a:r>
+            <a:r>
+              <a:rPr lang="en-US" altLang="ko-KR" sz="1000" dirty="0">
+                <a:solidFill>
+                  <a:schemeClr val="tx1"/>
+                </a:solidFill>
+              </a:rPr>
+              <a:t>.</a:t>
+            </a:r>
+          </a:p>
+          <a:p>
+            <a:r>
+              <a:rPr lang="ko-KR" altLang="en-US" sz="1000" dirty="0">
+                <a:solidFill>
+                  <a:schemeClr val="tx1"/>
+                </a:solidFill>
+              </a:rPr>
+              <a:t>④</a:t>
+            </a:r>
+            <a:r>
+              <a:rPr lang="en-US" altLang="ko-KR" sz="1000" dirty="0">
+                <a:solidFill>
+                  <a:schemeClr val="tx1"/>
+                </a:solidFill>
+              </a:rPr>
+              <a:t>-1</a:t>
+            </a:r>
+            <a:r>
+              <a:rPr lang="ko-KR" altLang="en-US" sz="1000" dirty="0">
+                <a:solidFill>
+                  <a:schemeClr val="tx1"/>
+                </a:solidFill>
+              </a:rPr>
+              <a:t> 클릭하면 모임 </a:t>
+            </a:r>
+            <a:r>
+              <a:rPr lang="ko-KR" altLang="en-US" sz="1000" dirty="0" err="1">
+                <a:solidFill>
+                  <a:schemeClr val="tx1"/>
+                </a:solidFill>
+              </a:rPr>
+              <a:t>지원글</a:t>
+            </a:r>
+            <a:r>
+              <a:rPr lang="ko-KR" altLang="en-US" sz="1000" dirty="0">
+                <a:solidFill>
+                  <a:schemeClr val="tx1"/>
+                </a:solidFill>
+              </a:rPr>
+              <a:t> 확인</a:t>
+            </a:r>
+            <a:r>
+              <a:rPr lang="en-US" altLang="ko-KR" sz="1000" dirty="0">
+                <a:solidFill>
+                  <a:schemeClr val="tx1"/>
+                </a:solidFill>
+              </a:rPr>
+              <a:t>[Screen 007]</a:t>
+            </a:r>
+            <a:r>
+              <a:rPr lang="ko-KR" altLang="en-US" sz="1000" dirty="0">
+                <a:solidFill>
+                  <a:schemeClr val="tx1"/>
+                </a:solidFill>
+              </a:rPr>
+              <a:t> 로 이동한다</a:t>
+            </a:r>
+            <a:r>
+              <a:rPr lang="en-US" altLang="ko-KR" sz="1000" dirty="0">
+                <a:solidFill>
+                  <a:schemeClr val="tx1"/>
+                </a:solidFill>
+              </a:rPr>
+              <a:t>.</a:t>
+            </a:r>
+          </a:p>
+          <a:p>
+            <a:endParaRPr lang="en-US" altLang="ko-KR" sz="1000" dirty="0">
+              <a:solidFill>
+                <a:schemeClr val="tx1"/>
+              </a:solidFill>
+            </a:endParaRPr>
+          </a:p>
+          <a:p>
+            <a:endParaRPr lang="en-US" altLang="ko-KR" sz="1000" dirty="0">
+              <a:solidFill>
+                <a:schemeClr val="tx1"/>
+              </a:solidFill>
+            </a:endParaRPr>
+          </a:p>
+          <a:p>
+            <a:pPr marL="171450" indent="-171450">
+              <a:buFontTx/>
+              <a:buChar char="-"/>
+            </a:pPr>
+            <a:r>
+              <a:rPr lang="ko-KR" altLang="en-US" sz="1000" dirty="0">
+                <a:solidFill>
+                  <a:schemeClr val="tx1"/>
+                </a:solidFill>
+              </a:rPr>
+              <a:t>비회원</a:t>
+            </a:r>
+            <a:endParaRPr lang="en-US" altLang="ko-KR" sz="1000" dirty="0">
+              <a:solidFill>
+                <a:schemeClr val="tx1"/>
+              </a:solidFill>
+            </a:endParaRPr>
+          </a:p>
+          <a:p>
+            <a:pPr marL="171450" indent="-171450">
+              <a:buFontTx/>
+              <a:buChar char="-"/>
+            </a:pPr>
+            <a:endParaRPr lang="en-US" altLang="ko-KR" sz="1000" dirty="0">
+              <a:solidFill>
+                <a:schemeClr val="tx1"/>
+              </a:solidFill>
+            </a:endParaRPr>
+          </a:p>
+          <a:p>
+            <a:r>
+              <a:rPr lang="ko-KR" altLang="en-US" sz="1000" dirty="0">
+                <a:solidFill>
+                  <a:schemeClr val="tx1"/>
+                </a:solidFill>
+              </a:rPr>
+              <a:t>해당 화면 접근 불가</a:t>
+            </a:r>
+          </a:p>
+          <a:p>
+            <a:endParaRPr lang="en-US" altLang="ko-KR" sz="1000" dirty="0">
+              <a:solidFill>
+                <a:schemeClr val="tx1"/>
+              </a:solidFill>
+            </a:endParaRPr>
+          </a:p>
+        </p:txBody>
+      </p:sp>
+      <p:sp>
+        <p:nvSpPr>
+          <p:cNvPr id="10" name="TextBox 9">
+            <a:extLst>
+              <a:ext uri="{FF2B5EF4-FFF2-40B4-BE49-F238E27FC236}">
+                <a16:creationId xmlns:a16="http://schemas.microsoft.com/office/drawing/2014/main" id="{CC46E904-FEC5-24E9-DD40-BF4E18103A96}"/>
+              </a:ext>
+            </a:extLst>
+          </p:cNvPr>
+          <p:cNvSpPr txBox="1"/>
+          <p:nvPr/>
+        </p:nvSpPr>
+        <p:spPr>
+          <a:xfrm>
+            <a:off x="3951296" y="-820949"/>
+            <a:ext cx="6101696" cy="646331"/>
+          </a:xfrm>
+          <a:prstGeom prst="rect">
+            <a:avLst/>
+          </a:prstGeom>
+          <a:noFill/>
+        </p:spPr>
+        <p:txBody>
+          <a:bodyPr wrap="square">
+            <a:spAutoFit/>
+          </a:bodyPr>
+          <a:lstStyle/>
+          <a:p>
+            <a:r>
+              <a:rPr lang="ko-KR" altLang="en-US" dirty="0"/>
+              <a:t>①②③④⑤⑥⑦⑧⑨⑩⑪⑫⑬⑭⑮⑯⑰⑱⑲⑳㉑㉒㉓㉔㉕㉖㉗㉘㉙㉚㉛㉜㉝㉞㉟㊱㊲㊳㊴㊵㊶㊷㊸㊹㊺㊻㊼㊽㊾㊿</a:t>
+            </a:r>
+          </a:p>
+        </p:txBody>
+      </p:sp>
+      <p:pic>
+        <p:nvPicPr>
+          <p:cNvPr id="16" name="그림 15">
+            <a:extLst>
+              <a:ext uri="{FF2B5EF4-FFF2-40B4-BE49-F238E27FC236}">
+                <a16:creationId xmlns:a16="http://schemas.microsoft.com/office/drawing/2014/main" id="{F95AC3C0-873D-4E31-DC44-2DD13D1D7D00}"/>
+              </a:ext>
+            </a:extLst>
+          </p:cNvPr>
+          <p:cNvPicPr>
+            <a:picLocks noChangeAspect="1"/>
+          </p:cNvPicPr>
+          <p:nvPr/>
+        </p:nvPicPr>
+        <p:blipFill>
+          <a:blip r:embed="rId2"/>
+          <a:stretch>
+            <a:fillRect/>
+          </a:stretch>
+        </p:blipFill>
+        <p:spPr>
+          <a:xfrm>
+            <a:off x="0" y="794563"/>
+            <a:ext cx="4804756" cy="6052238"/>
+          </a:xfrm>
+          <a:prstGeom prst="rect">
+            <a:avLst/>
+          </a:prstGeom>
+        </p:spPr>
+      </p:pic>
+      <p:sp>
+        <p:nvSpPr>
+          <p:cNvPr id="18" name="TextBox 17">
+            <a:extLst>
+              <a:ext uri="{FF2B5EF4-FFF2-40B4-BE49-F238E27FC236}">
+                <a16:creationId xmlns:a16="http://schemas.microsoft.com/office/drawing/2014/main" id="{19D09CF4-F5EB-ED2B-1EA9-8B43C8D9BD20}"/>
+              </a:ext>
+            </a:extLst>
+          </p:cNvPr>
+          <p:cNvSpPr txBox="1"/>
+          <p:nvPr/>
+        </p:nvSpPr>
+        <p:spPr>
+          <a:xfrm>
+            <a:off x="0" y="924739"/>
+            <a:ext cx="393106" cy="369332"/>
+          </a:xfrm>
+          <a:prstGeom prst="rect">
+            <a:avLst/>
+          </a:prstGeom>
+          <a:noFill/>
+        </p:spPr>
+        <p:txBody>
+          <a:bodyPr wrap="square">
+            <a:spAutoFit/>
+          </a:bodyPr>
+          <a:lstStyle/>
+          <a:p>
+            <a:r>
+              <a:rPr lang="ko-KR" altLang="en-US" dirty="0"/>
+              <a:t>①</a:t>
+            </a:r>
+          </a:p>
+        </p:txBody>
+      </p:sp>
+      <p:sp>
+        <p:nvSpPr>
+          <p:cNvPr id="19" name="TextBox 18">
+            <a:extLst>
+              <a:ext uri="{FF2B5EF4-FFF2-40B4-BE49-F238E27FC236}">
+                <a16:creationId xmlns:a16="http://schemas.microsoft.com/office/drawing/2014/main" id="{15D6D6AB-872E-8F0C-9BC2-C2FF62F7AB38}"/>
+              </a:ext>
+            </a:extLst>
+          </p:cNvPr>
+          <p:cNvSpPr txBox="1"/>
+          <p:nvPr/>
+        </p:nvSpPr>
+        <p:spPr>
+          <a:xfrm>
+            <a:off x="147181" y="1294071"/>
+            <a:ext cx="393106" cy="369332"/>
+          </a:xfrm>
+          <a:prstGeom prst="rect">
+            <a:avLst/>
+          </a:prstGeom>
+          <a:noFill/>
+        </p:spPr>
+        <p:txBody>
+          <a:bodyPr wrap="square">
+            <a:spAutoFit/>
+          </a:bodyPr>
+          <a:lstStyle/>
+          <a:p>
+            <a:r>
+              <a:rPr lang="ko-KR" altLang="en-US" dirty="0"/>
+              <a:t>②</a:t>
+            </a:r>
+          </a:p>
+        </p:txBody>
+      </p:sp>
+      <p:sp>
+        <p:nvSpPr>
+          <p:cNvPr id="20" name="TextBox 19">
+            <a:extLst>
+              <a:ext uri="{FF2B5EF4-FFF2-40B4-BE49-F238E27FC236}">
+                <a16:creationId xmlns:a16="http://schemas.microsoft.com/office/drawing/2014/main" id="{D89014F0-576E-C280-3E43-24894B830070}"/>
+              </a:ext>
+            </a:extLst>
+          </p:cNvPr>
+          <p:cNvSpPr txBox="1"/>
+          <p:nvPr/>
+        </p:nvSpPr>
+        <p:spPr>
+          <a:xfrm>
+            <a:off x="-45099" y="3141292"/>
+            <a:ext cx="384560" cy="369332"/>
+          </a:xfrm>
+          <a:prstGeom prst="rect">
+            <a:avLst/>
+          </a:prstGeom>
+          <a:noFill/>
+        </p:spPr>
+        <p:txBody>
+          <a:bodyPr wrap="square">
+            <a:spAutoFit/>
+          </a:bodyPr>
+          <a:lstStyle/>
+          <a:p>
+            <a:r>
+              <a:rPr lang="ko-KR" altLang="en-US" dirty="0"/>
+              <a:t>③</a:t>
+            </a:r>
+          </a:p>
+        </p:txBody>
+      </p:sp>
+      <p:sp>
+        <p:nvSpPr>
+          <p:cNvPr id="22" name="TextBox 21">
+            <a:extLst>
+              <a:ext uri="{FF2B5EF4-FFF2-40B4-BE49-F238E27FC236}">
+                <a16:creationId xmlns:a16="http://schemas.microsoft.com/office/drawing/2014/main" id="{4227C30B-9646-1221-5EE9-D1B6E3BAD0AC}"/>
+              </a:ext>
+            </a:extLst>
+          </p:cNvPr>
+          <p:cNvSpPr txBox="1"/>
+          <p:nvPr/>
+        </p:nvSpPr>
+        <p:spPr>
+          <a:xfrm>
+            <a:off x="-57918" y="4179157"/>
+            <a:ext cx="410198" cy="369332"/>
+          </a:xfrm>
+          <a:prstGeom prst="rect">
+            <a:avLst/>
+          </a:prstGeom>
+          <a:noFill/>
+        </p:spPr>
+        <p:txBody>
+          <a:bodyPr wrap="square">
+            <a:spAutoFit/>
+          </a:bodyPr>
+          <a:lstStyle/>
+          <a:p>
+            <a:r>
+              <a:rPr lang="ko-KR" altLang="en-US" dirty="0"/>
+              <a:t>④</a:t>
+            </a:r>
+          </a:p>
+        </p:txBody>
+      </p:sp>
+    </p:spTree>
+    <p:extLst>
+      <p:ext uri="{BB962C8B-B14F-4D97-AF65-F5344CB8AC3E}">
+        <p14:creationId xmlns:p14="http://schemas.microsoft.com/office/powerpoint/2010/main" val="3668686131"/>
+      </p:ext>
+    </p:extLst>
+  </p:cSld>
+  <p:clrMapOvr>
+    <a:masterClrMapping/>
+  </p:clrMapOvr>
+</p:sld>
+</file>
+
+<file path=ppt/slides/slide11.xml><?xml version="1.0" encoding="utf-8"?>
+<p:sld xmlns:a="http://schemas.openxmlformats.org/drawingml/2006/main" xmlns:r="http://schemas.openxmlformats.org/officeDocument/2006/relationships" xmlns:p="http://schemas.openxmlformats.org/presentationml/2006/main">
+  <p:cSld>
     <p:bg>
       <p:bgPr>
         <a:solidFill>
@@ -5429,10 +6605,10 @@
       </p:sp>
       <p:sp>
         <p:nvSpPr>
-          <p:cNvPr id="22" name="TextBox 21">
-            <a:extLst>
-              <a:ext uri="{FF2B5EF4-FFF2-40B4-BE49-F238E27FC236}">
-                <a16:creationId xmlns:a16="http://schemas.microsoft.com/office/drawing/2014/main" id="{888DE458-DD8B-B28D-7AC7-36D915E62FDC}"/>
+          <p:cNvPr id="40" name="TextBox 39">
+            <a:extLst>
+              <a:ext uri="{FF2B5EF4-FFF2-40B4-BE49-F238E27FC236}">
+                <a16:creationId xmlns:a16="http://schemas.microsoft.com/office/drawing/2014/main" id="{8FD53737-AD96-7DAE-4D13-B6F46CD1C675}"/>
               </a:ext>
             </a:extLst>
           </p:cNvPr>
@@ -5441,7 +6617,7 @@
         </p:nvSpPr>
         <p:spPr>
           <a:xfrm>
-            <a:off x="4043730" y="-1275537"/>
+            <a:off x="6233709" y="538572"/>
             <a:ext cx="393106" cy="369332"/>
           </a:xfrm>
           <a:prstGeom prst="rect">
@@ -5464,10 +6640,10 @@
       </p:sp>
       <p:sp>
         <p:nvSpPr>
-          <p:cNvPr id="26" name="TextBox 25">
-            <a:extLst>
-              <a:ext uri="{FF2B5EF4-FFF2-40B4-BE49-F238E27FC236}">
-                <a16:creationId xmlns:a16="http://schemas.microsoft.com/office/drawing/2014/main" id="{36D70421-5605-F238-E603-E27B5D4C07D9}"/>
+          <p:cNvPr id="41" name="TextBox 40">
+            <a:extLst>
+              <a:ext uri="{FF2B5EF4-FFF2-40B4-BE49-F238E27FC236}">
+                <a16:creationId xmlns:a16="http://schemas.microsoft.com/office/drawing/2014/main" id="{77EE5E43-E4E6-9F25-9356-52504017DFF4}"/>
               </a:ext>
             </a:extLst>
           </p:cNvPr>
@@ -5476,7 +6652,7 @@
         </p:nvSpPr>
         <p:spPr>
           <a:xfrm>
-            <a:off x="4343617" y="-1275537"/>
+            <a:off x="5219994" y="530878"/>
             <a:ext cx="393106" cy="369332"/>
           </a:xfrm>
           <a:prstGeom prst="rect">
@@ -5499,10 +6675,10 @@
       </p:sp>
       <p:sp>
         <p:nvSpPr>
-          <p:cNvPr id="30" name="TextBox 29">
-            <a:extLst>
-              <a:ext uri="{FF2B5EF4-FFF2-40B4-BE49-F238E27FC236}">
-                <a16:creationId xmlns:a16="http://schemas.microsoft.com/office/drawing/2014/main" id="{C936C9A3-98DC-EBCE-BADE-3D37AAB3A94E}"/>
+          <p:cNvPr id="42" name="TextBox 41">
+            <a:extLst>
+              <a:ext uri="{FF2B5EF4-FFF2-40B4-BE49-F238E27FC236}">
+                <a16:creationId xmlns:a16="http://schemas.microsoft.com/office/drawing/2014/main" id="{FA7544B3-968D-C6F5-ADEB-8A29729B1C8A}"/>
               </a:ext>
             </a:extLst>
           </p:cNvPr>
@@ -5511,7 +6687,7 @@
         </p:nvSpPr>
         <p:spPr>
           <a:xfrm>
-            <a:off x="4652050" y="-1275537"/>
+            <a:off x="6297452" y="1207167"/>
             <a:ext cx="384560" cy="369332"/>
           </a:xfrm>
           <a:prstGeom prst="rect">
@@ -5534,10 +6710,10 @@
       </p:sp>
       <p:sp>
         <p:nvSpPr>
-          <p:cNvPr id="34" name="TextBox 33">
-            <a:extLst>
-              <a:ext uri="{FF2B5EF4-FFF2-40B4-BE49-F238E27FC236}">
-                <a16:creationId xmlns:a16="http://schemas.microsoft.com/office/drawing/2014/main" id="{004C2F69-F97F-D424-760D-D5036941594E}"/>
+          <p:cNvPr id="43" name="TextBox 42">
+            <a:extLst>
+              <a:ext uri="{FF2B5EF4-FFF2-40B4-BE49-F238E27FC236}">
+                <a16:creationId xmlns:a16="http://schemas.microsoft.com/office/drawing/2014/main" id="{372B56AF-CF9B-2788-5F67-5C33011C8892}"/>
               </a:ext>
             </a:extLst>
           </p:cNvPr>
@@ -5546,7 +6722,7 @@
         </p:nvSpPr>
         <p:spPr>
           <a:xfrm>
-            <a:off x="4951937" y="-1275537"/>
+            <a:off x="1404008" y="1213465"/>
             <a:ext cx="410198" cy="369332"/>
           </a:xfrm>
           <a:prstGeom prst="rect">
@@ -5569,10 +6745,10 @@
       </p:sp>
       <p:sp>
         <p:nvSpPr>
-          <p:cNvPr id="37" name="TextBox 36">
-            <a:extLst>
-              <a:ext uri="{FF2B5EF4-FFF2-40B4-BE49-F238E27FC236}">
-                <a16:creationId xmlns:a16="http://schemas.microsoft.com/office/drawing/2014/main" id="{1C0F21B8-7C9E-6315-6ABC-3CAA5081F769}"/>
+          <p:cNvPr id="45" name="TextBox 44">
+            <a:extLst>
+              <a:ext uri="{FF2B5EF4-FFF2-40B4-BE49-F238E27FC236}">
+                <a16:creationId xmlns:a16="http://schemas.microsoft.com/office/drawing/2014/main" id="{6F9103ED-E9E5-E707-40DB-14D5E7C5E983}"/>
               </a:ext>
             </a:extLst>
           </p:cNvPr>
@@ -5581,7 +6757,7 @@
         </p:nvSpPr>
         <p:spPr>
           <a:xfrm>
-            <a:off x="5251824" y="-1275537"/>
+            <a:off x="1489341" y="2337910"/>
             <a:ext cx="401652" cy="369332"/>
           </a:xfrm>
           <a:prstGeom prst="rect">
@@ -5604,10 +6780,10 @@
       </p:sp>
       <p:sp>
         <p:nvSpPr>
-          <p:cNvPr id="39" name="TextBox 38">
-            <a:extLst>
-              <a:ext uri="{FF2B5EF4-FFF2-40B4-BE49-F238E27FC236}">
-                <a16:creationId xmlns:a16="http://schemas.microsoft.com/office/drawing/2014/main" id="{9BF37754-86BB-CD1A-FA62-0E1399428813}"/>
+          <p:cNvPr id="49" name="TextBox 48">
+            <a:extLst>
+              <a:ext uri="{FF2B5EF4-FFF2-40B4-BE49-F238E27FC236}">
+                <a16:creationId xmlns:a16="http://schemas.microsoft.com/office/drawing/2014/main" id="{4E777382-5AC2-ED39-F95C-3506A775504B}"/>
               </a:ext>
             </a:extLst>
           </p:cNvPr>
@@ -5616,7 +6792,7 @@
         </p:nvSpPr>
         <p:spPr>
           <a:xfrm>
-            <a:off x="5577349" y="-1275537"/>
+            <a:off x="935991" y="643807"/>
             <a:ext cx="358923" cy="369332"/>
           </a:xfrm>
           <a:prstGeom prst="rect">
@@ -5633,251 +6809,6 @@
             <a:r>
               <a:rPr lang="ko-KR" altLang="en-US" dirty="0"/>
               <a:t>⑥</a:t>
-            </a:r>
-          </a:p>
-        </p:txBody>
-      </p:sp>
-      <p:sp>
-        <p:nvSpPr>
-          <p:cNvPr id="40" name="TextBox 39">
-            <a:extLst>
-              <a:ext uri="{FF2B5EF4-FFF2-40B4-BE49-F238E27FC236}">
-                <a16:creationId xmlns:a16="http://schemas.microsoft.com/office/drawing/2014/main" id="{8FD53737-AD96-7DAE-4D13-B6F46CD1C675}"/>
-              </a:ext>
-            </a:extLst>
-          </p:cNvPr>
-          <p:cNvSpPr txBox="1"/>
-          <p:nvPr/>
-        </p:nvSpPr>
-        <p:spPr>
-          <a:xfrm>
-            <a:off x="6233709" y="538572"/>
-            <a:ext cx="393106" cy="369332"/>
-          </a:xfrm>
-          <a:prstGeom prst="rect">
-            <a:avLst/>
-          </a:prstGeom>
-          <a:noFill/>
-        </p:spPr>
-        <p:txBody>
-          <a:bodyPr wrap="square">
-            <a:spAutoFit/>
-          </a:bodyPr>
-          <a:lstStyle/>
-          <a:p>
-            <a:r>
-              <a:rPr lang="ko-KR" altLang="en-US" dirty="0"/>
-              <a:t>①</a:t>
-            </a:r>
-          </a:p>
-        </p:txBody>
-      </p:sp>
-      <p:sp>
-        <p:nvSpPr>
-          <p:cNvPr id="41" name="TextBox 40">
-            <a:extLst>
-              <a:ext uri="{FF2B5EF4-FFF2-40B4-BE49-F238E27FC236}">
-                <a16:creationId xmlns:a16="http://schemas.microsoft.com/office/drawing/2014/main" id="{77EE5E43-E4E6-9F25-9356-52504017DFF4}"/>
-              </a:ext>
-            </a:extLst>
-          </p:cNvPr>
-          <p:cNvSpPr txBox="1"/>
-          <p:nvPr/>
-        </p:nvSpPr>
-        <p:spPr>
-          <a:xfrm>
-            <a:off x="5219994" y="530878"/>
-            <a:ext cx="393106" cy="369332"/>
-          </a:xfrm>
-          <a:prstGeom prst="rect">
-            <a:avLst/>
-          </a:prstGeom>
-          <a:noFill/>
-        </p:spPr>
-        <p:txBody>
-          <a:bodyPr wrap="square">
-            <a:spAutoFit/>
-          </a:bodyPr>
-          <a:lstStyle/>
-          <a:p>
-            <a:r>
-              <a:rPr lang="ko-KR" altLang="en-US" dirty="0"/>
-              <a:t>②</a:t>
-            </a:r>
-          </a:p>
-        </p:txBody>
-      </p:sp>
-      <p:sp>
-        <p:nvSpPr>
-          <p:cNvPr id="42" name="TextBox 41">
-            <a:extLst>
-              <a:ext uri="{FF2B5EF4-FFF2-40B4-BE49-F238E27FC236}">
-                <a16:creationId xmlns:a16="http://schemas.microsoft.com/office/drawing/2014/main" id="{FA7544B3-968D-C6F5-ADEB-8A29729B1C8A}"/>
-              </a:ext>
-            </a:extLst>
-          </p:cNvPr>
-          <p:cNvSpPr txBox="1"/>
-          <p:nvPr/>
-        </p:nvSpPr>
-        <p:spPr>
-          <a:xfrm>
-            <a:off x="6297452" y="1207167"/>
-            <a:ext cx="384560" cy="369332"/>
-          </a:xfrm>
-          <a:prstGeom prst="rect">
-            <a:avLst/>
-          </a:prstGeom>
-          <a:noFill/>
-        </p:spPr>
-        <p:txBody>
-          <a:bodyPr wrap="square">
-            <a:spAutoFit/>
-          </a:bodyPr>
-          <a:lstStyle/>
-          <a:p>
-            <a:r>
-              <a:rPr lang="ko-KR" altLang="en-US" dirty="0"/>
-              <a:t>③</a:t>
-            </a:r>
-          </a:p>
-        </p:txBody>
-      </p:sp>
-      <p:sp>
-        <p:nvSpPr>
-          <p:cNvPr id="43" name="TextBox 42">
-            <a:extLst>
-              <a:ext uri="{FF2B5EF4-FFF2-40B4-BE49-F238E27FC236}">
-                <a16:creationId xmlns:a16="http://schemas.microsoft.com/office/drawing/2014/main" id="{372B56AF-CF9B-2788-5F67-5C33011C8892}"/>
-              </a:ext>
-            </a:extLst>
-          </p:cNvPr>
-          <p:cNvSpPr txBox="1"/>
-          <p:nvPr/>
-        </p:nvSpPr>
-        <p:spPr>
-          <a:xfrm>
-            <a:off x="1404008" y="1213465"/>
-            <a:ext cx="410198" cy="369332"/>
-          </a:xfrm>
-          <a:prstGeom prst="rect">
-            <a:avLst/>
-          </a:prstGeom>
-          <a:noFill/>
-        </p:spPr>
-        <p:txBody>
-          <a:bodyPr wrap="square">
-            <a:spAutoFit/>
-          </a:bodyPr>
-          <a:lstStyle/>
-          <a:p>
-            <a:r>
-              <a:rPr lang="ko-KR" altLang="en-US" dirty="0"/>
-              <a:t>④</a:t>
-            </a:r>
-          </a:p>
-        </p:txBody>
-      </p:sp>
-      <p:sp>
-        <p:nvSpPr>
-          <p:cNvPr id="45" name="TextBox 44">
-            <a:extLst>
-              <a:ext uri="{FF2B5EF4-FFF2-40B4-BE49-F238E27FC236}">
-                <a16:creationId xmlns:a16="http://schemas.microsoft.com/office/drawing/2014/main" id="{6F9103ED-E9E5-E707-40DB-14D5E7C5E983}"/>
-              </a:ext>
-            </a:extLst>
-          </p:cNvPr>
-          <p:cNvSpPr txBox="1"/>
-          <p:nvPr/>
-        </p:nvSpPr>
-        <p:spPr>
-          <a:xfrm>
-            <a:off x="1489341" y="2337910"/>
-            <a:ext cx="401652" cy="369332"/>
-          </a:xfrm>
-          <a:prstGeom prst="rect">
-            <a:avLst/>
-          </a:prstGeom>
-          <a:noFill/>
-        </p:spPr>
-        <p:txBody>
-          <a:bodyPr wrap="square">
-            <a:spAutoFit/>
-          </a:bodyPr>
-          <a:lstStyle/>
-          <a:p>
-            <a:r>
-              <a:rPr lang="ko-KR" altLang="en-US" dirty="0"/>
-              <a:t>⑤</a:t>
-            </a:r>
-          </a:p>
-        </p:txBody>
-      </p:sp>
-      <p:sp>
-        <p:nvSpPr>
-          <p:cNvPr id="49" name="TextBox 48">
-            <a:extLst>
-              <a:ext uri="{FF2B5EF4-FFF2-40B4-BE49-F238E27FC236}">
-                <a16:creationId xmlns:a16="http://schemas.microsoft.com/office/drawing/2014/main" id="{4E777382-5AC2-ED39-F95C-3506A775504B}"/>
-              </a:ext>
-            </a:extLst>
-          </p:cNvPr>
-          <p:cNvSpPr txBox="1"/>
-          <p:nvPr/>
-        </p:nvSpPr>
-        <p:spPr>
-          <a:xfrm>
-            <a:off x="935991" y="643807"/>
-            <a:ext cx="358923" cy="369332"/>
-          </a:xfrm>
-          <a:prstGeom prst="rect">
-            <a:avLst/>
-          </a:prstGeom>
-          <a:noFill/>
-        </p:spPr>
-        <p:txBody>
-          <a:bodyPr wrap="square">
-            <a:spAutoFit/>
-          </a:bodyPr>
-          <a:lstStyle/>
-          <a:p>
-            <a:r>
-              <a:rPr lang="ko-KR" altLang="en-US" dirty="0"/>
-              <a:t>⑥</a:t>
-            </a:r>
-          </a:p>
-        </p:txBody>
-      </p:sp>
-      <p:sp>
-        <p:nvSpPr>
-          <p:cNvPr id="51" name="TextBox 50">
-            <a:extLst>
-              <a:ext uri="{FF2B5EF4-FFF2-40B4-BE49-F238E27FC236}">
-                <a16:creationId xmlns:a16="http://schemas.microsoft.com/office/drawing/2014/main" id="{EE8FCF0A-3D8A-2530-E4C3-FE78D1865EA6}"/>
-              </a:ext>
-            </a:extLst>
-          </p:cNvPr>
-          <p:cNvSpPr txBox="1"/>
-          <p:nvPr/>
-        </p:nvSpPr>
-        <p:spPr>
-          <a:xfrm>
-            <a:off x="5870376" y="-1273095"/>
-            <a:ext cx="401652" cy="369332"/>
-          </a:xfrm>
-          <a:prstGeom prst="rect">
-            <a:avLst/>
-          </a:prstGeom>
-          <a:noFill/>
-        </p:spPr>
-        <p:txBody>
-          <a:bodyPr wrap="square">
-            <a:spAutoFit/>
-          </a:bodyPr>
-          <a:lstStyle/>
-          <a:p>
-            <a:r>
-              <a:rPr lang="ko-KR" altLang="en-US" dirty="0"/>
-              <a:t>⑦</a:t>
             </a:r>
           </a:p>
         </p:txBody>
@@ -6723,356 +7654,6 @@
           </a:p>
         </p:txBody>
       </p:sp>
-      <p:sp>
-        <p:nvSpPr>
-          <p:cNvPr id="22" name="TextBox 21">
-            <a:extLst>
-              <a:ext uri="{FF2B5EF4-FFF2-40B4-BE49-F238E27FC236}">
-                <a16:creationId xmlns:a16="http://schemas.microsoft.com/office/drawing/2014/main" id="{888DE458-DD8B-B28D-7AC7-36D915E62FDC}"/>
-              </a:ext>
-            </a:extLst>
-          </p:cNvPr>
-          <p:cNvSpPr txBox="1"/>
-          <p:nvPr/>
-        </p:nvSpPr>
-        <p:spPr>
-          <a:xfrm>
-            <a:off x="4043730" y="-1275537"/>
-            <a:ext cx="393106" cy="369332"/>
-          </a:xfrm>
-          <a:prstGeom prst="rect">
-            <a:avLst/>
-          </a:prstGeom>
-          <a:noFill/>
-        </p:spPr>
-        <p:txBody>
-          <a:bodyPr wrap="square">
-            <a:spAutoFit/>
-          </a:bodyPr>
-          <a:lstStyle/>
-          <a:p>
-            <a:r>
-              <a:rPr lang="ko-KR" altLang="en-US" dirty="0"/>
-              <a:t>①</a:t>
-            </a:r>
-          </a:p>
-        </p:txBody>
-      </p:sp>
-      <p:sp>
-        <p:nvSpPr>
-          <p:cNvPr id="26" name="TextBox 25">
-            <a:extLst>
-              <a:ext uri="{FF2B5EF4-FFF2-40B4-BE49-F238E27FC236}">
-                <a16:creationId xmlns:a16="http://schemas.microsoft.com/office/drawing/2014/main" id="{36D70421-5605-F238-E603-E27B5D4C07D9}"/>
-              </a:ext>
-            </a:extLst>
-          </p:cNvPr>
-          <p:cNvSpPr txBox="1"/>
-          <p:nvPr/>
-        </p:nvSpPr>
-        <p:spPr>
-          <a:xfrm>
-            <a:off x="4343617" y="-1275537"/>
-            <a:ext cx="393106" cy="369332"/>
-          </a:xfrm>
-          <a:prstGeom prst="rect">
-            <a:avLst/>
-          </a:prstGeom>
-          <a:noFill/>
-        </p:spPr>
-        <p:txBody>
-          <a:bodyPr wrap="square">
-            <a:spAutoFit/>
-          </a:bodyPr>
-          <a:lstStyle/>
-          <a:p>
-            <a:r>
-              <a:rPr lang="ko-KR" altLang="en-US" dirty="0"/>
-              <a:t>②</a:t>
-            </a:r>
-          </a:p>
-        </p:txBody>
-      </p:sp>
-      <p:sp>
-        <p:nvSpPr>
-          <p:cNvPr id="30" name="TextBox 29">
-            <a:extLst>
-              <a:ext uri="{FF2B5EF4-FFF2-40B4-BE49-F238E27FC236}">
-                <a16:creationId xmlns:a16="http://schemas.microsoft.com/office/drawing/2014/main" id="{C936C9A3-98DC-EBCE-BADE-3D37AAB3A94E}"/>
-              </a:ext>
-            </a:extLst>
-          </p:cNvPr>
-          <p:cNvSpPr txBox="1"/>
-          <p:nvPr/>
-        </p:nvSpPr>
-        <p:spPr>
-          <a:xfrm>
-            <a:off x="4652050" y="-1275537"/>
-            <a:ext cx="384560" cy="369332"/>
-          </a:xfrm>
-          <a:prstGeom prst="rect">
-            <a:avLst/>
-          </a:prstGeom>
-          <a:noFill/>
-        </p:spPr>
-        <p:txBody>
-          <a:bodyPr wrap="square">
-            <a:spAutoFit/>
-          </a:bodyPr>
-          <a:lstStyle/>
-          <a:p>
-            <a:r>
-              <a:rPr lang="ko-KR" altLang="en-US" dirty="0"/>
-              <a:t>③</a:t>
-            </a:r>
-          </a:p>
-        </p:txBody>
-      </p:sp>
-      <p:sp>
-        <p:nvSpPr>
-          <p:cNvPr id="34" name="TextBox 33">
-            <a:extLst>
-              <a:ext uri="{FF2B5EF4-FFF2-40B4-BE49-F238E27FC236}">
-                <a16:creationId xmlns:a16="http://schemas.microsoft.com/office/drawing/2014/main" id="{004C2F69-F97F-D424-760D-D5036941594E}"/>
-              </a:ext>
-            </a:extLst>
-          </p:cNvPr>
-          <p:cNvSpPr txBox="1"/>
-          <p:nvPr/>
-        </p:nvSpPr>
-        <p:spPr>
-          <a:xfrm>
-            <a:off x="4951937" y="-1275537"/>
-            <a:ext cx="410198" cy="369332"/>
-          </a:xfrm>
-          <a:prstGeom prst="rect">
-            <a:avLst/>
-          </a:prstGeom>
-          <a:noFill/>
-        </p:spPr>
-        <p:txBody>
-          <a:bodyPr wrap="square">
-            <a:spAutoFit/>
-          </a:bodyPr>
-          <a:lstStyle/>
-          <a:p>
-            <a:r>
-              <a:rPr lang="ko-KR" altLang="en-US" dirty="0"/>
-              <a:t>④</a:t>
-            </a:r>
-          </a:p>
-        </p:txBody>
-      </p:sp>
-      <p:sp>
-        <p:nvSpPr>
-          <p:cNvPr id="37" name="TextBox 36">
-            <a:extLst>
-              <a:ext uri="{FF2B5EF4-FFF2-40B4-BE49-F238E27FC236}">
-                <a16:creationId xmlns:a16="http://schemas.microsoft.com/office/drawing/2014/main" id="{1C0F21B8-7C9E-6315-6ABC-3CAA5081F769}"/>
-              </a:ext>
-            </a:extLst>
-          </p:cNvPr>
-          <p:cNvSpPr txBox="1"/>
-          <p:nvPr/>
-        </p:nvSpPr>
-        <p:spPr>
-          <a:xfrm>
-            <a:off x="5251824" y="-1275537"/>
-            <a:ext cx="401652" cy="369332"/>
-          </a:xfrm>
-          <a:prstGeom prst="rect">
-            <a:avLst/>
-          </a:prstGeom>
-          <a:noFill/>
-        </p:spPr>
-        <p:txBody>
-          <a:bodyPr wrap="square">
-            <a:spAutoFit/>
-          </a:bodyPr>
-          <a:lstStyle/>
-          <a:p>
-            <a:r>
-              <a:rPr lang="ko-KR" altLang="en-US" dirty="0"/>
-              <a:t>⑤</a:t>
-            </a:r>
-          </a:p>
-        </p:txBody>
-      </p:sp>
-      <p:sp>
-        <p:nvSpPr>
-          <p:cNvPr id="39" name="TextBox 38">
-            <a:extLst>
-              <a:ext uri="{FF2B5EF4-FFF2-40B4-BE49-F238E27FC236}">
-                <a16:creationId xmlns:a16="http://schemas.microsoft.com/office/drawing/2014/main" id="{9BF37754-86BB-CD1A-FA62-0E1399428813}"/>
-              </a:ext>
-            </a:extLst>
-          </p:cNvPr>
-          <p:cNvSpPr txBox="1"/>
-          <p:nvPr/>
-        </p:nvSpPr>
-        <p:spPr>
-          <a:xfrm>
-            <a:off x="5577349" y="-1275537"/>
-            <a:ext cx="358923" cy="369332"/>
-          </a:xfrm>
-          <a:prstGeom prst="rect">
-            <a:avLst/>
-          </a:prstGeom>
-          <a:noFill/>
-        </p:spPr>
-        <p:txBody>
-          <a:bodyPr wrap="square">
-            <a:spAutoFit/>
-          </a:bodyPr>
-          <a:lstStyle/>
-          <a:p>
-            <a:r>
-              <a:rPr lang="ko-KR" altLang="en-US" dirty="0"/>
-              <a:t>⑥</a:t>
-            </a:r>
-          </a:p>
-        </p:txBody>
-      </p:sp>
-      <p:sp>
-        <p:nvSpPr>
-          <p:cNvPr id="51" name="TextBox 50">
-            <a:extLst>
-              <a:ext uri="{FF2B5EF4-FFF2-40B4-BE49-F238E27FC236}">
-                <a16:creationId xmlns:a16="http://schemas.microsoft.com/office/drawing/2014/main" id="{EE8FCF0A-3D8A-2530-E4C3-FE78D1865EA6}"/>
-              </a:ext>
-            </a:extLst>
-          </p:cNvPr>
-          <p:cNvSpPr txBox="1"/>
-          <p:nvPr/>
-        </p:nvSpPr>
-        <p:spPr>
-          <a:xfrm>
-            <a:off x="5870376" y="-1273095"/>
-            <a:ext cx="401652" cy="369332"/>
-          </a:xfrm>
-          <a:prstGeom prst="rect">
-            <a:avLst/>
-          </a:prstGeom>
-          <a:noFill/>
-        </p:spPr>
-        <p:txBody>
-          <a:bodyPr wrap="square">
-            <a:spAutoFit/>
-          </a:bodyPr>
-          <a:lstStyle/>
-          <a:p>
-            <a:r>
-              <a:rPr lang="ko-KR" altLang="en-US" dirty="0"/>
-              <a:t>⑦</a:t>
-            </a:r>
-          </a:p>
-        </p:txBody>
-      </p:sp>
-      <p:sp>
-        <p:nvSpPr>
-          <p:cNvPr id="23" name="TextBox 22">
-            <a:extLst>
-              <a:ext uri="{FF2B5EF4-FFF2-40B4-BE49-F238E27FC236}">
-                <a16:creationId xmlns:a16="http://schemas.microsoft.com/office/drawing/2014/main" id="{99FEB268-B466-18E4-DAE6-298D3E8DE059}"/>
-              </a:ext>
-            </a:extLst>
-          </p:cNvPr>
-          <p:cNvSpPr txBox="1"/>
-          <p:nvPr/>
-        </p:nvSpPr>
-        <p:spPr>
-          <a:xfrm>
-            <a:off x="6153966" y="-1277589"/>
-            <a:ext cx="384560" cy="369332"/>
-          </a:xfrm>
-          <a:prstGeom prst="rect">
-            <a:avLst/>
-          </a:prstGeom>
-          <a:noFill/>
-        </p:spPr>
-        <p:txBody>
-          <a:bodyPr wrap="square">
-            <a:spAutoFit/>
-          </a:bodyPr>
-          <a:lstStyle/>
-          <a:p>
-            <a:r>
-              <a:rPr lang="ko-KR" altLang="en-US" dirty="0"/>
-              <a:t>⑧</a:t>
-            </a:r>
-          </a:p>
-        </p:txBody>
-      </p:sp>
-      <p:sp>
-        <p:nvSpPr>
-          <p:cNvPr id="27" name="TextBox 26">
-            <a:extLst>
-              <a:ext uri="{FF2B5EF4-FFF2-40B4-BE49-F238E27FC236}">
-                <a16:creationId xmlns:a16="http://schemas.microsoft.com/office/drawing/2014/main" id="{5020F944-D0C2-BC74-DB1A-1E835EDD169E}"/>
-              </a:ext>
-            </a:extLst>
-          </p:cNvPr>
-          <p:cNvSpPr txBox="1"/>
-          <p:nvPr/>
-        </p:nvSpPr>
-        <p:spPr>
-          <a:xfrm>
-            <a:off x="6451087" y="-1277589"/>
-            <a:ext cx="394102" cy="369332"/>
-          </a:xfrm>
-          <a:prstGeom prst="rect">
-            <a:avLst/>
-          </a:prstGeom>
-          <a:noFill/>
-        </p:spPr>
-        <p:txBody>
-          <a:bodyPr wrap="square">
-            <a:spAutoFit/>
-          </a:bodyPr>
-          <a:lstStyle/>
-          <a:p>
-            <a:r>
-              <a:rPr lang="ko-KR" altLang="en-US" dirty="0"/>
-              <a:t>⑨</a:t>
-            </a:r>
-          </a:p>
-        </p:txBody>
-      </p:sp>
-      <p:sp>
-        <p:nvSpPr>
-          <p:cNvPr id="10" name="TextBox 9">
-            <a:extLst>
-              <a:ext uri="{FF2B5EF4-FFF2-40B4-BE49-F238E27FC236}">
-                <a16:creationId xmlns:a16="http://schemas.microsoft.com/office/drawing/2014/main" id="{0EA2E39A-0DA8-AD12-FB69-4DAEA4CC5F93}"/>
-              </a:ext>
-            </a:extLst>
-          </p:cNvPr>
-          <p:cNvSpPr txBox="1"/>
-          <p:nvPr/>
-        </p:nvSpPr>
-        <p:spPr>
-          <a:xfrm>
-            <a:off x="6761290" y="-1273095"/>
-            <a:ext cx="394102" cy="369332"/>
-          </a:xfrm>
-          <a:prstGeom prst="rect">
-            <a:avLst/>
-          </a:prstGeom>
-          <a:noFill/>
-        </p:spPr>
-        <p:txBody>
-          <a:bodyPr wrap="square">
-            <a:spAutoFit/>
-          </a:bodyPr>
-          <a:lstStyle/>
-          <a:p>
-            <a:r>
-              <a:rPr lang="ko-KR" altLang="en-US" dirty="0"/>
-              <a:t>⑩</a:t>
-            </a:r>
-          </a:p>
-        </p:txBody>
-      </p:sp>
       <p:pic>
         <p:nvPicPr>
           <p:cNvPr id="17" name="그림 16">
@@ -8328,251 +8909,6 @@
           </a:p>
         </p:txBody>
       </p:sp>
-      <p:sp>
-        <p:nvSpPr>
-          <p:cNvPr id="22" name="TextBox 21">
-            <a:extLst>
-              <a:ext uri="{FF2B5EF4-FFF2-40B4-BE49-F238E27FC236}">
-                <a16:creationId xmlns:a16="http://schemas.microsoft.com/office/drawing/2014/main" id="{888DE458-DD8B-B28D-7AC7-36D915E62FDC}"/>
-              </a:ext>
-            </a:extLst>
-          </p:cNvPr>
-          <p:cNvSpPr txBox="1"/>
-          <p:nvPr/>
-        </p:nvSpPr>
-        <p:spPr>
-          <a:xfrm>
-            <a:off x="4043730" y="-1275537"/>
-            <a:ext cx="393106" cy="369332"/>
-          </a:xfrm>
-          <a:prstGeom prst="rect">
-            <a:avLst/>
-          </a:prstGeom>
-          <a:noFill/>
-        </p:spPr>
-        <p:txBody>
-          <a:bodyPr wrap="square">
-            <a:spAutoFit/>
-          </a:bodyPr>
-          <a:lstStyle/>
-          <a:p>
-            <a:r>
-              <a:rPr lang="ko-KR" altLang="en-US" dirty="0"/>
-              <a:t>①</a:t>
-            </a:r>
-          </a:p>
-        </p:txBody>
-      </p:sp>
-      <p:sp>
-        <p:nvSpPr>
-          <p:cNvPr id="26" name="TextBox 25">
-            <a:extLst>
-              <a:ext uri="{FF2B5EF4-FFF2-40B4-BE49-F238E27FC236}">
-                <a16:creationId xmlns:a16="http://schemas.microsoft.com/office/drawing/2014/main" id="{36D70421-5605-F238-E603-E27B5D4C07D9}"/>
-              </a:ext>
-            </a:extLst>
-          </p:cNvPr>
-          <p:cNvSpPr txBox="1"/>
-          <p:nvPr/>
-        </p:nvSpPr>
-        <p:spPr>
-          <a:xfrm>
-            <a:off x="4343617" y="-1275537"/>
-            <a:ext cx="393106" cy="369332"/>
-          </a:xfrm>
-          <a:prstGeom prst="rect">
-            <a:avLst/>
-          </a:prstGeom>
-          <a:noFill/>
-        </p:spPr>
-        <p:txBody>
-          <a:bodyPr wrap="square">
-            <a:spAutoFit/>
-          </a:bodyPr>
-          <a:lstStyle/>
-          <a:p>
-            <a:r>
-              <a:rPr lang="ko-KR" altLang="en-US" dirty="0"/>
-              <a:t>②</a:t>
-            </a:r>
-          </a:p>
-        </p:txBody>
-      </p:sp>
-      <p:sp>
-        <p:nvSpPr>
-          <p:cNvPr id="30" name="TextBox 29">
-            <a:extLst>
-              <a:ext uri="{FF2B5EF4-FFF2-40B4-BE49-F238E27FC236}">
-                <a16:creationId xmlns:a16="http://schemas.microsoft.com/office/drawing/2014/main" id="{C936C9A3-98DC-EBCE-BADE-3D37AAB3A94E}"/>
-              </a:ext>
-            </a:extLst>
-          </p:cNvPr>
-          <p:cNvSpPr txBox="1"/>
-          <p:nvPr/>
-        </p:nvSpPr>
-        <p:spPr>
-          <a:xfrm>
-            <a:off x="4652050" y="-1275537"/>
-            <a:ext cx="384560" cy="369332"/>
-          </a:xfrm>
-          <a:prstGeom prst="rect">
-            <a:avLst/>
-          </a:prstGeom>
-          <a:noFill/>
-        </p:spPr>
-        <p:txBody>
-          <a:bodyPr wrap="square">
-            <a:spAutoFit/>
-          </a:bodyPr>
-          <a:lstStyle/>
-          <a:p>
-            <a:r>
-              <a:rPr lang="ko-KR" altLang="en-US" dirty="0"/>
-              <a:t>③</a:t>
-            </a:r>
-          </a:p>
-        </p:txBody>
-      </p:sp>
-      <p:sp>
-        <p:nvSpPr>
-          <p:cNvPr id="34" name="TextBox 33">
-            <a:extLst>
-              <a:ext uri="{FF2B5EF4-FFF2-40B4-BE49-F238E27FC236}">
-                <a16:creationId xmlns:a16="http://schemas.microsoft.com/office/drawing/2014/main" id="{004C2F69-F97F-D424-760D-D5036941594E}"/>
-              </a:ext>
-            </a:extLst>
-          </p:cNvPr>
-          <p:cNvSpPr txBox="1"/>
-          <p:nvPr/>
-        </p:nvSpPr>
-        <p:spPr>
-          <a:xfrm>
-            <a:off x="4951937" y="-1275537"/>
-            <a:ext cx="410198" cy="369332"/>
-          </a:xfrm>
-          <a:prstGeom prst="rect">
-            <a:avLst/>
-          </a:prstGeom>
-          <a:noFill/>
-        </p:spPr>
-        <p:txBody>
-          <a:bodyPr wrap="square">
-            <a:spAutoFit/>
-          </a:bodyPr>
-          <a:lstStyle/>
-          <a:p>
-            <a:r>
-              <a:rPr lang="ko-KR" altLang="en-US" dirty="0"/>
-              <a:t>④</a:t>
-            </a:r>
-          </a:p>
-        </p:txBody>
-      </p:sp>
-      <p:sp>
-        <p:nvSpPr>
-          <p:cNvPr id="37" name="TextBox 36">
-            <a:extLst>
-              <a:ext uri="{FF2B5EF4-FFF2-40B4-BE49-F238E27FC236}">
-                <a16:creationId xmlns:a16="http://schemas.microsoft.com/office/drawing/2014/main" id="{1C0F21B8-7C9E-6315-6ABC-3CAA5081F769}"/>
-              </a:ext>
-            </a:extLst>
-          </p:cNvPr>
-          <p:cNvSpPr txBox="1"/>
-          <p:nvPr/>
-        </p:nvSpPr>
-        <p:spPr>
-          <a:xfrm>
-            <a:off x="5251824" y="-1275537"/>
-            <a:ext cx="401652" cy="369332"/>
-          </a:xfrm>
-          <a:prstGeom prst="rect">
-            <a:avLst/>
-          </a:prstGeom>
-          <a:noFill/>
-        </p:spPr>
-        <p:txBody>
-          <a:bodyPr wrap="square">
-            <a:spAutoFit/>
-          </a:bodyPr>
-          <a:lstStyle/>
-          <a:p>
-            <a:r>
-              <a:rPr lang="ko-KR" altLang="en-US" dirty="0"/>
-              <a:t>⑤</a:t>
-            </a:r>
-          </a:p>
-        </p:txBody>
-      </p:sp>
-      <p:sp>
-        <p:nvSpPr>
-          <p:cNvPr id="39" name="TextBox 38">
-            <a:extLst>
-              <a:ext uri="{FF2B5EF4-FFF2-40B4-BE49-F238E27FC236}">
-                <a16:creationId xmlns:a16="http://schemas.microsoft.com/office/drawing/2014/main" id="{9BF37754-86BB-CD1A-FA62-0E1399428813}"/>
-              </a:ext>
-            </a:extLst>
-          </p:cNvPr>
-          <p:cNvSpPr txBox="1"/>
-          <p:nvPr/>
-        </p:nvSpPr>
-        <p:spPr>
-          <a:xfrm>
-            <a:off x="5577349" y="-1275537"/>
-            <a:ext cx="358923" cy="369332"/>
-          </a:xfrm>
-          <a:prstGeom prst="rect">
-            <a:avLst/>
-          </a:prstGeom>
-          <a:noFill/>
-        </p:spPr>
-        <p:txBody>
-          <a:bodyPr wrap="square">
-            <a:spAutoFit/>
-          </a:bodyPr>
-          <a:lstStyle/>
-          <a:p>
-            <a:r>
-              <a:rPr lang="ko-KR" altLang="en-US" dirty="0"/>
-              <a:t>⑥</a:t>
-            </a:r>
-          </a:p>
-        </p:txBody>
-      </p:sp>
-      <p:sp>
-        <p:nvSpPr>
-          <p:cNvPr id="51" name="TextBox 50">
-            <a:extLst>
-              <a:ext uri="{FF2B5EF4-FFF2-40B4-BE49-F238E27FC236}">
-                <a16:creationId xmlns:a16="http://schemas.microsoft.com/office/drawing/2014/main" id="{EE8FCF0A-3D8A-2530-E4C3-FE78D1865EA6}"/>
-              </a:ext>
-            </a:extLst>
-          </p:cNvPr>
-          <p:cNvSpPr txBox="1"/>
-          <p:nvPr/>
-        </p:nvSpPr>
-        <p:spPr>
-          <a:xfrm>
-            <a:off x="5870376" y="-1273095"/>
-            <a:ext cx="401652" cy="369332"/>
-          </a:xfrm>
-          <a:prstGeom prst="rect">
-            <a:avLst/>
-          </a:prstGeom>
-          <a:noFill/>
-        </p:spPr>
-        <p:txBody>
-          <a:bodyPr wrap="square">
-            <a:spAutoFit/>
-          </a:bodyPr>
-          <a:lstStyle/>
-          <a:p>
-            <a:r>
-              <a:rPr lang="ko-KR" altLang="en-US" dirty="0"/>
-              <a:t>⑦</a:t>
-            </a:r>
-          </a:p>
-        </p:txBody>
-      </p:sp>
       <p:pic>
         <p:nvPicPr>
           <p:cNvPr id="7" name="그림 6">
@@ -8850,10 +9186,10 @@
       </p:sp>
       <p:sp>
         <p:nvSpPr>
-          <p:cNvPr id="23" name="TextBox 22">
-            <a:extLst>
-              <a:ext uri="{FF2B5EF4-FFF2-40B4-BE49-F238E27FC236}">
-                <a16:creationId xmlns:a16="http://schemas.microsoft.com/office/drawing/2014/main" id="{99FEB268-B466-18E4-DAE6-298D3E8DE059}"/>
+          <p:cNvPr id="24" name="TextBox 23">
+            <a:extLst>
+              <a:ext uri="{FF2B5EF4-FFF2-40B4-BE49-F238E27FC236}">
+                <a16:creationId xmlns:a16="http://schemas.microsoft.com/office/drawing/2014/main" id="{6CECBA01-E724-DC91-36E7-94711BAE8EF4}"/>
               </a:ext>
             </a:extLst>
           </p:cNvPr>
@@ -8862,7 +9198,7 @@
         </p:nvSpPr>
         <p:spPr>
           <a:xfrm>
-            <a:off x="6153966" y="-1277589"/>
+            <a:off x="677070" y="3269515"/>
             <a:ext cx="384560" cy="369332"/>
           </a:xfrm>
           <a:prstGeom prst="rect">
@@ -8879,76 +9215,6 @@
             <a:r>
               <a:rPr lang="ko-KR" altLang="en-US" dirty="0"/>
               <a:t>⑧</a:t>
-            </a:r>
-          </a:p>
-        </p:txBody>
-      </p:sp>
-      <p:sp>
-        <p:nvSpPr>
-          <p:cNvPr id="24" name="TextBox 23">
-            <a:extLst>
-              <a:ext uri="{FF2B5EF4-FFF2-40B4-BE49-F238E27FC236}">
-                <a16:creationId xmlns:a16="http://schemas.microsoft.com/office/drawing/2014/main" id="{6CECBA01-E724-DC91-36E7-94711BAE8EF4}"/>
-              </a:ext>
-            </a:extLst>
-          </p:cNvPr>
-          <p:cNvSpPr txBox="1"/>
-          <p:nvPr/>
-        </p:nvSpPr>
-        <p:spPr>
-          <a:xfrm>
-            <a:off x="677070" y="3269515"/>
-            <a:ext cx="384560" cy="369332"/>
-          </a:xfrm>
-          <a:prstGeom prst="rect">
-            <a:avLst/>
-          </a:prstGeom>
-          <a:noFill/>
-        </p:spPr>
-        <p:txBody>
-          <a:bodyPr wrap="square">
-            <a:spAutoFit/>
-          </a:bodyPr>
-          <a:lstStyle/>
-          <a:p>
-            <a:r>
-              <a:rPr lang="ko-KR" altLang="en-US" dirty="0"/>
-              <a:t>⑧</a:t>
-            </a:r>
-          </a:p>
-        </p:txBody>
-      </p:sp>
-      <p:sp>
-        <p:nvSpPr>
-          <p:cNvPr id="27" name="TextBox 26">
-            <a:extLst>
-              <a:ext uri="{FF2B5EF4-FFF2-40B4-BE49-F238E27FC236}">
-                <a16:creationId xmlns:a16="http://schemas.microsoft.com/office/drawing/2014/main" id="{5020F944-D0C2-BC74-DB1A-1E835EDD169E}"/>
-              </a:ext>
-            </a:extLst>
-          </p:cNvPr>
-          <p:cNvSpPr txBox="1"/>
-          <p:nvPr/>
-        </p:nvSpPr>
-        <p:spPr>
-          <a:xfrm>
-            <a:off x="6451087" y="-1277589"/>
-            <a:ext cx="394102" cy="369332"/>
-          </a:xfrm>
-          <a:prstGeom prst="rect">
-            <a:avLst/>
-          </a:prstGeom>
-          <a:noFill/>
-        </p:spPr>
-        <p:txBody>
-          <a:bodyPr wrap="square">
-            <a:spAutoFit/>
-          </a:bodyPr>
-          <a:lstStyle/>
-          <a:p>
-            <a:r>
-              <a:rPr lang="ko-KR" altLang="en-US" dirty="0"/>
-              <a:t>⑨</a:t>
             </a:r>
           </a:p>
         </p:txBody>
@@ -10091,356 +10357,6 @@
           </a:p>
         </p:txBody>
       </p:sp>
-      <p:sp>
-        <p:nvSpPr>
-          <p:cNvPr id="17" name="TextBox 16">
-            <a:extLst>
-              <a:ext uri="{FF2B5EF4-FFF2-40B4-BE49-F238E27FC236}">
-                <a16:creationId xmlns:a16="http://schemas.microsoft.com/office/drawing/2014/main" id="{AB8045D0-9C7B-5533-C095-87FC1ACABFF9}"/>
-              </a:ext>
-            </a:extLst>
-          </p:cNvPr>
-          <p:cNvSpPr txBox="1"/>
-          <p:nvPr/>
-        </p:nvSpPr>
-        <p:spPr>
-          <a:xfrm>
-            <a:off x="4043730" y="-1275537"/>
-            <a:ext cx="393106" cy="369332"/>
-          </a:xfrm>
-          <a:prstGeom prst="rect">
-            <a:avLst/>
-          </a:prstGeom>
-          <a:noFill/>
-        </p:spPr>
-        <p:txBody>
-          <a:bodyPr wrap="square">
-            <a:spAutoFit/>
-          </a:bodyPr>
-          <a:lstStyle/>
-          <a:p>
-            <a:r>
-              <a:rPr lang="ko-KR" altLang="en-US" dirty="0"/>
-              <a:t>①</a:t>
-            </a:r>
-          </a:p>
-        </p:txBody>
-      </p:sp>
-      <p:sp>
-        <p:nvSpPr>
-          <p:cNvPr id="21" name="TextBox 20">
-            <a:extLst>
-              <a:ext uri="{FF2B5EF4-FFF2-40B4-BE49-F238E27FC236}">
-                <a16:creationId xmlns:a16="http://schemas.microsoft.com/office/drawing/2014/main" id="{AD315757-3B5F-27A4-DF89-A1333E7AEE22}"/>
-              </a:ext>
-            </a:extLst>
-          </p:cNvPr>
-          <p:cNvSpPr txBox="1"/>
-          <p:nvPr/>
-        </p:nvSpPr>
-        <p:spPr>
-          <a:xfrm>
-            <a:off x="4343617" y="-1275537"/>
-            <a:ext cx="393106" cy="369332"/>
-          </a:xfrm>
-          <a:prstGeom prst="rect">
-            <a:avLst/>
-          </a:prstGeom>
-          <a:noFill/>
-        </p:spPr>
-        <p:txBody>
-          <a:bodyPr wrap="square">
-            <a:spAutoFit/>
-          </a:bodyPr>
-          <a:lstStyle/>
-          <a:p>
-            <a:r>
-              <a:rPr lang="ko-KR" altLang="en-US" dirty="0"/>
-              <a:t>②</a:t>
-            </a:r>
-          </a:p>
-        </p:txBody>
-      </p:sp>
-      <p:sp>
-        <p:nvSpPr>
-          <p:cNvPr id="25" name="TextBox 24">
-            <a:extLst>
-              <a:ext uri="{FF2B5EF4-FFF2-40B4-BE49-F238E27FC236}">
-                <a16:creationId xmlns:a16="http://schemas.microsoft.com/office/drawing/2014/main" id="{BCC6CEED-CD27-F9A1-8550-EDEC09B1AF05}"/>
-              </a:ext>
-            </a:extLst>
-          </p:cNvPr>
-          <p:cNvSpPr txBox="1"/>
-          <p:nvPr/>
-        </p:nvSpPr>
-        <p:spPr>
-          <a:xfrm>
-            <a:off x="4652050" y="-1275537"/>
-            <a:ext cx="384560" cy="369332"/>
-          </a:xfrm>
-          <a:prstGeom prst="rect">
-            <a:avLst/>
-          </a:prstGeom>
-          <a:noFill/>
-        </p:spPr>
-        <p:txBody>
-          <a:bodyPr wrap="square">
-            <a:spAutoFit/>
-          </a:bodyPr>
-          <a:lstStyle/>
-          <a:p>
-            <a:r>
-              <a:rPr lang="ko-KR" altLang="en-US" dirty="0"/>
-              <a:t>③</a:t>
-            </a:r>
-          </a:p>
-        </p:txBody>
-      </p:sp>
-      <p:sp>
-        <p:nvSpPr>
-          <p:cNvPr id="29" name="TextBox 28">
-            <a:extLst>
-              <a:ext uri="{FF2B5EF4-FFF2-40B4-BE49-F238E27FC236}">
-                <a16:creationId xmlns:a16="http://schemas.microsoft.com/office/drawing/2014/main" id="{B72B8957-1473-EA8F-8A7D-EDF85E079A47}"/>
-              </a:ext>
-            </a:extLst>
-          </p:cNvPr>
-          <p:cNvSpPr txBox="1"/>
-          <p:nvPr/>
-        </p:nvSpPr>
-        <p:spPr>
-          <a:xfrm>
-            <a:off x="4951937" y="-1275537"/>
-            <a:ext cx="410198" cy="369332"/>
-          </a:xfrm>
-          <a:prstGeom prst="rect">
-            <a:avLst/>
-          </a:prstGeom>
-          <a:noFill/>
-        </p:spPr>
-        <p:txBody>
-          <a:bodyPr wrap="square">
-            <a:spAutoFit/>
-          </a:bodyPr>
-          <a:lstStyle/>
-          <a:p>
-            <a:r>
-              <a:rPr lang="ko-KR" altLang="en-US" dirty="0"/>
-              <a:t>④</a:t>
-            </a:r>
-          </a:p>
-        </p:txBody>
-      </p:sp>
-      <p:sp>
-        <p:nvSpPr>
-          <p:cNvPr id="32" name="TextBox 31">
-            <a:extLst>
-              <a:ext uri="{FF2B5EF4-FFF2-40B4-BE49-F238E27FC236}">
-                <a16:creationId xmlns:a16="http://schemas.microsoft.com/office/drawing/2014/main" id="{32AF7C44-9F23-BFF3-2BA1-5DE677419248}"/>
-              </a:ext>
-            </a:extLst>
-          </p:cNvPr>
-          <p:cNvSpPr txBox="1"/>
-          <p:nvPr/>
-        </p:nvSpPr>
-        <p:spPr>
-          <a:xfrm>
-            <a:off x="5251824" y="-1275537"/>
-            <a:ext cx="401652" cy="369332"/>
-          </a:xfrm>
-          <a:prstGeom prst="rect">
-            <a:avLst/>
-          </a:prstGeom>
-          <a:noFill/>
-        </p:spPr>
-        <p:txBody>
-          <a:bodyPr wrap="square">
-            <a:spAutoFit/>
-          </a:bodyPr>
-          <a:lstStyle/>
-          <a:p>
-            <a:r>
-              <a:rPr lang="ko-KR" altLang="en-US" dirty="0"/>
-              <a:t>⑤</a:t>
-            </a:r>
-          </a:p>
-        </p:txBody>
-      </p:sp>
-      <p:sp>
-        <p:nvSpPr>
-          <p:cNvPr id="33" name="TextBox 32">
-            <a:extLst>
-              <a:ext uri="{FF2B5EF4-FFF2-40B4-BE49-F238E27FC236}">
-                <a16:creationId xmlns:a16="http://schemas.microsoft.com/office/drawing/2014/main" id="{3FFEA941-19F0-B6D8-4C85-F6354C7AE468}"/>
-              </a:ext>
-            </a:extLst>
-          </p:cNvPr>
-          <p:cNvSpPr txBox="1"/>
-          <p:nvPr/>
-        </p:nvSpPr>
-        <p:spPr>
-          <a:xfrm>
-            <a:off x="5577349" y="-1275537"/>
-            <a:ext cx="358923" cy="369332"/>
-          </a:xfrm>
-          <a:prstGeom prst="rect">
-            <a:avLst/>
-          </a:prstGeom>
-          <a:noFill/>
-        </p:spPr>
-        <p:txBody>
-          <a:bodyPr wrap="square">
-            <a:spAutoFit/>
-          </a:bodyPr>
-          <a:lstStyle/>
-          <a:p>
-            <a:r>
-              <a:rPr lang="ko-KR" altLang="en-US" dirty="0"/>
-              <a:t>⑥</a:t>
-            </a:r>
-          </a:p>
-        </p:txBody>
-      </p:sp>
-      <p:sp>
-        <p:nvSpPr>
-          <p:cNvPr id="36" name="TextBox 35">
-            <a:extLst>
-              <a:ext uri="{FF2B5EF4-FFF2-40B4-BE49-F238E27FC236}">
-                <a16:creationId xmlns:a16="http://schemas.microsoft.com/office/drawing/2014/main" id="{85E68B16-408D-2032-09A5-002F7EB20EA0}"/>
-              </a:ext>
-            </a:extLst>
-          </p:cNvPr>
-          <p:cNvSpPr txBox="1"/>
-          <p:nvPr/>
-        </p:nvSpPr>
-        <p:spPr>
-          <a:xfrm>
-            <a:off x="5870376" y="-1273095"/>
-            <a:ext cx="401652" cy="369332"/>
-          </a:xfrm>
-          <a:prstGeom prst="rect">
-            <a:avLst/>
-          </a:prstGeom>
-          <a:noFill/>
-        </p:spPr>
-        <p:txBody>
-          <a:bodyPr wrap="square">
-            <a:spAutoFit/>
-          </a:bodyPr>
-          <a:lstStyle/>
-          <a:p>
-            <a:r>
-              <a:rPr lang="ko-KR" altLang="en-US" dirty="0"/>
-              <a:t>⑦</a:t>
-            </a:r>
-          </a:p>
-        </p:txBody>
-      </p:sp>
-      <p:sp>
-        <p:nvSpPr>
-          <p:cNvPr id="38" name="TextBox 37">
-            <a:extLst>
-              <a:ext uri="{FF2B5EF4-FFF2-40B4-BE49-F238E27FC236}">
-                <a16:creationId xmlns:a16="http://schemas.microsoft.com/office/drawing/2014/main" id="{78C6CE09-F1C5-CB8C-D049-C63B40458521}"/>
-              </a:ext>
-            </a:extLst>
-          </p:cNvPr>
-          <p:cNvSpPr txBox="1"/>
-          <p:nvPr/>
-        </p:nvSpPr>
-        <p:spPr>
-          <a:xfrm>
-            <a:off x="6153966" y="-1277589"/>
-            <a:ext cx="384560" cy="369332"/>
-          </a:xfrm>
-          <a:prstGeom prst="rect">
-            <a:avLst/>
-          </a:prstGeom>
-          <a:noFill/>
-        </p:spPr>
-        <p:txBody>
-          <a:bodyPr wrap="square">
-            <a:spAutoFit/>
-          </a:bodyPr>
-          <a:lstStyle/>
-          <a:p>
-            <a:r>
-              <a:rPr lang="ko-KR" altLang="en-US" dirty="0"/>
-              <a:t>⑧</a:t>
-            </a:r>
-          </a:p>
-        </p:txBody>
-      </p:sp>
-      <p:sp>
-        <p:nvSpPr>
-          <p:cNvPr id="40" name="TextBox 39">
-            <a:extLst>
-              <a:ext uri="{FF2B5EF4-FFF2-40B4-BE49-F238E27FC236}">
-                <a16:creationId xmlns:a16="http://schemas.microsoft.com/office/drawing/2014/main" id="{ED673F85-B0B8-5206-F0B2-EF309C6A35DB}"/>
-              </a:ext>
-            </a:extLst>
-          </p:cNvPr>
-          <p:cNvSpPr txBox="1"/>
-          <p:nvPr/>
-        </p:nvSpPr>
-        <p:spPr>
-          <a:xfrm>
-            <a:off x="6451087" y="-1277589"/>
-            <a:ext cx="394102" cy="369332"/>
-          </a:xfrm>
-          <a:prstGeom prst="rect">
-            <a:avLst/>
-          </a:prstGeom>
-          <a:noFill/>
-        </p:spPr>
-        <p:txBody>
-          <a:bodyPr wrap="square">
-            <a:spAutoFit/>
-          </a:bodyPr>
-          <a:lstStyle/>
-          <a:p>
-            <a:r>
-              <a:rPr lang="ko-KR" altLang="en-US" dirty="0"/>
-              <a:t>⑨</a:t>
-            </a:r>
-          </a:p>
-        </p:txBody>
-      </p:sp>
-      <p:sp>
-        <p:nvSpPr>
-          <p:cNvPr id="41" name="TextBox 40">
-            <a:extLst>
-              <a:ext uri="{FF2B5EF4-FFF2-40B4-BE49-F238E27FC236}">
-                <a16:creationId xmlns:a16="http://schemas.microsoft.com/office/drawing/2014/main" id="{3F4A48FF-111B-693A-A2E1-72FBDC0403DF}"/>
-              </a:ext>
-            </a:extLst>
-          </p:cNvPr>
-          <p:cNvSpPr txBox="1"/>
-          <p:nvPr/>
-        </p:nvSpPr>
-        <p:spPr>
-          <a:xfrm>
-            <a:off x="6761290" y="-1273095"/>
-            <a:ext cx="394102" cy="369332"/>
-          </a:xfrm>
-          <a:prstGeom prst="rect">
-            <a:avLst/>
-          </a:prstGeom>
-          <a:noFill/>
-        </p:spPr>
-        <p:txBody>
-          <a:bodyPr wrap="square">
-            <a:spAutoFit/>
-          </a:bodyPr>
-          <a:lstStyle/>
-          <a:p>
-            <a:r>
-              <a:rPr lang="ko-KR" altLang="en-US" dirty="0"/>
-              <a:t>⑩</a:t>
-            </a:r>
-          </a:p>
-        </p:txBody>
-      </p:sp>
       <p:pic>
         <p:nvPicPr>
           <p:cNvPr id="42" name="그림 41">
@@ -11405,356 +11321,6 @@
           </a:p>
         </p:txBody>
       </p:sp>
-      <p:sp>
-        <p:nvSpPr>
-          <p:cNvPr id="17" name="TextBox 16">
-            <a:extLst>
-              <a:ext uri="{FF2B5EF4-FFF2-40B4-BE49-F238E27FC236}">
-                <a16:creationId xmlns:a16="http://schemas.microsoft.com/office/drawing/2014/main" id="{AB8045D0-9C7B-5533-C095-87FC1ACABFF9}"/>
-              </a:ext>
-            </a:extLst>
-          </p:cNvPr>
-          <p:cNvSpPr txBox="1"/>
-          <p:nvPr/>
-        </p:nvSpPr>
-        <p:spPr>
-          <a:xfrm>
-            <a:off x="4043730" y="-1275537"/>
-            <a:ext cx="393106" cy="369332"/>
-          </a:xfrm>
-          <a:prstGeom prst="rect">
-            <a:avLst/>
-          </a:prstGeom>
-          <a:noFill/>
-        </p:spPr>
-        <p:txBody>
-          <a:bodyPr wrap="square">
-            <a:spAutoFit/>
-          </a:bodyPr>
-          <a:lstStyle/>
-          <a:p>
-            <a:r>
-              <a:rPr lang="ko-KR" altLang="en-US" dirty="0"/>
-              <a:t>①</a:t>
-            </a:r>
-          </a:p>
-        </p:txBody>
-      </p:sp>
-      <p:sp>
-        <p:nvSpPr>
-          <p:cNvPr id="21" name="TextBox 20">
-            <a:extLst>
-              <a:ext uri="{FF2B5EF4-FFF2-40B4-BE49-F238E27FC236}">
-                <a16:creationId xmlns:a16="http://schemas.microsoft.com/office/drawing/2014/main" id="{AD315757-3B5F-27A4-DF89-A1333E7AEE22}"/>
-              </a:ext>
-            </a:extLst>
-          </p:cNvPr>
-          <p:cNvSpPr txBox="1"/>
-          <p:nvPr/>
-        </p:nvSpPr>
-        <p:spPr>
-          <a:xfrm>
-            <a:off x="4343617" y="-1275537"/>
-            <a:ext cx="393106" cy="369332"/>
-          </a:xfrm>
-          <a:prstGeom prst="rect">
-            <a:avLst/>
-          </a:prstGeom>
-          <a:noFill/>
-        </p:spPr>
-        <p:txBody>
-          <a:bodyPr wrap="square">
-            <a:spAutoFit/>
-          </a:bodyPr>
-          <a:lstStyle/>
-          <a:p>
-            <a:r>
-              <a:rPr lang="ko-KR" altLang="en-US" dirty="0"/>
-              <a:t>②</a:t>
-            </a:r>
-          </a:p>
-        </p:txBody>
-      </p:sp>
-      <p:sp>
-        <p:nvSpPr>
-          <p:cNvPr id="25" name="TextBox 24">
-            <a:extLst>
-              <a:ext uri="{FF2B5EF4-FFF2-40B4-BE49-F238E27FC236}">
-                <a16:creationId xmlns:a16="http://schemas.microsoft.com/office/drawing/2014/main" id="{BCC6CEED-CD27-F9A1-8550-EDEC09B1AF05}"/>
-              </a:ext>
-            </a:extLst>
-          </p:cNvPr>
-          <p:cNvSpPr txBox="1"/>
-          <p:nvPr/>
-        </p:nvSpPr>
-        <p:spPr>
-          <a:xfrm>
-            <a:off x="4652050" y="-1275537"/>
-            <a:ext cx="384560" cy="369332"/>
-          </a:xfrm>
-          <a:prstGeom prst="rect">
-            <a:avLst/>
-          </a:prstGeom>
-          <a:noFill/>
-        </p:spPr>
-        <p:txBody>
-          <a:bodyPr wrap="square">
-            <a:spAutoFit/>
-          </a:bodyPr>
-          <a:lstStyle/>
-          <a:p>
-            <a:r>
-              <a:rPr lang="ko-KR" altLang="en-US" dirty="0"/>
-              <a:t>③</a:t>
-            </a:r>
-          </a:p>
-        </p:txBody>
-      </p:sp>
-      <p:sp>
-        <p:nvSpPr>
-          <p:cNvPr id="29" name="TextBox 28">
-            <a:extLst>
-              <a:ext uri="{FF2B5EF4-FFF2-40B4-BE49-F238E27FC236}">
-                <a16:creationId xmlns:a16="http://schemas.microsoft.com/office/drawing/2014/main" id="{B72B8957-1473-EA8F-8A7D-EDF85E079A47}"/>
-              </a:ext>
-            </a:extLst>
-          </p:cNvPr>
-          <p:cNvSpPr txBox="1"/>
-          <p:nvPr/>
-        </p:nvSpPr>
-        <p:spPr>
-          <a:xfrm>
-            <a:off x="4951937" y="-1275537"/>
-            <a:ext cx="410198" cy="369332"/>
-          </a:xfrm>
-          <a:prstGeom prst="rect">
-            <a:avLst/>
-          </a:prstGeom>
-          <a:noFill/>
-        </p:spPr>
-        <p:txBody>
-          <a:bodyPr wrap="square">
-            <a:spAutoFit/>
-          </a:bodyPr>
-          <a:lstStyle/>
-          <a:p>
-            <a:r>
-              <a:rPr lang="ko-KR" altLang="en-US" dirty="0"/>
-              <a:t>④</a:t>
-            </a:r>
-          </a:p>
-        </p:txBody>
-      </p:sp>
-      <p:sp>
-        <p:nvSpPr>
-          <p:cNvPr id="32" name="TextBox 31">
-            <a:extLst>
-              <a:ext uri="{FF2B5EF4-FFF2-40B4-BE49-F238E27FC236}">
-                <a16:creationId xmlns:a16="http://schemas.microsoft.com/office/drawing/2014/main" id="{32AF7C44-9F23-BFF3-2BA1-5DE677419248}"/>
-              </a:ext>
-            </a:extLst>
-          </p:cNvPr>
-          <p:cNvSpPr txBox="1"/>
-          <p:nvPr/>
-        </p:nvSpPr>
-        <p:spPr>
-          <a:xfrm>
-            <a:off x="5251824" y="-1275537"/>
-            <a:ext cx="401652" cy="369332"/>
-          </a:xfrm>
-          <a:prstGeom prst="rect">
-            <a:avLst/>
-          </a:prstGeom>
-          <a:noFill/>
-        </p:spPr>
-        <p:txBody>
-          <a:bodyPr wrap="square">
-            <a:spAutoFit/>
-          </a:bodyPr>
-          <a:lstStyle/>
-          <a:p>
-            <a:r>
-              <a:rPr lang="ko-KR" altLang="en-US" dirty="0"/>
-              <a:t>⑤</a:t>
-            </a:r>
-          </a:p>
-        </p:txBody>
-      </p:sp>
-      <p:sp>
-        <p:nvSpPr>
-          <p:cNvPr id="33" name="TextBox 32">
-            <a:extLst>
-              <a:ext uri="{FF2B5EF4-FFF2-40B4-BE49-F238E27FC236}">
-                <a16:creationId xmlns:a16="http://schemas.microsoft.com/office/drawing/2014/main" id="{3FFEA941-19F0-B6D8-4C85-F6354C7AE468}"/>
-              </a:ext>
-            </a:extLst>
-          </p:cNvPr>
-          <p:cNvSpPr txBox="1"/>
-          <p:nvPr/>
-        </p:nvSpPr>
-        <p:spPr>
-          <a:xfrm>
-            <a:off x="5577349" y="-1275537"/>
-            <a:ext cx="358923" cy="369332"/>
-          </a:xfrm>
-          <a:prstGeom prst="rect">
-            <a:avLst/>
-          </a:prstGeom>
-          <a:noFill/>
-        </p:spPr>
-        <p:txBody>
-          <a:bodyPr wrap="square">
-            <a:spAutoFit/>
-          </a:bodyPr>
-          <a:lstStyle/>
-          <a:p>
-            <a:r>
-              <a:rPr lang="ko-KR" altLang="en-US" dirty="0"/>
-              <a:t>⑥</a:t>
-            </a:r>
-          </a:p>
-        </p:txBody>
-      </p:sp>
-      <p:sp>
-        <p:nvSpPr>
-          <p:cNvPr id="36" name="TextBox 35">
-            <a:extLst>
-              <a:ext uri="{FF2B5EF4-FFF2-40B4-BE49-F238E27FC236}">
-                <a16:creationId xmlns:a16="http://schemas.microsoft.com/office/drawing/2014/main" id="{85E68B16-408D-2032-09A5-002F7EB20EA0}"/>
-              </a:ext>
-            </a:extLst>
-          </p:cNvPr>
-          <p:cNvSpPr txBox="1"/>
-          <p:nvPr/>
-        </p:nvSpPr>
-        <p:spPr>
-          <a:xfrm>
-            <a:off x="5870376" y="-1273095"/>
-            <a:ext cx="401652" cy="369332"/>
-          </a:xfrm>
-          <a:prstGeom prst="rect">
-            <a:avLst/>
-          </a:prstGeom>
-          <a:noFill/>
-        </p:spPr>
-        <p:txBody>
-          <a:bodyPr wrap="square">
-            <a:spAutoFit/>
-          </a:bodyPr>
-          <a:lstStyle/>
-          <a:p>
-            <a:r>
-              <a:rPr lang="ko-KR" altLang="en-US" dirty="0"/>
-              <a:t>⑦</a:t>
-            </a:r>
-          </a:p>
-        </p:txBody>
-      </p:sp>
-      <p:sp>
-        <p:nvSpPr>
-          <p:cNvPr id="38" name="TextBox 37">
-            <a:extLst>
-              <a:ext uri="{FF2B5EF4-FFF2-40B4-BE49-F238E27FC236}">
-                <a16:creationId xmlns:a16="http://schemas.microsoft.com/office/drawing/2014/main" id="{78C6CE09-F1C5-CB8C-D049-C63B40458521}"/>
-              </a:ext>
-            </a:extLst>
-          </p:cNvPr>
-          <p:cNvSpPr txBox="1"/>
-          <p:nvPr/>
-        </p:nvSpPr>
-        <p:spPr>
-          <a:xfrm>
-            <a:off x="6153966" y="-1277589"/>
-            <a:ext cx="384560" cy="369332"/>
-          </a:xfrm>
-          <a:prstGeom prst="rect">
-            <a:avLst/>
-          </a:prstGeom>
-          <a:noFill/>
-        </p:spPr>
-        <p:txBody>
-          <a:bodyPr wrap="square">
-            <a:spAutoFit/>
-          </a:bodyPr>
-          <a:lstStyle/>
-          <a:p>
-            <a:r>
-              <a:rPr lang="ko-KR" altLang="en-US" dirty="0"/>
-              <a:t>⑧</a:t>
-            </a:r>
-          </a:p>
-        </p:txBody>
-      </p:sp>
-      <p:sp>
-        <p:nvSpPr>
-          <p:cNvPr id="40" name="TextBox 39">
-            <a:extLst>
-              <a:ext uri="{FF2B5EF4-FFF2-40B4-BE49-F238E27FC236}">
-                <a16:creationId xmlns:a16="http://schemas.microsoft.com/office/drawing/2014/main" id="{ED673F85-B0B8-5206-F0B2-EF309C6A35DB}"/>
-              </a:ext>
-            </a:extLst>
-          </p:cNvPr>
-          <p:cNvSpPr txBox="1"/>
-          <p:nvPr/>
-        </p:nvSpPr>
-        <p:spPr>
-          <a:xfrm>
-            <a:off x="6451087" y="-1277589"/>
-            <a:ext cx="394102" cy="369332"/>
-          </a:xfrm>
-          <a:prstGeom prst="rect">
-            <a:avLst/>
-          </a:prstGeom>
-          <a:noFill/>
-        </p:spPr>
-        <p:txBody>
-          <a:bodyPr wrap="square">
-            <a:spAutoFit/>
-          </a:bodyPr>
-          <a:lstStyle/>
-          <a:p>
-            <a:r>
-              <a:rPr lang="ko-KR" altLang="en-US" dirty="0"/>
-              <a:t>⑨</a:t>
-            </a:r>
-          </a:p>
-        </p:txBody>
-      </p:sp>
-      <p:sp>
-        <p:nvSpPr>
-          <p:cNvPr id="41" name="TextBox 40">
-            <a:extLst>
-              <a:ext uri="{FF2B5EF4-FFF2-40B4-BE49-F238E27FC236}">
-                <a16:creationId xmlns:a16="http://schemas.microsoft.com/office/drawing/2014/main" id="{3F4A48FF-111B-693A-A2E1-72FBDC0403DF}"/>
-              </a:ext>
-            </a:extLst>
-          </p:cNvPr>
-          <p:cNvSpPr txBox="1"/>
-          <p:nvPr/>
-        </p:nvSpPr>
-        <p:spPr>
-          <a:xfrm>
-            <a:off x="6761290" y="-1273095"/>
-            <a:ext cx="394102" cy="369332"/>
-          </a:xfrm>
-          <a:prstGeom prst="rect">
-            <a:avLst/>
-          </a:prstGeom>
-          <a:noFill/>
-        </p:spPr>
-        <p:txBody>
-          <a:bodyPr wrap="square">
-            <a:spAutoFit/>
-          </a:bodyPr>
-          <a:lstStyle/>
-          <a:p>
-            <a:r>
-              <a:rPr lang="ko-KR" altLang="en-US" dirty="0"/>
-              <a:t>⑩</a:t>
-            </a:r>
-          </a:p>
-        </p:txBody>
-      </p:sp>
       <p:pic>
         <p:nvPicPr>
           <p:cNvPr id="7" name="그림 6">
@@ -13257,356 +12823,6 @@
           </a:p>
         </p:txBody>
       </p:sp>
-      <p:sp>
-        <p:nvSpPr>
-          <p:cNvPr id="17" name="TextBox 16">
-            <a:extLst>
-              <a:ext uri="{FF2B5EF4-FFF2-40B4-BE49-F238E27FC236}">
-                <a16:creationId xmlns:a16="http://schemas.microsoft.com/office/drawing/2014/main" id="{AB8045D0-9C7B-5533-C095-87FC1ACABFF9}"/>
-              </a:ext>
-            </a:extLst>
-          </p:cNvPr>
-          <p:cNvSpPr txBox="1"/>
-          <p:nvPr/>
-        </p:nvSpPr>
-        <p:spPr>
-          <a:xfrm>
-            <a:off x="4043730" y="-1275537"/>
-            <a:ext cx="393106" cy="369332"/>
-          </a:xfrm>
-          <a:prstGeom prst="rect">
-            <a:avLst/>
-          </a:prstGeom>
-          <a:noFill/>
-        </p:spPr>
-        <p:txBody>
-          <a:bodyPr wrap="square">
-            <a:spAutoFit/>
-          </a:bodyPr>
-          <a:lstStyle/>
-          <a:p>
-            <a:r>
-              <a:rPr lang="ko-KR" altLang="en-US" dirty="0"/>
-              <a:t>①</a:t>
-            </a:r>
-          </a:p>
-        </p:txBody>
-      </p:sp>
-      <p:sp>
-        <p:nvSpPr>
-          <p:cNvPr id="21" name="TextBox 20">
-            <a:extLst>
-              <a:ext uri="{FF2B5EF4-FFF2-40B4-BE49-F238E27FC236}">
-                <a16:creationId xmlns:a16="http://schemas.microsoft.com/office/drawing/2014/main" id="{AD315757-3B5F-27A4-DF89-A1333E7AEE22}"/>
-              </a:ext>
-            </a:extLst>
-          </p:cNvPr>
-          <p:cNvSpPr txBox="1"/>
-          <p:nvPr/>
-        </p:nvSpPr>
-        <p:spPr>
-          <a:xfrm>
-            <a:off x="4343617" y="-1275537"/>
-            <a:ext cx="393106" cy="369332"/>
-          </a:xfrm>
-          <a:prstGeom prst="rect">
-            <a:avLst/>
-          </a:prstGeom>
-          <a:noFill/>
-        </p:spPr>
-        <p:txBody>
-          <a:bodyPr wrap="square">
-            <a:spAutoFit/>
-          </a:bodyPr>
-          <a:lstStyle/>
-          <a:p>
-            <a:r>
-              <a:rPr lang="ko-KR" altLang="en-US" dirty="0"/>
-              <a:t>②</a:t>
-            </a:r>
-          </a:p>
-        </p:txBody>
-      </p:sp>
-      <p:sp>
-        <p:nvSpPr>
-          <p:cNvPr id="25" name="TextBox 24">
-            <a:extLst>
-              <a:ext uri="{FF2B5EF4-FFF2-40B4-BE49-F238E27FC236}">
-                <a16:creationId xmlns:a16="http://schemas.microsoft.com/office/drawing/2014/main" id="{BCC6CEED-CD27-F9A1-8550-EDEC09B1AF05}"/>
-              </a:ext>
-            </a:extLst>
-          </p:cNvPr>
-          <p:cNvSpPr txBox="1"/>
-          <p:nvPr/>
-        </p:nvSpPr>
-        <p:spPr>
-          <a:xfrm>
-            <a:off x="4652050" y="-1275537"/>
-            <a:ext cx="384560" cy="369332"/>
-          </a:xfrm>
-          <a:prstGeom prst="rect">
-            <a:avLst/>
-          </a:prstGeom>
-          <a:noFill/>
-        </p:spPr>
-        <p:txBody>
-          <a:bodyPr wrap="square">
-            <a:spAutoFit/>
-          </a:bodyPr>
-          <a:lstStyle/>
-          <a:p>
-            <a:r>
-              <a:rPr lang="ko-KR" altLang="en-US" dirty="0"/>
-              <a:t>③</a:t>
-            </a:r>
-          </a:p>
-        </p:txBody>
-      </p:sp>
-      <p:sp>
-        <p:nvSpPr>
-          <p:cNvPr id="29" name="TextBox 28">
-            <a:extLst>
-              <a:ext uri="{FF2B5EF4-FFF2-40B4-BE49-F238E27FC236}">
-                <a16:creationId xmlns:a16="http://schemas.microsoft.com/office/drawing/2014/main" id="{B72B8957-1473-EA8F-8A7D-EDF85E079A47}"/>
-              </a:ext>
-            </a:extLst>
-          </p:cNvPr>
-          <p:cNvSpPr txBox="1"/>
-          <p:nvPr/>
-        </p:nvSpPr>
-        <p:spPr>
-          <a:xfrm>
-            <a:off x="4951937" y="-1275537"/>
-            <a:ext cx="410198" cy="369332"/>
-          </a:xfrm>
-          <a:prstGeom prst="rect">
-            <a:avLst/>
-          </a:prstGeom>
-          <a:noFill/>
-        </p:spPr>
-        <p:txBody>
-          <a:bodyPr wrap="square">
-            <a:spAutoFit/>
-          </a:bodyPr>
-          <a:lstStyle/>
-          <a:p>
-            <a:r>
-              <a:rPr lang="ko-KR" altLang="en-US" dirty="0"/>
-              <a:t>④</a:t>
-            </a:r>
-          </a:p>
-        </p:txBody>
-      </p:sp>
-      <p:sp>
-        <p:nvSpPr>
-          <p:cNvPr id="32" name="TextBox 31">
-            <a:extLst>
-              <a:ext uri="{FF2B5EF4-FFF2-40B4-BE49-F238E27FC236}">
-                <a16:creationId xmlns:a16="http://schemas.microsoft.com/office/drawing/2014/main" id="{32AF7C44-9F23-BFF3-2BA1-5DE677419248}"/>
-              </a:ext>
-            </a:extLst>
-          </p:cNvPr>
-          <p:cNvSpPr txBox="1"/>
-          <p:nvPr/>
-        </p:nvSpPr>
-        <p:spPr>
-          <a:xfrm>
-            <a:off x="5251824" y="-1275537"/>
-            <a:ext cx="401652" cy="369332"/>
-          </a:xfrm>
-          <a:prstGeom prst="rect">
-            <a:avLst/>
-          </a:prstGeom>
-          <a:noFill/>
-        </p:spPr>
-        <p:txBody>
-          <a:bodyPr wrap="square">
-            <a:spAutoFit/>
-          </a:bodyPr>
-          <a:lstStyle/>
-          <a:p>
-            <a:r>
-              <a:rPr lang="ko-KR" altLang="en-US" dirty="0"/>
-              <a:t>⑤</a:t>
-            </a:r>
-          </a:p>
-        </p:txBody>
-      </p:sp>
-      <p:sp>
-        <p:nvSpPr>
-          <p:cNvPr id="33" name="TextBox 32">
-            <a:extLst>
-              <a:ext uri="{FF2B5EF4-FFF2-40B4-BE49-F238E27FC236}">
-                <a16:creationId xmlns:a16="http://schemas.microsoft.com/office/drawing/2014/main" id="{3FFEA941-19F0-B6D8-4C85-F6354C7AE468}"/>
-              </a:ext>
-            </a:extLst>
-          </p:cNvPr>
-          <p:cNvSpPr txBox="1"/>
-          <p:nvPr/>
-        </p:nvSpPr>
-        <p:spPr>
-          <a:xfrm>
-            <a:off x="5577349" y="-1275537"/>
-            <a:ext cx="358923" cy="369332"/>
-          </a:xfrm>
-          <a:prstGeom prst="rect">
-            <a:avLst/>
-          </a:prstGeom>
-          <a:noFill/>
-        </p:spPr>
-        <p:txBody>
-          <a:bodyPr wrap="square">
-            <a:spAutoFit/>
-          </a:bodyPr>
-          <a:lstStyle/>
-          <a:p>
-            <a:r>
-              <a:rPr lang="ko-KR" altLang="en-US" dirty="0"/>
-              <a:t>⑥</a:t>
-            </a:r>
-          </a:p>
-        </p:txBody>
-      </p:sp>
-      <p:sp>
-        <p:nvSpPr>
-          <p:cNvPr id="36" name="TextBox 35">
-            <a:extLst>
-              <a:ext uri="{FF2B5EF4-FFF2-40B4-BE49-F238E27FC236}">
-                <a16:creationId xmlns:a16="http://schemas.microsoft.com/office/drawing/2014/main" id="{85E68B16-408D-2032-09A5-002F7EB20EA0}"/>
-              </a:ext>
-            </a:extLst>
-          </p:cNvPr>
-          <p:cNvSpPr txBox="1"/>
-          <p:nvPr/>
-        </p:nvSpPr>
-        <p:spPr>
-          <a:xfrm>
-            <a:off x="5870376" y="-1273095"/>
-            <a:ext cx="401652" cy="369332"/>
-          </a:xfrm>
-          <a:prstGeom prst="rect">
-            <a:avLst/>
-          </a:prstGeom>
-          <a:noFill/>
-        </p:spPr>
-        <p:txBody>
-          <a:bodyPr wrap="square">
-            <a:spAutoFit/>
-          </a:bodyPr>
-          <a:lstStyle/>
-          <a:p>
-            <a:r>
-              <a:rPr lang="ko-KR" altLang="en-US" dirty="0"/>
-              <a:t>⑦</a:t>
-            </a:r>
-          </a:p>
-        </p:txBody>
-      </p:sp>
-      <p:sp>
-        <p:nvSpPr>
-          <p:cNvPr id="38" name="TextBox 37">
-            <a:extLst>
-              <a:ext uri="{FF2B5EF4-FFF2-40B4-BE49-F238E27FC236}">
-                <a16:creationId xmlns:a16="http://schemas.microsoft.com/office/drawing/2014/main" id="{78C6CE09-F1C5-CB8C-D049-C63B40458521}"/>
-              </a:ext>
-            </a:extLst>
-          </p:cNvPr>
-          <p:cNvSpPr txBox="1"/>
-          <p:nvPr/>
-        </p:nvSpPr>
-        <p:spPr>
-          <a:xfrm>
-            <a:off x="6153966" y="-1277589"/>
-            <a:ext cx="384560" cy="369332"/>
-          </a:xfrm>
-          <a:prstGeom prst="rect">
-            <a:avLst/>
-          </a:prstGeom>
-          <a:noFill/>
-        </p:spPr>
-        <p:txBody>
-          <a:bodyPr wrap="square">
-            <a:spAutoFit/>
-          </a:bodyPr>
-          <a:lstStyle/>
-          <a:p>
-            <a:r>
-              <a:rPr lang="ko-KR" altLang="en-US" dirty="0"/>
-              <a:t>⑧</a:t>
-            </a:r>
-          </a:p>
-        </p:txBody>
-      </p:sp>
-      <p:sp>
-        <p:nvSpPr>
-          <p:cNvPr id="40" name="TextBox 39">
-            <a:extLst>
-              <a:ext uri="{FF2B5EF4-FFF2-40B4-BE49-F238E27FC236}">
-                <a16:creationId xmlns:a16="http://schemas.microsoft.com/office/drawing/2014/main" id="{ED673F85-B0B8-5206-F0B2-EF309C6A35DB}"/>
-              </a:ext>
-            </a:extLst>
-          </p:cNvPr>
-          <p:cNvSpPr txBox="1"/>
-          <p:nvPr/>
-        </p:nvSpPr>
-        <p:spPr>
-          <a:xfrm>
-            <a:off x="6451087" y="-1277589"/>
-            <a:ext cx="394102" cy="369332"/>
-          </a:xfrm>
-          <a:prstGeom prst="rect">
-            <a:avLst/>
-          </a:prstGeom>
-          <a:noFill/>
-        </p:spPr>
-        <p:txBody>
-          <a:bodyPr wrap="square">
-            <a:spAutoFit/>
-          </a:bodyPr>
-          <a:lstStyle/>
-          <a:p>
-            <a:r>
-              <a:rPr lang="ko-KR" altLang="en-US" dirty="0"/>
-              <a:t>⑨</a:t>
-            </a:r>
-          </a:p>
-        </p:txBody>
-      </p:sp>
-      <p:sp>
-        <p:nvSpPr>
-          <p:cNvPr id="41" name="TextBox 40">
-            <a:extLst>
-              <a:ext uri="{FF2B5EF4-FFF2-40B4-BE49-F238E27FC236}">
-                <a16:creationId xmlns:a16="http://schemas.microsoft.com/office/drawing/2014/main" id="{3F4A48FF-111B-693A-A2E1-72FBDC0403DF}"/>
-              </a:ext>
-            </a:extLst>
-          </p:cNvPr>
-          <p:cNvSpPr txBox="1"/>
-          <p:nvPr/>
-        </p:nvSpPr>
-        <p:spPr>
-          <a:xfrm>
-            <a:off x="6761290" y="-1273095"/>
-            <a:ext cx="394102" cy="369332"/>
-          </a:xfrm>
-          <a:prstGeom prst="rect">
-            <a:avLst/>
-          </a:prstGeom>
-          <a:noFill/>
-        </p:spPr>
-        <p:txBody>
-          <a:bodyPr wrap="square">
-            <a:spAutoFit/>
-          </a:bodyPr>
-          <a:lstStyle/>
-          <a:p>
-            <a:r>
-              <a:rPr lang="ko-KR" altLang="en-US" dirty="0"/>
-              <a:t>⑩</a:t>
-            </a:r>
-          </a:p>
-        </p:txBody>
-      </p:sp>
       <p:pic>
         <p:nvPicPr>
           <p:cNvPr id="18" name="그림 17">
@@ -14244,8 +13460,8 @@
         </p:nvSpPr>
         <p:spPr>
           <a:xfrm>
-            <a:off x="7694898" y="794761"/>
-            <a:ext cx="4497102" cy="6063229"/>
+            <a:off x="6761290" y="794761"/>
+            <a:ext cx="5430710" cy="6063229"/>
           </a:xfrm>
           <a:prstGeom prst="rect">
             <a:avLst/>
@@ -14345,23 +13561,7 @@
                   <a:schemeClr val="tx1"/>
                 </a:solidFill>
               </a:rPr>
-              <a:t>② 해당하는 모임 글의 지원 이력이 </a:t>
-            </a:r>
-            <a:r>
-              <a:rPr lang="ko-KR" altLang="en-US" sz="1000" dirty="0" err="1">
-                <a:solidFill>
-                  <a:schemeClr val="tx1"/>
-                </a:solidFill>
-              </a:rPr>
-              <a:t>페이징</a:t>
-            </a:r>
-            <a:r>
-              <a:rPr lang="ko-KR" altLang="en-US" sz="1000" dirty="0">
-                <a:solidFill>
-                  <a:schemeClr val="tx1"/>
-                </a:solidFill>
-              </a:rPr>
-              <a:t> 없이 표시된다</a:t>
+              <a:t>② 지원자가 작성한 제목이 표시된다</a:t>
             </a:r>
             <a:r>
               <a:rPr lang="en-US" altLang="ko-KR" sz="1000" dirty="0">
@@ -14386,139 +13586,7 @@
                   <a:schemeClr val="tx1"/>
                 </a:solidFill>
               </a:rPr>
-              <a:t>③ </a:t>
-            </a:r>
-            <a:r>
-              <a:rPr lang="ko-KR" altLang="en-US" sz="1000" dirty="0" err="1">
-                <a:solidFill>
-                  <a:schemeClr val="tx1"/>
-                </a:solidFill>
-              </a:rPr>
-              <a:t>미열람</a:t>
-            </a:r>
-            <a:r>
-              <a:rPr lang="en-US" altLang="ko-KR" sz="1000" dirty="0">
-                <a:solidFill>
-                  <a:schemeClr val="tx1"/>
-                </a:solidFill>
-              </a:rPr>
-              <a:t>,</a:t>
-            </a:r>
-            <a:r>
-              <a:rPr lang="ko-KR" altLang="en-US" sz="1000" dirty="0">
-                <a:solidFill>
-                  <a:schemeClr val="tx1"/>
-                </a:solidFill>
-              </a:rPr>
-              <a:t> 열람 여부가 표시된다</a:t>
-            </a:r>
-            <a:r>
-              <a:rPr lang="en-US" altLang="ko-KR" sz="1000" dirty="0">
-                <a:solidFill>
-                  <a:schemeClr val="tx1"/>
-                </a:solidFill>
-              </a:rPr>
-              <a:t>.</a:t>
-            </a:r>
-          </a:p>
-          <a:p>
-            <a:r>
-              <a:rPr lang="ko-KR" altLang="en-US" sz="1000" dirty="0">
-                <a:solidFill>
-                  <a:schemeClr val="tx1"/>
-                </a:solidFill>
-              </a:rPr>
-              <a:t>③</a:t>
-            </a:r>
-            <a:r>
-              <a:rPr lang="en-US" altLang="ko-KR" sz="1000" dirty="0">
-                <a:solidFill>
-                  <a:schemeClr val="tx1"/>
-                </a:solidFill>
-              </a:rPr>
-              <a:t>-1</a:t>
-            </a:r>
-            <a:r>
-              <a:rPr lang="ko-KR" altLang="en-US" sz="1000" dirty="0">
-                <a:solidFill>
-                  <a:schemeClr val="tx1"/>
-                </a:solidFill>
-              </a:rPr>
-              <a:t> 모임 리더가 </a:t>
-            </a:r>
-            <a:r>
-              <a:rPr lang="ko-KR" altLang="en-US" sz="1000" dirty="0" err="1">
-                <a:solidFill>
-                  <a:schemeClr val="tx1"/>
-                </a:solidFill>
-              </a:rPr>
-              <a:t>지원글을</a:t>
-            </a:r>
-            <a:r>
-              <a:rPr lang="ko-KR" altLang="en-US" sz="1000" dirty="0">
-                <a:solidFill>
-                  <a:schemeClr val="tx1"/>
-                </a:solidFill>
-              </a:rPr>
-              <a:t> 한번이라도 열어보지 않았으면 </a:t>
-            </a:r>
-            <a:r>
-              <a:rPr lang="ko-KR" altLang="en-US" sz="1000" dirty="0" err="1">
-                <a:solidFill>
-                  <a:schemeClr val="tx1"/>
-                </a:solidFill>
-              </a:rPr>
-              <a:t>미열람</a:t>
-            </a:r>
-            <a:r>
-              <a:rPr lang="en-US" altLang="ko-KR" sz="1000" dirty="0">
-                <a:solidFill>
-                  <a:schemeClr val="tx1"/>
-                </a:solidFill>
-              </a:rPr>
-              <a:t>.</a:t>
-            </a:r>
-          </a:p>
-          <a:p>
-            <a:r>
-              <a:rPr lang="ko-KR" altLang="en-US" sz="1000" dirty="0">
-                <a:solidFill>
-                  <a:schemeClr val="tx1"/>
-                </a:solidFill>
-              </a:rPr>
-              <a:t>③</a:t>
-            </a:r>
-            <a:r>
-              <a:rPr lang="en-US" altLang="ko-KR" sz="1000" dirty="0">
-                <a:solidFill>
-                  <a:schemeClr val="tx1"/>
-                </a:solidFill>
-              </a:rPr>
-              <a:t>-2</a:t>
-            </a:r>
-            <a:r>
-              <a:rPr lang="ko-KR" altLang="en-US" sz="1000" dirty="0">
-                <a:solidFill>
-                  <a:schemeClr val="tx1"/>
-                </a:solidFill>
-              </a:rPr>
-              <a:t> 모임 리더가 </a:t>
-            </a:r>
-            <a:r>
-              <a:rPr lang="ko-KR" altLang="en-US" sz="1000" dirty="0" err="1">
-                <a:solidFill>
-                  <a:schemeClr val="tx1"/>
-                </a:solidFill>
-              </a:rPr>
-              <a:t>지원글을</a:t>
-            </a:r>
-            <a:r>
-              <a:rPr lang="ko-KR" altLang="en-US" sz="1000" dirty="0">
-                <a:solidFill>
-                  <a:schemeClr val="tx1"/>
-                </a:solidFill>
-              </a:rPr>
-              <a:t> 한번이라도 열어보았으면 열람</a:t>
+              <a:t>③지원자가 작성한 글내용이 표시된다</a:t>
             </a:r>
             <a:r>
               <a:rPr lang="en-US" altLang="ko-KR" sz="1000" dirty="0">
@@ -14543,138 +13611,7 @@
                   <a:schemeClr val="tx1"/>
                 </a:solidFill>
               </a:rPr>
-              <a:t>④ 해당하는 </a:t>
-            </a:r>
-            <a:r>
-              <a:rPr lang="ko-KR" altLang="en-US" sz="1000" dirty="0" err="1">
-                <a:solidFill>
-                  <a:schemeClr val="tx1"/>
-                </a:solidFill>
-              </a:rPr>
-              <a:t>지원글에</a:t>
-            </a:r>
-            <a:r>
-              <a:rPr lang="ko-KR" altLang="en-US" sz="1000" dirty="0">
-                <a:solidFill>
-                  <a:schemeClr val="tx1"/>
-                </a:solidFill>
-              </a:rPr>
-              <a:t> 대한 합류확정</a:t>
-            </a:r>
-            <a:r>
-              <a:rPr lang="en-US" altLang="ko-KR" sz="1000" dirty="0">
-                <a:solidFill>
-                  <a:schemeClr val="tx1"/>
-                </a:solidFill>
-              </a:rPr>
-              <a:t>,</a:t>
-            </a:r>
-            <a:r>
-              <a:rPr lang="ko-KR" altLang="en-US" sz="1000" dirty="0">
-                <a:solidFill>
-                  <a:schemeClr val="tx1"/>
-                </a:solidFill>
-              </a:rPr>
-              <a:t> 합류대기가 표시된다</a:t>
-            </a:r>
-            <a:r>
-              <a:rPr lang="en-US" altLang="ko-KR" sz="1000" dirty="0">
-                <a:solidFill>
-                  <a:schemeClr val="tx1"/>
-                </a:solidFill>
-              </a:rPr>
-              <a:t>.</a:t>
-            </a:r>
-          </a:p>
-          <a:p>
-            <a:r>
-              <a:rPr lang="ko-KR" altLang="en-US" sz="1000" dirty="0">
-                <a:solidFill>
-                  <a:schemeClr val="tx1"/>
-                </a:solidFill>
-              </a:rPr>
-              <a:t>④</a:t>
-            </a:r>
-            <a:r>
-              <a:rPr lang="en-US" altLang="ko-KR" sz="1000" dirty="0">
-                <a:solidFill>
-                  <a:schemeClr val="tx1"/>
-                </a:solidFill>
-              </a:rPr>
-              <a:t>-1</a:t>
-            </a:r>
-            <a:r>
-              <a:rPr lang="ko-KR" altLang="en-US" sz="1000" dirty="0">
-                <a:solidFill>
-                  <a:schemeClr val="tx1"/>
-                </a:solidFill>
-              </a:rPr>
-              <a:t> </a:t>
-            </a:r>
-          </a:p>
-          <a:p>
-            <a:endParaRPr lang="en-US" altLang="ko-KR" sz="1000" dirty="0">
-              <a:solidFill>
-                <a:schemeClr val="tx1"/>
-              </a:solidFill>
-            </a:endParaRPr>
-          </a:p>
-          <a:p>
-            <a:r>
-              <a:rPr lang="ko-KR" altLang="en-US" sz="1000" dirty="0">
-                <a:solidFill>
-                  <a:schemeClr val="tx1"/>
-                </a:solidFill>
-              </a:rPr>
-              <a:t>⑤ </a:t>
-            </a:r>
-            <a:r>
-              <a:rPr lang="en-US" altLang="ko-KR" sz="1000" dirty="0">
-                <a:solidFill>
-                  <a:schemeClr val="tx1"/>
-                </a:solidFill>
-              </a:rPr>
-              <a:t>’</a:t>
-            </a:r>
-            <a:r>
-              <a:rPr lang="ko-KR" altLang="en-US" sz="1000" dirty="0">
-                <a:solidFill>
-                  <a:schemeClr val="tx1"/>
-                </a:solidFill>
-              </a:rPr>
-              <a:t>지원하기</a:t>
-            </a:r>
-            <a:r>
-              <a:rPr lang="en-US" altLang="ko-KR" sz="1000" dirty="0">
-                <a:solidFill>
-                  <a:schemeClr val="tx1"/>
-                </a:solidFill>
-              </a:rPr>
-              <a:t>!’</a:t>
-            </a:r>
-            <a:r>
-              <a:rPr lang="ko-KR" altLang="en-US" sz="1000" dirty="0">
-                <a:solidFill>
-                  <a:schemeClr val="tx1"/>
-                </a:solidFill>
-              </a:rPr>
-              <a:t> 버튼을 클릭하여 </a:t>
-            </a:r>
-            <a:r>
-              <a:rPr lang="ko-KR" altLang="en-US" sz="1000" dirty="0" err="1">
-                <a:solidFill>
-                  <a:schemeClr val="tx1"/>
-                </a:solidFill>
-              </a:rPr>
-              <a:t>지원글을</a:t>
-            </a:r>
-            <a:r>
-              <a:rPr lang="ko-KR" altLang="en-US" sz="1000" dirty="0">
-                <a:solidFill>
-                  <a:schemeClr val="tx1"/>
-                </a:solidFill>
-              </a:rPr>
-              <a:t> 작성할 수 있다</a:t>
+              <a:t>④ 모임 리더가 합류 확정 버튼을 클릭하여 지원자를 모임에 합류 시킬 수 있다</a:t>
             </a:r>
             <a:r>
               <a:rPr lang="en-US" altLang="ko-KR" sz="1000" dirty="0">
@@ -14783,362 +13720,12 @@
           </a:p>
         </p:txBody>
       </p:sp>
-      <p:sp>
-        <p:nvSpPr>
-          <p:cNvPr id="17" name="TextBox 16">
-            <a:extLst>
-              <a:ext uri="{FF2B5EF4-FFF2-40B4-BE49-F238E27FC236}">
-                <a16:creationId xmlns:a16="http://schemas.microsoft.com/office/drawing/2014/main" id="{AB8045D0-9C7B-5533-C095-87FC1ACABFF9}"/>
-              </a:ext>
-            </a:extLst>
-          </p:cNvPr>
-          <p:cNvSpPr txBox="1"/>
-          <p:nvPr/>
-        </p:nvSpPr>
-        <p:spPr>
-          <a:xfrm>
-            <a:off x="4043730" y="-1275537"/>
-            <a:ext cx="393106" cy="369332"/>
-          </a:xfrm>
-          <a:prstGeom prst="rect">
-            <a:avLst/>
-          </a:prstGeom>
-          <a:noFill/>
-        </p:spPr>
-        <p:txBody>
-          <a:bodyPr wrap="square">
-            <a:spAutoFit/>
-          </a:bodyPr>
-          <a:lstStyle/>
-          <a:p>
-            <a:r>
-              <a:rPr lang="ko-KR" altLang="en-US" dirty="0"/>
-              <a:t>①</a:t>
-            </a:r>
-          </a:p>
-        </p:txBody>
-      </p:sp>
-      <p:sp>
-        <p:nvSpPr>
-          <p:cNvPr id="21" name="TextBox 20">
-            <a:extLst>
-              <a:ext uri="{FF2B5EF4-FFF2-40B4-BE49-F238E27FC236}">
-                <a16:creationId xmlns:a16="http://schemas.microsoft.com/office/drawing/2014/main" id="{AD315757-3B5F-27A4-DF89-A1333E7AEE22}"/>
-              </a:ext>
-            </a:extLst>
-          </p:cNvPr>
-          <p:cNvSpPr txBox="1"/>
-          <p:nvPr/>
-        </p:nvSpPr>
-        <p:spPr>
-          <a:xfrm>
-            <a:off x="4343617" y="-1275537"/>
-            <a:ext cx="393106" cy="369332"/>
-          </a:xfrm>
-          <a:prstGeom prst="rect">
-            <a:avLst/>
-          </a:prstGeom>
-          <a:noFill/>
-        </p:spPr>
-        <p:txBody>
-          <a:bodyPr wrap="square">
-            <a:spAutoFit/>
-          </a:bodyPr>
-          <a:lstStyle/>
-          <a:p>
-            <a:r>
-              <a:rPr lang="ko-KR" altLang="en-US" dirty="0"/>
-              <a:t>②</a:t>
-            </a:r>
-          </a:p>
-        </p:txBody>
-      </p:sp>
-      <p:sp>
-        <p:nvSpPr>
-          <p:cNvPr id="25" name="TextBox 24">
-            <a:extLst>
-              <a:ext uri="{FF2B5EF4-FFF2-40B4-BE49-F238E27FC236}">
-                <a16:creationId xmlns:a16="http://schemas.microsoft.com/office/drawing/2014/main" id="{BCC6CEED-CD27-F9A1-8550-EDEC09B1AF05}"/>
-              </a:ext>
-            </a:extLst>
-          </p:cNvPr>
-          <p:cNvSpPr txBox="1"/>
-          <p:nvPr/>
-        </p:nvSpPr>
-        <p:spPr>
-          <a:xfrm>
-            <a:off x="4652050" y="-1275537"/>
-            <a:ext cx="384560" cy="369332"/>
-          </a:xfrm>
-          <a:prstGeom prst="rect">
-            <a:avLst/>
-          </a:prstGeom>
-          <a:noFill/>
-        </p:spPr>
-        <p:txBody>
-          <a:bodyPr wrap="square">
-            <a:spAutoFit/>
-          </a:bodyPr>
-          <a:lstStyle/>
-          <a:p>
-            <a:r>
-              <a:rPr lang="ko-KR" altLang="en-US" dirty="0"/>
-              <a:t>③</a:t>
-            </a:r>
-          </a:p>
-        </p:txBody>
-      </p:sp>
-      <p:sp>
-        <p:nvSpPr>
-          <p:cNvPr id="29" name="TextBox 28">
-            <a:extLst>
-              <a:ext uri="{FF2B5EF4-FFF2-40B4-BE49-F238E27FC236}">
-                <a16:creationId xmlns:a16="http://schemas.microsoft.com/office/drawing/2014/main" id="{B72B8957-1473-EA8F-8A7D-EDF85E079A47}"/>
-              </a:ext>
-            </a:extLst>
-          </p:cNvPr>
-          <p:cNvSpPr txBox="1"/>
-          <p:nvPr/>
-        </p:nvSpPr>
-        <p:spPr>
-          <a:xfrm>
-            <a:off x="4951937" y="-1275537"/>
-            <a:ext cx="410198" cy="369332"/>
-          </a:xfrm>
-          <a:prstGeom prst="rect">
-            <a:avLst/>
-          </a:prstGeom>
-          <a:noFill/>
-        </p:spPr>
-        <p:txBody>
-          <a:bodyPr wrap="square">
-            <a:spAutoFit/>
-          </a:bodyPr>
-          <a:lstStyle/>
-          <a:p>
-            <a:r>
-              <a:rPr lang="ko-KR" altLang="en-US" dirty="0"/>
-              <a:t>④</a:t>
-            </a:r>
-          </a:p>
-        </p:txBody>
-      </p:sp>
-      <p:sp>
-        <p:nvSpPr>
-          <p:cNvPr id="32" name="TextBox 31">
-            <a:extLst>
-              <a:ext uri="{FF2B5EF4-FFF2-40B4-BE49-F238E27FC236}">
-                <a16:creationId xmlns:a16="http://schemas.microsoft.com/office/drawing/2014/main" id="{32AF7C44-9F23-BFF3-2BA1-5DE677419248}"/>
-              </a:ext>
-            </a:extLst>
-          </p:cNvPr>
-          <p:cNvSpPr txBox="1"/>
-          <p:nvPr/>
-        </p:nvSpPr>
-        <p:spPr>
-          <a:xfrm>
-            <a:off x="5251824" y="-1275537"/>
-            <a:ext cx="401652" cy="369332"/>
-          </a:xfrm>
-          <a:prstGeom prst="rect">
-            <a:avLst/>
-          </a:prstGeom>
-          <a:noFill/>
-        </p:spPr>
-        <p:txBody>
-          <a:bodyPr wrap="square">
-            <a:spAutoFit/>
-          </a:bodyPr>
-          <a:lstStyle/>
-          <a:p>
-            <a:r>
-              <a:rPr lang="ko-KR" altLang="en-US" dirty="0"/>
-              <a:t>⑤</a:t>
-            </a:r>
-          </a:p>
-        </p:txBody>
-      </p:sp>
-      <p:sp>
-        <p:nvSpPr>
-          <p:cNvPr id="33" name="TextBox 32">
-            <a:extLst>
-              <a:ext uri="{FF2B5EF4-FFF2-40B4-BE49-F238E27FC236}">
-                <a16:creationId xmlns:a16="http://schemas.microsoft.com/office/drawing/2014/main" id="{3FFEA941-19F0-B6D8-4C85-F6354C7AE468}"/>
-              </a:ext>
-            </a:extLst>
-          </p:cNvPr>
-          <p:cNvSpPr txBox="1"/>
-          <p:nvPr/>
-        </p:nvSpPr>
-        <p:spPr>
-          <a:xfrm>
-            <a:off x="5577349" y="-1275537"/>
-            <a:ext cx="358923" cy="369332"/>
-          </a:xfrm>
-          <a:prstGeom prst="rect">
-            <a:avLst/>
-          </a:prstGeom>
-          <a:noFill/>
-        </p:spPr>
-        <p:txBody>
-          <a:bodyPr wrap="square">
-            <a:spAutoFit/>
-          </a:bodyPr>
-          <a:lstStyle/>
-          <a:p>
-            <a:r>
-              <a:rPr lang="ko-KR" altLang="en-US" dirty="0"/>
-              <a:t>⑥</a:t>
-            </a:r>
-          </a:p>
-        </p:txBody>
-      </p:sp>
-      <p:sp>
-        <p:nvSpPr>
-          <p:cNvPr id="36" name="TextBox 35">
-            <a:extLst>
-              <a:ext uri="{FF2B5EF4-FFF2-40B4-BE49-F238E27FC236}">
-                <a16:creationId xmlns:a16="http://schemas.microsoft.com/office/drawing/2014/main" id="{85E68B16-408D-2032-09A5-002F7EB20EA0}"/>
-              </a:ext>
-            </a:extLst>
-          </p:cNvPr>
-          <p:cNvSpPr txBox="1"/>
-          <p:nvPr/>
-        </p:nvSpPr>
-        <p:spPr>
-          <a:xfrm>
-            <a:off x="5870376" y="-1273095"/>
-            <a:ext cx="401652" cy="369332"/>
-          </a:xfrm>
-          <a:prstGeom prst="rect">
-            <a:avLst/>
-          </a:prstGeom>
-          <a:noFill/>
-        </p:spPr>
-        <p:txBody>
-          <a:bodyPr wrap="square">
-            <a:spAutoFit/>
-          </a:bodyPr>
-          <a:lstStyle/>
-          <a:p>
-            <a:r>
-              <a:rPr lang="ko-KR" altLang="en-US" dirty="0"/>
-              <a:t>⑦</a:t>
-            </a:r>
-          </a:p>
-        </p:txBody>
-      </p:sp>
-      <p:sp>
-        <p:nvSpPr>
-          <p:cNvPr id="38" name="TextBox 37">
-            <a:extLst>
-              <a:ext uri="{FF2B5EF4-FFF2-40B4-BE49-F238E27FC236}">
-                <a16:creationId xmlns:a16="http://schemas.microsoft.com/office/drawing/2014/main" id="{78C6CE09-F1C5-CB8C-D049-C63B40458521}"/>
-              </a:ext>
-            </a:extLst>
-          </p:cNvPr>
-          <p:cNvSpPr txBox="1"/>
-          <p:nvPr/>
-        </p:nvSpPr>
-        <p:spPr>
-          <a:xfrm>
-            <a:off x="6153966" y="-1277589"/>
-            <a:ext cx="384560" cy="369332"/>
-          </a:xfrm>
-          <a:prstGeom prst="rect">
-            <a:avLst/>
-          </a:prstGeom>
-          <a:noFill/>
-        </p:spPr>
-        <p:txBody>
-          <a:bodyPr wrap="square">
-            <a:spAutoFit/>
-          </a:bodyPr>
-          <a:lstStyle/>
-          <a:p>
-            <a:r>
-              <a:rPr lang="ko-KR" altLang="en-US" dirty="0"/>
-              <a:t>⑧</a:t>
-            </a:r>
-          </a:p>
-        </p:txBody>
-      </p:sp>
-      <p:sp>
-        <p:nvSpPr>
-          <p:cNvPr id="40" name="TextBox 39">
-            <a:extLst>
-              <a:ext uri="{FF2B5EF4-FFF2-40B4-BE49-F238E27FC236}">
-                <a16:creationId xmlns:a16="http://schemas.microsoft.com/office/drawing/2014/main" id="{ED673F85-B0B8-5206-F0B2-EF309C6A35DB}"/>
-              </a:ext>
-            </a:extLst>
-          </p:cNvPr>
-          <p:cNvSpPr txBox="1"/>
-          <p:nvPr/>
-        </p:nvSpPr>
-        <p:spPr>
-          <a:xfrm>
-            <a:off x="6451087" y="-1277589"/>
-            <a:ext cx="394102" cy="369332"/>
-          </a:xfrm>
-          <a:prstGeom prst="rect">
-            <a:avLst/>
-          </a:prstGeom>
-          <a:noFill/>
-        </p:spPr>
-        <p:txBody>
-          <a:bodyPr wrap="square">
-            <a:spAutoFit/>
-          </a:bodyPr>
-          <a:lstStyle/>
-          <a:p>
-            <a:r>
-              <a:rPr lang="ko-KR" altLang="en-US" dirty="0"/>
-              <a:t>⑨</a:t>
-            </a:r>
-          </a:p>
-        </p:txBody>
-      </p:sp>
-      <p:sp>
-        <p:nvSpPr>
-          <p:cNvPr id="41" name="TextBox 40">
-            <a:extLst>
-              <a:ext uri="{FF2B5EF4-FFF2-40B4-BE49-F238E27FC236}">
-                <a16:creationId xmlns:a16="http://schemas.microsoft.com/office/drawing/2014/main" id="{3F4A48FF-111B-693A-A2E1-72FBDC0403DF}"/>
-              </a:ext>
-            </a:extLst>
-          </p:cNvPr>
-          <p:cNvSpPr txBox="1"/>
-          <p:nvPr/>
-        </p:nvSpPr>
-        <p:spPr>
-          <a:xfrm>
-            <a:off x="6761290" y="-1273095"/>
-            <a:ext cx="394102" cy="369332"/>
-          </a:xfrm>
-          <a:prstGeom prst="rect">
-            <a:avLst/>
-          </a:prstGeom>
-          <a:noFill/>
-        </p:spPr>
-        <p:txBody>
-          <a:bodyPr wrap="square">
-            <a:spAutoFit/>
-          </a:bodyPr>
-          <a:lstStyle/>
-          <a:p>
-            <a:r>
-              <a:rPr lang="ko-KR" altLang="en-US" dirty="0"/>
-              <a:t>⑩</a:t>
-            </a:r>
-          </a:p>
-        </p:txBody>
-      </p:sp>
       <p:pic>
         <p:nvPicPr>
-          <p:cNvPr id="18" name="그림 17">
-            <a:extLst>
-              <a:ext uri="{FF2B5EF4-FFF2-40B4-BE49-F238E27FC236}">
-                <a16:creationId xmlns:a16="http://schemas.microsoft.com/office/drawing/2014/main" id="{E6FD7722-80BC-74F4-3972-D8F8D3FDAFC6}"/>
+          <p:cNvPr id="7" name="그림 6">
+            <a:extLst>
+              <a:ext uri="{FF2B5EF4-FFF2-40B4-BE49-F238E27FC236}">
+                <a16:creationId xmlns:a16="http://schemas.microsoft.com/office/drawing/2014/main" id="{82B66987-2D77-5F0B-86EC-DEDCCA7FE3B7}"/>
               </a:ext>
             </a:extLst>
           </p:cNvPr>
@@ -15155,8 +13742,8 @@
         </p:blipFill>
         <p:spPr>
           <a:xfrm>
-            <a:off x="0" y="794776"/>
-            <a:ext cx="7694898" cy="6063224"/>
+            <a:off x="8577" y="1626677"/>
+            <a:ext cx="6639561" cy="3604646"/>
           </a:xfrm>
           <a:prstGeom prst="rect">
             <a:avLst/>
@@ -15165,10 +13752,10 @@
       </p:pic>
       <p:sp>
         <p:nvSpPr>
-          <p:cNvPr id="19" name="TextBox 18">
-            <a:extLst>
-              <a:ext uri="{FF2B5EF4-FFF2-40B4-BE49-F238E27FC236}">
-                <a16:creationId xmlns:a16="http://schemas.microsoft.com/office/drawing/2014/main" id="{87A0C5EA-B28C-AFE0-9ECD-4BAF890F5E1F}"/>
+          <p:cNvPr id="12" name="TextBox 11">
+            <a:extLst>
+              <a:ext uri="{FF2B5EF4-FFF2-40B4-BE49-F238E27FC236}">
+                <a16:creationId xmlns:a16="http://schemas.microsoft.com/office/drawing/2014/main" id="{C6CEE360-5511-7D65-8062-A7DC01F892F8}"/>
               </a:ext>
             </a:extLst>
           </p:cNvPr>
@@ -15177,7 +13764,7 @@
         </p:nvSpPr>
         <p:spPr>
           <a:xfrm>
-            <a:off x="0" y="1277496"/>
+            <a:off x="8577" y="1924944"/>
             <a:ext cx="393106" cy="369332"/>
           </a:xfrm>
           <a:prstGeom prst="rect">
@@ -15200,10 +13787,10 @@
       </p:sp>
       <p:sp>
         <p:nvSpPr>
-          <p:cNvPr id="20" name="TextBox 19">
-            <a:extLst>
-              <a:ext uri="{FF2B5EF4-FFF2-40B4-BE49-F238E27FC236}">
-                <a16:creationId xmlns:a16="http://schemas.microsoft.com/office/drawing/2014/main" id="{45CD8251-F708-99A2-BDCA-4F3AFD417EE8}"/>
+          <p:cNvPr id="13" name="TextBox 12">
+            <a:extLst>
+              <a:ext uri="{FF2B5EF4-FFF2-40B4-BE49-F238E27FC236}">
+                <a16:creationId xmlns:a16="http://schemas.microsoft.com/office/drawing/2014/main" id="{9245F969-B555-693C-AC34-1BA2CD8FEB0D}"/>
               </a:ext>
             </a:extLst>
           </p:cNvPr>
@@ -15212,7 +13799,7 @@
         </p:nvSpPr>
         <p:spPr>
           <a:xfrm>
-            <a:off x="160421" y="2879501"/>
+            <a:off x="1061630" y="2891911"/>
             <a:ext cx="393106" cy="369332"/>
           </a:xfrm>
           <a:prstGeom prst="rect">
@@ -15235,10 +13822,10 @@
       </p:sp>
       <p:sp>
         <p:nvSpPr>
-          <p:cNvPr id="22" name="TextBox 21">
-            <a:extLst>
-              <a:ext uri="{FF2B5EF4-FFF2-40B4-BE49-F238E27FC236}">
-                <a16:creationId xmlns:a16="http://schemas.microsoft.com/office/drawing/2014/main" id="{E6458242-B6C5-1A1D-280C-49E0A0E84257}"/>
+          <p:cNvPr id="14" name="TextBox 13">
+            <a:extLst>
+              <a:ext uri="{FF2B5EF4-FFF2-40B4-BE49-F238E27FC236}">
+                <a16:creationId xmlns:a16="http://schemas.microsoft.com/office/drawing/2014/main" id="{8F95FE6D-14A2-0E15-A494-F7F193DAAE8D}"/>
               </a:ext>
             </a:extLst>
           </p:cNvPr>
@@ -15247,7 +13834,7 @@
         </p:nvSpPr>
         <p:spPr>
           <a:xfrm>
-            <a:off x="176386" y="3891219"/>
+            <a:off x="209403" y="3785401"/>
             <a:ext cx="384560" cy="369332"/>
           </a:xfrm>
           <a:prstGeom prst="rect">
@@ -15264,6 +13851,41 @@
             <a:r>
               <a:rPr lang="ko-KR" altLang="en-US" dirty="0"/>
               <a:t>③</a:t>
+            </a:r>
+          </a:p>
+        </p:txBody>
+      </p:sp>
+      <p:sp>
+        <p:nvSpPr>
+          <p:cNvPr id="15" name="TextBox 14">
+            <a:extLst>
+              <a:ext uri="{FF2B5EF4-FFF2-40B4-BE49-F238E27FC236}">
+                <a16:creationId xmlns:a16="http://schemas.microsoft.com/office/drawing/2014/main" id="{0EFB8FD7-4BDE-6660-A048-E683CC733344}"/>
+              </a:ext>
+            </a:extLst>
+          </p:cNvPr>
+          <p:cNvSpPr txBox="1"/>
+          <p:nvPr/>
+        </p:nvSpPr>
+        <p:spPr>
+          <a:xfrm>
+            <a:off x="2768461" y="4529517"/>
+            <a:ext cx="410198" cy="369332"/>
+          </a:xfrm>
+          <a:prstGeom prst="rect">
+            <a:avLst/>
+          </a:prstGeom>
+          <a:noFill/>
+        </p:spPr>
+        <p:txBody>
+          <a:bodyPr wrap="square">
+            <a:spAutoFit/>
+          </a:bodyPr>
+          <a:lstStyle/>
+          <a:p>
+            <a:r>
+              <a:rPr lang="ko-KR" altLang="en-US" dirty="0"/>
+              <a:t>④</a:t>
             </a:r>
           </a:p>
         </p:txBody>

--- a/doc/1. 화면정의서/STUMO_화면정의서.pptx
+++ b/doc/1. 화면정의서/STUMO_화면정의서.pptx
@@ -280,7 +280,7 @@
           <a:p>
             <a:fld id="{F3B34B3F-010A-43D0-B99E-3343AD573276}" type="datetimeFigureOut">
               <a:rPr lang="ko-KR" altLang="en-US" smtClean="0"/>
-              <a:t>2022. 8. 15.</a:t>
+              <a:t>2022. 12. 31.</a:t>
             </a:fld>
             <a:endParaRPr lang="ko-KR" altLang="en-US"/>
           </a:p>
@@ -478,7 +478,7 @@
           <a:p>
             <a:fld id="{F3B34B3F-010A-43D0-B99E-3343AD573276}" type="datetimeFigureOut">
               <a:rPr lang="ko-KR" altLang="en-US" smtClean="0"/>
-              <a:t>2022. 8. 15.</a:t>
+              <a:t>2022. 12. 31.</a:t>
             </a:fld>
             <a:endParaRPr lang="ko-KR" altLang="en-US"/>
           </a:p>
@@ -686,7 +686,7 @@
           <a:p>
             <a:fld id="{F3B34B3F-010A-43D0-B99E-3343AD573276}" type="datetimeFigureOut">
               <a:rPr lang="ko-KR" altLang="en-US" smtClean="0"/>
-              <a:t>2022. 8. 15.</a:t>
+              <a:t>2022. 12. 31.</a:t>
             </a:fld>
             <a:endParaRPr lang="ko-KR" altLang="en-US"/>
           </a:p>
@@ -884,7 +884,7 @@
           <a:p>
             <a:fld id="{F3B34B3F-010A-43D0-B99E-3343AD573276}" type="datetimeFigureOut">
               <a:rPr lang="ko-KR" altLang="en-US" smtClean="0"/>
-              <a:t>2022. 8. 15.</a:t>
+              <a:t>2022. 12. 31.</a:t>
             </a:fld>
             <a:endParaRPr lang="ko-KR" altLang="en-US"/>
           </a:p>
@@ -1159,7 +1159,7 @@
           <a:p>
             <a:fld id="{F3B34B3F-010A-43D0-B99E-3343AD573276}" type="datetimeFigureOut">
               <a:rPr lang="ko-KR" altLang="en-US" smtClean="0"/>
-              <a:t>2022. 8. 15.</a:t>
+              <a:t>2022. 12. 31.</a:t>
             </a:fld>
             <a:endParaRPr lang="ko-KR" altLang="en-US"/>
           </a:p>
@@ -1424,7 +1424,7 @@
           <a:p>
             <a:fld id="{F3B34B3F-010A-43D0-B99E-3343AD573276}" type="datetimeFigureOut">
               <a:rPr lang="ko-KR" altLang="en-US" smtClean="0"/>
-              <a:t>2022. 8. 15.</a:t>
+              <a:t>2022. 12. 31.</a:t>
             </a:fld>
             <a:endParaRPr lang="ko-KR" altLang="en-US"/>
           </a:p>
@@ -1836,7 +1836,7 @@
           <a:p>
             <a:fld id="{F3B34B3F-010A-43D0-B99E-3343AD573276}" type="datetimeFigureOut">
               <a:rPr lang="ko-KR" altLang="en-US" smtClean="0"/>
-              <a:t>2022. 8. 15.</a:t>
+              <a:t>2022. 12. 31.</a:t>
             </a:fld>
             <a:endParaRPr lang="ko-KR" altLang="en-US"/>
           </a:p>
@@ -1977,7 +1977,7 @@
           <a:p>
             <a:fld id="{F3B34B3F-010A-43D0-B99E-3343AD573276}" type="datetimeFigureOut">
               <a:rPr lang="ko-KR" altLang="en-US" smtClean="0"/>
-              <a:t>2022. 8. 15.</a:t>
+              <a:t>2022. 12. 31.</a:t>
             </a:fld>
             <a:endParaRPr lang="ko-KR" altLang="en-US"/>
           </a:p>
@@ -2090,7 +2090,7 @@
           <a:p>
             <a:fld id="{F3B34B3F-010A-43D0-B99E-3343AD573276}" type="datetimeFigureOut">
               <a:rPr lang="ko-KR" altLang="en-US" smtClean="0"/>
-              <a:t>2022. 8. 15.</a:t>
+              <a:t>2022. 12. 31.</a:t>
             </a:fld>
             <a:endParaRPr lang="ko-KR" altLang="en-US"/>
           </a:p>
@@ -2508,7 +2508,7 @@
           <a:p>
             <a:fld id="{F3B34B3F-010A-43D0-B99E-3343AD573276}" type="datetimeFigureOut">
               <a:rPr lang="ko-KR" altLang="en-US" smtClean="0"/>
-              <a:t>2022. 8. 15.</a:t>
+              <a:t>2022. 12. 31.</a:t>
             </a:fld>
             <a:endParaRPr lang="ko-KR" altLang="en-US"/>
           </a:p>
@@ -2796,7 +2796,7 @@
           <a:p>
             <a:fld id="{F3B34B3F-010A-43D0-B99E-3343AD573276}" type="datetimeFigureOut">
               <a:rPr lang="ko-KR" altLang="en-US" smtClean="0"/>
-              <a:t>2022. 8. 15.</a:t>
+              <a:t>2022. 12. 31.</a:t>
             </a:fld>
             <a:endParaRPr lang="ko-KR" altLang="en-US"/>
           </a:p>
@@ -3037,7 +3037,7 @@
           <a:p>
             <a:fld id="{F3B34B3F-010A-43D0-B99E-3343AD573276}" type="datetimeFigureOut">
               <a:rPr lang="ko-KR" altLang="en-US" smtClean="0"/>
-              <a:t>2022. 8. 15.</a:t>
+              <a:t>2022. 12. 31.</a:t>
             </a:fld>
             <a:endParaRPr lang="ko-KR" altLang="en-US"/>
           </a:p>
@@ -4348,13 +4348,52 @@
               </a:rPr>
               <a:t> </a:t>
             </a:r>
-            <a:r>
-              <a:rPr lang="en-US" altLang="ko-KR" sz="1000" dirty="0">
-                <a:solidFill>
-                  <a:schemeClr val="tx1"/>
-                </a:solidFill>
-              </a:rPr>
-              <a:t>(</a:t>
+            <a:endParaRPr lang="en-US" altLang="ko-KR" sz="1000" dirty="0">
+              <a:solidFill>
+                <a:schemeClr val="tx1"/>
+              </a:solidFill>
+            </a:endParaRPr>
+          </a:p>
+          <a:p>
+            <a:r>
+              <a:rPr lang="ko-KR" altLang="en-US" sz="1000" dirty="0">
+                <a:solidFill>
+                  <a:schemeClr val="tx1"/>
+                </a:solidFill>
+              </a:rPr>
+              <a:t>②</a:t>
+            </a:r>
+            <a:r>
+              <a:rPr lang="en-US" altLang="ko-KR" sz="1000" dirty="0">
+                <a:solidFill>
+                  <a:schemeClr val="tx1"/>
+                </a:solidFill>
+              </a:rPr>
+              <a:t>-1 </a:t>
+            </a:r>
+            <a:r>
+              <a:rPr lang="ko-KR" altLang="en-US" sz="1000" dirty="0">
+                <a:solidFill>
+                  <a:schemeClr val="tx1"/>
+                </a:solidFill>
+              </a:rPr>
+              <a:t>시작일이 도래하기 전 </a:t>
+            </a:r>
+            <a:r>
+              <a:rPr lang="en-US" altLang="ko-KR" sz="1000" dirty="0">
+                <a:solidFill>
+                  <a:schemeClr val="tx1"/>
+                </a:solidFill>
+              </a:rPr>
+              <a:t>:</a:t>
+            </a:r>
+            <a:r>
+              <a:rPr lang="ko-KR" altLang="en-US" sz="1000" dirty="0">
+                <a:solidFill>
+                  <a:schemeClr val="tx1"/>
+                </a:solidFill>
+              </a:rPr>
+              <a:t> </a:t>
             </a:r>
             <a:r>
               <a:rPr lang="ko-KR" altLang="en-US" sz="1000" dirty="0" err="1">
@@ -4364,13 +4403,44 @@
               </a:rPr>
               <a:t>작성중</a:t>
             </a:r>
-            <a:r>
-              <a:rPr lang="en-US" altLang="ko-KR" sz="1000" dirty="0">
-                <a:solidFill>
-                  <a:schemeClr val="tx1"/>
-                </a:solidFill>
-              </a:rPr>
-              <a:t>,</a:t>
+            <a:endParaRPr lang="en-US" altLang="ko-KR" sz="1000" dirty="0">
+              <a:solidFill>
+                <a:schemeClr val="tx1"/>
+              </a:solidFill>
+            </a:endParaRPr>
+          </a:p>
+          <a:p>
+            <a:r>
+              <a:rPr lang="ko-KR" altLang="en-US" sz="1000" dirty="0">
+                <a:solidFill>
+                  <a:schemeClr val="tx1"/>
+                </a:solidFill>
+              </a:rPr>
+              <a:t>②</a:t>
+            </a:r>
+            <a:r>
+              <a:rPr lang="en-US" altLang="ko-KR" sz="1000" dirty="0">
+                <a:solidFill>
+                  <a:schemeClr val="tx1"/>
+                </a:solidFill>
+              </a:rPr>
+              <a:t>-2</a:t>
+            </a:r>
+            <a:r>
+              <a:rPr lang="ko-KR" altLang="en-US" sz="1000" dirty="0">
+                <a:solidFill>
+                  <a:schemeClr val="tx1"/>
+                </a:solidFill>
+              </a:rPr>
+              <a:t> 시작일이 도래하면 </a:t>
+            </a:r>
+            <a:r>
+              <a:rPr lang="en-US" altLang="ko-KR" sz="1000" dirty="0">
+                <a:solidFill>
+                  <a:schemeClr val="tx1"/>
+                </a:solidFill>
+              </a:rPr>
+              <a:t>:</a:t>
             </a:r>
             <a:r>
               <a:rPr lang="ko-KR" altLang="en-US" sz="1000" dirty="0">
@@ -4386,49 +4456,56 @@
                   <a:schemeClr val="tx1"/>
                 </a:solidFill>
               </a:rPr>
-              <a:t>모집중</a:t>
-            </a:r>
-            <a:r>
-              <a:rPr lang="en-US" altLang="ko-KR" sz="1000" dirty="0">
-                <a:solidFill>
-                  <a:schemeClr val="tx1"/>
-                </a:solidFill>
-              </a:rPr>
-              <a:t>,</a:t>
-            </a:r>
-            <a:r>
-              <a:rPr lang="ko-KR" altLang="en-US" sz="1000" dirty="0">
-                <a:solidFill>
-                  <a:schemeClr val="tx1"/>
-                </a:solidFill>
-              </a:rPr>
-              <a:t> 모집종료 </a:t>
-            </a:r>
-            <a:r>
-              <a:rPr lang="en-US" altLang="ko-KR" sz="1000" dirty="0">
-                <a:solidFill>
-                  <a:schemeClr val="tx1"/>
-                </a:solidFill>
-              </a:rPr>
-              <a:t>--</a:t>
-            </a:r>
-            <a:r>
-              <a:rPr lang="ko-KR" altLang="en-US" sz="1000" dirty="0">
-                <a:solidFill>
-                  <a:schemeClr val="tx1"/>
-                </a:solidFill>
-              </a:rPr>
-              <a:t> 미정</a:t>
-            </a:r>
-            <a:r>
-              <a:rPr lang="en-US" altLang="ko-KR" sz="1000" dirty="0">
-                <a:solidFill>
-                  <a:schemeClr val="tx1"/>
-                </a:solidFill>
-              </a:rPr>
-              <a:t>)</a:t>
-            </a:r>
-            <a:endParaRPr lang="ko-KR" altLang="en-US" sz="1000" dirty="0">
+              <a:t>모집전</a:t>
+            </a:r>
+            <a:endParaRPr lang="en-US" altLang="ko-KR" sz="1000" dirty="0">
+              <a:solidFill>
+                <a:schemeClr val="tx1"/>
+              </a:solidFill>
+            </a:endParaRPr>
+          </a:p>
+          <a:p>
+            <a:r>
+              <a:rPr lang="ko-KR" altLang="en-US" sz="1000" dirty="0">
+                <a:solidFill>
+                  <a:schemeClr val="tx1"/>
+                </a:solidFill>
+              </a:rPr>
+              <a:t>②</a:t>
+            </a:r>
+            <a:r>
+              <a:rPr lang="en-US" altLang="ko-KR" sz="1000" dirty="0">
+                <a:solidFill>
+                  <a:schemeClr val="tx1"/>
+                </a:solidFill>
+              </a:rPr>
+              <a:t>-3</a:t>
+            </a:r>
+            <a:r>
+              <a:rPr lang="ko-KR" altLang="en-US" sz="1000" dirty="0">
+                <a:solidFill>
+                  <a:schemeClr val="tx1"/>
+                </a:solidFill>
+              </a:rPr>
+              <a:t> 종료일이 도래하면 </a:t>
+            </a:r>
+            <a:r>
+              <a:rPr lang="en-US" altLang="ko-KR" sz="1000" dirty="0">
+                <a:solidFill>
+                  <a:schemeClr val="tx1"/>
+                </a:solidFill>
+              </a:rPr>
+              <a:t>:</a:t>
+            </a:r>
+            <a:r>
+              <a:rPr lang="ko-KR" altLang="en-US" sz="1000" dirty="0">
+                <a:solidFill>
+                  <a:schemeClr val="tx1"/>
+                </a:solidFill>
+              </a:rPr>
+              <a:t> 모집종료</a:t>
+            </a:r>
+            <a:endParaRPr lang="en-US" altLang="ko-KR" sz="1000" dirty="0">
               <a:solidFill>
                 <a:schemeClr val="tx1"/>
               </a:solidFill>
